--- a/skripsi ppt.pptx
+++ b/skripsi ppt.pptx
@@ -7,10 +7,14 @@
   <p:sldIdLst>
     <p:sldId id="256" r:id="rId2"/>
     <p:sldId id="262" r:id="rId3"/>
-    <p:sldId id="264" r:id="rId4"/>
-    <p:sldId id="265" r:id="rId5"/>
-    <p:sldId id="266" r:id="rId6"/>
-    <p:sldId id="263" r:id="rId7"/>
+    <p:sldId id="267" r:id="rId4"/>
+    <p:sldId id="268" r:id="rId5"/>
+    <p:sldId id="269" r:id="rId6"/>
+    <p:sldId id="270" r:id="rId7"/>
+    <p:sldId id="264" r:id="rId8"/>
+    <p:sldId id="265" r:id="rId9"/>
+    <p:sldId id="266" r:id="rId10"/>
+    <p:sldId id="263" r:id="rId11"/>
   </p:sldIdLst>
   <p:sldSz cx="12192000" cy="6858000"/>
   <p:notesSz cx="6858000" cy="9144000"/>
@@ -4393,7 +4397,7 @@
           <a:p>
             <a:fld id="{48A87A34-81AB-432B-8DAE-1953F412C126}" type="datetimeFigureOut">
               <a:rPr lang="en-US" dirty="0"/>
-              <a:t>7/13/2022</a:t>
+              <a:t>7/18/2022</a:t>
             </a:fld>
             <a:endParaRPr lang="en-US" dirty="0"/>
           </a:p>
@@ -4655,7 +4659,7 @@
           <a:p>
             <a:fld id="{48A87A34-81AB-432B-8DAE-1953F412C126}" type="datetimeFigureOut">
               <a:rPr lang="en-US" dirty="0"/>
-              <a:t>7/13/2022</a:t>
+              <a:t>7/18/2022</a:t>
             </a:fld>
             <a:endParaRPr lang="en-US" dirty="0"/>
           </a:p>
@@ -4846,7 +4850,7 @@
           <a:p>
             <a:fld id="{48A87A34-81AB-432B-8DAE-1953F412C126}" type="datetimeFigureOut">
               <a:rPr lang="en-US" dirty="0"/>
-              <a:t>7/13/2022</a:t>
+              <a:t>7/18/2022</a:t>
             </a:fld>
             <a:endParaRPr lang="en-US" dirty="0"/>
           </a:p>
@@ -5104,7 +5108,7 @@
           <a:p>
             <a:fld id="{48A87A34-81AB-432B-8DAE-1953F412C126}" type="datetimeFigureOut">
               <a:rPr lang="en-US" dirty="0"/>
-              <a:t>7/13/2022</a:t>
+              <a:t>7/18/2022</a:t>
             </a:fld>
             <a:endParaRPr lang="en-US" dirty="0"/>
           </a:p>
@@ -5533,7 +5537,7 @@
           <a:p>
             <a:fld id="{48A87A34-81AB-432B-8DAE-1953F412C126}" type="datetimeFigureOut">
               <a:rPr lang="en-US" dirty="0"/>
-              <a:t>7/13/2022</a:t>
+              <a:t>7/18/2022</a:t>
             </a:fld>
             <a:endParaRPr lang="en-US" dirty="0"/>
           </a:p>
@@ -6074,7 +6078,7 @@
           <a:p>
             <a:fld id="{48A87A34-81AB-432B-8DAE-1953F412C126}" type="datetimeFigureOut">
               <a:rPr lang="en-US" dirty="0"/>
-              <a:t>7/13/2022</a:t>
+              <a:t>7/18/2022</a:t>
             </a:fld>
             <a:endParaRPr lang="en-US" dirty="0"/>
           </a:p>
@@ -6789,7 +6793,7 @@
           <a:p>
             <a:fld id="{48A87A34-81AB-432B-8DAE-1953F412C126}" type="datetimeFigureOut">
               <a:rPr lang="en-US" dirty="0"/>
-              <a:t>7/13/2022</a:t>
+              <a:t>7/18/2022</a:t>
             </a:fld>
             <a:endParaRPr lang="en-US" dirty="0"/>
           </a:p>
@@ -6954,7 +6958,7 @@
           <a:p>
             <a:fld id="{48A87A34-81AB-432B-8DAE-1953F412C126}" type="datetimeFigureOut">
               <a:rPr lang="en-US" dirty="0"/>
-              <a:t>7/13/2022</a:t>
+              <a:t>7/18/2022</a:t>
             </a:fld>
             <a:endParaRPr lang="en-US" dirty="0"/>
           </a:p>
@@ -7129,7 +7133,7 @@
           <a:p>
             <a:fld id="{48A87A34-81AB-432B-8DAE-1953F412C126}" type="datetimeFigureOut">
               <a:rPr lang="en-US" dirty="0"/>
-              <a:t>7/13/2022</a:t>
+              <a:t>7/18/2022</a:t>
             </a:fld>
             <a:endParaRPr lang="en-US" dirty="0"/>
           </a:p>
@@ -7294,7 +7298,7 @@
           <a:p>
             <a:fld id="{48A87A34-81AB-432B-8DAE-1953F412C126}" type="datetimeFigureOut">
               <a:rPr lang="en-US" dirty="0"/>
-              <a:t>7/13/2022</a:t>
+              <a:t>7/18/2022</a:t>
             </a:fld>
             <a:endParaRPr lang="en-US" dirty="0"/>
           </a:p>
@@ -7539,7 +7543,7 @@
           <a:p>
             <a:fld id="{48A87A34-81AB-432B-8DAE-1953F412C126}" type="datetimeFigureOut">
               <a:rPr lang="en-US" dirty="0"/>
-              <a:t>7/13/2022</a:t>
+              <a:t>7/18/2022</a:t>
             </a:fld>
             <a:endParaRPr lang="en-US" dirty="0"/>
           </a:p>
@@ -7766,7 +7770,7 @@
           <a:p>
             <a:fld id="{48A87A34-81AB-432B-8DAE-1953F412C126}" type="datetimeFigureOut">
               <a:rPr lang="en-US" dirty="0"/>
-              <a:t>7/13/2022</a:t>
+              <a:t>7/18/2022</a:t>
             </a:fld>
             <a:endParaRPr lang="en-US" dirty="0"/>
           </a:p>
@@ -8142,7 +8146,7 @@
           <a:p>
             <a:fld id="{48A87A34-81AB-432B-8DAE-1953F412C126}" type="datetimeFigureOut">
               <a:rPr lang="en-US" dirty="0"/>
-              <a:t>7/13/2022</a:t>
+              <a:t>7/18/2022</a:t>
             </a:fld>
             <a:endParaRPr lang="en-US" dirty="0"/>
           </a:p>
@@ -8255,7 +8259,7 @@
           <a:p>
             <a:fld id="{48A87A34-81AB-432B-8DAE-1953F412C126}" type="datetimeFigureOut">
               <a:rPr lang="en-US" dirty="0"/>
-              <a:t>7/13/2022</a:t>
+              <a:t>7/18/2022</a:t>
             </a:fld>
             <a:endParaRPr lang="en-US" dirty="0"/>
           </a:p>
@@ -8345,7 +8349,7 @@
           <a:p>
             <a:fld id="{48A87A34-81AB-432B-8DAE-1953F412C126}" type="datetimeFigureOut">
               <a:rPr lang="en-US" dirty="0"/>
-              <a:t>7/13/2022</a:t>
+              <a:t>7/18/2022</a:t>
             </a:fld>
             <a:endParaRPr lang="en-US" dirty="0"/>
           </a:p>
@@ -8589,7 +8593,7 @@
           <a:p>
             <a:fld id="{48A87A34-81AB-432B-8DAE-1953F412C126}" type="datetimeFigureOut">
               <a:rPr lang="en-US" dirty="0"/>
-              <a:t>7/13/2022</a:t>
+              <a:t>7/18/2022</a:t>
             </a:fld>
             <a:endParaRPr lang="en-US" dirty="0"/>
           </a:p>
@@ -8864,7 +8868,7 @@
           <a:p>
             <a:fld id="{48A87A34-81AB-432B-8DAE-1953F412C126}" type="datetimeFigureOut">
               <a:rPr lang="en-US" dirty="0"/>
-              <a:t>7/13/2022</a:t>
+              <a:t>7/18/2022</a:t>
             </a:fld>
             <a:endParaRPr lang="en-US" dirty="0"/>
           </a:p>
@@ -11937,7 +11941,7 @@
             <a:fld id="{48A87A34-81AB-432B-8DAE-1953F412C126}" type="datetimeFigureOut">
               <a:rPr lang="en-US" dirty="0"/>
               <a:pPr/>
-              <a:t>7/13/2022</a:t>
+              <a:t>7/18/2022</a:t>
             </a:fld>
             <a:endParaRPr lang="en-US" dirty="0"/>
           </a:p>
@@ -13026,6 +13030,73 @@
 </p:sld>
 </file>
 
+<file path=ppt/slides/slide10.xml><?xml version="1.0" encoding="utf-8"?>
+<p:sld xmlns:a="http://schemas.openxmlformats.org/drawingml/2006/main" xmlns:r="http://schemas.openxmlformats.org/officeDocument/2006/relationships" xmlns:p="http://schemas.openxmlformats.org/presentationml/2006/main">
+  <p:cSld>
+    <p:bg>
+      <p:bgPr>
+        <a:solidFill>
+          <a:schemeClr val="accent1"/>
+        </a:solidFill>
+        <a:effectLst/>
+      </p:bgPr>
+    </p:bg>
+    <p:spTree>
+      <p:nvGrpSpPr>
+        <p:cNvPr id="1" name=""/>
+        <p:cNvGrpSpPr/>
+        <p:nvPr/>
+      </p:nvGrpSpPr>
+      <p:grpSpPr>
+        <a:xfrm>
+          <a:off x="0" y="0"/>
+          <a:ext cx="0" cy="0"/>
+          <a:chOff x="0" y="0"/>
+          <a:chExt cx="0" cy="0"/>
+        </a:xfrm>
+      </p:grpSpPr>
+      <p:sp>
+        <p:nvSpPr>
+          <p:cNvPr id="2" name="Title 1"/>
+          <p:cNvSpPr>
+            <a:spLocks noGrp="1"/>
+          </p:cNvSpPr>
+          <p:nvPr>
+            <p:ph type="title"/>
+          </p:nvPr>
+        </p:nvSpPr>
+        <p:spPr>
+          <a:xfrm>
+            <a:off x="1141413" y="2526151"/>
+            <a:ext cx="9905998" cy="1478570"/>
+          </a:xfrm>
+        </p:spPr>
+        <p:txBody>
+          <a:bodyPr/>
+          <a:lstStyle/>
+          <a:p>
+            <a:pPr algn="ctr"/>
+            <a:r>
+              <a:rPr lang="en-US" dirty="0" err="1" smtClean="0"/>
+              <a:t>terimakasih</a:t>
+            </a:r>
+            <a:endParaRPr lang="en-US" dirty="0"/>
+          </a:p>
+        </p:txBody>
+      </p:sp>
+    </p:spTree>
+    <p:extLst>
+      <p:ext uri="{BB962C8B-B14F-4D97-AF65-F5344CB8AC3E}">
+        <p14:creationId xmlns:p14="http://schemas.microsoft.com/office/powerpoint/2010/main" val="1632817670"/>
+      </p:ext>
+    </p:extLst>
+  </p:cSld>
+  <p:clrMapOvr>
+    <a:masterClrMapping/>
+  </p:clrMapOvr>
+</p:sld>
+</file>
+
 <file path=ppt/slides/slide2.xml><?xml version="1.0" encoding="utf-8"?>
 <p:sld xmlns:a="http://schemas.openxmlformats.org/drawingml/2006/main" xmlns:r="http://schemas.openxmlformats.org/officeDocument/2006/relationships" xmlns:p="http://schemas.openxmlformats.org/presentationml/2006/main">
   <p:cSld>
@@ -13105,7 +13176,7 @@
         </p:spPr>
         <p:txBody>
           <a:bodyPr>
-            <a:normAutofit fontScale="85000" lnSpcReduction="20000"/>
+            <a:normAutofit/>
           </a:bodyPr>
           <a:lstStyle/>
           <a:p>
@@ -13114,7 +13185,7 @@
                 <a:latin typeface="Times New Roman" panose="02020603050405020304" pitchFamily="18" charset="0"/>
                 <a:cs typeface="Times New Roman" panose="02020603050405020304" pitchFamily="18" charset="0"/>
               </a:rPr>
-              <a:t>Terbatasya</a:t>
+              <a:t>Penghitunga</a:t>
             </a:r>
             <a:r>
               <a:rPr lang="en-US" sz="3500" dirty="0" smtClean="0">
@@ -13135,6 +13206,34 @@
                 <a:latin typeface="Times New Roman" panose="02020603050405020304" pitchFamily="18" charset="0"/>
                 <a:cs typeface="Times New Roman" panose="02020603050405020304" pitchFamily="18" charset="0"/>
               </a:rPr>
+              <a:t> supplier </a:t>
+            </a:r>
+            <a:r>
+              <a:rPr lang="en-US" sz="3500" dirty="0" err="1" smtClean="0">
+                <a:latin typeface="Times New Roman" panose="02020603050405020304" pitchFamily="18" charset="0"/>
+                <a:cs typeface="Times New Roman" panose="02020603050405020304" pitchFamily="18" charset="0"/>
+              </a:rPr>
+              <a:t>baru</a:t>
+            </a:r>
+            <a:r>
+              <a:rPr lang="en-US" sz="3500" dirty="0" smtClean="0">
+                <a:latin typeface="Times New Roman" panose="02020603050405020304" pitchFamily="18" charset="0"/>
+                <a:cs typeface="Times New Roman" panose="02020603050405020304" pitchFamily="18" charset="0"/>
+              </a:rPr>
+              <a:t> yang </a:t>
+            </a:r>
+            <a:r>
+              <a:rPr lang="en-US" sz="3500" dirty="0" err="1" smtClean="0">
+                <a:latin typeface="Times New Roman" panose="02020603050405020304" pitchFamily="18" charset="0"/>
+                <a:cs typeface="Times New Roman" panose="02020603050405020304" pitchFamily="18" charset="0"/>
+              </a:rPr>
+              <a:t>masih</a:t>
+            </a:r>
+            <a:r>
+              <a:rPr lang="en-US" sz="3500" dirty="0" smtClean="0">
+                <a:latin typeface="Times New Roman" panose="02020603050405020304" pitchFamily="18" charset="0"/>
+                <a:cs typeface="Times New Roman" panose="02020603050405020304" pitchFamily="18" charset="0"/>
+              </a:rPr>
               <a:t> </a:t>
             </a:r>
             <a:r>
@@ -13142,7 +13241,41 @@
                 <a:latin typeface="Times New Roman" panose="02020603050405020304" pitchFamily="18" charset="0"/>
                 <a:cs typeface="Times New Roman" panose="02020603050405020304" pitchFamily="18" charset="0"/>
               </a:rPr>
-              <a:t>keputusan</a:t>
+              <a:t>manul</a:t>
+            </a:r>
+            <a:endParaRPr lang="en-US" sz="3500" dirty="0">
+              <a:latin typeface="Times New Roman" panose="02020603050405020304" pitchFamily="18" charset="0"/>
+              <a:cs typeface="Times New Roman" panose="02020603050405020304" pitchFamily="18" charset="0"/>
+            </a:endParaRPr>
+          </a:p>
+          <a:p>
+            <a:r>
+              <a:rPr lang="en-US" sz="3500" dirty="0" smtClean="0">
+                <a:latin typeface="Times New Roman" panose="02020603050405020304" pitchFamily="18" charset="0"/>
+                <a:cs typeface="Times New Roman" panose="02020603050405020304" pitchFamily="18" charset="0"/>
+              </a:rPr>
+              <a:t>Proses manual yang </a:t>
+            </a:r>
+            <a:r>
+              <a:rPr lang="en-US" sz="3500" dirty="0" err="1" smtClean="0">
+                <a:latin typeface="Times New Roman" panose="02020603050405020304" pitchFamily="18" charset="0"/>
+                <a:cs typeface="Times New Roman" panose="02020603050405020304" pitchFamily="18" charset="0"/>
+              </a:rPr>
+              <a:t>memakan</a:t>
+            </a:r>
+            <a:r>
+              <a:rPr lang="en-US" sz="3500" dirty="0" smtClean="0">
+                <a:latin typeface="Times New Roman" panose="02020603050405020304" pitchFamily="18" charset="0"/>
+                <a:cs typeface="Times New Roman" panose="02020603050405020304" pitchFamily="18" charset="0"/>
+              </a:rPr>
+              <a:t> </a:t>
+            </a:r>
+            <a:r>
+              <a:rPr lang="en-US" sz="3500" dirty="0" err="1" smtClean="0">
+                <a:latin typeface="Times New Roman" panose="02020603050405020304" pitchFamily="18" charset="0"/>
+                <a:cs typeface="Times New Roman" panose="02020603050405020304" pitchFamily="18" charset="0"/>
+              </a:rPr>
+              <a:t>waktu</a:t>
             </a:r>
             <a:endParaRPr lang="en-US" sz="3500" dirty="0" smtClean="0">
               <a:latin typeface="Times New Roman" panose="02020603050405020304" pitchFamily="18" charset="0"/>
@@ -13151,11 +13284,18 @@
           </a:p>
           <a:p>
             <a:r>
+              <a:rPr lang="en-US" sz="3500" dirty="0" smtClean="0">
+                <a:latin typeface="Times New Roman" panose="02020603050405020304" pitchFamily="18" charset="0"/>
+                <a:cs typeface="Times New Roman" panose="02020603050405020304" pitchFamily="18" charset="0"/>
+              </a:rPr>
+              <a:t>Proses </a:t>
+            </a:r>
+            <a:r>
               <a:rPr lang="en-US" sz="3500" dirty="0" err="1" smtClean="0">
                 <a:latin typeface="Times New Roman" panose="02020603050405020304" pitchFamily="18" charset="0"/>
                 <a:cs typeface="Times New Roman" panose="02020603050405020304" pitchFamily="18" charset="0"/>
               </a:rPr>
-              <a:t>Perlu</a:t>
+              <a:t>penentuan</a:t>
             </a:r>
             <a:r>
               <a:rPr lang="en-US" sz="3500" dirty="0" smtClean="0">
@@ -13169,7 +13309,7 @@
                 <a:latin typeface="Times New Roman" panose="02020603050405020304" pitchFamily="18" charset="0"/>
                 <a:cs typeface="Times New Roman" panose="02020603050405020304" pitchFamily="18" charset="0"/>
               </a:rPr>
-              <a:t>adanya</a:t>
+              <a:t>keputusan</a:t>
             </a:r>
             <a:r>
               <a:rPr lang="en-US" sz="3500" dirty="0" smtClean="0">
@@ -13183,202 +13323,49 @@
                 <a:latin typeface="Times New Roman" panose="02020603050405020304" pitchFamily="18" charset="0"/>
                 <a:cs typeface="Times New Roman" panose="02020603050405020304" pitchFamily="18" charset="0"/>
               </a:rPr>
+              <a:t>tidak</a:t>
+            </a:r>
+            <a:r>
+              <a:rPr lang="en-US" sz="3500" dirty="0" smtClean="0">
+                <a:latin typeface="Times New Roman" panose="02020603050405020304" pitchFamily="18" charset="0"/>
+                <a:cs typeface="Times New Roman" panose="02020603050405020304" pitchFamily="18" charset="0"/>
+              </a:rPr>
+              <a:t> </a:t>
+            </a:r>
+            <a:r>
+              <a:rPr lang="en-US" sz="3500" dirty="0" err="1" smtClean="0">
+                <a:latin typeface="Times New Roman" panose="02020603050405020304" pitchFamily="18" charset="0"/>
+                <a:cs typeface="Times New Roman" panose="02020603050405020304" pitchFamily="18" charset="0"/>
+              </a:rPr>
+              <a:t>didukung</a:t>
+            </a:r>
+            <a:r>
+              <a:rPr lang="en-US" sz="3500" dirty="0" smtClean="0">
+                <a:latin typeface="Times New Roman" panose="02020603050405020304" pitchFamily="18" charset="0"/>
+                <a:cs typeface="Times New Roman" panose="02020603050405020304" pitchFamily="18" charset="0"/>
+              </a:rPr>
+              <a:t> </a:t>
+            </a:r>
+            <a:r>
+              <a:rPr lang="en-US" sz="3500" dirty="0" err="1" smtClean="0">
+                <a:latin typeface="Times New Roman" panose="02020603050405020304" pitchFamily="18" charset="0"/>
+                <a:cs typeface="Times New Roman" panose="02020603050405020304" pitchFamily="18" charset="0"/>
+              </a:rPr>
+              <a:t>sebuah</a:t>
+            </a:r>
+            <a:r>
+              <a:rPr lang="en-US" sz="3500" dirty="0" smtClean="0">
+                <a:latin typeface="Times New Roman" panose="02020603050405020304" pitchFamily="18" charset="0"/>
+                <a:cs typeface="Times New Roman" panose="02020603050405020304" pitchFamily="18" charset="0"/>
+              </a:rPr>
+              <a:t> </a:t>
+            </a:r>
+            <a:r>
+              <a:rPr lang="en-US" sz="3500" dirty="0" err="1" smtClean="0">
+                <a:latin typeface="Times New Roman" panose="02020603050405020304" pitchFamily="18" charset="0"/>
+                <a:cs typeface="Times New Roman" panose="02020603050405020304" pitchFamily="18" charset="0"/>
+              </a:rPr>
               <a:t>metode</a:t>
-            </a:r>
-            <a:r>
-              <a:rPr lang="en-US" sz="3500" dirty="0" smtClean="0">
-                <a:latin typeface="Times New Roman" panose="02020603050405020304" pitchFamily="18" charset="0"/>
-                <a:cs typeface="Times New Roman" panose="02020603050405020304" pitchFamily="18" charset="0"/>
-              </a:rPr>
-              <a:t> yang </a:t>
-            </a:r>
-            <a:r>
-              <a:rPr lang="en-US" sz="3500" dirty="0" err="1" smtClean="0">
-                <a:latin typeface="Times New Roman" panose="02020603050405020304" pitchFamily="18" charset="0"/>
-                <a:cs typeface="Times New Roman" panose="02020603050405020304" pitchFamily="18" charset="0"/>
-              </a:rPr>
-              <a:t>tepat</a:t>
-            </a:r>
-            <a:r>
-              <a:rPr lang="en-US" sz="3500" dirty="0" smtClean="0">
-                <a:latin typeface="Times New Roman" panose="02020603050405020304" pitchFamily="18" charset="0"/>
-                <a:cs typeface="Times New Roman" panose="02020603050405020304" pitchFamily="18" charset="0"/>
-              </a:rPr>
-              <a:t> </a:t>
-            </a:r>
-            <a:r>
-              <a:rPr lang="en-US" sz="3500" dirty="0" err="1" smtClean="0">
-                <a:latin typeface="Times New Roman" panose="02020603050405020304" pitchFamily="18" charset="0"/>
-                <a:cs typeface="Times New Roman" panose="02020603050405020304" pitchFamily="18" charset="0"/>
-              </a:rPr>
-              <a:t>menentukan</a:t>
-            </a:r>
-            <a:r>
-              <a:rPr lang="en-US" sz="3500" dirty="0" smtClean="0">
-                <a:latin typeface="Times New Roman" panose="02020603050405020304" pitchFamily="18" charset="0"/>
-                <a:cs typeface="Times New Roman" panose="02020603050405020304" pitchFamily="18" charset="0"/>
-              </a:rPr>
-              <a:t> supplier </a:t>
-            </a:r>
-            <a:r>
-              <a:rPr lang="en-US" sz="3500" dirty="0" err="1" smtClean="0">
-                <a:latin typeface="Times New Roman" panose="02020603050405020304" pitchFamily="18" charset="0"/>
-                <a:cs typeface="Times New Roman" panose="02020603050405020304" pitchFamily="18" charset="0"/>
-              </a:rPr>
-              <a:t>terbaik</a:t>
-            </a:r>
-            <a:endParaRPr lang="en-US" sz="3500" dirty="0" smtClean="0">
-              <a:latin typeface="Times New Roman" panose="02020603050405020304" pitchFamily="18" charset="0"/>
-              <a:cs typeface="Times New Roman" panose="02020603050405020304" pitchFamily="18" charset="0"/>
-            </a:endParaRPr>
-          </a:p>
-          <a:p>
-            <a:r>
-              <a:rPr lang="en-US" sz="3500" dirty="0" err="1" smtClean="0">
-                <a:latin typeface="Times New Roman" panose="02020603050405020304" pitchFamily="18" charset="0"/>
-                <a:cs typeface="Times New Roman" panose="02020603050405020304" pitchFamily="18" charset="0"/>
-              </a:rPr>
-              <a:t>Pendekatan</a:t>
-            </a:r>
-            <a:r>
-              <a:rPr lang="en-US" sz="3500" dirty="0" smtClean="0">
-                <a:latin typeface="Times New Roman" panose="02020603050405020304" pitchFamily="18" charset="0"/>
-                <a:cs typeface="Times New Roman" panose="02020603050405020304" pitchFamily="18" charset="0"/>
-              </a:rPr>
-              <a:t> </a:t>
-            </a:r>
-            <a:r>
-              <a:rPr lang="en-US" sz="3500" dirty="0" err="1" smtClean="0">
-                <a:latin typeface="Times New Roman" panose="02020603050405020304" pitchFamily="18" charset="0"/>
-                <a:cs typeface="Times New Roman" panose="02020603050405020304" pitchFamily="18" charset="0"/>
-              </a:rPr>
-              <a:t>metode</a:t>
-            </a:r>
-            <a:r>
-              <a:rPr lang="en-US" sz="3500" dirty="0" smtClean="0">
-                <a:latin typeface="Times New Roman" panose="02020603050405020304" pitchFamily="18" charset="0"/>
-                <a:cs typeface="Times New Roman" panose="02020603050405020304" pitchFamily="18" charset="0"/>
-              </a:rPr>
-              <a:t> yang </a:t>
-            </a:r>
-            <a:r>
-              <a:rPr lang="en-US" sz="3500" dirty="0" err="1" smtClean="0">
-                <a:latin typeface="Times New Roman" panose="02020603050405020304" pitchFamily="18" charset="0"/>
-                <a:cs typeface="Times New Roman" panose="02020603050405020304" pitchFamily="18" charset="0"/>
-              </a:rPr>
-              <a:t>tepat</a:t>
-            </a:r>
-            <a:r>
-              <a:rPr lang="en-US" sz="3500" dirty="0" smtClean="0">
-                <a:latin typeface="Times New Roman" panose="02020603050405020304" pitchFamily="18" charset="0"/>
-                <a:cs typeface="Times New Roman" panose="02020603050405020304" pitchFamily="18" charset="0"/>
-              </a:rPr>
-              <a:t> </a:t>
-            </a:r>
-            <a:r>
-              <a:rPr lang="en-US" sz="3500" dirty="0" err="1" smtClean="0">
-                <a:latin typeface="Times New Roman" panose="02020603050405020304" pitchFamily="18" charset="0"/>
-                <a:cs typeface="Times New Roman" panose="02020603050405020304" pitchFamily="18" charset="0"/>
-              </a:rPr>
-              <a:t>sebagai</a:t>
-            </a:r>
-            <a:r>
-              <a:rPr lang="en-US" sz="3500" dirty="0" smtClean="0">
-                <a:latin typeface="Times New Roman" panose="02020603050405020304" pitchFamily="18" charset="0"/>
-                <a:cs typeface="Times New Roman" panose="02020603050405020304" pitchFamily="18" charset="0"/>
-              </a:rPr>
-              <a:t> </a:t>
-            </a:r>
-            <a:r>
-              <a:rPr lang="en-US" sz="3500" dirty="0" err="1" smtClean="0">
-                <a:latin typeface="Times New Roman" panose="02020603050405020304" pitchFamily="18" charset="0"/>
-                <a:cs typeface="Times New Roman" panose="02020603050405020304" pitchFamily="18" charset="0"/>
-              </a:rPr>
-              <a:t>acuan</a:t>
-            </a:r>
-            <a:r>
-              <a:rPr lang="en-US" sz="3500" dirty="0" smtClean="0">
-                <a:latin typeface="Times New Roman" panose="02020603050405020304" pitchFamily="18" charset="0"/>
-                <a:cs typeface="Times New Roman" panose="02020603050405020304" pitchFamily="18" charset="0"/>
-              </a:rPr>
-              <a:t> </a:t>
-            </a:r>
-            <a:r>
-              <a:rPr lang="en-US" sz="3500" dirty="0" err="1" smtClean="0">
-                <a:latin typeface="Times New Roman" panose="02020603050405020304" pitchFamily="18" charset="0"/>
-                <a:cs typeface="Times New Roman" panose="02020603050405020304" pitchFamily="18" charset="0"/>
-              </a:rPr>
-              <a:t>penilaian</a:t>
-            </a:r>
-            <a:r>
-              <a:rPr lang="en-US" sz="3500" dirty="0" smtClean="0">
-                <a:latin typeface="Times New Roman" panose="02020603050405020304" pitchFamily="18" charset="0"/>
-                <a:cs typeface="Times New Roman" panose="02020603050405020304" pitchFamily="18" charset="0"/>
-              </a:rPr>
-              <a:t> </a:t>
-            </a:r>
-            <a:r>
-              <a:rPr lang="en-US" sz="3500" dirty="0" err="1" smtClean="0">
-                <a:latin typeface="Times New Roman" panose="02020603050405020304" pitchFamily="18" charset="0"/>
-                <a:cs typeface="Times New Roman" panose="02020603050405020304" pitchFamily="18" charset="0"/>
-              </a:rPr>
-              <a:t>kriteria</a:t>
-            </a:r>
-            <a:r>
-              <a:rPr lang="en-US" sz="3500" dirty="0" smtClean="0">
-                <a:latin typeface="Times New Roman" panose="02020603050405020304" pitchFamily="18" charset="0"/>
-                <a:cs typeface="Times New Roman" panose="02020603050405020304" pitchFamily="18" charset="0"/>
-              </a:rPr>
-              <a:t> </a:t>
-            </a:r>
-            <a:r>
-              <a:rPr lang="en-US" sz="3500" dirty="0" err="1" smtClean="0">
-                <a:latin typeface="Times New Roman" panose="02020603050405020304" pitchFamily="18" charset="0"/>
-                <a:cs typeface="Times New Roman" panose="02020603050405020304" pitchFamily="18" charset="0"/>
-              </a:rPr>
-              <a:t>dan</a:t>
-            </a:r>
-            <a:r>
-              <a:rPr lang="en-US" sz="3500" dirty="0" smtClean="0">
-                <a:latin typeface="Times New Roman" panose="02020603050405020304" pitchFamily="18" charset="0"/>
-                <a:cs typeface="Times New Roman" panose="02020603050405020304" pitchFamily="18" charset="0"/>
-              </a:rPr>
-              <a:t> </a:t>
-            </a:r>
-            <a:r>
-              <a:rPr lang="en-US" sz="3500" dirty="0" err="1" smtClean="0">
-                <a:latin typeface="Times New Roman" panose="02020603050405020304" pitchFamily="18" charset="0"/>
-                <a:cs typeface="Times New Roman" panose="02020603050405020304" pitchFamily="18" charset="0"/>
-              </a:rPr>
-              <a:t>bobot</a:t>
-            </a:r>
-            <a:r>
-              <a:rPr lang="en-US" sz="3500" dirty="0" smtClean="0">
-                <a:latin typeface="Times New Roman" panose="02020603050405020304" pitchFamily="18" charset="0"/>
-                <a:cs typeface="Times New Roman" panose="02020603050405020304" pitchFamily="18" charset="0"/>
-              </a:rPr>
-              <a:t> </a:t>
-            </a:r>
-            <a:r>
-              <a:rPr lang="en-US" sz="3500" dirty="0" err="1" smtClean="0">
-                <a:latin typeface="Times New Roman" panose="02020603050405020304" pitchFamily="18" charset="0"/>
-                <a:cs typeface="Times New Roman" panose="02020603050405020304" pitchFamily="18" charset="0"/>
-              </a:rPr>
-              <a:t>pada</a:t>
-            </a:r>
-            <a:r>
-              <a:rPr lang="en-US" sz="3500" dirty="0" smtClean="0">
-                <a:latin typeface="Times New Roman" panose="02020603050405020304" pitchFamily="18" charset="0"/>
-                <a:cs typeface="Times New Roman" panose="02020603050405020304" pitchFamily="18" charset="0"/>
-              </a:rPr>
-              <a:t> </a:t>
-            </a:r>
-            <a:r>
-              <a:rPr lang="en-US" sz="3500" dirty="0" err="1" smtClean="0">
-                <a:latin typeface="Times New Roman" panose="02020603050405020304" pitchFamily="18" charset="0"/>
-                <a:cs typeface="Times New Roman" panose="02020603050405020304" pitchFamily="18" charset="0"/>
-              </a:rPr>
-              <a:t>alternatif</a:t>
             </a:r>
             <a:endParaRPr lang="en-US" sz="3500" dirty="0" smtClean="0">
               <a:latin typeface="Times New Roman" panose="02020603050405020304" pitchFamily="18" charset="0"/>
@@ -13439,7 +13426,7 @@
                 <a:latin typeface="Times New Roman" panose="02020603050405020304" pitchFamily="18" charset="0"/>
                 <a:cs typeface="Times New Roman" panose="02020603050405020304" pitchFamily="18" charset="0"/>
               </a:rPr>
-              <a:t>opportunity</a:t>
+              <a:t>Formulation problem</a:t>
             </a:r>
             <a:endParaRPr lang="en-US" sz="4000" b="1" u="sng" dirty="0">
               <a:latin typeface="Times New Roman" panose="02020603050405020304" pitchFamily="18" charset="0"/>
@@ -13648,27 +13635,41 @@
                 <a:latin typeface="Times New Roman" panose="02020603050405020304" pitchFamily="18" charset="0"/>
                 <a:cs typeface="Times New Roman" panose="02020603050405020304" pitchFamily="18" charset="0"/>
               </a:rPr>
-              <a:t>Matahari</a:t>
+              <a:t>Membangun</a:t>
             </a:r>
             <a:r>
               <a:rPr lang="en-US" sz="3500" dirty="0" smtClean="0">
                 <a:latin typeface="Times New Roman" panose="02020603050405020304" pitchFamily="18" charset="0"/>
                 <a:cs typeface="Times New Roman" panose="02020603050405020304" pitchFamily="18" charset="0"/>
               </a:rPr>
-              <a:t> Nusantara </a:t>
+              <a:t> </a:t>
             </a:r>
             <a:r>
               <a:rPr lang="en-US" sz="3500" dirty="0" err="1" smtClean="0">
                 <a:latin typeface="Times New Roman" panose="02020603050405020304" pitchFamily="18" charset="0"/>
                 <a:cs typeface="Times New Roman" panose="02020603050405020304" pitchFamily="18" charset="0"/>
               </a:rPr>
-              <a:t>Logistik</a:t>
+              <a:t>sistem</a:t>
             </a:r>
             <a:r>
               <a:rPr lang="en-US" sz="3500" dirty="0" smtClean="0">
                 <a:latin typeface="Times New Roman" panose="02020603050405020304" pitchFamily="18" charset="0"/>
                 <a:cs typeface="Times New Roman" panose="02020603050405020304" pitchFamily="18" charset="0"/>
               </a:rPr>
+              <a:t> yang </a:t>
+            </a:r>
+            <a:r>
+              <a:rPr lang="en-US" sz="3500" dirty="0" err="1" smtClean="0">
+                <a:latin typeface="Times New Roman" panose="02020603050405020304" pitchFamily="18" charset="0"/>
+                <a:cs typeface="Times New Roman" panose="02020603050405020304" pitchFamily="18" charset="0"/>
+              </a:rPr>
+              <a:t>bisa</a:t>
+            </a:r>
+            <a:r>
+              <a:rPr lang="en-US" sz="3500" dirty="0" smtClean="0">
+                <a:latin typeface="Times New Roman" panose="02020603050405020304" pitchFamily="18" charset="0"/>
+                <a:cs typeface="Times New Roman" panose="02020603050405020304" pitchFamily="18" charset="0"/>
+              </a:rPr>
               <a:t> </a:t>
             </a:r>
             <a:r>
@@ -13676,20 +13677,158 @@
                 <a:latin typeface="Times New Roman" panose="02020603050405020304" pitchFamily="18" charset="0"/>
                 <a:cs typeface="Times New Roman" panose="02020603050405020304" pitchFamily="18" charset="0"/>
               </a:rPr>
-              <a:t>membutuhkan</a:t>
+              <a:t>melakukan</a:t>
             </a:r>
             <a:r>
               <a:rPr lang="en-US" sz="3500" dirty="0" smtClean="0">
                 <a:latin typeface="Times New Roman" panose="02020603050405020304" pitchFamily="18" charset="0"/>
                 <a:cs typeface="Times New Roman" panose="02020603050405020304" pitchFamily="18" charset="0"/>
               </a:rPr>
-              <a:t> system </a:t>
+              <a:t> </a:t>
             </a:r>
             <a:r>
               <a:rPr lang="en-US" sz="3500" dirty="0" err="1" smtClean="0">
                 <a:latin typeface="Times New Roman" panose="02020603050405020304" pitchFamily="18" charset="0"/>
                 <a:cs typeface="Times New Roman" panose="02020603050405020304" pitchFamily="18" charset="0"/>
               </a:rPr>
+              <a:t>penentuan</a:t>
+            </a:r>
+            <a:r>
+              <a:rPr lang="en-US" sz="3500" dirty="0" smtClean="0">
+                <a:latin typeface="Times New Roman" panose="02020603050405020304" pitchFamily="18" charset="0"/>
+                <a:cs typeface="Times New Roman" panose="02020603050405020304" pitchFamily="18" charset="0"/>
+              </a:rPr>
+              <a:t> </a:t>
+            </a:r>
+            <a:r>
+              <a:rPr lang="en-US" sz="3500" dirty="0" err="1" smtClean="0">
+                <a:latin typeface="Times New Roman" panose="02020603050405020304" pitchFamily="18" charset="0"/>
+                <a:cs typeface="Times New Roman" panose="02020603050405020304" pitchFamily="18" charset="0"/>
+              </a:rPr>
+              <a:t>keputusan</a:t>
+            </a:r>
+            <a:endParaRPr lang="en-US" sz="3500" dirty="0" smtClean="0">
+              <a:latin typeface="Times New Roman" panose="02020603050405020304" pitchFamily="18" charset="0"/>
+              <a:cs typeface="Times New Roman" panose="02020603050405020304" pitchFamily="18" charset="0"/>
+            </a:endParaRPr>
+          </a:p>
+          <a:p>
+            <a:r>
+              <a:rPr lang="en-US" sz="3500" dirty="0" err="1" smtClean="0">
+                <a:latin typeface="Times New Roman" panose="02020603050405020304" pitchFamily="18" charset="0"/>
+                <a:cs typeface="Times New Roman" panose="02020603050405020304" pitchFamily="18" charset="0"/>
+              </a:rPr>
+              <a:t>Melakukan</a:t>
+            </a:r>
+            <a:r>
+              <a:rPr lang="en-US" sz="3500" dirty="0" smtClean="0">
+                <a:latin typeface="Times New Roman" panose="02020603050405020304" pitchFamily="18" charset="0"/>
+                <a:cs typeface="Times New Roman" panose="02020603050405020304" pitchFamily="18" charset="0"/>
+              </a:rPr>
+              <a:t> </a:t>
+            </a:r>
+            <a:r>
+              <a:rPr lang="en-US" sz="3500" dirty="0" err="1" smtClean="0">
+                <a:latin typeface="Times New Roman" panose="02020603050405020304" pitchFamily="18" charset="0"/>
+                <a:cs typeface="Times New Roman" panose="02020603050405020304" pitchFamily="18" charset="0"/>
+              </a:rPr>
+              <a:t>penghematan</a:t>
+            </a:r>
+            <a:r>
+              <a:rPr lang="en-US" sz="3500" dirty="0" smtClean="0">
+                <a:latin typeface="Times New Roman" panose="02020603050405020304" pitchFamily="18" charset="0"/>
+                <a:cs typeface="Times New Roman" panose="02020603050405020304" pitchFamily="18" charset="0"/>
+              </a:rPr>
+              <a:t> </a:t>
+            </a:r>
+            <a:r>
+              <a:rPr lang="en-US" sz="3500" dirty="0" err="1" smtClean="0">
+                <a:latin typeface="Times New Roman" panose="02020603050405020304" pitchFamily="18" charset="0"/>
+                <a:cs typeface="Times New Roman" panose="02020603050405020304" pitchFamily="18" charset="0"/>
+              </a:rPr>
+              <a:t>waktu</a:t>
+            </a:r>
+            <a:r>
+              <a:rPr lang="en-US" sz="3500" dirty="0" smtClean="0">
+                <a:latin typeface="Times New Roman" panose="02020603050405020304" pitchFamily="18" charset="0"/>
+                <a:cs typeface="Times New Roman" panose="02020603050405020304" pitchFamily="18" charset="0"/>
+              </a:rPr>
+              <a:t> </a:t>
+            </a:r>
+            <a:r>
+              <a:rPr lang="en-US" sz="3500" dirty="0" err="1" smtClean="0">
+                <a:latin typeface="Times New Roman" panose="02020603050405020304" pitchFamily="18" charset="0"/>
+                <a:cs typeface="Times New Roman" panose="02020603050405020304" pitchFamily="18" charset="0"/>
+              </a:rPr>
+              <a:t>saat</a:t>
+            </a:r>
+            <a:r>
+              <a:rPr lang="en-US" sz="3500" dirty="0" smtClean="0">
+                <a:latin typeface="Times New Roman" panose="02020603050405020304" pitchFamily="18" charset="0"/>
+                <a:cs typeface="Times New Roman" panose="02020603050405020304" pitchFamily="18" charset="0"/>
+              </a:rPr>
+              <a:t> </a:t>
+            </a:r>
+            <a:r>
+              <a:rPr lang="en-US" sz="3500" dirty="0" err="1" smtClean="0">
+                <a:latin typeface="Times New Roman" panose="02020603050405020304" pitchFamily="18" charset="0"/>
+                <a:cs typeface="Times New Roman" panose="02020603050405020304" pitchFamily="18" charset="0"/>
+              </a:rPr>
+              <a:t>pengambilan</a:t>
+            </a:r>
+            <a:r>
+              <a:rPr lang="en-US" sz="3500" dirty="0" smtClean="0">
+                <a:latin typeface="Times New Roman" panose="02020603050405020304" pitchFamily="18" charset="0"/>
+                <a:cs typeface="Times New Roman" panose="02020603050405020304" pitchFamily="18" charset="0"/>
+              </a:rPr>
+              <a:t> </a:t>
+            </a:r>
+            <a:r>
+              <a:rPr lang="en-US" sz="3500" dirty="0" err="1" smtClean="0">
+                <a:latin typeface="Times New Roman" panose="02020603050405020304" pitchFamily="18" charset="0"/>
+                <a:cs typeface="Times New Roman" panose="02020603050405020304" pitchFamily="18" charset="0"/>
+              </a:rPr>
+              <a:t>keputusan</a:t>
+            </a:r>
+            <a:endParaRPr lang="en-US" sz="3500" dirty="0" smtClean="0">
+              <a:latin typeface="Times New Roman" panose="02020603050405020304" pitchFamily="18" charset="0"/>
+              <a:cs typeface="Times New Roman" panose="02020603050405020304" pitchFamily="18" charset="0"/>
+            </a:endParaRPr>
+          </a:p>
+          <a:p>
+            <a:r>
+              <a:rPr lang="en-US" sz="3500" dirty="0" err="1" smtClean="0">
+                <a:latin typeface="Times New Roman" panose="02020603050405020304" pitchFamily="18" charset="0"/>
+                <a:cs typeface="Times New Roman" panose="02020603050405020304" pitchFamily="18" charset="0"/>
+              </a:rPr>
+              <a:t>Menerapkan</a:t>
+            </a:r>
+            <a:r>
+              <a:rPr lang="en-US" sz="3500" dirty="0" smtClean="0">
+                <a:latin typeface="Times New Roman" panose="02020603050405020304" pitchFamily="18" charset="0"/>
+                <a:cs typeface="Times New Roman" panose="02020603050405020304" pitchFamily="18" charset="0"/>
+              </a:rPr>
+              <a:t> </a:t>
+            </a:r>
+            <a:r>
+              <a:rPr lang="en-US" sz="3500" dirty="0" err="1" smtClean="0">
+                <a:latin typeface="Times New Roman" panose="02020603050405020304" pitchFamily="18" charset="0"/>
+                <a:cs typeface="Times New Roman" panose="02020603050405020304" pitchFamily="18" charset="0"/>
+              </a:rPr>
+              <a:t>metode</a:t>
+            </a:r>
+            <a:r>
+              <a:rPr lang="en-US" sz="3500" dirty="0" smtClean="0">
+                <a:latin typeface="Times New Roman" panose="02020603050405020304" pitchFamily="18" charset="0"/>
+                <a:cs typeface="Times New Roman" panose="02020603050405020304" pitchFamily="18" charset="0"/>
+              </a:rPr>
+              <a:t> </a:t>
+            </a:r>
+            <a:r>
+              <a:rPr lang="en-US" sz="3500" dirty="0" err="1" smtClean="0">
+                <a:latin typeface="Times New Roman" panose="02020603050405020304" pitchFamily="18" charset="0"/>
+                <a:cs typeface="Times New Roman" panose="02020603050405020304" pitchFamily="18" charset="0"/>
+              </a:rPr>
               <a:t>pendukung</a:t>
             </a:r>
             <a:r>
@@ -13705,48 +13844,6 @@
                 <a:cs typeface="Times New Roman" panose="02020603050405020304" pitchFamily="18" charset="0"/>
               </a:rPr>
               <a:t>keputusan</a:t>
-            </a:r>
-            <a:r>
-              <a:rPr lang="en-US" sz="3500" dirty="0" smtClean="0">
-                <a:latin typeface="Times New Roman" panose="02020603050405020304" pitchFamily="18" charset="0"/>
-                <a:cs typeface="Times New Roman" panose="02020603050405020304" pitchFamily="18" charset="0"/>
-              </a:rPr>
-              <a:t> </a:t>
-            </a:r>
-            <a:r>
-              <a:rPr lang="en-US" sz="3500" dirty="0" err="1" smtClean="0">
-                <a:latin typeface="Times New Roman" panose="02020603050405020304" pitchFamily="18" charset="0"/>
-                <a:cs typeface="Times New Roman" panose="02020603050405020304" pitchFamily="18" charset="0"/>
-              </a:rPr>
-              <a:t>untuk</a:t>
-            </a:r>
-            <a:r>
-              <a:rPr lang="en-US" sz="3500" dirty="0" smtClean="0">
-                <a:latin typeface="Times New Roman" panose="02020603050405020304" pitchFamily="18" charset="0"/>
-                <a:cs typeface="Times New Roman" panose="02020603050405020304" pitchFamily="18" charset="0"/>
-              </a:rPr>
-              <a:t> </a:t>
-            </a:r>
-            <a:r>
-              <a:rPr lang="en-US" sz="3500" dirty="0" err="1" smtClean="0">
-                <a:latin typeface="Times New Roman" panose="02020603050405020304" pitchFamily="18" charset="0"/>
-                <a:cs typeface="Times New Roman" panose="02020603050405020304" pitchFamily="18" charset="0"/>
-              </a:rPr>
-              <a:t>menentukan</a:t>
-            </a:r>
-            <a:r>
-              <a:rPr lang="en-US" sz="3500" dirty="0" smtClean="0">
-                <a:latin typeface="Times New Roman" panose="02020603050405020304" pitchFamily="18" charset="0"/>
-                <a:cs typeface="Times New Roman" panose="02020603050405020304" pitchFamily="18" charset="0"/>
-              </a:rPr>
-              <a:t> supplier </a:t>
-            </a:r>
-            <a:r>
-              <a:rPr lang="en-US" sz="3500" dirty="0" err="1" smtClean="0">
-                <a:latin typeface="Times New Roman" panose="02020603050405020304" pitchFamily="18" charset="0"/>
-                <a:cs typeface="Times New Roman" panose="02020603050405020304" pitchFamily="18" charset="0"/>
-              </a:rPr>
-              <a:t>terbaik</a:t>
             </a:r>
             <a:endParaRPr lang="en-US" sz="3500" dirty="0">
               <a:latin typeface="Times New Roman" panose="02020603050405020304" pitchFamily="18" charset="0"/>
@@ -13769,6 +13866,2258 @@
 </file>
 
 <file path=ppt/slides/slide3.xml><?xml version="1.0" encoding="utf-8"?>
+<p:sld xmlns:a="http://schemas.openxmlformats.org/drawingml/2006/main" xmlns:r="http://schemas.openxmlformats.org/officeDocument/2006/relationships" xmlns:p="http://schemas.openxmlformats.org/presentationml/2006/main">
+  <p:cSld>
+    <p:spTree>
+      <p:nvGrpSpPr>
+        <p:cNvPr id="1" name=""/>
+        <p:cNvGrpSpPr/>
+        <p:nvPr/>
+      </p:nvGrpSpPr>
+      <p:grpSpPr>
+        <a:xfrm>
+          <a:off x="0" y="0"/>
+          <a:ext cx="0" cy="0"/>
+          <a:chOff x="0" y="0"/>
+          <a:chExt cx="0" cy="0"/>
+        </a:xfrm>
+      </p:grpSpPr>
+      <p:sp>
+        <p:nvSpPr>
+          <p:cNvPr id="2" name="Title 1"/>
+          <p:cNvSpPr>
+            <a:spLocks noGrp="1"/>
+          </p:cNvSpPr>
+          <p:nvPr>
+            <p:ph type="title"/>
+          </p:nvPr>
+        </p:nvSpPr>
+        <p:spPr>
+          <a:xfrm>
+            <a:off x="589615" y="114007"/>
+            <a:ext cx="9905998" cy="737329"/>
+          </a:xfrm>
+        </p:spPr>
+        <p:txBody>
+          <a:bodyPr>
+            <a:normAutofit/>
+          </a:bodyPr>
+          <a:lstStyle/>
+          <a:p>
+            <a:r>
+              <a:rPr lang="en-US" sz="4000" b="1" u="sng" dirty="0" smtClean="0">
+                <a:latin typeface="Times New Roman" panose="02020603050405020304" pitchFamily="18" charset="0"/>
+                <a:cs typeface="Times New Roman" panose="02020603050405020304" pitchFamily="18" charset="0"/>
+              </a:rPr>
+              <a:t>Scope problems</a:t>
+            </a:r>
+            <a:endParaRPr lang="en-US" sz="4000" b="1" u="sng" dirty="0">
+              <a:latin typeface="Times New Roman" panose="02020603050405020304" pitchFamily="18" charset="0"/>
+              <a:cs typeface="Times New Roman" panose="02020603050405020304" pitchFamily="18" charset="0"/>
+            </a:endParaRPr>
+          </a:p>
+        </p:txBody>
+      </p:sp>
+      <p:sp>
+        <p:nvSpPr>
+          <p:cNvPr id="3" name="Content Placeholder 2"/>
+          <p:cNvSpPr>
+            <a:spLocks noGrp="1"/>
+          </p:cNvSpPr>
+          <p:nvPr>
+            <p:ph idx="1"/>
+          </p:nvPr>
+        </p:nvSpPr>
+        <p:spPr>
+          <a:xfrm>
+            <a:off x="274297" y="783293"/>
+            <a:ext cx="11707495" cy="4903132"/>
+          </a:xfrm>
+        </p:spPr>
+        <p:txBody>
+          <a:bodyPr>
+            <a:normAutofit fontScale="92500" lnSpcReduction="10000"/>
+          </a:bodyPr>
+          <a:lstStyle/>
+          <a:p>
+            <a:r>
+              <a:rPr lang="en-US" sz="3500" dirty="0" err="1" smtClean="0">
+                <a:latin typeface="Times New Roman" panose="02020603050405020304" pitchFamily="18" charset="0"/>
+                <a:cs typeface="Times New Roman" panose="02020603050405020304" pitchFamily="18" charset="0"/>
+              </a:rPr>
+              <a:t>Fokus</a:t>
+            </a:r>
+            <a:r>
+              <a:rPr lang="en-US" sz="3500" dirty="0" smtClean="0">
+                <a:latin typeface="Times New Roman" panose="02020603050405020304" pitchFamily="18" charset="0"/>
+                <a:cs typeface="Times New Roman" panose="02020603050405020304" pitchFamily="18" charset="0"/>
+              </a:rPr>
+              <a:t> </a:t>
+            </a:r>
+            <a:r>
+              <a:rPr lang="en-US" sz="3500" dirty="0" err="1" smtClean="0">
+                <a:latin typeface="Times New Roman" panose="02020603050405020304" pitchFamily="18" charset="0"/>
+                <a:cs typeface="Times New Roman" panose="02020603050405020304" pitchFamily="18" charset="0"/>
+              </a:rPr>
+              <a:t>membangun</a:t>
+            </a:r>
+            <a:r>
+              <a:rPr lang="en-US" sz="3500" dirty="0" smtClean="0">
+                <a:latin typeface="Times New Roman" panose="02020603050405020304" pitchFamily="18" charset="0"/>
+                <a:cs typeface="Times New Roman" panose="02020603050405020304" pitchFamily="18" charset="0"/>
+              </a:rPr>
+              <a:t> </a:t>
+            </a:r>
+            <a:r>
+              <a:rPr lang="en-US" sz="3500" dirty="0" err="1" smtClean="0">
+                <a:latin typeface="Times New Roman" panose="02020603050405020304" pitchFamily="18" charset="0"/>
+                <a:cs typeface="Times New Roman" panose="02020603050405020304" pitchFamily="18" charset="0"/>
+              </a:rPr>
+              <a:t>sebuah</a:t>
+            </a:r>
+            <a:r>
+              <a:rPr lang="en-US" sz="3500" dirty="0" smtClean="0">
+                <a:latin typeface="Times New Roman" panose="02020603050405020304" pitchFamily="18" charset="0"/>
+                <a:cs typeface="Times New Roman" panose="02020603050405020304" pitchFamily="18" charset="0"/>
+              </a:rPr>
+              <a:t> </a:t>
+            </a:r>
+            <a:r>
+              <a:rPr lang="en-US" sz="3500" dirty="0" err="1" smtClean="0">
+                <a:latin typeface="Times New Roman" panose="02020603050405020304" pitchFamily="18" charset="0"/>
+                <a:cs typeface="Times New Roman" panose="02020603050405020304" pitchFamily="18" charset="0"/>
+              </a:rPr>
+              <a:t>sistem</a:t>
+            </a:r>
+            <a:r>
+              <a:rPr lang="en-US" sz="3500" dirty="0" smtClean="0">
+                <a:latin typeface="Times New Roman" panose="02020603050405020304" pitchFamily="18" charset="0"/>
+                <a:cs typeface="Times New Roman" panose="02020603050405020304" pitchFamily="18" charset="0"/>
+              </a:rPr>
+              <a:t> </a:t>
+            </a:r>
+            <a:r>
+              <a:rPr lang="en-US" sz="3500" dirty="0" err="1" smtClean="0">
+                <a:latin typeface="Times New Roman" panose="02020603050405020304" pitchFamily="18" charset="0"/>
+                <a:cs typeface="Times New Roman" panose="02020603050405020304" pitchFamily="18" charset="0"/>
+              </a:rPr>
+              <a:t>pendukung</a:t>
+            </a:r>
+            <a:r>
+              <a:rPr lang="en-US" sz="3500" dirty="0" smtClean="0">
+                <a:latin typeface="Times New Roman" panose="02020603050405020304" pitchFamily="18" charset="0"/>
+                <a:cs typeface="Times New Roman" panose="02020603050405020304" pitchFamily="18" charset="0"/>
+              </a:rPr>
+              <a:t> </a:t>
+            </a:r>
+            <a:r>
+              <a:rPr lang="en-US" sz="3500" dirty="0" err="1" smtClean="0">
+                <a:latin typeface="Times New Roman" panose="02020603050405020304" pitchFamily="18" charset="0"/>
+                <a:cs typeface="Times New Roman" panose="02020603050405020304" pitchFamily="18" charset="0"/>
+              </a:rPr>
+              <a:t>keputusan</a:t>
+            </a:r>
+            <a:r>
+              <a:rPr lang="en-US" sz="3500" dirty="0" smtClean="0">
+                <a:latin typeface="Times New Roman" panose="02020603050405020304" pitchFamily="18" charset="0"/>
+                <a:cs typeface="Times New Roman" panose="02020603050405020304" pitchFamily="18" charset="0"/>
+              </a:rPr>
+              <a:t> </a:t>
+            </a:r>
+            <a:r>
+              <a:rPr lang="en-US" sz="3500" dirty="0" err="1" smtClean="0">
+                <a:latin typeface="Times New Roman" panose="02020603050405020304" pitchFamily="18" charset="0"/>
+                <a:cs typeface="Times New Roman" panose="02020603050405020304" pitchFamily="18" charset="0"/>
+              </a:rPr>
+              <a:t>untuk</a:t>
+            </a:r>
+            <a:r>
+              <a:rPr lang="en-US" sz="3500" dirty="0" smtClean="0">
+                <a:latin typeface="Times New Roman" panose="02020603050405020304" pitchFamily="18" charset="0"/>
+                <a:cs typeface="Times New Roman" panose="02020603050405020304" pitchFamily="18" charset="0"/>
+              </a:rPr>
+              <a:t> </a:t>
+            </a:r>
+            <a:r>
+              <a:rPr lang="en-US" sz="3500" dirty="0" err="1" smtClean="0">
+                <a:latin typeface="Times New Roman" panose="02020603050405020304" pitchFamily="18" charset="0"/>
+                <a:cs typeface="Times New Roman" panose="02020603050405020304" pitchFamily="18" charset="0"/>
+              </a:rPr>
+              <a:t>menentukan</a:t>
+            </a:r>
+            <a:r>
+              <a:rPr lang="en-US" sz="3500" dirty="0" smtClean="0">
+                <a:latin typeface="Times New Roman" panose="02020603050405020304" pitchFamily="18" charset="0"/>
+                <a:cs typeface="Times New Roman" panose="02020603050405020304" pitchFamily="18" charset="0"/>
+              </a:rPr>
+              <a:t> supplier </a:t>
+            </a:r>
+            <a:r>
+              <a:rPr lang="en-US" sz="3500" dirty="0" err="1" smtClean="0">
+                <a:latin typeface="Times New Roman" panose="02020603050405020304" pitchFamily="18" charset="0"/>
+                <a:cs typeface="Times New Roman" panose="02020603050405020304" pitchFamily="18" charset="0"/>
+              </a:rPr>
+              <a:t>terbaik</a:t>
+            </a:r>
+            <a:endParaRPr lang="en-US" sz="3500" dirty="0">
+              <a:latin typeface="Times New Roman" panose="02020603050405020304" pitchFamily="18" charset="0"/>
+              <a:cs typeface="Times New Roman" panose="02020603050405020304" pitchFamily="18" charset="0"/>
+            </a:endParaRPr>
+          </a:p>
+          <a:p>
+            <a:r>
+              <a:rPr lang="en-US" sz="3500" dirty="0" err="1" smtClean="0">
+                <a:latin typeface="Times New Roman" panose="02020603050405020304" pitchFamily="18" charset="0"/>
+                <a:cs typeface="Times New Roman" panose="02020603050405020304" pitchFamily="18" charset="0"/>
+              </a:rPr>
+              <a:t>Sistem</a:t>
+            </a:r>
+            <a:r>
+              <a:rPr lang="en-US" sz="3500" dirty="0" smtClean="0">
+                <a:latin typeface="Times New Roman" panose="02020603050405020304" pitchFamily="18" charset="0"/>
+                <a:cs typeface="Times New Roman" panose="02020603050405020304" pitchFamily="18" charset="0"/>
+              </a:rPr>
+              <a:t> </a:t>
+            </a:r>
+            <a:r>
+              <a:rPr lang="en-US" sz="3500" dirty="0" err="1" smtClean="0">
+                <a:latin typeface="Times New Roman" panose="02020603050405020304" pitchFamily="18" charset="0"/>
+                <a:cs typeface="Times New Roman" panose="02020603050405020304" pitchFamily="18" charset="0"/>
+              </a:rPr>
+              <a:t>pendukung</a:t>
+            </a:r>
+            <a:r>
+              <a:rPr lang="en-US" sz="3500" dirty="0" smtClean="0">
+                <a:latin typeface="Times New Roman" panose="02020603050405020304" pitchFamily="18" charset="0"/>
+                <a:cs typeface="Times New Roman" panose="02020603050405020304" pitchFamily="18" charset="0"/>
+              </a:rPr>
+              <a:t> yang support </a:t>
+            </a:r>
+            <a:r>
+              <a:rPr lang="en-US" sz="3500" dirty="0" err="1" smtClean="0">
+                <a:latin typeface="Times New Roman" panose="02020603050405020304" pitchFamily="18" charset="0"/>
+                <a:cs typeface="Times New Roman" panose="02020603050405020304" pitchFamily="18" charset="0"/>
+              </a:rPr>
+              <a:t>kecepatan</a:t>
+            </a:r>
+            <a:r>
+              <a:rPr lang="en-US" sz="3500" dirty="0" smtClean="0">
+                <a:latin typeface="Times New Roman" panose="02020603050405020304" pitchFamily="18" charset="0"/>
+                <a:cs typeface="Times New Roman" panose="02020603050405020304" pitchFamily="18" charset="0"/>
+              </a:rPr>
+              <a:t> </a:t>
+            </a:r>
+            <a:r>
+              <a:rPr lang="en-US" sz="3500" dirty="0" err="1" smtClean="0">
+                <a:latin typeface="Times New Roman" panose="02020603050405020304" pitchFamily="18" charset="0"/>
+                <a:cs typeface="Times New Roman" panose="02020603050405020304" pitchFamily="18" charset="0"/>
+              </a:rPr>
+              <a:t>waktu</a:t>
+            </a:r>
+            <a:r>
+              <a:rPr lang="en-US" sz="3500" dirty="0" smtClean="0">
+                <a:latin typeface="Times New Roman" panose="02020603050405020304" pitchFamily="18" charset="0"/>
+                <a:cs typeface="Times New Roman" panose="02020603050405020304" pitchFamily="18" charset="0"/>
+              </a:rPr>
+              <a:t> </a:t>
+            </a:r>
+            <a:r>
+              <a:rPr lang="en-US" sz="3500" dirty="0" err="1" smtClean="0">
+                <a:latin typeface="Times New Roman" panose="02020603050405020304" pitchFamily="18" charset="0"/>
+                <a:cs typeface="Times New Roman" panose="02020603050405020304" pitchFamily="18" charset="0"/>
+              </a:rPr>
+              <a:t>pengambilan</a:t>
+            </a:r>
+            <a:r>
+              <a:rPr lang="en-US" sz="3500" dirty="0" smtClean="0">
+                <a:latin typeface="Times New Roman" panose="02020603050405020304" pitchFamily="18" charset="0"/>
+                <a:cs typeface="Times New Roman" panose="02020603050405020304" pitchFamily="18" charset="0"/>
+              </a:rPr>
+              <a:t> </a:t>
+            </a:r>
+            <a:r>
+              <a:rPr lang="en-US" sz="3500" dirty="0" err="1" smtClean="0">
+                <a:latin typeface="Times New Roman" panose="02020603050405020304" pitchFamily="18" charset="0"/>
+                <a:cs typeface="Times New Roman" panose="02020603050405020304" pitchFamily="18" charset="0"/>
+              </a:rPr>
+              <a:t>keputusan</a:t>
+            </a:r>
+            <a:endParaRPr lang="en-US" sz="3500" dirty="0" smtClean="0">
+              <a:latin typeface="Times New Roman" panose="02020603050405020304" pitchFamily="18" charset="0"/>
+              <a:cs typeface="Times New Roman" panose="02020603050405020304" pitchFamily="18" charset="0"/>
+            </a:endParaRPr>
+          </a:p>
+          <a:p>
+            <a:r>
+              <a:rPr lang="en-US" sz="3500" dirty="0" err="1" smtClean="0">
+                <a:latin typeface="Times New Roman" panose="02020603050405020304" pitchFamily="18" charset="0"/>
+                <a:cs typeface="Times New Roman" panose="02020603050405020304" pitchFamily="18" charset="0"/>
+              </a:rPr>
+              <a:t>Implementasi</a:t>
+            </a:r>
+            <a:r>
+              <a:rPr lang="en-US" sz="3500" dirty="0" smtClean="0">
+                <a:latin typeface="Times New Roman" panose="02020603050405020304" pitchFamily="18" charset="0"/>
+                <a:cs typeface="Times New Roman" panose="02020603050405020304" pitchFamily="18" charset="0"/>
+              </a:rPr>
+              <a:t> </a:t>
+            </a:r>
+            <a:r>
+              <a:rPr lang="en-US" sz="3500" dirty="0" err="1" smtClean="0">
+                <a:latin typeface="Times New Roman" panose="02020603050405020304" pitchFamily="18" charset="0"/>
+                <a:cs typeface="Times New Roman" panose="02020603050405020304" pitchFamily="18" charset="0"/>
+              </a:rPr>
+              <a:t>metode</a:t>
+            </a:r>
+            <a:r>
+              <a:rPr lang="en-US" sz="3500" dirty="0" smtClean="0">
+                <a:latin typeface="Times New Roman" panose="02020603050405020304" pitchFamily="18" charset="0"/>
+                <a:cs typeface="Times New Roman" panose="02020603050405020304" pitchFamily="18" charset="0"/>
+              </a:rPr>
+              <a:t> yang </a:t>
+            </a:r>
+            <a:r>
+              <a:rPr lang="en-US" sz="3500" dirty="0" err="1" smtClean="0">
+                <a:latin typeface="Times New Roman" panose="02020603050405020304" pitchFamily="18" charset="0"/>
+                <a:cs typeface="Times New Roman" panose="02020603050405020304" pitchFamily="18" charset="0"/>
+              </a:rPr>
+              <a:t>relevan</a:t>
+            </a:r>
+            <a:r>
+              <a:rPr lang="en-US" sz="3500" dirty="0" smtClean="0">
+                <a:latin typeface="Times New Roman" panose="02020603050405020304" pitchFamily="18" charset="0"/>
+                <a:cs typeface="Times New Roman" panose="02020603050405020304" pitchFamily="18" charset="0"/>
+              </a:rPr>
+              <a:t> </a:t>
+            </a:r>
+            <a:r>
+              <a:rPr lang="en-US" sz="3500" dirty="0" err="1" smtClean="0">
+                <a:latin typeface="Times New Roman" panose="02020603050405020304" pitchFamily="18" charset="0"/>
+                <a:cs typeface="Times New Roman" panose="02020603050405020304" pitchFamily="18" charset="0"/>
+              </a:rPr>
+              <a:t>terhadap</a:t>
+            </a:r>
+            <a:r>
+              <a:rPr lang="en-US" sz="3500" dirty="0" smtClean="0">
+                <a:latin typeface="Times New Roman" panose="02020603050405020304" pitchFamily="18" charset="0"/>
+                <a:cs typeface="Times New Roman" panose="02020603050405020304" pitchFamily="18" charset="0"/>
+              </a:rPr>
+              <a:t> </a:t>
+            </a:r>
+            <a:r>
+              <a:rPr lang="en-US" sz="3500" dirty="0" err="1" smtClean="0">
+                <a:latin typeface="Times New Roman" panose="02020603050405020304" pitchFamily="18" charset="0"/>
+                <a:cs typeface="Times New Roman" panose="02020603050405020304" pitchFamily="18" charset="0"/>
+              </a:rPr>
+              <a:t>penentuan</a:t>
+            </a:r>
+            <a:r>
+              <a:rPr lang="en-US" sz="3500" dirty="0" smtClean="0">
+                <a:latin typeface="Times New Roman" panose="02020603050405020304" pitchFamily="18" charset="0"/>
+                <a:cs typeface="Times New Roman" panose="02020603050405020304" pitchFamily="18" charset="0"/>
+              </a:rPr>
+              <a:t> </a:t>
+            </a:r>
+            <a:r>
+              <a:rPr lang="en-US" sz="3500" dirty="0" err="1" smtClean="0">
+                <a:latin typeface="Times New Roman" panose="02020603050405020304" pitchFamily="18" charset="0"/>
+                <a:cs typeface="Times New Roman" panose="02020603050405020304" pitchFamily="18" charset="0"/>
+              </a:rPr>
+              <a:t>keputusan</a:t>
+            </a:r>
+            <a:r>
+              <a:rPr lang="en-US" sz="3500" dirty="0" smtClean="0">
+                <a:latin typeface="Times New Roman" panose="02020603050405020304" pitchFamily="18" charset="0"/>
+                <a:cs typeface="Times New Roman" panose="02020603050405020304" pitchFamily="18" charset="0"/>
+              </a:rPr>
+              <a:t> supplier </a:t>
+            </a:r>
+            <a:r>
+              <a:rPr lang="en-US" sz="3500" dirty="0" err="1" smtClean="0">
+                <a:latin typeface="Times New Roman" panose="02020603050405020304" pitchFamily="18" charset="0"/>
+                <a:cs typeface="Times New Roman" panose="02020603050405020304" pitchFamily="18" charset="0"/>
+              </a:rPr>
+              <a:t>terbaik</a:t>
+            </a:r>
+            <a:r>
+              <a:rPr lang="en-US" sz="3500" dirty="0" smtClean="0">
+                <a:latin typeface="Times New Roman" panose="02020603050405020304" pitchFamily="18" charset="0"/>
+                <a:cs typeface="Times New Roman" panose="02020603050405020304" pitchFamily="18" charset="0"/>
+              </a:rPr>
+              <a:t> </a:t>
+            </a:r>
+            <a:r>
+              <a:rPr lang="en-US" sz="3500" dirty="0" err="1" smtClean="0">
+                <a:latin typeface="Times New Roman" panose="02020603050405020304" pitchFamily="18" charset="0"/>
+                <a:cs typeface="Times New Roman" panose="02020603050405020304" pitchFamily="18" charset="0"/>
+              </a:rPr>
+              <a:t>dengan</a:t>
+            </a:r>
+            <a:r>
+              <a:rPr lang="en-US" sz="3500" dirty="0" smtClean="0">
+                <a:latin typeface="Times New Roman" panose="02020603050405020304" pitchFamily="18" charset="0"/>
+                <a:cs typeface="Times New Roman" panose="02020603050405020304" pitchFamily="18" charset="0"/>
+              </a:rPr>
+              <a:t> </a:t>
+            </a:r>
+            <a:r>
+              <a:rPr lang="en-US" sz="3500" dirty="0" err="1" smtClean="0">
+                <a:latin typeface="Times New Roman" panose="02020603050405020304" pitchFamily="18" charset="0"/>
+                <a:cs typeface="Times New Roman" panose="02020603050405020304" pitchFamily="18" charset="0"/>
+              </a:rPr>
+              <a:t>menghitung</a:t>
+            </a:r>
+            <a:r>
+              <a:rPr lang="en-US" sz="3500" dirty="0" smtClean="0">
+                <a:latin typeface="Times New Roman" panose="02020603050405020304" pitchFamily="18" charset="0"/>
+                <a:cs typeface="Times New Roman" panose="02020603050405020304" pitchFamily="18" charset="0"/>
+              </a:rPr>
+              <a:t> </a:t>
+            </a:r>
+            <a:r>
+              <a:rPr lang="en-US" sz="3500" dirty="0" err="1" smtClean="0">
+                <a:latin typeface="Times New Roman" panose="02020603050405020304" pitchFamily="18" charset="0"/>
+                <a:cs typeface="Times New Roman" panose="02020603050405020304" pitchFamily="18" charset="0"/>
+              </a:rPr>
+              <a:t>bobot</a:t>
+            </a:r>
+            <a:r>
+              <a:rPr lang="en-US" sz="3500" dirty="0" smtClean="0">
+                <a:latin typeface="Times New Roman" panose="02020603050405020304" pitchFamily="18" charset="0"/>
+                <a:cs typeface="Times New Roman" panose="02020603050405020304" pitchFamily="18" charset="0"/>
+              </a:rPr>
+              <a:t>, </a:t>
+            </a:r>
+            <a:r>
+              <a:rPr lang="en-US" sz="3500" dirty="0" err="1" smtClean="0">
+                <a:latin typeface="Times New Roman" panose="02020603050405020304" pitchFamily="18" charset="0"/>
+                <a:cs typeface="Times New Roman" panose="02020603050405020304" pitchFamily="18" charset="0"/>
+              </a:rPr>
+              <a:t>kriteria</a:t>
+            </a:r>
+            <a:r>
+              <a:rPr lang="en-US" sz="3500" dirty="0" smtClean="0">
+                <a:latin typeface="Times New Roman" panose="02020603050405020304" pitchFamily="18" charset="0"/>
+                <a:cs typeface="Times New Roman" panose="02020603050405020304" pitchFamily="18" charset="0"/>
+              </a:rPr>
+              <a:t> </a:t>
+            </a:r>
+            <a:r>
+              <a:rPr lang="en-US" sz="3500" dirty="0" err="1" smtClean="0">
+                <a:latin typeface="Times New Roman" panose="02020603050405020304" pitchFamily="18" charset="0"/>
+                <a:cs typeface="Times New Roman" panose="02020603050405020304" pitchFamily="18" charset="0"/>
+              </a:rPr>
+              <a:t>serta</a:t>
+            </a:r>
+            <a:r>
+              <a:rPr lang="en-US" sz="3500" dirty="0" smtClean="0">
+                <a:latin typeface="Times New Roman" panose="02020603050405020304" pitchFamily="18" charset="0"/>
+                <a:cs typeface="Times New Roman" panose="02020603050405020304" pitchFamily="18" charset="0"/>
+              </a:rPr>
+              <a:t> </a:t>
+            </a:r>
+            <a:r>
+              <a:rPr lang="en-US" sz="3500" dirty="0" err="1" smtClean="0">
+                <a:latin typeface="Times New Roman" panose="02020603050405020304" pitchFamily="18" charset="0"/>
+                <a:cs typeface="Times New Roman" panose="02020603050405020304" pitchFamily="18" charset="0"/>
+              </a:rPr>
+              <a:t>nilai</a:t>
+            </a:r>
+            <a:r>
+              <a:rPr lang="en-US" sz="3500" dirty="0" smtClean="0">
+                <a:latin typeface="Times New Roman" panose="02020603050405020304" pitchFamily="18" charset="0"/>
+                <a:cs typeface="Times New Roman" panose="02020603050405020304" pitchFamily="18" charset="0"/>
+              </a:rPr>
+              <a:t> yang </a:t>
+            </a:r>
+            <a:r>
+              <a:rPr lang="en-US" sz="3500" dirty="0" err="1" smtClean="0">
+                <a:latin typeface="Times New Roman" panose="02020603050405020304" pitchFamily="18" charset="0"/>
+                <a:cs typeface="Times New Roman" panose="02020603050405020304" pitchFamily="18" charset="0"/>
+              </a:rPr>
+              <a:t>dipangkatkan</a:t>
+            </a:r>
+            <a:r>
+              <a:rPr lang="en-US" sz="3500" dirty="0" smtClean="0">
+                <a:latin typeface="Times New Roman" panose="02020603050405020304" pitchFamily="18" charset="0"/>
+                <a:cs typeface="Times New Roman" panose="02020603050405020304" pitchFamily="18" charset="0"/>
+              </a:rPr>
+              <a:t> </a:t>
+            </a:r>
+            <a:r>
+              <a:rPr lang="en-US" sz="3500" dirty="0" err="1" smtClean="0">
+                <a:latin typeface="Times New Roman" panose="02020603050405020304" pitchFamily="18" charset="0"/>
+                <a:cs typeface="Times New Roman" panose="02020603050405020304" pitchFamily="18" charset="0"/>
+              </a:rPr>
+              <a:t>untuk</a:t>
+            </a:r>
+            <a:r>
+              <a:rPr lang="en-US" sz="3500" dirty="0" smtClean="0">
+                <a:latin typeface="Times New Roman" panose="02020603050405020304" pitchFamily="18" charset="0"/>
+                <a:cs typeface="Times New Roman" panose="02020603050405020304" pitchFamily="18" charset="0"/>
+              </a:rPr>
+              <a:t> </a:t>
+            </a:r>
+            <a:r>
+              <a:rPr lang="en-US" sz="3500" dirty="0" err="1" smtClean="0">
+                <a:latin typeface="Times New Roman" panose="02020603050405020304" pitchFamily="18" charset="0"/>
+                <a:cs typeface="Times New Roman" panose="02020603050405020304" pitchFamily="18" charset="0"/>
+              </a:rPr>
+              <a:t>mendapatkan</a:t>
+            </a:r>
+            <a:r>
+              <a:rPr lang="en-US" sz="3500" dirty="0" smtClean="0">
+                <a:latin typeface="Times New Roman" panose="02020603050405020304" pitchFamily="18" charset="0"/>
+                <a:cs typeface="Times New Roman" panose="02020603050405020304" pitchFamily="18" charset="0"/>
+              </a:rPr>
+              <a:t> </a:t>
+            </a:r>
+            <a:r>
+              <a:rPr lang="en-US" sz="3500" dirty="0" err="1" smtClean="0">
+                <a:latin typeface="Times New Roman" panose="02020603050405020304" pitchFamily="18" charset="0"/>
+                <a:cs typeface="Times New Roman" panose="02020603050405020304" pitchFamily="18" charset="0"/>
+              </a:rPr>
+              <a:t>hasil</a:t>
+            </a:r>
+            <a:r>
+              <a:rPr lang="en-US" sz="3500" dirty="0" smtClean="0">
+                <a:latin typeface="Times New Roman" panose="02020603050405020304" pitchFamily="18" charset="0"/>
+                <a:cs typeface="Times New Roman" panose="02020603050405020304" pitchFamily="18" charset="0"/>
+              </a:rPr>
+              <a:t> optimal </a:t>
+            </a:r>
+            <a:r>
+              <a:rPr lang="en-US" sz="3500" dirty="0" err="1" smtClean="0">
+                <a:latin typeface="Times New Roman" panose="02020603050405020304" pitchFamily="18" charset="0"/>
+                <a:cs typeface="Times New Roman" panose="02020603050405020304" pitchFamily="18" charset="0"/>
+              </a:rPr>
+              <a:t>pada</a:t>
+            </a:r>
+            <a:r>
+              <a:rPr lang="en-US" sz="3500" dirty="0" smtClean="0">
+                <a:latin typeface="Times New Roman" panose="02020603050405020304" pitchFamily="18" charset="0"/>
+                <a:cs typeface="Times New Roman" panose="02020603050405020304" pitchFamily="18" charset="0"/>
+              </a:rPr>
+              <a:t> </a:t>
+            </a:r>
+            <a:r>
+              <a:rPr lang="en-US" sz="3500" dirty="0" err="1" smtClean="0">
+                <a:latin typeface="Times New Roman" panose="02020603050405020304" pitchFamily="18" charset="0"/>
+                <a:cs typeface="Times New Roman" panose="02020603050405020304" pitchFamily="18" charset="0"/>
+              </a:rPr>
+              <a:t>sebuah</a:t>
+            </a:r>
+            <a:r>
+              <a:rPr lang="en-US" sz="3500" dirty="0" smtClean="0">
+                <a:latin typeface="Times New Roman" panose="02020603050405020304" pitchFamily="18" charset="0"/>
+                <a:cs typeface="Times New Roman" panose="02020603050405020304" pitchFamily="18" charset="0"/>
+              </a:rPr>
+              <a:t> </a:t>
+            </a:r>
+            <a:r>
+              <a:rPr lang="en-US" sz="3500" dirty="0" err="1" smtClean="0">
+                <a:latin typeface="Times New Roman" panose="02020603050405020304" pitchFamily="18" charset="0"/>
+                <a:cs typeface="Times New Roman" panose="02020603050405020304" pitchFamily="18" charset="0"/>
+              </a:rPr>
+              <a:t>penelitian</a:t>
+            </a:r>
+            <a:r>
+              <a:rPr lang="en-US" sz="3500" dirty="0" smtClean="0">
+                <a:latin typeface="Times New Roman" panose="02020603050405020304" pitchFamily="18" charset="0"/>
+                <a:cs typeface="Times New Roman" panose="02020603050405020304" pitchFamily="18" charset="0"/>
+              </a:rPr>
+              <a:t> </a:t>
+            </a:r>
+            <a:r>
+              <a:rPr lang="en-US" sz="3500" dirty="0" err="1" smtClean="0">
+                <a:latin typeface="Times New Roman" panose="02020603050405020304" pitchFamily="18" charset="0"/>
+                <a:cs typeface="Times New Roman" panose="02020603050405020304" pitchFamily="18" charset="0"/>
+              </a:rPr>
+              <a:t>yaitu</a:t>
+            </a:r>
+            <a:r>
+              <a:rPr lang="en-US" sz="3500" dirty="0" smtClean="0">
+                <a:latin typeface="Times New Roman" panose="02020603050405020304" pitchFamily="18" charset="0"/>
+                <a:cs typeface="Times New Roman" panose="02020603050405020304" pitchFamily="18" charset="0"/>
+              </a:rPr>
+              <a:t> </a:t>
+            </a:r>
+            <a:r>
+              <a:rPr lang="en-US" sz="3500" dirty="0" err="1" smtClean="0">
+                <a:latin typeface="Times New Roman" panose="02020603050405020304" pitchFamily="18" charset="0"/>
+                <a:cs typeface="Times New Roman" panose="02020603050405020304" pitchFamily="18" charset="0"/>
+              </a:rPr>
+              <a:t>metode</a:t>
+            </a:r>
+            <a:r>
+              <a:rPr lang="en-US" sz="3500" dirty="0" smtClean="0">
+                <a:latin typeface="Times New Roman" panose="02020603050405020304" pitchFamily="18" charset="0"/>
+                <a:cs typeface="Times New Roman" panose="02020603050405020304" pitchFamily="18" charset="0"/>
+              </a:rPr>
+              <a:t> weighted product</a:t>
+            </a:r>
+            <a:endParaRPr lang="en-US" sz="3500" dirty="0">
+              <a:latin typeface="Times New Roman" panose="02020603050405020304" pitchFamily="18" charset="0"/>
+              <a:cs typeface="Times New Roman" panose="02020603050405020304" pitchFamily="18" charset="0"/>
+            </a:endParaRPr>
+          </a:p>
+        </p:txBody>
+      </p:sp>
+    </p:spTree>
+    <p:extLst>
+      <p:ext uri="{BB962C8B-B14F-4D97-AF65-F5344CB8AC3E}">
+        <p14:creationId xmlns:p14="http://schemas.microsoft.com/office/powerpoint/2010/main" val="3414736439"/>
+      </p:ext>
+    </p:extLst>
+  </p:cSld>
+  <p:clrMapOvr>
+    <a:masterClrMapping/>
+  </p:clrMapOvr>
+</p:sld>
+</file>
+
+<file path=ppt/slides/slide4.xml><?xml version="1.0" encoding="utf-8"?>
+<p:sld xmlns:a="http://schemas.openxmlformats.org/drawingml/2006/main" xmlns:r="http://schemas.openxmlformats.org/officeDocument/2006/relationships" xmlns:p="http://schemas.openxmlformats.org/presentationml/2006/main">
+  <p:cSld>
+    <p:spTree>
+      <p:nvGrpSpPr>
+        <p:cNvPr id="1" name=""/>
+        <p:cNvGrpSpPr/>
+        <p:nvPr/>
+      </p:nvGrpSpPr>
+      <p:grpSpPr>
+        <a:xfrm>
+          <a:off x="0" y="0"/>
+          <a:ext cx="0" cy="0"/>
+          <a:chOff x="0" y="0"/>
+          <a:chExt cx="0" cy="0"/>
+        </a:xfrm>
+      </p:grpSpPr>
+      <p:sp>
+        <p:nvSpPr>
+          <p:cNvPr id="2" name="Title 1"/>
+          <p:cNvSpPr>
+            <a:spLocks noGrp="1"/>
+          </p:cNvSpPr>
+          <p:nvPr>
+            <p:ph type="title"/>
+          </p:nvPr>
+        </p:nvSpPr>
+        <p:spPr>
+          <a:xfrm>
+            <a:off x="589615" y="114007"/>
+            <a:ext cx="9905998" cy="737329"/>
+          </a:xfrm>
+        </p:spPr>
+        <p:txBody>
+          <a:bodyPr>
+            <a:normAutofit/>
+          </a:bodyPr>
+          <a:lstStyle/>
+          <a:p>
+            <a:r>
+              <a:rPr lang="en-US" sz="4000" b="1" u="sng" dirty="0" smtClean="0">
+                <a:latin typeface="Times New Roman" panose="02020603050405020304" pitchFamily="18" charset="0"/>
+                <a:cs typeface="Times New Roman" panose="02020603050405020304" pitchFamily="18" charset="0"/>
+              </a:rPr>
+              <a:t>Research purpose</a:t>
+            </a:r>
+            <a:endParaRPr lang="en-US" sz="4000" b="1" u="sng" dirty="0">
+              <a:latin typeface="Times New Roman" panose="02020603050405020304" pitchFamily="18" charset="0"/>
+              <a:cs typeface="Times New Roman" panose="02020603050405020304" pitchFamily="18" charset="0"/>
+            </a:endParaRPr>
+          </a:p>
+        </p:txBody>
+      </p:sp>
+      <p:sp>
+        <p:nvSpPr>
+          <p:cNvPr id="3" name="Content Placeholder 2"/>
+          <p:cNvSpPr>
+            <a:spLocks noGrp="1"/>
+          </p:cNvSpPr>
+          <p:nvPr>
+            <p:ph idx="1"/>
+          </p:nvPr>
+        </p:nvSpPr>
+        <p:spPr>
+          <a:xfrm>
+            <a:off x="274297" y="783293"/>
+            <a:ext cx="11707495" cy="2699293"/>
+          </a:xfrm>
+        </p:spPr>
+        <p:txBody>
+          <a:bodyPr>
+            <a:normAutofit fontScale="70000" lnSpcReduction="20000"/>
+          </a:bodyPr>
+          <a:lstStyle/>
+          <a:p>
+            <a:r>
+              <a:rPr lang="en-US" sz="3500" dirty="0" err="1" smtClean="0">
+                <a:latin typeface="Times New Roman" panose="02020603050405020304" pitchFamily="18" charset="0"/>
+                <a:cs typeface="Times New Roman" panose="02020603050405020304" pitchFamily="18" charset="0"/>
+              </a:rPr>
+              <a:t>Menguji</a:t>
+            </a:r>
+            <a:r>
+              <a:rPr lang="en-US" sz="3500" dirty="0" smtClean="0">
+                <a:latin typeface="Times New Roman" panose="02020603050405020304" pitchFamily="18" charset="0"/>
+                <a:cs typeface="Times New Roman" panose="02020603050405020304" pitchFamily="18" charset="0"/>
+              </a:rPr>
+              <a:t> </a:t>
+            </a:r>
+            <a:r>
+              <a:rPr lang="en-US" sz="3500" dirty="0" err="1" smtClean="0">
+                <a:latin typeface="Times New Roman" panose="02020603050405020304" pitchFamily="18" charset="0"/>
+                <a:cs typeface="Times New Roman" panose="02020603050405020304" pitchFamily="18" charset="0"/>
+              </a:rPr>
+              <a:t>efektifitas</a:t>
+            </a:r>
+            <a:r>
+              <a:rPr lang="en-US" sz="3500" dirty="0" smtClean="0">
+                <a:latin typeface="Times New Roman" panose="02020603050405020304" pitchFamily="18" charset="0"/>
+                <a:cs typeface="Times New Roman" panose="02020603050405020304" pitchFamily="18" charset="0"/>
+              </a:rPr>
+              <a:t> </a:t>
+            </a:r>
+            <a:r>
+              <a:rPr lang="en-US" sz="3500" dirty="0" err="1" smtClean="0">
+                <a:latin typeface="Times New Roman" panose="02020603050405020304" pitchFamily="18" charset="0"/>
+                <a:cs typeface="Times New Roman" panose="02020603050405020304" pitchFamily="18" charset="0"/>
+              </a:rPr>
+              <a:t>pengambilan</a:t>
+            </a:r>
+            <a:r>
+              <a:rPr lang="en-US" sz="3500" dirty="0" smtClean="0">
+                <a:latin typeface="Times New Roman" panose="02020603050405020304" pitchFamily="18" charset="0"/>
+                <a:cs typeface="Times New Roman" panose="02020603050405020304" pitchFamily="18" charset="0"/>
+              </a:rPr>
+              <a:t> </a:t>
+            </a:r>
+            <a:r>
+              <a:rPr lang="en-US" sz="3500" dirty="0" err="1" smtClean="0">
+                <a:latin typeface="Times New Roman" panose="02020603050405020304" pitchFamily="18" charset="0"/>
+                <a:cs typeface="Times New Roman" panose="02020603050405020304" pitchFamily="18" charset="0"/>
+              </a:rPr>
+              <a:t>keputusan</a:t>
+            </a:r>
+            <a:r>
+              <a:rPr lang="en-US" sz="3500" dirty="0" smtClean="0">
+                <a:latin typeface="Times New Roman" panose="02020603050405020304" pitchFamily="18" charset="0"/>
+                <a:cs typeface="Times New Roman" panose="02020603050405020304" pitchFamily="18" charset="0"/>
+              </a:rPr>
+              <a:t> </a:t>
+            </a:r>
+            <a:r>
+              <a:rPr lang="en-US" sz="3500" dirty="0" err="1" smtClean="0">
+                <a:latin typeface="Times New Roman" panose="02020603050405020304" pitchFamily="18" charset="0"/>
+                <a:cs typeface="Times New Roman" panose="02020603050405020304" pitchFamily="18" charset="0"/>
+              </a:rPr>
+              <a:t>menggunakan</a:t>
+            </a:r>
+            <a:r>
+              <a:rPr lang="en-US" sz="3500" dirty="0" smtClean="0">
+                <a:latin typeface="Times New Roman" panose="02020603050405020304" pitchFamily="18" charset="0"/>
+                <a:cs typeface="Times New Roman" panose="02020603050405020304" pitchFamily="18" charset="0"/>
+              </a:rPr>
+              <a:t> </a:t>
+            </a:r>
+            <a:r>
+              <a:rPr lang="en-US" sz="3500" dirty="0" err="1" smtClean="0">
+                <a:latin typeface="Times New Roman" panose="02020603050405020304" pitchFamily="18" charset="0"/>
+                <a:cs typeface="Times New Roman" panose="02020603050405020304" pitchFamily="18" charset="0"/>
+              </a:rPr>
+              <a:t>metode</a:t>
+            </a:r>
+            <a:r>
+              <a:rPr lang="en-US" sz="3500" dirty="0" smtClean="0">
+                <a:latin typeface="Times New Roman" panose="02020603050405020304" pitchFamily="18" charset="0"/>
+                <a:cs typeface="Times New Roman" panose="02020603050405020304" pitchFamily="18" charset="0"/>
+              </a:rPr>
+              <a:t> weighted product</a:t>
+            </a:r>
+            <a:endParaRPr lang="en-US" sz="3500" dirty="0">
+              <a:latin typeface="Times New Roman" panose="02020603050405020304" pitchFamily="18" charset="0"/>
+              <a:cs typeface="Times New Roman" panose="02020603050405020304" pitchFamily="18" charset="0"/>
+            </a:endParaRPr>
+          </a:p>
+          <a:p>
+            <a:r>
+              <a:rPr lang="en-US" sz="3500" dirty="0" err="1" smtClean="0">
+                <a:latin typeface="Times New Roman" panose="02020603050405020304" pitchFamily="18" charset="0"/>
+                <a:cs typeface="Times New Roman" panose="02020603050405020304" pitchFamily="18" charset="0"/>
+              </a:rPr>
+              <a:t>Membangun</a:t>
+            </a:r>
+            <a:r>
+              <a:rPr lang="en-US" sz="3500" dirty="0" smtClean="0">
+                <a:latin typeface="Times New Roman" panose="02020603050405020304" pitchFamily="18" charset="0"/>
+                <a:cs typeface="Times New Roman" panose="02020603050405020304" pitchFamily="18" charset="0"/>
+              </a:rPr>
+              <a:t> </a:t>
+            </a:r>
+            <a:r>
+              <a:rPr lang="en-US" sz="3500" dirty="0" err="1" smtClean="0">
+                <a:latin typeface="Times New Roman" panose="02020603050405020304" pitchFamily="18" charset="0"/>
+                <a:cs typeface="Times New Roman" panose="02020603050405020304" pitchFamily="18" charset="0"/>
+              </a:rPr>
+              <a:t>dan</a:t>
+            </a:r>
+            <a:r>
+              <a:rPr lang="en-US" sz="3500" dirty="0" smtClean="0">
+                <a:latin typeface="Times New Roman" panose="02020603050405020304" pitchFamily="18" charset="0"/>
+                <a:cs typeface="Times New Roman" panose="02020603050405020304" pitchFamily="18" charset="0"/>
+              </a:rPr>
+              <a:t> </a:t>
+            </a:r>
+            <a:r>
+              <a:rPr lang="en-US" sz="3500" dirty="0" err="1" smtClean="0">
+                <a:latin typeface="Times New Roman" panose="02020603050405020304" pitchFamily="18" charset="0"/>
+                <a:cs typeface="Times New Roman" panose="02020603050405020304" pitchFamily="18" charset="0"/>
+              </a:rPr>
+              <a:t>mengimplenetasikan</a:t>
+            </a:r>
+            <a:r>
+              <a:rPr lang="en-US" sz="3500" dirty="0" smtClean="0">
+                <a:latin typeface="Times New Roman" panose="02020603050405020304" pitchFamily="18" charset="0"/>
+                <a:cs typeface="Times New Roman" panose="02020603050405020304" pitchFamily="18" charset="0"/>
+              </a:rPr>
+              <a:t> system </a:t>
+            </a:r>
+            <a:r>
+              <a:rPr lang="en-US" sz="3500" dirty="0" err="1" smtClean="0">
+                <a:latin typeface="Times New Roman" panose="02020603050405020304" pitchFamily="18" charset="0"/>
+                <a:cs typeface="Times New Roman" panose="02020603050405020304" pitchFamily="18" charset="0"/>
+              </a:rPr>
+              <a:t>pendukung</a:t>
+            </a:r>
+            <a:r>
+              <a:rPr lang="en-US" sz="3500" dirty="0" smtClean="0">
+                <a:latin typeface="Times New Roman" panose="02020603050405020304" pitchFamily="18" charset="0"/>
+                <a:cs typeface="Times New Roman" panose="02020603050405020304" pitchFamily="18" charset="0"/>
+              </a:rPr>
+              <a:t> </a:t>
+            </a:r>
+            <a:r>
+              <a:rPr lang="en-US" sz="3500" dirty="0" err="1" smtClean="0">
+                <a:latin typeface="Times New Roman" panose="02020603050405020304" pitchFamily="18" charset="0"/>
+                <a:cs typeface="Times New Roman" panose="02020603050405020304" pitchFamily="18" charset="0"/>
+              </a:rPr>
+              <a:t>keputusan</a:t>
+            </a:r>
+            <a:r>
+              <a:rPr lang="en-US" sz="3500" dirty="0" smtClean="0">
+                <a:latin typeface="Times New Roman" panose="02020603050405020304" pitchFamily="18" charset="0"/>
+                <a:cs typeface="Times New Roman" panose="02020603050405020304" pitchFamily="18" charset="0"/>
+              </a:rPr>
+              <a:t> </a:t>
+            </a:r>
+            <a:r>
+              <a:rPr lang="en-US" sz="3500" dirty="0" err="1" smtClean="0">
+                <a:latin typeface="Times New Roman" panose="02020603050405020304" pitchFamily="18" charset="0"/>
+                <a:cs typeface="Times New Roman" panose="02020603050405020304" pitchFamily="18" charset="0"/>
+              </a:rPr>
+              <a:t>menentukan</a:t>
+            </a:r>
+            <a:r>
+              <a:rPr lang="en-US" sz="3500" dirty="0" smtClean="0">
+                <a:latin typeface="Times New Roman" panose="02020603050405020304" pitchFamily="18" charset="0"/>
+                <a:cs typeface="Times New Roman" panose="02020603050405020304" pitchFamily="18" charset="0"/>
+              </a:rPr>
+              <a:t> supplier </a:t>
+            </a:r>
+            <a:r>
+              <a:rPr lang="en-US" sz="3500" dirty="0" err="1" smtClean="0">
+                <a:latin typeface="Times New Roman" panose="02020603050405020304" pitchFamily="18" charset="0"/>
+                <a:cs typeface="Times New Roman" panose="02020603050405020304" pitchFamily="18" charset="0"/>
+              </a:rPr>
+              <a:t>terbaik</a:t>
+            </a:r>
+            <a:endParaRPr lang="en-US" sz="3500" dirty="0" smtClean="0">
+              <a:latin typeface="Times New Roman" panose="02020603050405020304" pitchFamily="18" charset="0"/>
+              <a:cs typeface="Times New Roman" panose="02020603050405020304" pitchFamily="18" charset="0"/>
+            </a:endParaRPr>
+          </a:p>
+          <a:p>
+            <a:r>
+              <a:rPr lang="en-US" sz="3500" dirty="0" err="1" smtClean="0">
+                <a:latin typeface="Times New Roman" panose="02020603050405020304" pitchFamily="18" charset="0"/>
+                <a:cs typeface="Times New Roman" panose="02020603050405020304" pitchFamily="18" charset="0"/>
+              </a:rPr>
+              <a:t>Pendekatan</a:t>
+            </a:r>
+            <a:r>
+              <a:rPr lang="en-US" sz="3500" dirty="0" smtClean="0">
+                <a:latin typeface="Times New Roman" panose="02020603050405020304" pitchFamily="18" charset="0"/>
+                <a:cs typeface="Times New Roman" panose="02020603050405020304" pitchFamily="18" charset="0"/>
+              </a:rPr>
+              <a:t> </a:t>
+            </a:r>
+            <a:r>
+              <a:rPr lang="en-US" sz="3500" dirty="0" err="1" smtClean="0">
+                <a:latin typeface="Times New Roman" panose="02020603050405020304" pitchFamily="18" charset="0"/>
+                <a:cs typeface="Times New Roman" panose="02020603050405020304" pitchFamily="18" charset="0"/>
+              </a:rPr>
+              <a:t>metode</a:t>
+            </a:r>
+            <a:r>
+              <a:rPr lang="en-US" sz="3500" dirty="0" smtClean="0">
+                <a:latin typeface="Times New Roman" panose="02020603050405020304" pitchFamily="18" charset="0"/>
+                <a:cs typeface="Times New Roman" panose="02020603050405020304" pitchFamily="18" charset="0"/>
+              </a:rPr>
+              <a:t> weighted product yang </a:t>
+            </a:r>
+            <a:r>
+              <a:rPr lang="en-US" sz="3500" dirty="0" err="1" smtClean="0">
+                <a:latin typeface="Times New Roman" panose="02020603050405020304" pitchFamily="18" charset="0"/>
+                <a:cs typeface="Times New Roman" panose="02020603050405020304" pitchFamily="18" charset="0"/>
+              </a:rPr>
+              <a:t>dapat</a:t>
+            </a:r>
+            <a:r>
+              <a:rPr lang="en-US" sz="3500" dirty="0" smtClean="0">
+                <a:latin typeface="Times New Roman" panose="02020603050405020304" pitchFamily="18" charset="0"/>
+                <a:cs typeface="Times New Roman" panose="02020603050405020304" pitchFamily="18" charset="0"/>
+              </a:rPr>
+              <a:t> </a:t>
+            </a:r>
+            <a:r>
+              <a:rPr lang="en-US" sz="3500" dirty="0" err="1" smtClean="0">
+                <a:latin typeface="Times New Roman" panose="02020603050405020304" pitchFamily="18" charset="0"/>
+                <a:cs typeface="Times New Roman" panose="02020603050405020304" pitchFamily="18" charset="0"/>
+              </a:rPr>
+              <a:t>melakukan</a:t>
+            </a:r>
+            <a:r>
+              <a:rPr lang="en-US" sz="3500" dirty="0" smtClean="0">
+                <a:latin typeface="Times New Roman" panose="02020603050405020304" pitchFamily="18" charset="0"/>
+                <a:cs typeface="Times New Roman" panose="02020603050405020304" pitchFamily="18" charset="0"/>
+              </a:rPr>
+              <a:t> </a:t>
+            </a:r>
+            <a:r>
+              <a:rPr lang="en-US" sz="3500" dirty="0" err="1" smtClean="0">
+                <a:latin typeface="Times New Roman" panose="02020603050405020304" pitchFamily="18" charset="0"/>
+                <a:cs typeface="Times New Roman" panose="02020603050405020304" pitchFamily="18" charset="0"/>
+              </a:rPr>
+              <a:t>penentuan</a:t>
+            </a:r>
+            <a:r>
+              <a:rPr lang="en-US" sz="3500" dirty="0" smtClean="0">
+                <a:latin typeface="Times New Roman" panose="02020603050405020304" pitchFamily="18" charset="0"/>
+                <a:cs typeface="Times New Roman" panose="02020603050405020304" pitchFamily="18" charset="0"/>
+              </a:rPr>
+              <a:t> </a:t>
+            </a:r>
+            <a:r>
+              <a:rPr lang="en-US" sz="3500" dirty="0" err="1" smtClean="0">
+                <a:latin typeface="Times New Roman" panose="02020603050405020304" pitchFamily="18" charset="0"/>
+                <a:cs typeface="Times New Roman" panose="02020603050405020304" pitchFamily="18" charset="0"/>
+              </a:rPr>
+              <a:t>keputusan</a:t>
+            </a:r>
+            <a:r>
+              <a:rPr lang="en-US" sz="3500" dirty="0" smtClean="0">
+                <a:latin typeface="Times New Roman" panose="02020603050405020304" pitchFamily="18" charset="0"/>
+                <a:cs typeface="Times New Roman" panose="02020603050405020304" pitchFamily="18" charset="0"/>
+              </a:rPr>
+              <a:t> </a:t>
+            </a:r>
+            <a:r>
+              <a:rPr lang="en-US" sz="3500" dirty="0" err="1" smtClean="0">
+                <a:latin typeface="Times New Roman" panose="02020603050405020304" pitchFamily="18" charset="0"/>
+                <a:cs typeface="Times New Roman" panose="02020603050405020304" pitchFamily="18" charset="0"/>
+              </a:rPr>
+              <a:t>dengan</a:t>
+            </a:r>
+            <a:r>
+              <a:rPr lang="en-US" sz="3500" dirty="0" smtClean="0">
+                <a:latin typeface="Times New Roman" panose="02020603050405020304" pitchFamily="18" charset="0"/>
+                <a:cs typeface="Times New Roman" panose="02020603050405020304" pitchFamily="18" charset="0"/>
+              </a:rPr>
+              <a:t> </a:t>
+            </a:r>
+            <a:r>
+              <a:rPr lang="en-US" sz="3500" dirty="0" err="1" smtClean="0">
+                <a:latin typeface="Times New Roman" panose="02020603050405020304" pitchFamily="18" charset="0"/>
+                <a:cs typeface="Times New Roman" panose="02020603050405020304" pitchFamily="18" charset="0"/>
+              </a:rPr>
+              <a:t>menghitung</a:t>
+            </a:r>
+            <a:r>
+              <a:rPr lang="en-US" sz="3500" dirty="0" smtClean="0">
+                <a:latin typeface="Times New Roman" panose="02020603050405020304" pitchFamily="18" charset="0"/>
+                <a:cs typeface="Times New Roman" panose="02020603050405020304" pitchFamily="18" charset="0"/>
+              </a:rPr>
+              <a:t> </a:t>
+            </a:r>
+            <a:r>
+              <a:rPr lang="en-US" sz="3500" dirty="0" err="1" smtClean="0">
+                <a:latin typeface="Times New Roman" panose="02020603050405020304" pitchFamily="18" charset="0"/>
+                <a:cs typeface="Times New Roman" panose="02020603050405020304" pitchFamily="18" charset="0"/>
+              </a:rPr>
+              <a:t>bobot</a:t>
+            </a:r>
+            <a:r>
+              <a:rPr lang="en-US" sz="3500" dirty="0" smtClean="0">
+                <a:latin typeface="Times New Roman" panose="02020603050405020304" pitchFamily="18" charset="0"/>
+                <a:cs typeface="Times New Roman" panose="02020603050405020304" pitchFamily="18" charset="0"/>
+              </a:rPr>
+              <a:t> </a:t>
+            </a:r>
+            <a:r>
+              <a:rPr lang="en-US" sz="3500" dirty="0" err="1" smtClean="0">
+                <a:latin typeface="Times New Roman" panose="02020603050405020304" pitchFamily="18" charset="0"/>
+                <a:cs typeface="Times New Roman" panose="02020603050405020304" pitchFamily="18" charset="0"/>
+              </a:rPr>
+              <a:t>serta</a:t>
+            </a:r>
+            <a:r>
+              <a:rPr lang="en-US" sz="3500" dirty="0" smtClean="0">
+                <a:latin typeface="Times New Roman" panose="02020603050405020304" pitchFamily="18" charset="0"/>
+                <a:cs typeface="Times New Roman" panose="02020603050405020304" pitchFamily="18" charset="0"/>
+              </a:rPr>
+              <a:t> </a:t>
+            </a:r>
+            <a:r>
+              <a:rPr lang="en-US" sz="3500" dirty="0" err="1" smtClean="0">
+                <a:latin typeface="Times New Roman" panose="02020603050405020304" pitchFamily="18" charset="0"/>
+                <a:cs typeface="Times New Roman" panose="02020603050405020304" pitchFamily="18" charset="0"/>
+              </a:rPr>
+              <a:t>kriteria</a:t>
+            </a:r>
+            <a:r>
+              <a:rPr lang="en-US" sz="3500" dirty="0" smtClean="0">
+                <a:latin typeface="Times New Roman" panose="02020603050405020304" pitchFamily="18" charset="0"/>
+                <a:cs typeface="Times New Roman" panose="02020603050405020304" pitchFamily="18" charset="0"/>
+              </a:rPr>
+              <a:t> </a:t>
+            </a:r>
+            <a:r>
+              <a:rPr lang="en-US" sz="3500" dirty="0" err="1" smtClean="0">
+                <a:latin typeface="Times New Roman" panose="02020603050405020304" pitchFamily="18" charset="0"/>
+                <a:cs typeface="Times New Roman" panose="02020603050405020304" pitchFamily="18" charset="0"/>
+              </a:rPr>
+              <a:t>dari</a:t>
+            </a:r>
+            <a:r>
+              <a:rPr lang="en-US" sz="3500" dirty="0" smtClean="0">
+                <a:latin typeface="Times New Roman" panose="02020603050405020304" pitchFamily="18" charset="0"/>
+                <a:cs typeface="Times New Roman" panose="02020603050405020304" pitchFamily="18" charset="0"/>
+              </a:rPr>
+              <a:t> </a:t>
+            </a:r>
+            <a:r>
+              <a:rPr lang="en-US" sz="3500" dirty="0" err="1" smtClean="0">
+                <a:latin typeface="Times New Roman" panose="02020603050405020304" pitchFamily="18" charset="0"/>
+                <a:cs typeface="Times New Roman" panose="02020603050405020304" pitchFamily="18" charset="0"/>
+              </a:rPr>
+              <a:t>alternatif</a:t>
+            </a:r>
+            <a:endParaRPr lang="en-US" sz="3500" dirty="0">
+              <a:latin typeface="Times New Roman" panose="02020603050405020304" pitchFamily="18" charset="0"/>
+              <a:cs typeface="Times New Roman" panose="02020603050405020304" pitchFamily="18" charset="0"/>
+            </a:endParaRPr>
+          </a:p>
+        </p:txBody>
+      </p:sp>
+      <p:sp>
+        <p:nvSpPr>
+          <p:cNvPr id="4" name="Title 1"/>
+          <p:cNvSpPr txBox="1">
+            <a:spLocks/>
+          </p:cNvSpPr>
+          <p:nvPr/>
+        </p:nvSpPr>
+        <p:spPr>
+          <a:xfrm>
+            <a:off x="678951" y="3482586"/>
+            <a:ext cx="9905998" cy="737329"/>
+          </a:xfrm>
+          <a:prstGeom prst="rect">
+            <a:avLst/>
+          </a:prstGeom>
+        </p:spPr>
+        <p:txBody>
+          <a:bodyPr vert="horz" lIns="91440" tIns="45720" rIns="91440" bIns="45720" rtlCol="0" anchor="ctr">
+            <a:normAutofit/>
+          </a:bodyPr>
+          <a:lstStyle>
+            <a:lvl1pPr algn="l" defTabSz="914400" rtl="0" eaLnBrk="1" latinLnBrk="0" hangingPunct="1">
+              <a:lnSpc>
+                <a:spcPct val="90000"/>
+              </a:lnSpc>
+              <a:spcBef>
+                <a:spcPct val="0"/>
+              </a:spcBef>
+              <a:buNone/>
+              <a:defRPr sz="3600" kern="1200" cap="all" baseline="0">
+                <a:solidFill>
+                  <a:schemeClr val="tx1"/>
+                </a:solidFill>
+                <a:latin typeface="+mj-lt"/>
+                <a:ea typeface="+mj-ea"/>
+                <a:cs typeface="+mj-cs"/>
+              </a:defRPr>
+            </a:lvl1pPr>
+          </a:lstStyle>
+          <a:p>
+            <a:r>
+              <a:rPr lang="en-US" sz="4000" b="1" u="sng" dirty="0" smtClean="0">
+                <a:latin typeface="Times New Roman" panose="02020603050405020304" pitchFamily="18" charset="0"/>
+                <a:cs typeface="Times New Roman" panose="02020603050405020304" pitchFamily="18" charset="0"/>
+              </a:rPr>
+              <a:t>Benefit of research</a:t>
+            </a:r>
+            <a:endParaRPr lang="en-US" sz="4000" b="1" u="sng" dirty="0">
+              <a:latin typeface="Times New Roman" panose="02020603050405020304" pitchFamily="18" charset="0"/>
+              <a:cs typeface="Times New Roman" panose="02020603050405020304" pitchFamily="18" charset="0"/>
+            </a:endParaRPr>
+          </a:p>
+        </p:txBody>
+      </p:sp>
+      <p:sp>
+        <p:nvSpPr>
+          <p:cNvPr id="5" name="Content Placeholder 2"/>
+          <p:cNvSpPr txBox="1">
+            <a:spLocks/>
+          </p:cNvSpPr>
+          <p:nvPr/>
+        </p:nvSpPr>
+        <p:spPr>
+          <a:xfrm>
+            <a:off x="363633" y="4151872"/>
+            <a:ext cx="11707495" cy="2290983"/>
+          </a:xfrm>
+          <a:prstGeom prst="rect">
+            <a:avLst/>
+          </a:prstGeom>
+        </p:spPr>
+        <p:txBody>
+          <a:bodyPr vert="horz" lIns="91440" tIns="45720" rIns="91440" bIns="45720" rtlCol="0">
+            <a:normAutofit fontScale="85000" lnSpcReduction="20000"/>
+          </a:bodyPr>
+          <a:lstStyle>
+            <a:lvl1pPr marL="228600" indent="-228600" algn="l" defTabSz="914400" rtl="0" eaLnBrk="1" latinLnBrk="0" hangingPunct="1">
+              <a:lnSpc>
+                <a:spcPct val="120000"/>
+              </a:lnSpc>
+              <a:spcBef>
+                <a:spcPts val="1000"/>
+              </a:spcBef>
+              <a:buSzPct val="125000"/>
+              <a:buFont typeface="Arial" panose="020B0604020202020204" pitchFamily="34" charset="0"/>
+              <a:buChar char="•"/>
+              <a:defRPr sz="2400" kern="1200">
+                <a:solidFill>
+                  <a:schemeClr val="tx1"/>
+                </a:solidFill>
+                <a:latin typeface="+mn-lt"/>
+                <a:ea typeface="+mn-ea"/>
+                <a:cs typeface="+mn-cs"/>
+              </a:defRPr>
+            </a:lvl1pPr>
+            <a:lvl2pPr marL="685800" indent="-228600" algn="l" defTabSz="914400" rtl="0" eaLnBrk="1" latinLnBrk="0" hangingPunct="1">
+              <a:lnSpc>
+                <a:spcPct val="120000"/>
+              </a:lnSpc>
+              <a:spcBef>
+                <a:spcPts val="500"/>
+              </a:spcBef>
+              <a:buSzPct val="125000"/>
+              <a:buFont typeface="Arial" panose="020B0604020202020204" pitchFamily="34" charset="0"/>
+              <a:buChar char="•"/>
+              <a:defRPr sz="2000" kern="1200">
+                <a:solidFill>
+                  <a:schemeClr val="tx1"/>
+                </a:solidFill>
+                <a:latin typeface="+mn-lt"/>
+                <a:ea typeface="+mn-ea"/>
+                <a:cs typeface="+mn-cs"/>
+              </a:defRPr>
+            </a:lvl2pPr>
+            <a:lvl3pPr marL="1143000" indent="-228600" algn="l" defTabSz="914400" rtl="0" eaLnBrk="1" latinLnBrk="0" hangingPunct="1">
+              <a:lnSpc>
+                <a:spcPct val="120000"/>
+              </a:lnSpc>
+              <a:spcBef>
+                <a:spcPts val="500"/>
+              </a:spcBef>
+              <a:buSzPct val="125000"/>
+              <a:buFont typeface="Arial" panose="020B0604020202020204" pitchFamily="34" charset="0"/>
+              <a:buChar char="•"/>
+              <a:defRPr sz="1800" kern="1200">
+                <a:solidFill>
+                  <a:schemeClr val="tx1"/>
+                </a:solidFill>
+                <a:latin typeface="+mn-lt"/>
+                <a:ea typeface="+mn-ea"/>
+                <a:cs typeface="+mn-cs"/>
+              </a:defRPr>
+            </a:lvl3pPr>
+            <a:lvl4pPr marL="1600200" indent="-228600" algn="l" defTabSz="914400" rtl="0" eaLnBrk="1" latinLnBrk="0" hangingPunct="1">
+              <a:lnSpc>
+                <a:spcPct val="120000"/>
+              </a:lnSpc>
+              <a:spcBef>
+                <a:spcPts val="500"/>
+              </a:spcBef>
+              <a:buSzPct val="125000"/>
+              <a:buFont typeface="Arial" panose="020B0604020202020204" pitchFamily="34" charset="0"/>
+              <a:buChar char="•"/>
+              <a:defRPr sz="1600" kern="1200">
+                <a:solidFill>
+                  <a:schemeClr val="tx1"/>
+                </a:solidFill>
+                <a:latin typeface="+mn-lt"/>
+                <a:ea typeface="+mn-ea"/>
+                <a:cs typeface="+mn-cs"/>
+              </a:defRPr>
+            </a:lvl4pPr>
+            <a:lvl5pPr marL="2057400" indent="-228600" algn="l" defTabSz="914400" rtl="0" eaLnBrk="1" latinLnBrk="0" hangingPunct="1">
+              <a:lnSpc>
+                <a:spcPct val="120000"/>
+              </a:lnSpc>
+              <a:spcBef>
+                <a:spcPts val="500"/>
+              </a:spcBef>
+              <a:buSzPct val="125000"/>
+              <a:buFont typeface="Arial" panose="020B0604020202020204" pitchFamily="34" charset="0"/>
+              <a:buChar char="•"/>
+              <a:defRPr sz="1600" kern="1200">
+                <a:solidFill>
+                  <a:schemeClr val="tx1"/>
+                </a:solidFill>
+                <a:latin typeface="+mn-lt"/>
+                <a:ea typeface="+mn-ea"/>
+                <a:cs typeface="+mn-cs"/>
+              </a:defRPr>
+            </a:lvl5pPr>
+            <a:lvl6pPr marL="2514600" indent="-228600" algn="l" defTabSz="914400" rtl="0" eaLnBrk="1" latinLnBrk="0" hangingPunct="1">
+              <a:lnSpc>
+                <a:spcPct val="120000"/>
+              </a:lnSpc>
+              <a:spcBef>
+                <a:spcPts val="500"/>
+              </a:spcBef>
+              <a:buSzPct val="125000"/>
+              <a:buFont typeface="Arial" panose="020B0604020202020204" pitchFamily="34" charset="0"/>
+              <a:buChar char="•"/>
+              <a:defRPr sz="1400" kern="1200">
+                <a:solidFill>
+                  <a:schemeClr val="tx1"/>
+                </a:solidFill>
+                <a:latin typeface="+mn-lt"/>
+                <a:ea typeface="+mn-ea"/>
+                <a:cs typeface="+mn-cs"/>
+              </a:defRPr>
+            </a:lvl6pPr>
+            <a:lvl7pPr marL="2971800" indent="-228600" algn="l" defTabSz="914400" rtl="0" eaLnBrk="1" latinLnBrk="0" hangingPunct="1">
+              <a:lnSpc>
+                <a:spcPct val="120000"/>
+              </a:lnSpc>
+              <a:spcBef>
+                <a:spcPts val="500"/>
+              </a:spcBef>
+              <a:buSzPct val="125000"/>
+              <a:buFont typeface="Arial" panose="020B0604020202020204" pitchFamily="34" charset="0"/>
+              <a:buChar char="•"/>
+              <a:defRPr sz="1400" kern="1200">
+                <a:solidFill>
+                  <a:schemeClr val="tx1"/>
+                </a:solidFill>
+                <a:latin typeface="+mn-lt"/>
+                <a:ea typeface="+mn-ea"/>
+                <a:cs typeface="+mn-cs"/>
+              </a:defRPr>
+            </a:lvl7pPr>
+            <a:lvl8pPr marL="3429000" indent="-228600" algn="l" defTabSz="914400" rtl="0" eaLnBrk="1" latinLnBrk="0" hangingPunct="1">
+              <a:lnSpc>
+                <a:spcPct val="120000"/>
+              </a:lnSpc>
+              <a:spcBef>
+                <a:spcPts val="500"/>
+              </a:spcBef>
+              <a:buSzPct val="125000"/>
+              <a:buFont typeface="Arial" panose="020B0604020202020204" pitchFamily="34" charset="0"/>
+              <a:buChar char="•"/>
+              <a:defRPr sz="1400" kern="1200">
+                <a:solidFill>
+                  <a:schemeClr val="tx1"/>
+                </a:solidFill>
+                <a:latin typeface="+mn-lt"/>
+                <a:ea typeface="+mn-ea"/>
+                <a:cs typeface="+mn-cs"/>
+              </a:defRPr>
+            </a:lvl8pPr>
+            <a:lvl9pPr marL="3886200" indent="-228600" algn="l" defTabSz="914400" rtl="0" eaLnBrk="1" latinLnBrk="0" hangingPunct="1">
+              <a:lnSpc>
+                <a:spcPct val="120000"/>
+              </a:lnSpc>
+              <a:spcBef>
+                <a:spcPts val="500"/>
+              </a:spcBef>
+              <a:buSzPct val="125000"/>
+              <a:buFont typeface="Arial" panose="020B0604020202020204" pitchFamily="34" charset="0"/>
+              <a:buChar char="•"/>
+              <a:defRPr sz="1400" kern="1200">
+                <a:solidFill>
+                  <a:schemeClr val="tx1"/>
+                </a:solidFill>
+                <a:latin typeface="+mn-lt"/>
+                <a:ea typeface="+mn-ea"/>
+                <a:cs typeface="+mn-cs"/>
+              </a:defRPr>
+            </a:lvl9pPr>
+          </a:lstStyle>
+          <a:p>
+            <a:r>
+              <a:rPr lang="en-US" sz="3500" dirty="0" err="1" smtClean="0">
+                <a:latin typeface="Times New Roman" panose="02020603050405020304" pitchFamily="18" charset="0"/>
+                <a:cs typeface="Times New Roman" panose="02020603050405020304" pitchFamily="18" charset="0"/>
+              </a:rPr>
+              <a:t>Menambah</a:t>
+            </a:r>
+            <a:r>
+              <a:rPr lang="en-US" sz="3500" dirty="0" smtClean="0">
+                <a:latin typeface="Times New Roman" panose="02020603050405020304" pitchFamily="18" charset="0"/>
+                <a:cs typeface="Times New Roman" panose="02020603050405020304" pitchFamily="18" charset="0"/>
+              </a:rPr>
+              <a:t> knowledge </a:t>
+            </a:r>
+            <a:r>
+              <a:rPr lang="en-US" sz="3500" dirty="0" err="1" smtClean="0">
+                <a:latin typeface="Times New Roman" panose="02020603050405020304" pitchFamily="18" charset="0"/>
+                <a:cs typeface="Times New Roman" panose="02020603050405020304" pitchFamily="18" charset="0"/>
+              </a:rPr>
+              <a:t>dan</a:t>
+            </a:r>
+            <a:r>
+              <a:rPr lang="en-US" sz="3500" dirty="0" smtClean="0">
+                <a:latin typeface="Times New Roman" panose="02020603050405020304" pitchFamily="18" charset="0"/>
+                <a:cs typeface="Times New Roman" panose="02020603050405020304" pitchFamily="18" charset="0"/>
+              </a:rPr>
+              <a:t> experience </a:t>
+            </a:r>
+            <a:r>
+              <a:rPr lang="en-US" sz="3500" dirty="0" err="1" smtClean="0">
+                <a:latin typeface="Times New Roman" panose="02020603050405020304" pitchFamily="18" charset="0"/>
+                <a:cs typeface="Times New Roman" panose="02020603050405020304" pitchFamily="18" charset="0"/>
+              </a:rPr>
+              <a:t>bagi</a:t>
+            </a:r>
+            <a:r>
+              <a:rPr lang="en-US" sz="3500" dirty="0" smtClean="0">
+                <a:latin typeface="Times New Roman" panose="02020603050405020304" pitchFamily="18" charset="0"/>
+                <a:cs typeface="Times New Roman" panose="02020603050405020304" pitchFamily="18" charset="0"/>
+              </a:rPr>
+              <a:t> </a:t>
+            </a:r>
+            <a:r>
+              <a:rPr lang="en-US" sz="3500" dirty="0" err="1" smtClean="0">
+                <a:latin typeface="Times New Roman" panose="02020603050405020304" pitchFamily="18" charset="0"/>
+                <a:cs typeface="Times New Roman" panose="02020603050405020304" pitchFamily="18" charset="0"/>
+              </a:rPr>
+              <a:t>peneliti</a:t>
+            </a:r>
+            <a:r>
+              <a:rPr lang="en-US" sz="3500" dirty="0" smtClean="0">
+                <a:latin typeface="Times New Roman" panose="02020603050405020304" pitchFamily="18" charset="0"/>
+                <a:cs typeface="Times New Roman" panose="02020603050405020304" pitchFamily="18" charset="0"/>
+              </a:rPr>
+              <a:t> </a:t>
+            </a:r>
+            <a:r>
+              <a:rPr lang="en-US" sz="3500" dirty="0" err="1" smtClean="0">
+                <a:latin typeface="Times New Roman" panose="02020603050405020304" pitchFamily="18" charset="0"/>
+                <a:cs typeface="Times New Roman" panose="02020603050405020304" pitchFamily="18" charset="0"/>
+              </a:rPr>
+              <a:t>dalam</a:t>
+            </a:r>
+            <a:r>
+              <a:rPr lang="en-US" sz="3500" dirty="0" smtClean="0">
+                <a:latin typeface="Times New Roman" panose="02020603050405020304" pitchFamily="18" charset="0"/>
+                <a:cs typeface="Times New Roman" panose="02020603050405020304" pitchFamily="18" charset="0"/>
+              </a:rPr>
+              <a:t> </a:t>
+            </a:r>
+            <a:r>
+              <a:rPr lang="en-US" sz="3500" dirty="0" err="1" smtClean="0">
+                <a:latin typeface="Times New Roman" panose="02020603050405020304" pitchFamily="18" charset="0"/>
+                <a:cs typeface="Times New Roman" panose="02020603050405020304" pitchFamily="18" charset="0"/>
+              </a:rPr>
+              <a:t>implementasi</a:t>
+            </a:r>
+            <a:r>
+              <a:rPr lang="en-US" sz="3500" dirty="0" smtClean="0">
+                <a:latin typeface="Times New Roman" panose="02020603050405020304" pitchFamily="18" charset="0"/>
+                <a:cs typeface="Times New Roman" panose="02020603050405020304" pitchFamily="18" charset="0"/>
+              </a:rPr>
+              <a:t> </a:t>
+            </a:r>
+            <a:r>
+              <a:rPr lang="en-US" sz="3500" dirty="0" err="1" smtClean="0">
+                <a:latin typeface="Times New Roman" panose="02020603050405020304" pitchFamily="18" charset="0"/>
+                <a:cs typeface="Times New Roman" panose="02020603050405020304" pitchFamily="18" charset="0"/>
+              </a:rPr>
+              <a:t>teori</a:t>
+            </a:r>
+            <a:r>
+              <a:rPr lang="en-US" sz="3500" dirty="0" smtClean="0">
+                <a:latin typeface="Times New Roman" panose="02020603050405020304" pitchFamily="18" charset="0"/>
+                <a:cs typeface="Times New Roman" panose="02020603050405020304" pitchFamily="18" charset="0"/>
+              </a:rPr>
+              <a:t> </a:t>
+            </a:r>
+            <a:r>
+              <a:rPr lang="en-US" sz="3500" dirty="0" err="1" smtClean="0">
+                <a:latin typeface="Times New Roman" panose="02020603050405020304" pitchFamily="18" charset="0"/>
+                <a:cs typeface="Times New Roman" panose="02020603050405020304" pitchFamily="18" charset="0"/>
+              </a:rPr>
+              <a:t>sebagai</a:t>
+            </a:r>
+            <a:r>
+              <a:rPr lang="en-US" sz="3500" dirty="0" smtClean="0">
+                <a:latin typeface="Times New Roman" panose="02020603050405020304" pitchFamily="18" charset="0"/>
+                <a:cs typeface="Times New Roman" panose="02020603050405020304" pitchFamily="18" charset="0"/>
+              </a:rPr>
+              <a:t> saran </a:t>
+            </a:r>
+            <a:r>
+              <a:rPr lang="en-US" sz="3500" dirty="0" err="1" smtClean="0">
+                <a:latin typeface="Times New Roman" panose="02020603050405020304" pitchFamily="18" charset="0"/>
+                <a:cs typeface="Times New Roman" panose="02020603050405020304" pitchFamily="18" charset="0"/>
+              </a:rPr>
+              <a:t>untuk</a:t>
+            </a:r>
+            <a:r>
+              <a:rPr lang="en-US" sz="3500" dirty="0" smtClean="0">
+                <a:latin typeface="Times New Roman" panose="02020603050405020304" pitchFamily="18" charset="0"/>
+                <a:cs typeface="Times New Roman" panose="02020603050405020304" pitchFamily="18" charset="0"/>
+              </a:rPr>
+              <a:t> </a:t>
+            </a:r>
+            <a:r>
+              <a:rPr lang="en-US" sz="3500" dirty="0" err="1" smtClean="0">
+                <a:latin typeface="Times New Roman" panose="02020603050405020304" pitchFamily="18" charset="0"/>
+                <a:cs typeface="Times New Roman" panose="02020603050405020304" pitchFamily="18" charset="0"/>
+              </a:rPr>
+              <a:t>memperoleh</a:t>
+            </a:r>
+            <a:r>
+              <a:rPr lang="en-US" sz="3500" dirty="0" smtClean="0">
+                <a:latin typeface="Times New Roman" panose="02020603050405020304" pitchFamily="18" charset="0"/>
+                <a:cs typeface="Times New Roman" panose="02020603050405020304" pitchFamily="18" charset="0"/>
+              </a:rPr>
+              <a:t> </a:t>
+            </a:r>
+            <a:r>
+              <a:rPr lang="en-US" sz="3500" dirty="0" err="1" smtClean="0">
+                <a:latin typeface="Times New Roman" panose="02020603050405020304" pitchFamily="18" charset="0"/>
+                <a:cs typeface="Times New Roman" panose="02020603050405020304" pitchFamily="18" charset="0"/>
+              </a:rPr>
+              <a:t>pengalaman</a:t>
+            </a:r>
+            <a:r>
+              <a:rPr lang="en-US" sz="3500" dirty="0" smtClean="0">
+                <a:latin typeface="Times New Roman" panose="02020603050405020304" pitchFamily="18" charset="0"/>
+                <a:cs typeface="Times New Roman" panose="02020603050405020304" pitchFamily="18" charset="0"/>
+              </a:rPr>
+              <a:t> </a:t>
+            </a:r>
+            <a:r>
+              <a:rPr lang="en-US" sz="3500" dirty="0" err="1" smtClean="0">
+                <a:latin typeface="Times New Roman" panose="02020603050405020304" pitchFamily="18" charset="0"/>
+                <a:cs typeface="Times New Roman" panose="02020603050405020304" pitchFamily="18" charset="0"/>
+              </a:rPr>
+              <a:t>baru</a:t>
+            </a:r>
+            <a:endParaRPr lang="en-US" sz="3500" dirty="0" smtClean="0">
+              <a:latin typeface="Times New Roman" panose="02020603050405020304" pitchFamily="18" charset="0"/>
+              <a:cs typeface="Times New Roman" panose="02020603050405020304" pitchFamily="18" charset="0"/>
+            </a:endParaRPr>
+          </a:p>
+          <a:p>
+            <a:r>
+              <a:rPr lang="en-US" sz="3500" dirty="0" err="1" smtClean="0">
+                <a:latin typeface="Times New Roman" panose="02020603050405020304" pitchFamily="18" charset="0"/>
+                <a:cs typeface="Times New Roman" panose="02020603050405020304" pitchFamily="18" charset="0"/>
+              </a:rPr>
+              <a:t>Hasil</a:t>
+            </a:r>
+            <a:r>
+              <a:rPr lang="en-US" sz="3500" dirty="0" smtClean="0">
+                <a:latin typeface="Times New Roman" panose="02020603050405020304" pitchFamily="18" charset="0"/>
+                <a:cs typeface="Times New Roman" panose="02020603050405020304" pitchFamily="18" charset="0"/>
+              </a:rPr>
+              <a:t> </a:t>
+            </a:r>
+            <a:r>
+              <a:rPr lang="en-US" sz="3500" dirty="0" err="1" smtClean="0">
+                <a:latin typeface="Times New Roman" panose="02020603050405020304" pitchFamily="18" charset="0"/>
+                <a:cs typeface="Times New Roman" panose="02020603050405020304" pitchFamily="18" charset="0"/>
+              </a:rPr>
+              <a:t>penelitian</a:t>
+            </a:r>
+            <a:r>
+              <a:rPr lang="en-US" sz="3500" dirty="0" smtClean="0">
+                <a:latin typeface="Times New Roman" panose="02020603050405020304" pitchFamily="18" charset="0"/>
+                <a:cs typeface="Times New Roman" panose="02020603050405020304" pitchFamily="18" charset="0"/>
+              </a:rPr>
+              <a:t> bias di </a:t>
+            </a:r>
+            <a:r>
+              <a:rPr lang="en-US" sz="3500" dirty="0" err="1" smtClean="0">
+                <a:latin typeface="Times New Roman" panose="02020603050405020304" pitchFamily="18" charset="0"/>
+                <a:cs typeface="Times New Roman" panose="02020603050405020304" pitchFamily="18" charset="0"/>
+              </a:rPr>
+              <a:t>terapkan</a:t>
+            </a:r>
+            <a:r>
+              <a:rPr lang="en-US" sz="3500" dirty="0" smtClean="0">
+                <a:latin typeface="Times New Roman" panose="02020603050405020304" pitchFamily="18" charset="0"/>
+                <a:cs typeface="Times New Roman" panose="02020603050405020304" pitchFamily="18" charset="0"/>
+              </a:rPr>
+              <a:t> di </a:t>
+            </a:r>
+            <a:r>
+              <a:rPr lang="en-US" sz="3500" dirty="0" err="1" smtClean="0">
+                <a:latin typeface="Times New Roman" panose="02020603050405020304" pitchFamily="18" charset="0"/>
+                <a:cs typeface="Times New Roman" panose="02020603050405020304" pitchFamily="18" charset="0"/>
+              </a:rPr>
+              <a:t>objek</a:t>
+            </a:r>
+            <a:r>
+              <a:rPr lang="en-US" sz="3500" dirty="0" smtClean="0">
+                <a:latin typeface="Times New Roman" panose="02020603050405020304" pitchFamily="18" charset="0"/>
+                <a:cs typeface="Times New Roman" panose="02020603050405020304" pitchFamily="18" charset="0"/>
+              </a:rPr>
+              <a:t> </a:t>
+            </a:r>
+            <a:r>
+              <a:rPr lang="en-US" sz="3500" dirty="0" err="1" smtClean="0">
+                <a:latin typeface="Times New Roman" panose="02020603050405020304" pitchFamily="18" charset="0"/>
+                <a:cs typeface="Times New Roman" panose="02020603050405020304" pitchFamily="18" charset="0"/>
+              </a:rPr>
+              <a:t>penelitian</a:t>
+            </a:r>
+            <a:endParaRPr lang="en-US" sz="3500" dirty="0" smtClean="0">
+              <a:latin typeface="Times New Roman" panose="02020603050405020304" pitchFamily="18" charset="0"/>
+              <a:cs typeface="Times New Roman" panose="02020603050405020304" pitchFamily="18" charset="0"/>
+            </a:endParaRPr>
+          </a:p>
+          <a:p>
+            <a:r>
+              <a:rPr lang="en-US" sz="3500" dirty="0" err="1" smtClean="0">
+                <a:latin typeface="Times New Roman" panose="02020603050405020304" pitchFamily="18" charset="0"/>
+                <a:cs typeface="Times New Roman" panose="02020603050405020304" pitchFamily="18" charset="0"/>
+              </a:rPr>
+              <a:t>Penelitian</a:t>
+            </a:r>
+            <a:r>
+              <a:rPr lang="en-US" sz="3500" dirty="0" smtClean="0">
+                <a:latin typeface="Times New Roman" panose="02020603050405020304" pitchFamily="18" charset="0"/>
+                <a:cs typeface="Times New Roman" panose="02020603050405020304" pitchFamily="18" charset="0"/>
+              </a:rPr>
+              <a:t> </a:t>
+            </a:r>
+            <a:r>
+              <a:rPr lang="en-US" sz="3500" dirty="0" err="1" smtClean="0">
+                <a:latin typeface="Times New Roman" panose="02020603050405020304" pitchFamily="18" charset="0"/>
+                <a:cs typeface="Times New Roman" panose="02020603050405020304" pitchFamily="18" charset="0"/>
+              </a:rPr>
+              <a:t>dapat</a:t>
+            </a:r>
+            <a:r>
+              <a:rPr lang="en-US" sz="3500" dirty="0" smtClean="0">
+                <a:latin typeface="Times New Roman" panose="02020603050405020304" pitchFamily="18" charset="0"/>
+                <a:cs typeface="Times New Roman" panose="02020603050405020304" pitchFamily="18" charset="0"/>
+              </a:rPr>
+              <a:t> </a:t>
+            </a:r>
+            <a:r>
+              <a:rPr lang="en-US" sz="3500" dirty="0" err="1" smtClean="0">
+                <a:latin typeface="Times New Roman" panose="02020603050405020304" pitchFamily="18" charset="0"/>
+                <a:cs typeface="Times New Roman" panose="02020603050405020304" pitchFamily="18" charset="0"/>
+              </a:rPr>
+              <a:t>dijadikan</a:t>
+            </a:r>
+            <a:r>
+              <a:rPr lang="en-US" sz="3500" dirty="0" smtClean="0">
+                <a:latin typeface="Times New Roman" panose="02020603050405020304" pitchFamily="18" charset="0"/>
+                <a:cs typeface="Times New Roman" panose="02020603050405020304" pitchFamily="18" charset="0"/>
+              </a:rPr>
+              <a:t> </a:t>
+            </a:r>
+            <a:r>
+              <a:rPr lang="en-US" sz="3500" dirty="0" err="1" smtClean="0">
+                <a:latin typeface="Times New Roman" panose="02020603050405020304" pitchFamily="18" charset="0"/>
+                <a:cs typeface="Times New Roman" panose="02020603050405020304" pitchFamily="18" charset="0"/>
+              </a:rPr>
+              <a:t>referensi</a:t>
+            </a:r>
+            <a:r>
+              <a:rPr lang="en-US" sz="3500" dirty="0" smtClean="0">
+                <a:latin typeface="Times New Roman" panose="02020603050405020304" pitchFamily="18" charset="0"/>
+                <a:cs typeface="Times New Roman" panose="02020603050405020304" pitchFamily="18" charset="0"/>
+              </a:rPr>
+              <a:t> </a:t>
+            </a:r>
+            <a:r>
+              <a:rPr lang="en-US" sz="3500" dirty="0" err="1" smtClean="0">
+                <a:latin typeface="Times New Roman" panose="02020603050405020304" pitchFamily="18" charset="0"/>
+                <a:cs typeface="Times New Roman" panose="02020603050405020304" pitchFamily="18" charset="0"/>
+              </a:rPr>
+              <a:t>oleh</a:t>
+            </a:r>
+            <a:r>
+              <a:rPr lang="en-US" sz="3500" dirty="0" smtClean="0">
+                <a:latin typeface="Times New Roman" panose="02020603050405020304" pitchFamily="18" charset="0"/>
+                <a:cs typeface="Times New Roman" panose="02020603050405020304" pitchFamily="18" charset="0"/>
+              </a:rPr>
+              <a:t> </a:t>
+            </a:r>
+            <a:r>
+              <a:rPr lang="en-US" sz="3500" dirty="0" err="1" smtClean="0">
+                <a:latin typeface="Times New Roman" panose="02020603050405020304" pitchFamily="18" charset="0"/>
+                <a:cs typeface="Times New Roman" panose="02020603050405020304" pitchFamily="18" charset="0"/>
+              </a:rPr>
+              <a:t>peneliti</a:t>
+            </a:r>
+            <a:r>
+              <a:rPr lang="en-US" sz="3500" dirty="0" smtClean="0">
+                <a:latin typeface="Times New Roman" panose="02020603050405020304" pitchFamily="18" charset="0"/>
+                <a:cs typeface="Times New Roman" panose="02020603050405020304" pitchFamily="18" charset="0"/>
+              </a:rPr>
+              <a:t> lain</a:t>
+            </a:r>
+          </a:p>
+        </p:txBody>
+      </p:sp>
+    </p:spTree>
+    <p:extLst>
+      <p:ext uri="{BB962C8B-B14F-4D97-AF65-F5344CB8AC3E}">
+        <p14:creationId xmlns:p14="http://schemas.microsoft.com/office/powerpoint/2010/main" val="1631847171"/>
+      </p:ext>
+    </p:extLst>
+  </p:cSld>
+  <p:clrMapOvr>
+    <a:masterClrMapping/>
+  </p:clrMapOvr>
+</p:sld>
+</file>
+
+<file path=ppt/slides/slide5.xml><?xml version="1.0" encoding="utf-8"?>
+<p:sld xmlns:a="http://schemas.openxmlformats.org/drawingml/2006/main" xmlns:r="http://schemas.openxmlformats.org/officeDocument/2006/relationships" xmlns:p="http://schemas.openxmlformats.org/presentationml/2006/main">
+  <p:cSld>
+    <p:spTree>
+      <p:nvGrpSpPr>
+        <p:cNvPr id="1" name=""/>
+        <p:cNvGrpSpPr/>
+        <p:nvPr/>
+      </p:nvGrpSpPr>
+      <p:grpSpPr>
+        <a:xfrm>
+          <a:off x="0" y="0"/>
+          <a:ext cx="0" cy="0"/>
+          <a:chOff x="0" y="0"/>
+          <a:chExt cx="0" cy="0"/>
+        </a:xfrm>
+      </p:grpSpPr>
+      <p:sp>
+        <p:nvSpPr>
+          <p:cNvPr id="2" name="Title 1"/>
+          <p:cNvSpPr>
+            <a:spLocks noGrp="1"/>
+          </p:cNvSpPr>
+          <p:nvPr>
+            <p:ph type="title"/>
+          </p:nvPr>
+        </p:nvSpPr>
+        <p:spPr>
+          <a:xfrm>
+            <a:off x="589615" y="114007"/>
+            <a:ext cx="9905998" cy="737329"/>
+          </a:xfrm>
+        </p:spPr>
+        <p:txBody>
+          <a:bodyPr>
+            <a:normAutofit/>
+          </a:bodyPr>
+          <a:lstStyle/>
+          <a:p>
+            <a:r>
+              <a:rPr lang="en-US" sz="4000" b="1" u="sng" dirty="0" smtClean="0">
+                <a:latin typeface="Times New Roman" panose="02020603050405020304" pitchFamily="18" charset="0"/>
+                <a:cs typeface="Times New Roman" panose="02020603050405020304" pitchFamily="18" charset="0"/>
+              </a:rPr>
+              <a:t>Why method weighted product</a:t>
+            </a:r>
+            <a:endParaRPr lang="en-US" sz="4000" b="1" u="sng" dirty="0">
+              <a:latin typeface="Times New Roman" panose="02020603050405020304" pitchFamily="18" charset="0"/>
+              <a:cs typeface="Times New Roman" panose="02020603050405020304" pitchFamily="18" charset="0"/>
+            </a:endParaRPr>
+          </a:p>
+        </p:txBody>
+      </p:sp>
+      <p:sp>
+        <p:nvSpPr>
+          <p:cNvPr id="3" name="Content Placeholder 2"/>
+          <p:cNvSpPr>
+            <a:spLocks noGrp="1"/>
+          </p:cNvSpPr>
+          <p:nvPr>
+            <p:ph idx="1"/>
+          </p:nvPr>
+        </p:nvSpPr>
+        <p:spPr>
+          <a:xfrm>
+            <a:off x="274297" y="783293"/>
+            <a:ext cx="11707495" cy="2290983"/>
+          </a:xfrm>
+        </p:spPr>
+        <p:txBody>
+          <a:bodyPr>
+            <a:normAutofit/>
+          </a:bodyPr>
+          <a:lstStyle/>
+          <a:p>
+            <a:r>
+              <a:rPr lang="en-US" sz="3500" dirty="0" err="1" smtClean="0">
+                <a:latin typeface="Times New Roman" panose="02020603050405020304" pitchFamily="18" charset="0"/>
+                <a:cs typeface="Times New Roman" panose="02020603050405020304" pitchFamily="18" charset="0"/>
+              </a:rPr>
+              <a:t>Penghitunga</a:t>
+            </a:r>
+            <a:r>
+              <a:rPr lang="en-US" sz="3500" dirty="0" smtClean="0">
+                <a:latin typeface="Times New Roman" panose="02020603050405020304" pitchFamily="18" charset="0"/>
+                <a:cs typeface="Times New Roman" panose="02020603050405020304" pitchFamily="18" charset="0"/>
+              </a:rPr>
+              <a:t> </a:t>
+            </a:r>
+            <a:r>
+              <a:rPr lang="en-US" sz="3500" dirty="0" err="1" smtClean="0">
+                <a:latin typeface="Times New Roman" panose="02020603050405020304" pitchFamily="18" charset="0"/>
+                <a:cs typeface="Times New Roman" panose="02020603050405020304" pitchFamily="18" charset="0"/>
+              </a:rPr>
+              <a:t>penentuan</a:t>
+            </a:r>
+            <a:r>
+              <a:rPr lang="en-US" sz="3500" dirty="0" smtClean="0">
+                <a:latin typeface="Times New Roman" panose="02020603050405020304" pitchFamily="18" charset="0"/>
+                <a:cs typeface="Times New Roman" panose="02020603050405020304" pitchFamily="18" charset="0"/>
+              </a:rPr>
+              <a:t> supplier </a:t>
+            </a:r>
+            <a:r>
+              <a:rPr lang="en-US" sz="3500" dirty="0" err="1" smtClean="0">
+                <a:latin typeface="Times New Roman" panose="02020603050405020304" pitchFamily="18" charset="0"/>
+                <a:cs typeface="Times New Roman" panose="02020603050405020304" pitchFamily="18" charset="0"/>
+              </a:rPr>
+              <a:t>baru</a:t>
+            </a:r>
+            <a:r>
+              <a:rPr lang="en-US" sz="3500" dirty="0" smtClean="0">
+                <a:latin typeface="Times New Roman" panose="02020603050405020304" pitchFamily="18" charset="0"/>
+                <a:cs typeface="Times New Roman" panose="02020603050405020304" pitchFamily="18" charset="0"/>
+              </a:rPr>
+              <a:t> yang </a:t>
+            </a:r>
+            <a:r>
+              <a:rPr lang="en-US" sz="3500" dirty="0" err="1" smtClean="0">
+                <a:latin typeface="Times New Roman" panose="02020603050405020304" pitchFamily="18" charset="0"/>
+                <a:cs typeface="Times New Roman" panose="02020603050405020304" pitchFamily="18" charset="0"/>
+              </a:rPr>
+              <a:t>masih</a:t>
+            </a:r>
+            <a:r>
+              <a:rPr lang="en-US" sz="3500" dirty="0" smtClean="0">
+                <a:latin typeface="Times New Roman" panose="02020603050405020304" pitchFamily="18" charset="0"/>
+                <a:cs typeface="Times New Roman" panose="02020603050405020304" pitchFamily="18" charset="0"/>
+              </a:rPr>
+              <a:t> </a:t>
+            </a:r>
+            <a:r>
+              <a:rPr lang="en-US" sz="3500" dirty="0" err="1" smtClean="0">
+                <a:latin typeface="Times New Roman" panose="02020603050405020304" pitchFamily="18" charset="0"/>
+                <a:cs typeface="Times New Roman" panose="02020603050405020304" pitchFamily="18" charset="0"/>
+              </a:rPr>
+              <a:t>manul</a:t>
+            </a:r>
+            <a:endParaRPr lang="en-US" sz="3500" dirty="0">
+              <a:latin typeface="Times New Roman" panose="02020603050405020304" pitchFamily="18" charset="0"/>
+              <a:cs typeface="Times New Roman" panose="02020603050405020304" pitchFamily="18" charset="0"/>
+            </a:endParaRPr>
+          </a:p>
+          <a:p>
+            <a:r>
+              <a:rPr lang="en-US" sz="3500" dirty="0" smtClean="0">
+                <a:latin typeface="Times New Roman" panose="02020603050405020304" pitchFamily="18" charset="0"/>
+                <a:cs typeface="Times New Roman" panose="02020603050405020304" pitchFamily="18" charset="0"/>
+              </a:rPr>
+              <a:t>Proses manual yang </a:t>
+            </a:r>
+            <a:r>
+              <a:rPr lang="en-US" sz="3500" dirty="0" err="1" smtClean="0">
+                <a:latin typeface="Times New Roman" panose="02020603050405020304" pitchFamily="18" charset="0"/>
+                <a:cs typeface="Times New Roman" panose="02020603050405020304" pitchFamily="18" charset="0"/>
+              </a:rPr>
+              <a:t>memakan</a:t>
+            </a:r>
+            <a:r>
+              <a:rPr lang="en-US" sz="3500" dirty="0" smtClean="0">
+                <a:latin typeface="Times New Roman" panose="02020603050405020304" pitchFamily="18" charset="0"/>
+                <a:cs typeface="Times New Roman" panose="02020603050405020304" pitchFamily="18" charset="0"/>
+              </a:rPr>
+              <a:t> </a:t>
+            </a:r>
+            <a:r>
+              <a:rPr lang="en-US" sz="3500" dirty="0" err="1" smtClean="0">
+                <a:latin typeface="Times New Roman" panose="02020603050405020304" pitchFamily="18" charset="0"/>
+                <a:cs typeface="Times New Roman" panose="02020603050405020304" pitchFamily="18" charset="0"/>
+              </a:rPr>
+              <a:t>waktu</a:t>
+            </a:r>
+            <a:endParaRPr lang="en-US" sz="3500" dirty="0" smtClean="0">
+              <a:latin typeface="Times New Roman" panose="02020603050405020304" pitchFamily="18" charset="0"/>
+              <a:cs typeface="Times New Roman" panose="02020603050405020304" pitchFamily="18" charset="0"/>
+            </a:endParaRPr>
+          </a:p>
+          <a:p>
+            <a:r>
+              <a:rPr lang="en-US" sz="3500" dirty="0" smtClean="0">
+                <a:latin typeface="Times New Roman" panose="02020603050405020304" pitchFamily="18" charset="0"/>
+                <a:cs typeface="Times New Roman" panose="02020603050405020304" pitchFamily="18" charset="0"/>
+              </a:rPr>
+              <a:t>Proses </a:t>
+            </a:r>
+            <a:r>
+              <a:rPr lang="en-US" sz="3500" dirty="0" err="1" smtClean="0">
+                <a:latin typeface="Times New Roman" panose="02020603050405020304" pitchFamily="18" charset="0"/>
+                <a:cs typeface="Times New Roman" panose="02020603050405020304" pitchFamily="18" charset="0"/>
+              </a:rPr>
+              <a:t>penentuan</a:t>
+            </a:r>
+            <a:r>
+              <a:rPr lang="en-US" sz="3500" dirty="0" smtClean="0">
+                <a:latin typeface="Times New Roman" panose="02020603050405020304" pitchFamily="18" charset="0"/>
+                <a:cs typeface="Times New Roman" panose="02020603050405020304" pitchFamily="18" charset="0"/>
+              </a:rPr>
+              <a:t> </a:t>
+            </a:r>
+            <a:r>
+              <a:rPr lang="en-US" sz="3500" dirty="0" err="1" smtClean="0">
+                <a:latin typeface="Times New Roman" panose="02020603050405020304" pitchFamily="18" charset="0"/>
+                <a:cs typeface="Times New Roman" panose="02020603050405020304" pitchFamily="18" charset="0"/>
+              </a:rPr>
+              <a:t>keputusan</a:t>
+            </a:r>
+            <a:r>
+              <a:rPr lang="en-US" sz="3500" dirty="0" smtClean="0">
+                <a:latin typeface="Times New Roman" panose="02020603050405020304" pitchFamily="18" charset="0"/>
+                <a:cs typeface="Times New Roman" panose="02020603050405020304" pitchFamily="18" charset="0"/>
+              </a:rPr>
+              <a:t> </a:t>
+            </a:r>
+            <a:r>
+              <a:rPr lang="en-US" sz="3500" dirty="0" err="1" smtClean="0">
+                <a:latin typeface="Times New Roman" panose="02020603050405020304" pitchFamily="18" charset="0"/>
+                <a:cs typeface="Times New Roman" panose="02020603050405020304" pitchFamily="18" charset="0"/>
+              </a:rPr>
+              <a:t>tidak</a:t>
+            </a:r>
+            <a:r>
+              <a:rPr lang="en-US" sz="3500" dirty="0" smtClean="0">
+                <a:latin typeface="Times New Roman" panose="02020603050405020304" pitchFamily="18" charset="0"/>
+                <a:cs typeface="Times New Roman" panose="02020603050405020304" pitchFamily="18" charset="0"/>
+              </a:rPr>
+              <a:t> </a:t>
+            </a:r>
+            <a:r>
+              <a:rPr lang="en-US" sz="3500" dirty="0" err="1" smtClean="0">
+                <a:latin typeface="Times New Roman" panose="02020603050405020304" pitchFamily="18" charset="0"/>
+                <a:cs typeface="Times New Roman" panose="02020603050405020304" pitchFamily="18" charset="0"/>
+              </a:rPr>
+              <a:t>didukung</a:t>
+            </a:r>
+            <a:r>
+              <a:rPr lang="en-US" sz="3500" dirty="0" smtClean="0">
+                <a:latin typeface="Times New Roman" panose="02020603050405020304" pitchFamily="18" charset="0"/>
+                <a:cs typeface="Times New Roman" panose="02020603050405020304" pitchFamily="18" charset="0"/>
+              </a:rPr>
+              <a:t> </a:t>
+            </a:r>
+            <a:r>
+              <a:rPr lang="en-US" sz="3500" dirty="0" err="1" smtClean="0">
+                <a:latin typeface="Times New Roman" panose="02020603050405020304" pitchFamily="18" charset="0"/>
+                <a:cs typeface="Times New Roman" panose="02020603050405020304" pitchFamily="18" charset="0"/>
+              </a:rPr>
+              <a:t>sebuah</a:t>
+            </a:r>
+            <a:r>
+              <a:rPr lang="en-US" sz="3500" dirty="0" smtClean="0">
+                <a:latin typeface="Times New Roman" panose="02020603050405020304" pitchFamily="18" charset="0"/>
+                <a:cs typeface="Times New Roman" panose="02020603050405020304" pitchFamily="18" charset="0"/>
+              </a:rPr>
+              <a:t> </a:t>
+            </a:r>
+            <a:r>
+              <a:rPr lang="en-US" sz="3500" dirty="0" err="1" smtClean="0">
+                <a:latin typeface="Times New Roman" panose="02020603050405020304" pitchFamily="18" charset="0"/>
+                <a:cs typeface="Times New Roman" panose="02020603050405020304" pitchFamily="18" charset="0"/>
+              </a:rPr>
+              <a:t>metode</a:t>
+            </a:r>
+            <a:endParaRPr lang="en-US" sz="3500" dirty="0" smtClean="0">
+              <a:latin typeface="Times New Roman" panose="02020603050405020304" pitchFamily="18" charset="0"/>
+              <a:cs typeface="Times New Roman" panose="02020603050405020304" pitchFamily="18" charset="0"/>
+            </a:endParaRPr>
+          </a:p>
+          <a:p>
+            <a:endParaRPr lang="en-US" sz="3500" dirty="0">
+              <a:latin typeface="Times New Roman" panose="02020603050405020304" pitchFamily="18" charset="0"/>
+              <a:cs typeface="Times New Roman" panose="02020603050405020304" pitchFamily="18" charset="0"/>
+            </a:endParaRPr>
+          </a:p>
+        </p:txBody>
+      </p:sp>
+    </p:spTree>
+    <p:extLst>
+      <p:ext uri="{BB962C8B-B14F-4D97-AF65-F5344CB8AC3E}">
+        <p14:creationId xmlns:p14="http://schemas.microsoft.com/office/powerpoint/2010/main" val="1057337921"/>
+      </p:ext>
+    </p:extLst>
+  </p:cSld>
+  <p:clrMapOvr>
+    <a:masterClrMapping/>
+  </p:clrMapOvr>
+</p:sld>
+</file>
+
+<file path=ppt/slides/slide6.xml><?xml version="1.0" encoding="utf-8"?>
+<p:sld xmlns:a="http://schemas.openxmlformats.org/drawingml/2006/main" xmlns:r="http://schemas.openxmlformats.org/officeDocument/2006/relationships" xmlns:p="http://schemas.openxmlformats.org/presentationml/2006/main">
+  <p:cSld>
+    <p:spTree>
+      <p:nvGrpSpPr>
+        <p:cNvPr id="1" name=""/>
+        <p:cNvGrpSpPr/>
+        <p:nvPr/>
+      </p:nvGrpSpPr>
+      <p:grpSpPr>
+        <a:xfrm>
+          <a:off x="0" y="0"/>
+          <a:ext cx="0" cy="0"/>
+          <a:chOff x="0" y="0"/>
+          <a:chExt cx="0" cy="0"/>
+        </a:xfrm>
+      </p:grpSpPr>
+      <p:sp>
+        <p:nvSpPr>
+          <p:cNvPr id="2" name="Title 1"/>
+          <p:cNvSpPr>
+            <a:spLocks noGrp="1"/>
+          </p:cNvSpPr>
+          <p:nvPr>
+            <p:ph type="title"/>
+          </p:nvPr>
+        </p:nvSpPr>
+        <p:spPr>
+          <a:xfrm>
+            <a:off x="589615" y="114007"/>
+            <a:ext cx="9905998" cy="737329"/>
+          </a:xfrm>
+        </p:spPr>
+        <p:txBody>
+          <a:bodyPr>
+            <a:normAutofit fontScale="90000"/>
+          </a:bodyPr>
+          <a:lstStyle/>
+          <a:p>
+            <a:r>
+              <a:rPr lang="en-US" sz="4000" b="1" u="sng" dirty="0" smtClean="0">
+                <a:latin typeface="Times New Roman" panose="02020603050405020304" pitchFamily="18" charset="0"/>
+                <a:cs typeface="Times New Roman" panose="02020603050405020304" pitchFamily="18" charset="0"/>
+              </a:rPr>
+              <a:t>Why </a:t>
+            </a:r>
+            <a:r>
+              <a:rPr lang="en-US" sz="4000" b="1" u="sng" dirty="0" err="1" smtClean="0">
+                <a:latin typeface="Times New Roman" panose="02020603050405020304" pitchFamily="18" charset="0"/>
+                <a:cs typeface="Times New Roman" panose="02020603050405020304" pitchFamily="18" charset="0"/>
+              </a:rPr>
+              <a:t>matahari</a:t>
+            </a:r>
+            <a:r>
+              <a:rPr lang="en-US" sz="4000" b="1" u="sng" dirty="0" smtClean="0">
+                <a:latin typeface="Times New Roman" panose="02020603050405020304" pitchFamily="18" charset="0"/>
+                <a:cs typeface="Times New Roman" panose="02020603050405020304" pitchFamily="18" charset="0"/>
+              </a:rPr>
+              <a:t> </a:t>
+            </a:r>
+            <a:r>
+              <a:rPr lang="en-US" sz="4000" b="1" u="sng" dirty="0" err="1" smtClean="0">
+                <a:latin typeface="Times New Roman" panose="02020603050405020304" pitchFamily="18" charset="0"/>
+                <a:cs typeface="Times New Roman" panose="02020603050405020304" pitchFamily="18" charset="0"/>
+              </a:rPr>
+              <a:t>nusantara</a:t>
+            </a:r>
+            <a:r>
+              <a:rPr lang="en-US" sz="4000" b="1" u="sng" dirty="0" smtClean="0">
+                <a:latin typeface="Times New Roman" panose="02020603050405020304" pitchFamily="18" charset="0"/>
+                <a:cs typeface="Times New Roman" panose="02020603050405020304" pitchFamily="18" charset="0"/>
+              </a:rPr>
+              <a:t> </a:t>
+            </a:r>
+            <a:r>
+              <a:rPr lang="en-US" sz="4000" b="1" u="sng" dirty="0" err="1" smtClean="0">
+                <a:latin typeface="Times New Roman" panose="02020603050405020304" pitchFamily="18" charset="0"/>
+                <a:cs typeface="Times New Roman" panose="02020603050405020304" pitchFamily="18" charset="0"/>
+              </a:rPr>
+              <a:t>logistik</a:t>
+            </a:r>
+            <a:endParaRPr lang="en-US" sz="4000" b="1" u="sng" dirty="0">
+              <a:latin typeface="Times New Roman" panose="02020603050405020304" pitchFamily="18" charset="0"/>
+              <a:cs typeface="Times New Roman" panose="02020603050405020304" pitchFamily="18" charset="0"/>
+            </a:endParaRPr>
+          </a:p>
+        </p:txBody>
+      </p:sp>
+      <p:sp>
+        <p:nvSpPr>
+          <p:cNvPr id="3" name="Content Placeholder 2"/>
+          <p:cNvSpPr>
+            <a:spLocks noGrp="1"/>
+          </p:cNvSpPr>
+          <p:nvPr>
+            <p:ph idx="1"/>
+          </p:nvPr>
+        </p:nvSpPr>
+        <p:spPr>
+          <a:xfrm>
+            <a:off x="274297" y="783293"/>
+            <a:ext cx="11707495" cy="2290983"/>
+          </a:xfrm>
+        </p:spPr>
+        <p:txBody>
+          <a:bodyPr>
+            <a:normAutofit/>
+          </a:bodyPr>
+          <a:lstStyle/>
+          <a:p>
+            <a:r>
+              <a:rPr lang="en-US" sz="3500" dirty="0" err="1" smtClean="0">
+                <a:latin typeface="Times New Roman" panose="02020603050405020304" pitchFamily="18" charset="0"/>
+                <a:cs typeface="Times New Roman" panose="02020603050405020304" pitchFamily="18" charset="0"/>
+              </a:rPr>
+              <a:t>Penghitunga</a:t>
+            </a:r>
+            <a:r>
+              <a:rPr lang="en-US" sz="3500" dirty="0" smtClean="0">
+                <a:latin typeface="Times New Roman" panose="02020603050405020304" pitchFamily="18" charset="0"/>
+                <a:cs typeface="Times New Roman" panose="02020603050405020304" pitchFamily="18" charset="0"/>
+              </a:rPr>
+              <a:t> </a:t>
+            </a:r>
+            <a:r>
+              <a:rPr lang="en-US" sz="3500" dirty="0" err="1" smtClean="0">
+                <a:latin typeface="Times New Roman" panose="02020603050405020304" pitchFamily="18" charset="0"/>
+                <a:cs typeface="Times New Roman" panose="02020603050405020304" pitchFamily="18" charset="0"/>
+              </a:rPr>
+              <a:t>penentuan</a:t>
+            </a:r>
+            <a:r>
+              <a:rPr lang="en-US" sz="3500" dirty="0" smtClean="0">
+                <a:latin typeface="Times New Roman" panose="02020603050405020304" pitchFamily="18" charset="0"/>
+                <a:cs typeface="Times New Roman" panose="02020603050405020304" pitchFamily="18" charset="0"/>
+              </a:rPr>
+              <a:t> supplier </a:t>
+            </a:r>
+            <a:r>
+              <a:rPr lang="en-US" sz="3500" dirty="0" err="1" smtClean="0">
+                <a:latin typeface="Times New Roman" panose="02020603050405020304" pitchFamily="18" charset="0"/>
+                <a:cs typeface="Times New Roman" panose="02020603050405020304" pitchFamily="18" charset="0"/>
+              </a:rPr>
+              <a:t>baru</a:t>
+            </a:r>
+            <a:r>
+              <a:rPr lang="en-US" sz="3500" dirty="0" smtClean="0">
+                <a:latin typeface="Times New Roman" panose="02020603050405020304" pitchFamily="18" charset="0"/>
+                <a:cs typeface="Times New Roman" panose="02020603050405020304" pitchFamily="18" charset="0"/>
+              </a:rPr>
+              <a:t> yang </a:t>
+            </a:r>
+            <a:r>
+              <a:rPr lang="en-US" sz="3500" dirty="0" err="1" smtClean="0">
+                <a:latin typeface="Times New Roman" panose="02020603050405020304" pitchFamily="18" charset="0"/>
+                <a:cs typeface="Times New Roman" panose="02020603050405020304" pitchFamily="18" charset="0"/>
+              </a:rPr>
+              <a:t>masih</a:t>
+            </a:r>
+            <a:r>
+              <a:rPr lang="en-US" sz="3500" dirty="0" smtClean="0">
+                <a:latin typeface="Times New Roman" panose="02020603050405020304" pitchFamily="18" charset="0"/>
+                <a:cs typeface="Times New Roman" panose="02020603050405020304" pitchFamily="18" charset="0"/>
+              </a:rPr>
+              <a:t> </a:t>
+            </a:r>
+            <a:r>
+              <a:rPr lang="en-US" sz="3500" dirty="0" err="1" smtClean="0">
+                <a:latin typeface="Times New Roman" panose="02020603050405020304" pitchFamily="18" charset="0"/>
+                <a:cs typeface="Times New Roman" panose="02020603050405020304" pitchFamily="18" charset="0"/>
+              </a:rPr>
+              <a:t>manul</a:t>
+            </a:r>
+            <a:endParaRPr lang="en-US" sz="3500" dirty="0">
+              <a:latin typeface="Times New Roman" panose="02020603050405020304" pitchFamily="18" charset="0"/>
+              <a:cs typeface="Times New Roman" panose="02020603050405020304" pitchFamily="18" charset="0"/>
+            </a:endParaRPr>
+          </a:p>
+          <a:p>
+            <a:r>
+              <a:rPr lang="en-US" sz="3500" dirty="0" smtClean="0">
+                <a:latin typeface="Times New Roman" panose="02020603050405020304" pitchFamily="18" charset="0"/>
+                <a:cs typeface="Times New Roman" panose="02020603050405020304" pitchFamily="18" charset="0"/>
+              </a:rPr>
+              <a:t>Proses manual yang </a:t>
+            </a:r>
+            <a:r>
+              <a:rPr lang="en-US" sz="3500" dirty="0" err="1" smtClean="0">
+                <a:latin typeface="Times New Roman" panose="02020603050405020304" pitchFamily="18" charset="0"/>
+                <a:cs typeface="Times New Roman" panose="02020603050405020304" pitchFamily="18" charset="0"/>
+              </a:rPr>
+              <a:t>memakan</a:t>
+            </a:r>
+            <a:r>
+              <a:rPr lang="en-US" sz="3500" dirty="0" smtClean="0">
+                <a:latin typeface="Times New Roman" panose="02020603050405020304" pitchFamily="18" charset="0"/>
+                <a:cs typeface="Times New Roman" panose="02020603050405020304" pitchFamily="18" charset="0"/>
+              </a:rPr>
+              <a:t> </a:t>
+            </a:r>
+            <a:r>
+              <a:rPr lang="en-US" sz="3500" dirty="0" err="1" smtClean="0">
+                <a:latin typeface="Times New Roman" panose="02020603050405020304" pitchFamily="18" charset="0"/>
+                <a:cs typeface="Times New Roman" panose="02020603050405020304" pitchFamily="18" charset="0"/>
+              </a:rPr>
+              <a:t>waktu</a:t>
+            </a:r>
+            <a:endParaRPr lang="en-US" sz="3500" dirty="0" smtClean="0">
+              <a:latin typeface="Times New Roman" panose="02020603050405020304" pitchFamily="18" charset="0"/>
+              <a:cs typeface="Times New Roman" panose="02020603050405020304" pitchFamily="18" charset="0"/>
+            </a:endParaRPr>
+          </a:p>
+          <a:p>
+            <a:r>
+              <a:rPr lang="en-US" sz="3500" dirty="0" smtClean="0">
+                <a:latin typeface="Times New Roman" panose="02020603050405020304" pitchFamily="18" charset="0"/>
+                <a:cs typeface="Times New Roman" panose="02020603050405020304" pitchFamily="18" charset="0"/>
+              </a:rPr>
+              <a:t>Proses </a:t>
+            </a:r>
+            <a:r>
+              <a:rPr lang="en-US" sz="3500" dirty="0" err="1" smtClean="0">
+                <a:latin typeface="Times New Roman" panose="02020603050405020304" pitchFamily="18" charset="0"/>
+                <a:cs typeface="Times New Roman" panose="02020603050405020304" pitchFamily="18" charset="0"/>
+              </a:rPr>
+              <a:t>penentuan</a:t>
+            </a:r>
+            <a:r>
+              <a:rPr lang="en-US" sz="3500" dirty="0" smtClean="0">
+                <a:latin typeface="Times New Roman" panose="02020603050405020304" pitchFamily="18" charset="0"/>
+                <a:cs typeface="Times New Roman" panose="02020603050405020304" pitchFamily="18" charset="0"/>
+              </a:rPr>
+              <a:t> </a:t>
+            </a:r>
+            <a:r>
+              <a:rPr lang="en-US" sz="3500" dirty="0" err="1" smtClean="0">
+                <a:latin typeface="Times New Roman" panose="02020603050405020304" pitchFamily="18" charset="0"/>
+                <a:cs typeface="Times New Roman" panose="02020603050405020304" pitchFamily="18" charset="0"/>
+              </a:rPr>
+              <a:t>keputusan</a:t>
+            </a:r>
+            <a:r>
+              <a:rPr lang="en-US" sz="3500" dirty="0" smtClean="0">
+                <a:latin typeface="Times New Roman" panose="02020603050405020304" pitchFamily="18" charset="0"/>
+                <a:cs typeface="Times New Roman" panose="02020603050405020304" pitchFamily="18" charset="0"/>
+              </a:rPr>
+              <a:t> </a:t>
+            </a:r>
+            <a:r>
+              <a:rPr lang="en-US" sz="3500" dirty="0" err="1" smtClean="0">
+                <a:latin typeface="Times New Roman" panose="02020603050405020304" pitchFamily="18" charset="0"/>
+                <a:cs typeface="Times New Roman" panose="02020603050405020304" pitchFamily="18" charset="0"/>
+              </a:rPr>
+              <a:t>tidak</a:t>
+            </a:r>
+            <a:r>
+              <a:rPr lang="en-US" sz="3500" dirty="0" smtClean="0">
+                <a:latin typeface="Times New Roman" panose="02020603050405020304" pitchFamily="18" charset="0"/>
+                <a:cs typeface="Times New Roman" panose="02020603050405020304" pitchFamily="18" charset="0"/>
+              </a:rPr>
+              <a:t> </a:t>
+            </a:r>
+            <a:r>
+              <a:rPr lang="en-US" sz="3500" dirty="0" err="1" smtClean="0">
+                <a:latin typeface="Times New Roman" panose="02020603050405020304" pitchFamily="18" charset="0"/>
+                <a:cs typeface="Times New Roman" panose="02020603050405020304" pitchFamily="18" charset="0"/>
+              </a:rPr>
+              <a:t>didukung</a:t>
+            </a:r>
+            <a:r>
+              <a:rPr lang="en-US" sz="3500" dirty="0" smtClean="0">
+                <a:latin typeface="Times New Roman" panose="02020603050405020304" pitchFamily="18" charset="0"/>
+                <a:cs typeface="Times New Roman" panose="02020603050405020304" pitchFamily="18" charset="0"/>
+              </a:rPr>
+              <a:t> </a:t>
+            </a:r>
+            <a:r>
+              <a:rPr lang="en-US" sz="3500" dirty="0" err="1" smtClean="0">
+                <a:latin typeface="Times New Roman" panose="02020603050405020304" pitchFamily="18" charset="0"/>
+                <a:cs typeface="Times New Roman" panose="02020603050405020304" pitchFamily="18" charset="0"/>
+              </a:rPr>
+              <a:t>sebuah</a:t>
+            </a:r>
+            <a:r>
+              <a:rPr lang="en-US" sz="3500" dirty="0" smtClean="0">
+                <a:latin typeface="Times New Roman" panose="02020603050405020304" pitchFamily="18" charset="0"/>
+                <a:cs typeface="Times New Roman" panose="02020603050405020304" pitchFamily="18" charset="0"/>
+              </a:rPr>
+              <a:t> </a:t>
+            </a:r>
+            <a:r>
+              <a:rPr lang="en-US" sz="3500" dirty="0" err="1" smtClean="0">
+                <a:latin typeface="Times New Roman" panose="02020603050405020304" pitchFamily="18" charset="0"/>
+                <a:cs typeface="Times New Roman" panose="02020603050405020304" pitchFamily="18" charset="0"/>
+              </a:rPr>
+              <a:t>metode</a:t>
+            </a:r>
+            <a:endParaRPr lang="en-US" sz="3500" dirty="0" smtClean="0">
+              <a:latin typeface="Times New Roman" panose="02020603050405020304" pitchFamily="18" charset="0"/>
+              <a:cs typeface="Times New Roman" panose="02020603050405020304" pitchFamily="18" charset="0"/>
+            </a:endParaRPr>
+          </a:p>
+          <a:p>
+            <a:endParaRPr lang="en-US" sz="3500" dirty="0">
+              <a:latin typeface="Times New Roman" panose="02020603050405020304" pitchFamily="18" charset="0"/>
+              <a:cs typeface="Times New Roman" panose="02020603050405020304" pitchFamily="18" charset="0"/>
+            </a:endParaRPr>
+          </a:p>
+        </p:txBody>
+      </p:sp>
+    </p:spTree>
+    <p:extLst>
+      <p:ext uri="{BB962C8B-B14F-4D97-AF65-F5344CB8AC3E}">
+        <p14:creationId xmlns:p14="http://schemas.microsoft.com/office/powerpoint/2010/main" val="3367455415"/>
+      </p:ext>
+    </p:extLst>
+  </p:cSld>
+  <p:clrMapOvr>
+    <a:masterClrMapping/>
+  </p:clrMapOvr>
+</p:sld>
+</file>
+
+<file path=ppt/slides/slide7.xml><?xml version="1.0" encoding="utf-8"?>
 <p:sld xmlns:a="http://schemas.openxmlformats.org/drawingml/2006/main" xmlns:r="http://schemas.openxmlformats.org/officeDocument/2006/relationships" xmlns:p="http://schemas.openxmlformats.org/presentationml/2006/main">
   <p:cSld>
     <p:bg>
@@ -13863,15 +16212,116 @@
                 <a:latin typeface="Times New Roman" panose="02020603050405020304" pitchFamily="18" charset="0"/>
                 <a:cs typeface="Times New Roman" panose="02020603050405020304" pitchFamily="18" charset="0"/>
               </a:rPr>
-              <a:t> Weighted Product</a:t>
-            </a:r>
-          </a:p>
-          <a:p>
+              <a:t> Weighted </a:t>
+            </a:r>
+            <a:r>
+              <a:rPr lang="en-US" sz="3500" dirty="0" smtClean="0">
+                <a:latin typeface="Times New Roman" panose="02020603050405020304" pitchFamily="18" charset="0"/>
+                <a:cs typeface="Times New Roman" panose="02020603050405020304" pitchFamily="18" charset="0"/>
+              </a:rPr>
+              <a:t>Product </a:t>
+            </a:r>
             <a:r>
               <a:rPr lang="en-US" sz="3500" dirty="0" err="1" smtClean="0">
                 <a:latin typeface="Times New Roman" panose="02020603050405020304" pitchFamily="18" charset="0"/>
                 <a:cs typeface="Times New Roman" panose="02020603050405020304" pitchFamily="18" charset="0"/>
               </a:rPr>
+              <a:t>sebagai</a:t>
+            </a:r>
+            <a:r>
+              <a:rPr lang="en-US" sz="3500" dirty="0" smtClean="0">
+                <a:latin typeface="Times New Roman" panose="02020603050405020304" pitchFamily="18" charset="0"/>
+                <a:cs typeface="Times New Roman" panose="02020603050405020304" pitchFamily="18" charset="0"/>
+              </a:rPr>
+              <a:t> </a:t>
+            </a:r>
+            <a:r>
+              <a:rPr lang="en-US" sz="3500" dirty="0" err="1" smtClean="0">
+                <a:latin typeface="Times New Roman" panose="02020603050405020304" pitchFamily="18" charset="0"/>
+                <a:cs typeface="Times New Roman" panose="02020603050405020304" pitchFamily="18" charset="0"/>
+              </a:rPr>
+              <a:t>pendukung</a:t>
+            </a:r>
+            <a:r>
+              <a:rPr lang="en-US" sz="3500" dirty="0" smtClean="0">
+                <a:latin typeface="Times New Roman" panose="02020603050405020304" pitchFamily="18" charset="0"/>
+                <a:cs typeface="Times New Roman" panose="02020603050405020304" pitchFamily="18" charset="0"/>
+              </a:rPr>
+              <a:t> </a:t>
+            </a:r>
+            <a:r>
+              <a:rPr lang="en-US" sz="3500" dirty="0" err="1" smtClean="0">
+                <a:latin typeface="Times New Roman" panose="02020603050405020304" pitchFamily="18" charset="0"/>
+                <a:cs typeface="Times New Roman" panose="02020603050405020304" pitchFamily="18" charset="0"/>
+              </a:rPr>
+              <a:t>keputusan</a:t>
+            </a:r>
+            <a:endParaRPr lang="en-US" sz="3500" dirty="0" smtClean="0">
+              <a:latin typeface="Times New Roman" panose="02020603050405020304" pitchFamily="18" charset="0"/>
+              <a:cs typeface="Times New Roman" panose="02020603050405020304" pitchFamily="18" charset="0"/>
+            </a:endParaRPr>
+          </a:p>
+          <a:p>
+            <a:r>
+              <a:rPr lang="en-US" sz="3500" dirty="0" err="1" smtClean="0">
+                <a:latin typeface="Times New Roman" panose="02020603050405020304" pitchFamily="18" charset="0"/>
+                <a:cs typeface="Times New Roman" panose="02020603050405020304" pitchFamily="18" charset="0"/>
+              </a:rPr>
+              <a:t>Aplikasi</a:t>
+            </a:r>
+            <a:r>
+              <a:rPr lang="en-US" sz="3500" dirty="0" smtClean="0">
+                <a:latin typeface="Times New Roman" panose="02020603050405020304" pitchFamily="18" charset="0"/>
+                <a:cs typeface="Times New Roman" panose="02020603050405020304" pitchFamily="18" charset="0"/>
+              </a:rPr>
+              <a:t> </a:t>
+            </a:r>
+            <a:r>
+              <a:rPr lang="en-US" sz="3500" dirty="0" err="1" smtClean="0">
+                <a:latin typeface="Times New Roman" panose="02020603050405020304" pitchFamily="18" charset="0"/>
+                <a:cs typeface="Times New Roman" panose="02020603050405020304" pitchFamily="18" charset="0"/>
+              </a:rPr>
+              <a:t>Sistem</a:t>
+            </a:r>
+            <a:r>
+              <a:rPr lang="en-US" sz="3500" dirty="0" smtClean="0">
+                <a:latin typeface="Times New Roman" panose="02020603050405020304" pitchFamily="18" charset="0"/>
+                <a:cs typeface="Times New Roman" panose="02020603050405020304" pitchFamily="18" charset="0"/>
+              </a:rPr>
+              <a:t> </a:t>
+            </a:r>
+            <a:r>
+              <a:rPr lang="en-US" sz="3500" dirty="0" err="1" smtClean="0">
+                <a:latin typeface="Times New Roman" panose="02020603050405020304" pitchFamily="18" charset="0"/>
+                <a:cs typeface="Times New Roman" panose="02020603050405020304" pitchFamily="18" charset="0"/>
+              </a:rPr>
+              <a:t>Pendukung</a:t>
+            </a:r>
+            <a:r>
+              <a:rPr lang="en-US" sz="3500" dirty="0" smtClean="0">
+                <a:latin typeface="Times New Roman" panose="02020603050405020304" pitchFamily="18" charset="0"/>
+                <a:cs typeface="Times New Roman" panose="02020603050405020304" pitchFamily="18" charset="0"/>
+              </a:rPr>
+              <a:t> </a:t>
+            </a:r>
+            <a:r>
+              <a:rPr lang="en-US" sz="3500" dirty="0" err="1" smtClean="0">
+                <a:latin typeface="Times New Roman" panose="02020603050405020304" pitchFamily="18" charset="0"/>
+                <a:cs typeface="Times New Roman" panose="02020603050405020304" pitchFamily="18" charset="0"/>
+              </a:rPr>
+              <a:t>Keputusan</a:t>
+            </a:r>
+            <a:endParaRPr lang="en-US" sz="3500" dirty="0" smtClean="0">
+              <a:latin typeface="Times New Roman" panose="02020603050405020304" pitchFamily="18" charset="0"/>
+              <a:cs typeface="Times New Roman" panose="02020603050405020304" pitchFamily="18" charset="0"/>
+            </a:endParaRPr>
+          </a:p>
+          <a:p>
+            <a:r>
+              <a:rPr lang="en-US" sz="3500" dirty="0" err="1" smtClean="0">
+                <a:latin typeface="Times New Roman" panose="02020603050405020304" pitchFamily="18" charset="0"/>
+                <a:cs typeface="Times New Roman" panose="02020603050405020304" pitchFamily="18" charset="0"/>
+              </a:rPr>
               <a:t>Berbasis</a:t>
             </a:r>
             <a:r>
@@ -13879,16 +16329,14 @@
                 <a:latin typeface="Times New Roman" panose="02020603050405020304" pitchFamily="18" charset="0"/>
                 <a:cs typeface="Times New Roman" panose="02020603050405020304" pitchFamily="18" charset="0"/>
               </a:rPr>
-              <a:t> Website</a:t>
-            </a:r>
-          </a:p>
-          <a:p>
+              <a:t> website </a:t>
+            </a:r>
             <a:r>
               <a:rPr lang="en-US" sz="3500" dirty="0" err="1" smtClean="0">
                 <a:latin typeface="Times New Roman" panose="02020603050405020304" pitchFamily="18" charset="0"/>
                 <a:cs typeface="Times New Roman" panose="02020603050405020304" pitchFamily="18" charset="0"/>
               </a:rPr>
-              <a:t>Aplikasi</a:t>
+              <a:t>dan</a:t>
             </a:r>
             <a:r>
               <a:rPr lang="en-US" sz="3500" dirty="0" smtClean="0">
@@ -13902,7 +16350,7 @@
                 <a:latin typeface="Times New Roman" panose="02020603050405020304" pitchFamily="18" charset="0"/>
                 <a:cs typeface="Times New Roman" panose="02020603050405020304" pitchFamily="18" charset="0"/>
               </a:rPr>
-              <a:t>Sistem</a:t>
+              <a:t>dapat</a:t>
             </a:r>
             <a:r>
               <a:rPr lang="en-US" sz="3500" dirty="0" smtClean="0">
@@ -13916,7 +16364,7 @@
                 <a:latin typeface="Times New Roman" panose="02020603050405020304" pitchFamily="18" charset="0"/>
                 <a:cs typeface="Times New Roman" panose="02020603050405020304" pitchFamily="18" charset="0"/>
               </a:rPr>
-              <a:t>Pendukung</a:t>
+              <a:t>setiap</a:t>
             </a:r>
             <a:r>
               <a:rPr lang="en-US" sz="3500" dirty="0" smtClean="0">
@@ -13930,7 +16378,21 @@
                 <a:latin typeface="Times New Roman" panose="02020603050405020304" pitchFamily="18" charset="0"/>
                 <a:cs typeface="Times New Roman" panose="02020603050405020304" pitchFamily="18" charset="0"/>
               </a:rPr>
-              <a:t>Keputusan</a:t>
+              <a:t>saat</a:t>
+            </a:r>
+            <a:r>
+              <a:rPr lang="en-US" sz="3500" dirty="0" smtClean="0">
+                <a:latin typeface="Times New Roman" panose="02020603050405020304" pitchFamily="18" charset="0"/>
+                <a:cs typeface="Times New Roman" panose="02020603050405020304" pitchFamily="18" charset="0"/>
+              </a:rPr>
+              <a:t> di </a:t>
+            </a:r>
+            <a:r>
+              <a:rPr lang="en-US" sz="3500" dirty="0" err="1" smtClean="0">
+                <a:latin typeface="Times New Roman" panose="02020603050405020304" pitchFamily="18" charset="0"/>
+                <a:cs typeface="Times New Roman" panose="02020603050405020304" pitchFamily="18" charset="0"/>
+              </a:rPr>
+              <a:t>akses</a:t>
             </a:r>
             <a:endParaRPr lang="en-US" sz="3500" dirty="0">
               <a:latin typeface="Times New Roman" panose="02020603050405020304" pitchFamily="18" charset="0"/>
@@ -14262,14 +16724,7 @@
                 <a:latin typeface="Times New Roman" panose="02020603050405020304" pitchFamily="18" charset="0"/>
                 <a:cs typeface="Times New Roman" panose="02020603050405020304" pitchFamily="18" charset="0"/>
               </a:rPr>
-              <a:t>Software </a:t>
-            </a:r>
-            <a:r>
-              <a:rPr lang="en-US" sz="3500" dirty="0" smtClean="0">
-                <a:latin typeface="Times New Roman" panose="02020603050405020304" pitchFamily="18" charset="0"/>
-                <a:cs typeface="Times New Roman" panose="02020603050405020304" pitchFamily="18" charset="0"/>
-              </a:rPr>
-              <a:t>development (IDE &amp; third party)</a:t>
+              <a:t>Software development (IDE &amp; third party)</a:t>
             </a:r>
             <a:endParaRPr lang="en-US" sz="3500" dirty="0">
               <a:latin typeface="Times New Roman" panose="02020603050405020304" pitchFamily="18" charset="0"/>
@@ -14291,7 +16746,7 @@
 </p:sld>
 </file>
 
-<file path=ppt/slides/slide4.xml><?xml version="1.0" encoding="utf-8"?>
+<file path=ppt/slides/slide8.xml><?xml version="1.0" encoding="utf-8"?>
 <p:sld xmlns:a="http://schemas.openxmlformats.org/drawingml/2006/main" xmlns:r="http://schemas.openxmlformats.org/officeDocument/2006/relationships" xmlns:p="http://schemas.openxmlformats.org/presentationml/2006/main">
   <p:cSld>
     <p:bg>
@@ -14395,6 +16850,48 @@
               </a:rPr>
               <a:t>Logistik</a:t>
             </a:r>
+            <a:r>
+              <a:rPr lang="en-US" sz="3500" dirty="0" smtClean="0">
+                <a:latin typeface="Times New Roman" panose="02020603050405020304" pitchFamily="18" charset="0"/>
+                <a:cs typeface="Times New Roman" panose="02020603050405020304" pitchFamily="18" charset="0"/>
+              </a:rPr>
+              <a:t> </a:t>
+            </a:r>
+            <a:r>
+              <a:rPr lang="en-US" sz="3500" dirty="0" err="1" smtClean="0">
+                <a:latin typeface="Times New Roman" panose="02020603050405020304" pitchFamily="18" charset="0"/>
+                <a:cs typeface="Times New Roman" panose="02020603050405020304" pitchFamily="18" charset="0"/>
+              </a:rPr>
+              <a:t>atau</a:t>
+            </a:r>
+            <a:r>
+              <a:rPr lang="en-US" sz="3500" dirty="0" smtClean="0">
+                <a:latin typeface="Times New Roman" panose="02020603050405020304" pitchFamily="18" charset="0"/>
+                <a:cs typeface="Times New Roman" panose="02020603050405020304" pitchFamily="18" charset="0"/>
+              </a:rPr>
+              <a:t> </a:t>
+            </a:r>
+            <a:r>
+              <a:rPr lang="en-US" sz="3500" dirty="0" err="1" smtClean="0">
+                <a:latin typeface="Times New Roman" panose="02020603050405020304" pitchFamily="18" charset="0"/>
+                <a:cs typeface="Times New Roman" panose="02020603050405020304" pitchFamily="18" charset="0"/>
+              </a:rPr>
+              <a:t>objek</a:t>
+            </a:r>
+            <a:r>
+              <a:rPr lang="en-US" sz="3500" dirty="0" smtClean="0">
+                <a:latin typeface="Times New Roman" panose="02020603050405020304" pitchFamily="18" charset="0"/>
+                <a:cs typeface="Times New Roman" panose="02020603050405020304" pitchFamily="18" charset="0"/>
+              </a:rPr>
+              <a:t> </a:t>
+            </a:r>
+            <a:r>
+              <a:rPr lang="en-US" sz="3500" dirty="0" err="1" smtClean="0">
+                <a:latin typeface="Times New Roman" panose="02020603050405020304" pitchFamily="18" charset="0"/>
+                <a:cs typeface="Times New Roman" panose="02020603050405020304" pitchFamily="18" charset="0"/>
+              </a:rPr>
+              <a:t>penelitian</a:t>
+            </a:r>
             <a:endParaRPr lang="en-US" sz="3500" dirty="0" smtClean="0">
               <a:latin typeface="Times New Roman" panose="02020603050405020304" pitchFamily="18" charset="0"/>
               <a:cs typeface="Times New Roman" panose="02020603050405020304" pitchFamily="18" charset="0"/>
@@ -14406,7 +16903,7 @@
                 <a:latin typeface="Times New Roman" panose="02020603050405020304" pitchFamily="18" charset="0"/>
                 <a:cs typeface="Times New Roman" panose="02020603050405020304" pitchFamily="18" charset="0"/>
               </a:rPr>
-              <a:t>White Box &amp; Black Box</a:t>
+              <a:t>Top management</a:t>
             </a:r>
             <a:endParaRPr lang="en-US" sz="3500" dirty="0" smtClean="0">
               <a:latin typeface="Times New Roman" panose="02020603050405020304" pitchFamily="18" charset="0"/>
@@ -14419,9 +16916,23 @@
                 <a:latin typeface="Times New Roman" panose="02020603050405020304" pitchFamily="18" charset="0"/>
                 <a:cs typeface="Times New Roman" panose="02020603050405020304" pitchFamily="18" charset="0"/>
               </a:rPr>
-              <a:t>User Acceptance Test</a:t>
-            </a:r>
-            <a:endParaRPr lang="en-US" sz="3500" dirty="0">
+              <a:t>Supplier </a:t>
+            </a:r>
+            <a:r>
+              <a:rPr lang="en-US" sz="3500" dirty="0" err="1" smtClean="0">
+                <a:latin typeface="Times New Roman" panose="02020603050405020304" pitchFamily="18" charset="0"/>
+                <a:cs typeface="Times New Roman" panose="02020603050405020304" pitchFamily="18" charset="0"/>
+              </a:rPr>
+              <a:t>atau</a:t>
+            </a:r>
+            <a:r>
+              <a:rPr lang="en-US" sz="3500" dirty="0" smtClean="0">
+                <a:latin typeface="Times New Roman" panose="02020603050405020304" pitchFamily="18" charset="0"/>
+                <a:cs typeface="Times New Roman" panose="02020603050405020304" pitchFamily="18" charset="0"/>
+              </a:rPr>
+              <a:t> vendor</a:t>
+            </a:r>
+            <a:endParaRPr lang="en-US" sz="3500" dirty="0" smtClean="0">
               <a:latin typeface="Times New Roman" panose="02020603050405020304" pitchFamily="18" charset="0"/>
               <a:cs typeface="Times New Roman" panose="02020603050405020304" pitchFamily="18" charset="0"/>
             </a:endParaRPr>
@@ -14686,6 +17197,15 @@
           </a:lstStyle>
           <a:p>
             <a:r>
+              <a:rPr lang="en-US" sz="3500" dirty="0" smtClean="0">
+                <a:latin typeface="Times New Roman" panose="02020603050405020304" pitchFamily="18" charset="0"/>
+                <a:cs typeface="Times New Roman" panose="02020603050405020304" pitchFamily="18" charset="0"/>
+              </a:rPr>
+              <a:t>White box &amp; Black box</a:t>
+            </a:r>
+          </a:p>
+          <a:p>
+            <a:r>
               <a:rPr lang="en-US" sz="3500" dirty="0" err="1" smtClean="0">
                 <a:latin typeface="Times New Roman" panose="02020603050405020304" pitchFamily="18" charset="0"/>
                 <a:cs typeface="Times New Roman" panose="02020603050405020304" pitchFamily="18" charset="0"/>
@@ -14697,12 +17217,15 @@
                 <a:latin typeface="Times New Roman" panose="02020603050405020304" pitchFamily="18" charset="0"/>
                 <a:cs typeface="Times New Roman" panose="02020603050405020304" pitchFamily="18" charset="0"/>
               </a:rPr>
-              <a:t> Pre-test &amp; Post-test</a:t>
-            </a:r>
-            <a:endParaRPr lang="en-US" sz="3500" dirty="0" smtClean="0">
-              <a:latin typeface="Times New Roman" panose="02020603050405020304" pitchFamily="18" charset="0"/>
-              <a:cs typeface="Times New Roman" panose="02020603050405020304" pitchFamily="18" charset="0"/>
-            </a:endParaRPr>
+              <a:t> </a:t>
+            </a:r>
+            <a:r>
+              <a:rPr lang="en-US" sz="3500" dirty="0" smtClean="0">
+                <a:latin typeface="Times New Roman" panose="02020603050405020304" pitchFamily="18" charset="0"/>
+                <a:cs typeface="Times New Roman" panose="02020603050405020304" pitchFamily="18" charset="0"/>
+              </a:rPr>
+              <a:t>Pre-test &amp; Post-test</a:t>
+            </a:r>
           </a:p>
           <a:p>
             <a:r>
@@ -14739,7 +17262,7 @@
 </p:sld>
 </file>
 
-<file path=ppt/slides/slide5.xml><?xml version="1.0" encoding="utf-8"?>
+<file path=ppt/slides/slide9.xml><?xml version="1.0" encoding="utf-8"?>
 <p:sld xmlns:a="http://schemas.openxmlformats.org/drawingml/2006/main" xmlns:r="http://schemas.openxmlformats.org/officeDocument/2006/relationships" xmlns:p="http://schemas.openxmlformats.org/presentationml/2006/main">
   <p:cSld>
     <p:bg>
@@ -15032,73 +17555,6 @@
     <p:extLst>
       <p:ext uri="{BB962C8B-B14F-4D97-AF65-F5344CB8AC3E}">
         <p14:creationId xmlns:p14="http://schemas.microsoft.com/office/powerpoint/2010/main" val="1395171572"/>
-      </p:ext>
-    </p:extLst>
-  </p:cSld>
-  <p:clrMapOvr>
-    <a:masterClrMapping/>
-  </p:clrMapOvr>
-</p:sld>
-</file>
-
-<file path=ppt/slides/slide6.xml><?xml version="1.0" encoding="utf-8"?>
-<p:sld xmlns:a="http://schemas.openxmlformats.org/drawingml/2006/main" xmlns:r="http://schemas.openxmlformats.org/officeDocument/2006/relationships" xmlns:p="http://schemas.openxmlformats.org/presentationml/2006/main">
-  <p:cSld>
-    <p:bg>
-      <p:bgPr>
-        <a:solidFill>
-          <a:schemeClr val="accent1"/>
-        </a:solidFill>
-        <a:effectLst/>
-      </p:bgPr>
-    </p:bg>
-    <p:spTree>
-      <p:nvGrpSpPr>
-        <p:cNvPr id="1" name=""/>
-        <p:cNvGrpSpPr/>
-        <p:nvPr/>
-      </p:nvGrpSpPr>
-      <p:grpSpPr>
-        <a:xfrm>
-          <a:off x="0" y="0"/>
-          <a:ext cx="0" cy="0"/>
-          <a:chOff x="0" y="0"/>
-          <a:chExt cx="0" cy="0"/>
-        </a:xfrm>
-      </p:grpSpPr>
-      <p:sp>
-        <p:nvSpPr>
-          <p:cNvPr id="2" name="Title 1"/>
-          <p:cNvSpPr>
-            <a:spLocks noGrp="1"/>
-          </p:cNvSpPr>
-          <p:nvPr>
-            <p:ph type="title"/>
-          </p:nvPr>
-        </p:nvSpPr>
-        <p:spPr>
-          <a:xfrm>
-            <a:off x="1141413" y="2526151"/>
-            <a:ext cx="9905998" cy="1478570"/>
-          </a:xfrm>
-        </p:spPr>
-        <p:txBody>
-          <a:bodyPr/>
-          <a:lstStyle/>
-          <a:p>
-            <a:pPr algn="ctr"/>
-            <a:r>
-              <a:rPr lang="en-US" dirty="0" err="1" smtClean="0"/>
-              <a:t>terimakasih</a:t>
-            </a:r>
-            <a:endParaRPr lang="en-US" dirty="0"/>
-          </a:p>
-        </p:txBody>
-      </p:sp>
-    </p:spTree>
-    <p:extLst>
-      <p:ext uri="{BB962C8B-B14F-4D97-AF65-F5344CB8AC3E}">
-        <p14:creationId xmlns:p14="http://schemas.microsoft.com/office/powerpoint/2010/main" val="1632817670"/>
       </p:ext>
     </p:extLst>
   </p:cSld>

--- a/skripsi ppt.pptx
+++ b/skripsi ppt.pptx
@@ -9,12 +9,15 @@
     <p:sldId id="262" r:id="rId3"/>
     <p:sldId id="267" r:id="rId4"/>
     <p:sldId id="268" r:id="rId5"/>
-    <p:sldId id="269" r:id="rId6"/>
-    <p:sldId id="270" r:id="rId7"/>
-    <p:sldId id="264" r:id="rId8"/>
+    <p:sldId id="271" r:id="rId6"/>
+    <p:sldId id="272" r:id="rId7"/>
+    <p:sldId id="269" r:id="rId8"/>
     <p:sldId id="265" r:id="rId9"/>
     <p:sldId id="266" r:id="rId10"/>
-    <p:sldId id="263" r:id="rId11"/>
+    <p:sldId id="273" r:id="rId11"/>
+    <p:sldId id="274" r:id="rId12"/>
+    <p:sldId id="275" r:id="rId13"/>
+    <p:sldId id="263" r:id="rId14"/>
   </p:sldIdLst>
   <p:sldSz cx="12192000" cy="6858000"/>
   <p:notesSz cx="6858000" cy="9144000"/>
@@ -4397,7 +4400,7 @@
           <a:p>
             <a:fld id="{48A87A34-81AB-432B-8DAE-1953F412C126}" type="datetimeFigureOut">
               <a:rPr lang="en-US" dirty="0"/>
-              <a:t>7/18/2022</a:t>
+              <a:t>7/22/2022</a:t>
             </a:fld>
             <a:endParaRPr lang="en-US" dirty="0"/>
           </a:p>
@@ -4659,7 +4662,7 @@
           <a:p>
             <a:fld id="{48A87A34-81AB-432B-8DAE-1953F412C126}" type="datetimeFigureOut">
               <a:rPr lang="en-US" dirty="0"/>
-              <a:t>7/18/2022</a:t>
+              <a:t>7/22/2022</a:t>
             </a:fld>
             <a:endParaRPr lang="en-US" dirty="0"/>
           </a:p>
@@ -4850,7 +4853,7 @@
           <a:p>
             <a:fld id="{48A87A34-81AB-432B-8DAE-1953F412C126}" type="datetimeFigureOut">
               <a:rPr lang="en-US" dirty="0"/>
-              <a:t>7/18/2022</a:t>
+              <a:t>7/22/2022</a:t>
             </a:fld>
             <a:endParaRPr lang="en-US" dirty="0"/>
           </a:p>
@@ -5108,7 +5111,7 @@
           <a:p>
             <a:fld id="{48A87A34-81AB-432B-8DAE-1953F412C126}" type="datetimeFigureOut">
               <a:rPr lang="en-US" dirty="0"/>
-              <a:t>7/18/2022</a:t>
+              <a:t>7/22/2022</a:t>
             </a:fld>
             <a:endParaRPr lang="en-US" dirty="0"/>
           </a:p>
@@ -5537,7 +5540,7 @@
           <a:p>
             <a:fld id="{48A87A34-81AB-432B-8DAE-1953F412C126}" type="datetimeFigureOut">
               <a:rPr lang="en-US" dirty="0"/>
-              <a:t>7/18/2022</a:t>
+              <a:t>7/22/2022</a:t>
             </a:fld>
             <a:endParaRPr lang="en-US" dirty="0"/>
           </a:p>
@@ -6078,7 +6081,7 @@
           <a:p>
             <a:fld id="{48A87A34-81AB-432B-8DAE-1953F412C126}" type="datetimeFigureOut">
               <a:rPr lang="en-US" dirty="0"/>
-              <a:t>7/18/2022</a:t>
+              <a:t>7/22/2022</a:t>
             </a:fld>
             <a:endParaRPr lang="en-US" dirty="0"/>
           </a:p>
@@ -6793,7 +6796,7 @@
           <a:p>
             <a:fld id="{48A87A34-81AB-432B-8DAE-1953F412C126}" type="datetimeFigureOut">
               <a:rPr lang="en-US" dirty="0"/>
-              <a:t>7/18/2022</a:t>
+              <a:t>7/22/2022</a:t>
             </a:fld>
             <a:endParaRPr lang="en-US" dirty="0"/>
           </a:p>
@@ -6958,7 +6961,7 @@
           <a:p>
             <a:fld id="{48A87A34-81AB-432B-8DAE-1953F412C126}" type="datetimeFigureOut">
               <a:rPr lang="en-US" dirty="0"/>
-              <a:t>7/18/2022</a:t>
+              <a:t>7/22/2022</a:t>
             </a:fld>
             <a:endParaRPr lang="en-US" dirty="0"/>
           </a:p>
@@ -7133,7 +7136,7 @@
           <a:p>
             <a:fld id="{48A87A34-81AB-432B-8DAE-1953F412C126}" type="datetimeFigureOut">
               <a:rPr lang="en-US" dirty="0"/>
-              <a:t>7/18/2022</a:t>
+              <a:t>7/22/2022</a:t>
             </a:fld>
             <a:endParaRPr lang="en-US" dirty="0"/>
           </a:p>
@@ -7298,7 +7301,7 @@
           <a:p>
             <a:fld id="{48A87A34-81AB-432B-8DAE-1953F412C126}" type="datetimeFigureOut">
               <a:rPr lang="en-US" dirty="0"/>
-              <a:t>7/18/2022</a:t>
+              <a:t>7/22/2022</a:t>
             </a:fld>
             <a:endParaRPr lang="en-US" dirty="0"/>
           </a:p>
@@ -7543,7 +7546,7 @@
           <a:p>
             <a:fld id="{48A87A34-81AB-432B-8DAE-1953F412C126}" type="datetimeFigureOut">
               <a:rPr lang="en-US" dirty="0"/>
-              <a:t>7/18/2022</a:t>
+              <a:t>7/22/2022</a:t>
             </a:fld>
             <a:endParaRPr lang="en-US" dirty="0"/>
           </a:p>
@@ -7770,7 +7773,7 @@
           <a:p>
             <a:fld id="{48A87A34-81AB-432B-8DAE-1953F412C126}" type="datetimeFigureOut">
               <a:rPr lang="en-US" dirty="0"/>
-              <a:t>7/18/2022</a:t>
+              <a:t>7/22/2022</a:t>
             </a:fld>
             <a:endParaRPr lang="en-US" dirty="0"/>
           </a:p>
@@ -8146,7 +8149,7 @@
           <a:p>
             <a:fld id="{48A87A34-81AB-432B-8DAE-1953F412C126}" type="datetimeFigureOut">
               <a:rPr lang="en-US" dirty="0"/>
-              <a:t>7/18/2022</a:t>
+              <a:t>7/22/2022</a:t>
             </a:fld>
             <a:endParaRPr lang="en-US" dirty="0"/>
           </a:p>
@@ -8259,7 +8262,7 @@
           <a:p>
             <a:fld id="{48A87A34-81AB-432B-8DAE-1953F412C126}" type="datetimeFigureOut">
               <a:rPr lang="en-US" dirty="0"/>
-              <a:t>7/18/2022</a:t>
+              <a:t>7/22/2022</a:t>
             </a:fld>
             <a:endParaRPr lang="en-US" dirty="0"/>
           </a:p>
@@ -8349,7 +8352,7 @@
           <a:p>
             <a:fld id="{48A87A34-81AB-432B-8DAE-1953F412C126}" type="datetimeFigureOut">
               <a:rPr lang="en-US" dirty="0"/>
-              <a:t>7/18/2022</a:t>
+              <a:t>7/22/2022</a:t>
             </a:fld>
             <a:endParaRPr lang="en-US" dirty="0"/>
           </a:p>
@@ -8593,7 +8596,7 @@
           <a:p>
             <a:fld id="{48A87A34-81AB-432B-8DAE-1953F412C126}" type="datetimeFigureOut">
               <a:rPr lang="en-US" dirty="0"/>
-              <a:t>7/18/2022</a:t>
+              <a:t>7/22/2022</a:t>
             </a:fld>
             <a:endParaRPr lang="en-US" dirty="0"/>
           </a:p>
@@ -8868,7 +8871,7 @@
           <a:p>
             <a:fld id="{48A87A34-81AB-432B-8DAE-1953F412C126}" type="datetimeFigureOut">
               <a:rPr lang="en-US" dirty="0"/>
-              <a:t>7/18/2022</a:t>
+              <a:t>7/22/2022</a:t>
             </a:fld>
             <a:endParaRPr lang="en-US" dirty="0"/>
           </a:p>
@@ -11941,7 +11944,7 @@
             <a:fld id="{48A87A34-81AB-432B-8DAE-1953F412C126}" type="datetimeFigureOut">
               <a:rPr lang="en-US" dirty="0"/>
               <a:pPr/>
-              <a:t>7/18/2022</a:t>
+              <a:t>7/22/2022</a:t>
             </a:fld>
             <a:endParaRPr lang="en-US" dirty="0"/>
           </a:p>
@@ -12343,6 +12346,14 @@
 <file path=ppt/slides/slide1.xml><?xml version="1.0" encoding="utf-8"?>
 <p:sld xmlns:a="http://schemas.openxmlformats.org/drawingml/2006/main" xmlns:r="http://schemas.openxmlformats.org/officeDocument/2006/relationships" xmlns:p="http://schemas.openxmlformats.org/presentationml/2006/main">
   <p:cSld>
+    <p:bg>
+      <p:bgPr>
+        <a:solidFill>
+          <a:srgbClr val="00B0F0"/>
+        </a:solidFill>
+        <a:effectLst/>
+      </p:bgPr>
+    </p:bg>
     <p:spTree>
       <p:nvGrpSpPr>
         <p:cNvPr id="1" name=""/>
@@ -12579,13 +12590,13 @@
         </p:nvSpPr>
         <p:spPr>
           <a:xfrm>
-            <a:off x="1876424" y="4126294"/>
+            <a:off x="1876424" y="4031698"/>
             <a:ext cx="8791575" cy="765010"/>
           </a:xfrm>
         </p:spPr>
         <p:txBody>
           <a:bodyPr>
-            <a:normAutofit fontScale="92500" lnSpcReduction="20000"/>
+            <a:noAutofit/>
           </a:bodyPr>
           <a:lstStyle/>
           <a:p>
@@ -13036,7 +13047,1377 @@
     <p:bg>
       <p:bgPr>
         <a:solidFill>
-          <a:schemeClr val="accent1"/>
+          <a:srgbClr val="00B0F0"/>
+        </a:solidFill>
+        <a:effectLst/>
+      </p:bgPr>
+    </p:bg>
+    <p:spTree>
+      <p:nvGrpSpPr>
+        <p:cNvPr id="1" name=""/>
+        <p:cNvGrpSpPr/>
+        <p:nvPr/>
+      </p:nvGrpSpPr>
+      <p:grpSpPr>
+        <a:xfrm>
+          <a:off x="0" y="0"/>
+          <a:ext cx="0" cy="0"/>
+          <a:chOff x="0" y="0"/>
+          <a:chExt cx="0" cy="0"/>
+        </a:xfrm>
+      </p:grpSpPr>
+      <p:sp>
+        <p:nvSpPr>
+          <p:cNvPr id="7" name="Content Placeholder 6"/>
+          <p:cNvSpPr>
+            <a:spLocks noGrp="1"/>
+          </p:cNvSpPr>
+          <p:nvPr>
+            <p:ph idx="1"/>
+          </p:nvPr>
+        </p:nvSpPr>
+        <p:spPr>
+          <a:xfrm>
+            <a:off x="1141412" y="-178429"/>
+            <a:ext cx="9905999" cy="5270682"/>
+          </a:xfrm>
+        </p:spPr>
+        <p:txBody>
+          <a:bodyPr>
+            <a:normAutofit/>
+          </a:bodyPr>
+          <a:lstStyle/>
+          <a:p>
+            <a:r>
+              <a:rPr lang="en-US" sz="4400" dirty="0" err="1" smtClean="0"/>
+              <a:t>Uji</a:t>
+            </a:r>
+            <a:r>
+              <a:rPr lang="en-US" sz="4400" dirty="0" smtClean="0"/>
+              <a:t> </a:t>
+            </a:r>
+            <a:r>
+              <a:rPr lang="en-US" sz="4400" dirty="0" err="1" smtClean="0"/>
+              <a:t>validitas</a:t>
+            </a:r>
+            <a:r>
+              <a:rPr lang="en-US" sz="4400" dirty="0" smtClean="0"/>
+              <a:t> </a:t>
+            </a:r>
+          </a:p>
+          <a:p>
+            <a:r>
+              <a:rPr lang="en-US" dirty="0" err="1" smtClean="0"/>
+              <a:t>Dilakukan</a:t>
+            </a:r>
+            <a:r>
+              <a:rPr lang="en-US" dirty="0" smtClean="0"/>
+              <a:t> </a:t>
+            </a:r>
+            <a:r>
+              <a:rPr lang="en-US" dirty="0" err="1" smtClean="0"/>
+              <a:t>kuisioner</a:t>
+            </a:r>
+            <a:r>
+              <a:rPr lang="en-US" dirty="0" smtClean="0"/>
+              <a:t> </a:t>
+            </a:r>
+            <a:r>
+              <a:rPr lang="en-US" dirty="0" err="1" smtClean="0"/>
+              <a:t>dengan</a:t>
+            </a:r>
+            <a:r>
+              <a:rPr lang="en-US" dirty="0" smtClean="0"/>
+              <a:t> </a:t>
+            </a:r>
+            <a:r>
+              <a:rPr lang="en-US" dirty="0" err="1" smtClean="0"/>
+              <a:t>metode</a:t>
+            </a:r>
+            <a:r>
+              <a:rPr lang="en-US" dirty="0" smtClean="0"/>
+              <a:t> pre-test </a:t>
+            </a:r>
+            <a:r>
+              <a:rPr lang="en-US" dirty="0" err="1" smtClean="0"/>
+              <a:t>dan</a:t>
+            </a:r>
+            <a:r>
+              <a:rPr lang="en-US" dirty="0" smtClean="0"/>
+              <a:t> post-test </a:t>
+            </a:r>
+            <a:r>
+              <a:rPr lang="en-US" dirty="0" err="1" smtClean="0"/>
+              <a:t>kemudian</a:t>
+            </a:r>
+            <a:r>
+              <a:rPr lang="en-US" dirty="0" smtClean="0"/>
+              <a:t> di </a:t>
+            </a:r>
+            <a:r>
+              <a:rPr lang="en-US" dirty="0" err="1" smtClean="0"/>
+              <a:t>analisa</a:t>
+            </a:r>
+            <a:r>
+              <a:rPr lang="en-US" dirty="0" smtClean="0"/>
+              <a:t> </a:t>
+            </a:r>
+            <a:r>
+              <a:rPr lang="en-US" dirty="0" err="1" smtClean="0"/>
+              <a:t>menggunakan</a:t>
+            </a:r>
+            <a:r>
+              <a:rPr lang="en-US" dirty="0" smtClean="0"/>
+              <a:t> SPSS </a:t>
+            </a:r>
+            <a:r>
+              <a:rPr lang="en-US" dirty="0" err="1" smtClean="0"/>
+              <a:t>untuk</a:t>
+            </a:r>
+            <a:r>
+              <a:rPr lang="en-US" dirty="0" smtClean="0"/>
+              <a:t> </a:t>
+            </a:r>
+            <a:r>
+              <a:rPr lang="en-US" dirty="0" err="1" smtClean="0"/>
+              <a:t>mengetahui</a:t>
+            </a:r>
+            <a:r>
+              <a:rPr lang="en-US" dirty="0" smtClean="0"/>
+              <a:t> </a:t>
+            </a:r>
+            <a:r>
+              <a:rPr lang="en-US" dirty="0" err="1" smtClean="0"/>
+              <a:t>apakah</a:t>
+            </a:r>
+            <a:r>
+              <a:rPr lang="en-US" dirty="0" smtClean="0"/>
+              <a:t> </a:t>
+            </a:r>
+            <a:r>
+              <a:rPr lang="en-US" dirty="0" err="1" smtClean="0"/>
+              <a:t>tejadi</a:t>
+            </a:r>
+            <a:r>
+              <a:rPr lang="en-US" dirty="0" smtClean="0"/>
+              <a:t> </a:t>
+            </a:r>
+            <a:r>
+              <a:rPr lang="en-US" dirty="0" err="1" smtClean="0"/>
+              <a:t>pengaruh</a:t>
+            </a:r>
+            <a:r>
+              <a:rPr lang="en-US" dirty="0" smtClean="0"/>
+              <a:t> </a:t>
+            </a:r>
+            <a:r>
+              <a:rPr lang="en-US" dirty="0" err="1" smtClean="0"/>
+              <a:t>pada</a:t>
+            </a:r>
+            <a:r>
+              <a:rPr lang="en-US" dirty="0" smtClean="0"/>
+              <a:t> </a:t>
+            </a:r>
+            <a:r>
+              <a:rPr lang="en-US" dirty="0" err="1" smtClean="0"/>
+              <a:t>penelitian</a:t>
+            </a:r>
+            <a:r>
+              <a:rPr lang="en-US" dirty="0" smtClean="0"/>
+              <a:t> </a:t>
+            </a:r>
+            <a:r>
+              <a:rPr lang="en-US" dirty="0" err="1" smtClean="0"/>
+              <a:t>atau</a:t>
+            </a:r>
+            <a:r>
+              <a:rPr lang="en-US" dirty="0" smtClean="0"/>
+              <a:t> </a:t>
+            </a:r>
+            <a:r>
+              <a:rPr lang="en-US" dirty="0" err="1" smtClean="0"/>
+              <a:t>membandingkan</a:t>
+            </a:r>
+            <a:r>
+              <a:rPr lang="en-US" dirty="0" smtClean="0"/>
+              <a:t> </a:t>
+            </a:r>
+            <a:r>
+              <a:rPr lang="en-US" dirty="0" err="1" smtClean="0"/>
+              <a:t>selisih</a:t>
+            </a:r>
+            <a:r>
+              <a:rPr lang="en-US" dirty="0" smtClean="0"/>
+              <a:t> </a:t>
+            </a:r>
+            <a:r>
+              <a:rPr lang="en-US" dirty="0" err="1" smtClean="0"/>
+              <a:t>dua</a:t>
+            </a:r>
+            <a:r>
+              <a:rPr lang="en-US" dirty="0" smtClean="0"/>
+              <a:t> mean </a:t>
+            </a:r>
+            <a:r>
+              <a:rPr lang="en-US" dirty="0" err="1" smtClean="0"/>
+              <a:t>dari</a:t>
+            </a:r>
+            <a:r>
+              <a:rPr lang="en-US" dirty="0" smtClean="0"/>
+              <a:t> </a:t>
+            </a:r>
+            <a:r>
+              <a:rPr lang="en-US" dirty="0" err="1" smtClean="0"/>
+              <a:t>dua</a:t>
+            </a:r>
+            <a:r>
+              <a:rPr lang="en-US" dirty="0" smtClean="0"/>
+              <a:t> sample yang </a:t>
+            </a:r>
+            <a:r>
+              <a:rPr lang="en-US" dirty="0" err="1" smtClean="0"/>
+              <a:t>berpasangan</a:t>
+            </a:r>
+            <a:r>
+              <a:rPr lang="en-US" dirty="0" smtClean="0"/>
+              <a:t> </a:t>
+            </a:r>
+            <a:r>
+              <a:rPr lang="en-US" dirty="0" err="1" smtClean="0"/>
+              <a:t>dengan</a:t>
+            </a:r>
+            <a:r>
+              <a:rPr lang="en-US" dirty="0" smtClean="0"/>
+              <a:t> rule :</a:t>
+            </a:r>
+          </a:p>
+          <a:p>
+            <a:pPr lvl="1"/>
+            <a:r>
+              <a:rPr lang="en-US" dirty="0" err="1" smtClean="0"/>
+              <a:t>Nilai</a:t>
+            </a:r>
+            <a:r>
+              <a:rPr lang="en-US" dirty="0" smtClean="0"/>
+              <a:t> </a:t>
+            </a:r>
+            <a:r>
+              <a:rPr lang="en-US" dirty="0" err="1" smtClean="0"/>
+              <a:t>signifikan</a:t>
+            </a:r>
+            <a:r>
+              <a:rPr lang="en-US" dirty="0" smtClean="0"/>
+              <a:t> (2-tailed) &lt; 0,05 </a:t>
+            </a:r>
+            <a:r>
+              <a:rPr lang="en-US" dirty="0" err="1" smtClean="0"/>
+              <a:t>menunjukkan</a:t>
+            </a:r>
+            <a:r>
+              <a:rPr lang="en-US" dirty="0" smtClean="0"/>
+              <a:t> </a:t>
+            </a:r>
+            <a:r>
+              <a:rPr lang="en-US" dirty="0" err="1" smtClean="0"/>
+              <a:t>adanya</a:t>
+            </a:r>
+            <a:r>
+              <a:rPr lang="en-US" dirty="0" smtClean="0"/>
+              <a:t> </a:t>
+            </a:r>
+            <a:r>
+              <a:rPr lang="en-US" dirty="0" err="1" smtClean="0"/>
+              <a:t>perbedaan</a:t>
+            </a:r>
+            <a:r>
+              <a:rPr lang="en-US" dirty="0" smtClean="0"/>
+              <a:t> yang </a:t>
+            </a:r>
+            <a:r>
+              <a:rPr lang="en-US" dirty="0" err="1" smtClean="0"/>
+              <a:t>signifikan</a:t>
+            </a:r>
+            <a:r>
+              <a:rPr lang="en-US" dirty="0" smtClean="0"/>
+              <a:t> </a:t>
+            </a:r>
+            <a:r>
+              <a:rPr lang="en-US" dirty="0" err="1" smtClean="0"/>
+              <a:t>antara</a:t>
+            </a:r>
+            <a:r>
+              <a:rPr lang="en-US" dirty="0" smtClean="0"/>
+              <a:t> </a:t>
+            </a:r>
+            <a:r>
+              <a:rPr lang="en-US" dirty="0" err="1" smtClean="0"/>
+              <a:t>hasil</a:t>
+            </a:r>
+            <a:r>
+              <a:rPr lang="en-US" dirty="0" smtClean="0"/>
+              <a:t> </a:t>
+            </a:r>
+            <a:r>
+              <a:rPr lang="en-US" dirty="0" err="1" smtClean="0"/>
+              <a:t>awal</a:t>
+            </a:r>
+            <a:r>
+              <a:rPr lang="en-US" dirty="0" smtClean="0"/>
+              <a:t> </a:t>
+            </a:r>
+            <a:r>
+              <a:rPr lang="en-US" dirty="0" err="1" smtClean="0"/>
+              <a:t>dan</a:t>
+            </a:r>
+            <a:r>
+              <a:rPr lang="en-US" dirty="0" smtClean="0"/>
+              <a:t> </a:t>
+            </a:r>
+            <a:r>
+              <a:rPr lang="en-US" dirty="0" err="1" smtClean="0"/>
+              <a:t>akhir</a:t>
+            </a:r>
+            <a:r>
+              <a:rPr lang="en-US" dirty="0" smtClean="0"/>
+              <a:t> yang </a:t>
+            </a:r>
+            <a:r>
+              <a:rPr lang="en-US" dirty="0" err="1" smtClean="0"/>
+              <a:t>mempengaruhi</a:t>
+            </a:r>
+            <a:r>
+              <a:rPr lang="en-US" dirty="0" smtClean="0"/>
+              <a:t> </a:t>
+            </a:r>
+            <a:r>
+              <a:rPr lang="en-US" dirty="0" err="1" smtClean="0"/>
+              <a:t>suatu</a:t>
+            </a:r>
+            <a:r>
+              <a:rPr lang="en-US" dirty="0" smtClean="0"/>
+              <a:t> </a:t>
+            </a:r>
+            <a:r>
+              <a:rPr lang="en-US" dirty="0" err="1" smtClean="0"/>
+              <a:t>keadaan</a:t>
+            </a:r>
+            <a:endParaRPr lang="en-US" dirty="0" smtClean="0"/>
+          </a:p>
+          <a:p>
+            <a:pPr lvl="1"/>
+            <a:r>
+              <a:rPr lang="en-US" dirty="0" err="1" smtClean="0"/>
+              <a:t>Nilia</a:t>
+            </a:r>
+            <a:r>
+              <a:rPr lang="en-US" dirty="0" smtClean="0"/>
+              <a:t> </a:t>
+            </a:r>
+            <a:r>
+              <a:rPr lang="en-US" dirty="0" err="1" smtClean="0"/>
+              <a:t>signifikan</a:t>
+            </a:r>
+            <a:r>
+              <a:rPr lang="en-US" dirty="0" smtClean="0"/>
+              <a:t> (2-tailed) &gt; 0,05 </a:t>
+            </a:r>
+            <a:r>
+              <a:rPr lang="en-US" dirty="0" err="1" smtClean="0"/>
+              <a:t>menunjukkan</a:t>
+            </a:r>
+            <a:r>
+              <a:rPr lang="en-US" dirty="0" smtClean="0"/>
+              <a:t> </a:t>
+            </a:r>
+            <a:r>
+              <a:rPr lang="en-US" dirty="0" err="1" smtClean="0"/>
+              <a:t>tidak</a:t>
+            </a:r>
+            <a:r>
+              <a:rPr lang="en-US" dirty="0" smtClean="0"/>
+              <a:t> </a:t>
+            </a:r>
+            <a:r>
+              <a:rPr lang="en-US" dirty="0" err="1" smtClean="0"/>
+              <a:t>terdapat</a:t>
+            </a:r>
+            <a:r>
+              <a:rPr lang="en-US" dirty="0" smtClean="0"/>
+              <a:t> </a:t>
+            </a:r>
+            <a:r>
+              <a:rPr lang="en-US" dirty="0" err="1" smtClean="0"/>
+              <a:t>perbedaan</a:t>
+            </a:r>
+            <a:r>
+              <a:rPr lang="en-US" dirty="0" smtClean="0"/>
+              <a:t> </a:t>
+            </a:r>
+            <a:r>
+              <a:rPr lang="en-US" dirty="0" err="1" smtClean="0"/>
+              <a:t>atau</a:t>
+            </a:r>
+            <a:r>
+              <a:rPr lang="en-US" dirty="0" smtClean="0"/>
+              <a:t> </a:t>
+            </a:r>
+            <a:r>
+              <a:rPr lang="en-US" dirty="0" err="1" smtClean="0"/>
+              <a:t>tidak</a:t>
+            </a:r>
+            <a:r>
+              <a:rPr lang="en-US" dirty="0" smtClean="0"/>
+              <a:t> </a:t>
+            </a:r>
+            <a:r>
+              <a:rPr lang="en-US" dirty="0" err="1" smtClean="0"/>
+              <a:t>terjadi</a:t>
+            </a:r>
+            <a:r>
+              <a:rPr lang="en-US" dirty="0" smtClean="0"/>
+              <a:t> </a:t>
+            </a:r>
+            <a:r>
+              <a:rPr lang="en-US" dirty="0" err="1" smtClean="0"/>
+              <a:t>pengaruh</a:t>
+            </a:r>
+            <a:r>
+              <a:rPr lang="en-US" dirty="0" smtClean="0"/>
+              <a:t> </a:t>
+            </a:r>
+            <a:r>
+              <a:rPr lang="en-US" dirty="0" err="1" smtClean="0"/>
+              <a:t>pada</a:t>
+            </a:r>
+            <a:r>
+              <a:rPr lang="en-US" dirty="0" smtClean="0"/>
+              <a:t> </a:t>
+            </a:r>
+            <a:r>
+              <a:rPr lang="en-US" dirty="0" err="1" smtClean="0"/>
+              <a:t>suat</a:t>
+            </a:r>
+            <a:r>
+              <a:rPr lang="en-US" dirty="0" smtClean="0"/>
+              <a:t> </a:t>
+            </a:r>
+            <a:r>
+              <a:rPr lang="en-US" dirty="0" err="1" smtClean="0"/>
+              <a:t>keadaan</a:t>
+            </a:r>
+            <a:endParaRPr lang="en-US" dirty="0"/>
+          </a:p>
+        </p:txBody>
+      </p:sp>
+      <p:pic>
+        <p:nvPicPr>
+          <p:cNvPr id="9" name="Picture 8"/>
+          <p:cNvPicPr>
+            <a:picLocks noChangeAspect="1"/>
+          </p:cNvPicPr>
+          <p:nvPr/>
+        </p:nvPicPr>
+        <p:blipFill>
+          <a:blip r:embed="rId2"/>
+          <a:stretch>
+            <a:fillRect/>
+          </a:stretch>
+        </p:blipFill>
+        <p:spPr>
+          <a:xfrm>
+            <a:off x="913525" y="4125036"/>
+            <a:ext cx="9381358" cy="2692041"/>
+          </a:xfrm>
+          <a:prstGeom prst="rect">
+            <a:avLst/>
+          </a:prstGeom>
+        </p:spPr>
+      </p:pic>
+    </p:spTree>
+    <p:extLst>
+      <p:ext uri="{BB962C8B-B14F-4D97-AF65-F5344CB8AC3E}">
+        <p14:creationId xmlns:p14="http://schemas.microsoft.com/office/powerpoint/2010/main" val="2781126799"/>
+      </p:ext>
+    </p:extLst>
+  </p:cSld>
+  <p:clrMapOvr>
+    <a:masterClrMapping/>
+  </p:clrMapOvr>
+</p:sld>
+</file>
+
+<file path=ppt/slides/slide11.xml><?xml version="1.0" encoding="utf-8"?>
+<p:sld xmlns:a="http://schemas.openxmlformats.org/drawingml/2006/main" xmlns:r="http://schemas.openxmlformats.org/officeDocument/2006/relationships" xmlns:p="http://schemas.openxmlformats.org/presentationml/2006/main">
+  <p:cSld>
+    <p:bg>
+      <p:bgPr>
+        <a:solidFill>
+          <a:srgbClr val="00B0F0"/>
+        </a:solidFill>
+        <a:effectLst/>
+      </p:bgPr>
+    </p:bg>
+    <p:spTree>
+      <p:nvGrpSpPr>
+        <p:cNvPr id="1" name=""/>
+        <p:cNvGrpSpPr/>
+        <p:nvPr/>
+      </p:nvGrpSpPr>
+      <p:grpSpPr>
+        <a:xfrm>
+          <a:off x="0" y="0"/>
+          <a:ext cx="0" cy="0"/>
+          <a:chOff x="0" y="0"/>
+          <a:chExt cx="0" cy="0"/>
+        </a:xfrm>
+      </p:grpSpPr>
+      <p:sp>
+        <p:nvSpPr>
+          <p:cNvPr id="2" name="Title 1"/>
+          <p:cNvSpPr>
+            <a:spLocks noGrp="1"/>
+          </p:cNvSpPr>
+          <p:nvPr>
+            <p:ph type="title"/>
+          </p:nvPr>
+        </p:nvSpPr>
+        <p:spPr/>
+        <p:txBody>
+          <a:bodyPr/>
+          <a:lstStyle/>
+          <a:p>
+            <a:r>
+              <a:rPr lang="en-US" dirty="0" err="1" smtClean="0"/>
+              <a:t>kesimpulan</a:t>
+            </a:r>
+            <a:endParaRPr lang="en-US" dirty="0"/>
+          </a:p>
+        </p:txBody>
+      </p:sp>
+      <p:sp>
+        <p:nvSpPr>
+          <p:cNvPr id="3" name="Content Placeholder 2"/>
+          <p:cNvSpPr>
+            <a:spLocks noGrp="1"/>
+          </p:cNvSpPr>
+          <p:nvPr>
+            <p:ph idx="1"/>
+          </p:nvPr>
+        </p:nvSpPr>
+        <p:spPr>
+          <a:xfrm>
+            <a:off x="1141412" y="1781504"/>
+            <a:ext cx="9905999" cy="5076496"/>
+          </a:xfrm>
+        </p:spPr>
+        <p:txBody>
+          <a:bodyPr>
+            <a:normAutofit/>
+          </a:bodyPr>
+          <a:lstStyle/>
+          <a:p>
+            <a:r>
+              <a:rPr lang="en-US" dirty="0" err="1" smtClean="0"/>
+              <a:t>Sistem</a:t>
+            </a:r>
+            <a:r>
+              <a:rPr lang="en-US" dirty="0" smtClean="0"/>
+              <a:t> </a:t>
+            </a:r>
+            <a:r>
+              <a:rPr lang="en-US" dirty="0" err="1" smtClean="0"/>
+              <a:t>pendukung</a:t>
+            </a:r>
+            <a:r>
+              <a:rPr lang="en-US" dirty="0" smtClean="0"/>
+              <a:t> </a:t>
+            </a:r>
+            <a:r>
+              <a:rPr lang="en-US" dirty="0" err="1" smtClean="0"/>
+              <a:t>keputusan</a:t>
+            </a:r>
+            <a:r>
+              <a:rPr lang="en-US" dirty="0" smtClean="0"/>
+              <a:t> </a:t>
+            </a:r>
+            <a:r>
+              <a:rPr lang="en-US" dirty="0" err="1" smtClean="0"/>
+              <a:t>metode</a:t>
+            </a:r>
+            <a:r>
+              <a:rPr lang="en-US" dirty="0" smtClean="0"/>
+              <a:t> WP yang </a:t>
+            </a:r>
+            <a:r>
+              <a:rPr lang="en-US" dirty="0" err="1" smtClean="0"/>
+              <a:t>dibuat</a:t>
+            </a:r>
+            <a:r>
+              <a:rPr lang="en-US" dirty="0" smtClean="0"/>
+              <a:t> </a:t>
+            </a:r>
+            <a:r>
+              <a:rPr lang="en-US" dirty="0" err="1" smtClean="0"/>
+              <a:t>bertujuan</a:t>
+            </a:r>
+            <a:r>
+              <a:rPr lang="en-US" dirty="0" smtClean="0"/>
+              <a:t> </a:t>
+            </a:r>
+            <a:r>
+              <a:rPr lang="en-US" dirty="0" err="1" smtClean="0"/>
+              <a:t>membantu</a:t>
+            </a:r>
+            <a:r>
+              <a:rPr lang="en-US" dirty="0" smtClean="0"/>
+              <a:t> proses </a:t>
+            </a:r>
+            <a:r>
+              <a:rPr lang="en-US" dirty="0" err="1" smtClean="0"/>
+              <a:t>pengambilan</a:t>
+            </a:r>
+            <a:r>
+              <a:rPr lang="en-US" dirty="0" smtClean="0"/>
+              <a:t> </a:t>
+            </a:r>
+            <a:r>
+              <a:rPr lang="en-US" dirty="0" err="1" smtClean="0"/>
+              <a:t>keputusan</a:t>
+            </a:r>
+            <a:r>
+              <a:rPr lang="en-US" dirty="0" smtClean="0"/>
+              <a:t> </a:t>
+            </a:r>
+            <a:r>
+              <a:rPr lang="en-US" dirty="0" err="1" smtClean="0"/>
+              <a:t>untuk</a:t>
+            </a:r>
+            <a:r>
+              <a:rPr lang="en-US" dirty="0" smtClean="0"/>
+              <a:t> </a:t>
+            </a:r>
+            <a:r>
+              <a:rPr lang="en-US" dirty="0" err="1" smtClean="0"/>
+              <a:t>pemilihan</a:t>
+            </a:r>
+            <a:r>
+              <a:rPr lang="en-US" dirty="0" smtClean="0"/>
+              <a:t> supplier </a:t>
+            </a:r>
+            <a:r>
+              <a:rPr lang="en-US" dirty="0" err="1" smtClean="0"/>
+              <a:t>terbaik</a:t>
+            </a:r>
+            <a:endParaRPr lang="en-US" dirty="0" smtClean="0"/>
+          </a:p>
+          <a:p>
+            <a:r>
+              <a:rPr lang="en-US" dirty="0" err="1" smtClean="0"/>
+              <a:t>Sistem</a:t>
+            </a:r>
+            <a:r>
+              <a:rPr lang="en-US" dirty="0" smtClean="0"/>
+              <a:t> </a:t>
+            </a:r>
+            <a:r>
+              <a:rPr lang="en-US" dirty="0" err="1" smtClean="0"/>
+              <a:t>pendukung</a:t>
+            </a:r>
+            <a:r>
+              <a:rPr lang="en-US" dirty="0" smtClean="0"/>
+              <a:t> </a:t>
+            </a:r>
+            <a:r>
+              <a:rPr lang="en-US" dirty="0" err="1" smtClean="0"/>
+              <a:t>keputusan</a:t>
+            </a:r>
+            <a:r>
+              <a:rPr lang="en-US" dirty="0" smtClean="0"/>
+              <a:t> </a:t>
+            </a:r>
+            <a:r>
+              <a:rPr lang="en-US" dirty="0" err="1" smtClean="0"/>
+              <a:t>metode</a:t>
+            </a:r>
+            <a:r>
+              <a:rPr lang="en-US" dirty="0" smtClean="0"/>
+              <a:t> WP </a:t>
+            </a:r>
+            <a:r>
+              <a:rPr lang="en-US" dirty="0" err="1" smtClean="0"/>
+              <a:t>dapat</a:t>
+            </a:r>
+            <a:r>
+              <a:rPr lang="en-US" dirty="0" smtClean="0"/>
+              <a:t> </a:t>
+            </a:r>
+            <a:r>
+              <a:rPr lang="en-US" dirty="0" err="1" smtClean="0"/>
+              <a:t>menambah</a:t>
+            </a:r>
+            <a:r>
+              <a:rPr lang="en-US" dirty="0" smtClean="0"/>
+              <a:t> </a:t>
+            </a:r>
+            <a:r>
+              <a:rPr lang="en-US" dirty="0" err="1" smtClean="0"/>
+              <a:t>efisiensi</a:t>
+            </a:r>
+            <a:r>
+              <a:rPr lang="en-US" dirty="0" smtClean="0"/>
+              <a:t> </a:t>
+            </a:r>
+            <a:r>
+              <a:rPr lang="en-US" dirty="0" err="1" smtClean="0"/>
+              <a:t>dan</a:t>
+            </a:r>
+            <a:r>
+              <a:rPr lang="en-US" dirty="0" smtClean="0"/>
+              <a:t> </a:t>
+            </a:r>
+            <a:r>
+              <a:rPr lang="en-US" dirty="0" err="1" smtClean="0"/>
+              <a:t>efektifitas</a:t>
+            </a:r>
+            <a:r>
+              <a:rPr lang="en-US" dirty="0" smtClean="0"/>
+              <a:t> </a:t>
+            </a:r>
+            <a:r>
+              <a:rPr lang="en-US" dirty="0" err="1" smtClean="0"/>
+              <a:t>dalam</a:t>
+            </a:r>
+            <a:r>
+              <a:rPr lang="en-US" dirty="0" smtClean="0"/>
+              <a:t> proses </a:t>
+            </a:r>
+            <a:r>
+              <a:rPr lang="en-US" dirty="0" err="1" smtClean="0"/>
+              <a:t>pengambilan</a:t>
+            </a:r>
+            <a:r>
+              <a:rPr lang="en-US" dirty="0" smtClean="0"/>
+              <a:t> </a:t>
+            </a:r>
+            <a:r>
+              <a:rPr lang="en-US" dirty="0" err="1" smtClean="0"/>
+              <a:t>keputusan</a:t>
+            </a:r>
+            <a:endParaRPr lang="en-US" dirty="0" smtClean="0"/>
+          </a:p>
+          <a:p>
+            <a:r>
+              <a:rPr lang="en-US" dirty="0" err="1" smtClean="0"/>
+              <a:t>Dengan</a:t>
+            </a:r>
+            <a:r>
+              <a:rPr lang="en-US" dirty="0" smtClean="0"/>
+              <a:t> </a:t>
+            </a:r>
+            <a:r>
+              <a:rPr lang="en-US" dirty="0" err="1" smtClean="0"/>
+              <a:t>implementasi</a:t>
+            </a:r>
+            <a:r>
+              <a:rPr lang="en-US" dirty="0" smtClean="0"/>
+              <a:t> </a:t>
+            </a:r>
+            <a:r>
+              <a:rPr lang="en-US" dirty="0" err="1" smtClean="0"/>
+              <a:t>metode</a:t>
+            </a:r>
+            <a:r>
+              <a:rPr lang="en-US" dirty="0" smtClean="0"/>
+              <a:t> WP proses </a:t>
+            </a:r>
+            <a:r>
+              <a:rPr lang="en-US" dirty="0" err="1" smtClean="0"/>
+              <a:t>pengambilan</a:t>
+            </a:r>
+            <a:r>
+              <a:rPr lang="en-US" dirty="0" smtClean="0"/>
+              <a:t> </a:t>
+            </a:r>
+            <a:r>
+              <a:rPr lang="en-US" dirty="0" err="1" smtClean="0"/>
+              <a:t>keputusan</a:t>
+            </a:r>
+            <a:r>
+              <a:rPr lang="en-US" dirty="0" smtClean="0"/>
+              <a:t> </a:t>
+            </a:r>
+            <a:r>
+              <a:rPr lang="en-US" dirty="0" err="1" smtClean="0"/>
+              <a:t>dapat</a:t>
+            </a:r>
+            <a:r>
+              <a:rPr lang="en-US" dirty="0" smtClean="0"/>
+              <a:t> </a:t>
+            </a:r>
+            <a:r>
+              <a:rPr lang="en-US" dirty="0" err="1" smtClean="0"/>
+              <a:t>dengan</a:t>
+            </a:r>
+            <a:r>
+              <a:rPr lang="en-US" dirty="0" smtClean="0"/>
+              <a:t> </a:t>
+            </a:r>
+            <a:r>
+              <a:rPr lang="en-US" dirty="0" err="1" smtClean="0"/>
+              <a:t>tepat</a:t>
+            </a:r>
+            <a:r>
+              <a:rPr lang="en-US" dirty="0" smtClean="0"/>
+              <a:t> </a:t>
+            </a:r>
+            <a:r>
+              <a:rPr lang="en-US" dirty="0" err="1" smtClean="0"/>
+              <a:t>menentukan</a:t>
+            </a:r>
+            <a:r>
+              <a:rPr lang="en-US" dirty="0" smtClean="0"/>
+              <a:t> </a:t>
+            </a:r>
+            <a:r>
+              <a:rPr lang="en-US" dirty="0" err="1" smtClean="0"/>
+              <a:t>sebuah</a:t>
+            </a:r>
+            <a:r>
+              <a:rPr lang="en-US" dirty="0" smtClean="0"/>
+              <a:t> </a:t>
+            </a:r>
+            <a:r>
+              <a:rPr lang="en-US" dirty="0" err="1" smtClean="0"/>
+              <a:t>nilai</a:t>
+            </a:r>
+            <a:r>
+              <a:rPr lang="en-US" dirty="0" smtClean="0"/>
+              <a:t>, </a:t>
+            </a:r>
+            <a:r>
+              <a:rPr lang="en-US" dirty="0" err="1" smtClean="0"/>
+              <a:t>karena</a:t>
+            </a:r>
+            <a:r>
+              <a:rPr lang="en-US" dirty="0" smtClean="0"/>
+              <a:t> </a:t>
+            </a:r>
+            <a:r>
+              <a:rPr lang="en-US" dirty="0" err="1" smtClean="0"/>
+              <a:t>hasil</a:t>
+            </a:r>
+            <a:r>
+              <a:rPr lang="en-US" dirty="0" smtClean="0"/>
+              <a:t> </a:t>
+            </a:r>
+            <a:r>
+              <a:rPr lang="en-US" dirty="0" err="1" smtClean="0"/>
+              <a:t>penghitungannya</a:t>
+            </a:r>
+            <a:r>
+              <a:rPr lang="en-US" dirty="0" smtClean="0"/>
+              <a:t> </a:t>
+            </a:r>
+            <a:r>
+              <a:rPr lang="en-US" dirty="0" err="1" smtClean="0"/>
+              <a:t>melalui</a:t>
+            </a:r>
+            <a:r>
+              <a:rPr lang="en-US" dirty="0" smtClean="0"/>
+              <a:t> </a:t>
+            </a:r>
+            <a:r>
+              <a:rPr lang="en-US" dirty="0" err="1" smtClean="0"/>
+              <a:t>pembobotan</a:t>
+            </a:r>
+            <a:r>
+              <a:rPr lang="en-US" dirty="0" smtClean="0"/>
+              <a:t> yang </a:t>
+            </a:r>
+            <a:r>
+              <a:rPr lang="en-US" dirty="0" err="1" smtClean="0"/>
+              <a:t>dilakukan</a:t>
+            </a:r>
+            <a:r>
+              <a:rPr lang="en-US" dirty="0" smtClean="0"/>
+              <a:t> </a:t>
+            </a:r>
+            <a:r>
+              <a:rPr lang="en-US" dirty="0" err="1" smtClean="0"/>
+              <a:t>pemangkatan</a:t>
+            </a:r>
+            <a:r>
+              <a:rPr lang="en-US" dirty="0" smtClean="0"/>
+              <a:t> </a:t>
+            </a:r>
+            <a:r>
+              <a:rPr lang="en-US" dirty="0" err="1" smtClean="0"/>
+              <a:t>terhadap</a:t>
+            </a:r>
+            <a:r>
+              <a:rPr lang="en-US" dirty="0" smtClean="0"/>
+              <a:t> </a:t>
+            </a:r>
+            <a:r>
+              <a:rPr lang="en-US" dirty="0" err="1" smtClean="0"/>
+              <a:t>nilai</a:t>
+            </a:r>
+            <a:r>
+              <a:rPr lang="en-US" dirty="0" smtClean="0"/>
+              <a:t> </a:t>
+            </a:r>
+            <a:r>
+              <a:rPr lang="en-US" dirty="0" err="1" smtClean="0"/>
+              <a:t>normalisasi</a:t>
+            </a:r>
+            <a:r>
+              <a:rPr lang="en-US" dirty="0" smtClean="0"/>
+              <a:t> yang </a:t>
+            </a:r>
+            <a:r>
+              <a:rPr lang="en-US" dirty="0" err="1" smtClean="0"/>
+              <a:t>selanjutnya</a:t>
+            </a:r>
+            <a:r>
+              <a:rPr lang="en-US" dirty="0" smtClean="0"/>
+              <a:t> </a:t>
+            </a:r>
+            <a:r>
+              <a:rPr lang="en-US" dirty="0" err="1" smtClean="0"/>
+              <a:t>dilakukan</a:t>
+            </a:r>
+            <a:r>
+              <a:rPr lang="en-US" dirty="0" smtClean="0"/>
+              <a:t> </a:t>
+            </a:r>
+            <a:r>
+              <a:rPr lang="en-US" dirty="0" err="1" smtClean="0"/>
+              <a:t>perangkingan</a:t>
+            </a:r>
+            <a:r>
+              <a:rPr lang="en-US" dirty="0" smtClean="0"/>
+              <a:t> </a:t>
+            </a:r>
+            <a:r>
+              <a:rPr lang="en-US" dirty="0" err="1" smtClean="0"/>
+              <a:t>berdasarkan</a:t>
+            </a:r>
+            <a:r>
+              <a:rPr lang="en-US" dirty="0" smtClean="0"/>
+              <a:t> </a:t>
+            </a:r>
+            <a:r>
+              <a:rPr lang="en-US" dirty="0" err="1" smtClean="0"/>
+              <a:t>nilai</a:t>
+            </a:r>
+            <a:r>
+              <a:rPr lang="en-US" dirty="0" smtClean="0"/>
+              <a:t> </a:t>
+            </a:r>
+            <a:r>
+              <a:rPr lang="en-US" dirty="0" err="1" smtClean="0"/>
+              <a:t>tetinggi</a:t>
+            </a:r>
+            <a:endParaRPr lang="en-US" dirty="0"/>
+          </a:p>
+        </p:txBody>
+      </p:sp>
+    </p:spTree>
+    <p:extLst>
+      <p:ext uri="{BB962C8B-B14F-4D97-AF65-F5344CB8AC3E}">
+        <p14:creationId xmlns:p14="http://schemas.microsoft.com/office/powerpoint/2010/main" val="3025646267"/>
+      </p:ext>
+    </p:extLst>
+  </p:cSld>
+  <p:clrMapOvr>
+    <a:masterClrMapping/>
+  </p:clrMapOvr>
+</p:sld>
+</file>
+
+<file path=ppt/slides/slide12.xml><?xml version="1.0" encoding="utf-8"?>
+<p:sld xmlns:a="http://schemas.openxmlformats.org/drawingml/2006/main" xmlns:r="http://schemas.openxmlformats.org/officeDocument/2006/relationships" xmlns:p="http://schemas.openxmlformats.org/presentationml/2006/main">
+  <p:cSld>
+    <p:bg>
+      <p:bgPr>
+        <a:solidFill>
+          <a:srgbClr val="00B0F0"/>
+        </a:solidFill>
+        <a:effectLst/>
+      </p:bgPr>
+    </p:bg>
+    <p:spTree>
+      <p:nvGrpSpPr>
+        <p:cNvPr id="1" name=""/>
+        <p:cNvGrpSpPr/>
+        <p:nvPr/>
+      </p:nvGrpSpPr>
+      <p:grpSpPr>
+        <a:xfrm>
+          <a:off x="0" y="0"/>
+          <a:ext cx="0" cy="0"/>
+          <a:chOff x="0" y="0"/>
+          <a:chExt cx="0" cy="0"/>
+        </a:xfrm>
+      </p:grpSpPr>
+      <p:sp>
+        <p:nvSpPr>
+          <p:cNvPr id="2" name="Title 1"/>
+          <p:cNvSpPr>
+            <a:spLocks noGrp="1"/>
+          </p:cNvSpPr>
+          <p:nvPr>
+            <p:ph type="title"/>
+          </p:nvPr>
+        </p:nvSpPr>
+        <p:spPr/>
+        <p:txBody>
+          <a:bodyPr/>
+          <a:lstStyle/>
+          <a:p>
+            <a:r>
+              <a:rPr lang="en-US" dirty="0" smtClean="0"/>
+              <a:t>saran</a:t>
+            </a:r>
+            <a:endParaRPr lang="en-US" dirty="0"/>
+          </a:p>
+        </p:txBody>
+      </p:sp>
+      <p:sp>
+        <p:nvSpPr>
+          <p:cNvPr id="3" name="Content Placeholder 2"/>
+          <p:cNvSpPr>
+            <a:spLocks noGrp="1"/>
+          </p:cNvSpPr>
+          <p:nvPr>
+            <p:ph idx="1"/>
+          </p:nvPr>
+        </p:nvSpPr>
+        <p:spPr/>
+        <p:txBody>
+          <a:bodyPr/>
+          <a:lstStyle/>
+          <a:p>
+            <a:r>
+              <a:rPr lang="en-US" dirty="0" err="1" smtClean="0"/>
+              <a:t>Penambahan</a:t>
+            </a:r>
+            <a:r>
+              <a:rPr lang="en-US" dirty="0" smtClean="0"/>
+              <a:t> </a:t>
+            </a:r>
+            <a:r>
+              <a:rPr lang="en-US" dirty="0" err="1" smtClean="0"/>
+              <a:t>landasan</a:t>
+            </a:r>
+            <a:r>
+              <a:rPr lang="en-US" dirty="0" smtClean="0"/>
+              <a:t> </a:t>
+            </a:r>
+            <a:r>
+              <a:rPr lang="en-US" dirty="0" err="1" smtClean="0"/>
+              <a:t>teori</a:t>
+            </a:r>
+            <a:r>
+              <a:rPr lang="en-US" dirty="0" smtClean="0"/>
+              <a:t> </a:t>
+            </a:r>
+            <a:r>
+              <a:rPr lang="en-US" dirty="0" err="1" smtClean="0"/>
+              <a:t>sebagai</a:t>
+            </a:r>
+            <a:r>
+              <a:rPr lang="en-US" dirty="0" smtClean="0"/>
+              <a:t> </a:t>
+            </a:r>
+            <a:r>
+              <a:rPr lang="en-US" dirty="0" err="1" smtClean="0"/>
+              <a:t>penguat</a:t>
+            </a:r>
+            <a:r>
+              <a:rPr lang="en-US" dirty="0" smtClean="0"/>
+              <a:t> </a:t>
+            </a:r>
+            <a:r>
+              <a:rPr lang="en-US" dirty="0" err="1" smtClean="0"/>
+              <a:t>dasar</a:t>
+            </a:r>
+            <a:r>
+              <a:rPr lang="en-US" dirty="0" smtClean="0"/>
+              <a:t> </a:t>
+            </a:r>
+            <a:r>
+              <a:rPr lang="en-US" dirty="0" err="1" smtClean="0"/>
+              <a:t>ilmiah</a:t>
+            </a:r>
+            <a:r>
+              <a:rPr lang="en-US" dirty="0" smtClean="0"/>
+              <a:t> </a:t>
+            </a:r>
+            <a:r>
+              <a:rPr lang="en-US" dirty="0" err="1" smtClean="0"/>
+              <a:t>serta</a:t>
+            </a:r>
+            <a:r>
+              <a:rPr lang="en-US" dirty="0" smtClean="0"/>
+              <a:t> </a:t>
+            </a:r>
+            <a:r>
+              <a:rPr lang="en-US" dirty="0" err="1" smtClean="0"/>
+              <a:t>penambahan</a:t>
+            </a:r>
+            <a:r>
+              <a:rPr lang="en-US" dirty="0" smtClean="0"/>
+              <a:t> </a:t>
+            </a:r>
+            <a:r>
+              <a:rPr lang="en-US" dirty="0" err="1" smtClean="0"/>
+              <a:t>teknik</a:t>
+            </a:r>
+            <a:r>
+              <a:rPr lang="en-US" dirty="0" smtClean="0"/>
+              <a:t> </a:t>
+            </a:r>
+            <a:r>
+              <a:rPr lang="en-US" dirty="0" err="1" smtClean="0"/>
+              <a:t>pengumpulan</a:t>
+            </a:r>
+            <a:r>
+              <a:rPr lang="en-US" dirty="0" smtClean="0"/>
+              <a:t> data agar </a:t>
+            </a:r>
+            <a:r>
+              <a:rPr lang="en-US" dirty="0" err="1" smtClean="0"/>
+              <a:t>tujuan</a:t>
+            </a:r>
+            <a:r>
+              <a:rPr lang="en-US" dirty="0" smtClean="0"/>
+              <a:t> yang </a:t>
+            </a:r>
+            <a:r>
+              <a:rPr lang="en-US" dirty="0" err="1" smtClean="0"/>
+              <a:t>diharapkan</a:t>
+            </a:r>
+            <a:r>
+              <a:rPr lang="en-US" dirty="0" smtClean="0"/>
+              <a:t> </a:t>
+            </a:r>
+            <a:r>
+              <a:rPr lang="en-US" dirty="0" err="1" smtClean="0"/>
+              <a:t>lebih</a:t>
+            </a:r>
+            <a:r>
+              <a:rPr lang="en-US" dirty="0" smtClean="0"/>
+              <a:t> </a:t>
+            </a:r>
+            <a:r>
+              <a:rPr lang="en-US" dirty="0" err="1" smtClean="0"/>
+              <a:t>mudah</a:t>
+            </a:r>
+            <a:r>
+              <a:rPr lang="en-US" dirty="0" smtClean="0"/>
+              <a:t> di </a:t>
+            </a:r>
+            <a:r>
+              <a:rPr lang="en-US" dirty="0" err="1" smtClean="0"/>
+              <a:t>capai</a:t>
+            </a:r>
+            <a:endParaRPr lang="en-US" dirty="0" smtClean="0"/>
+          </a:p>
+          <a:p>
+            <a:r>
+              <a:rPr lang="en-US" dirty="0" err="1" smtClean="0"/>
+              <a:t>Sistem</a:t>
+            </a:r>
+            <a:r>
+              <a:rPr lang="en-US" dirty="0" smtClean="0"/>
+              <a:t> </a:t>
+            </a:r>
+            <a:r>
+              <a:rPr lang="en-US" dirty="0" err="1" smtClean="0"/>
+              <a:t>pendukung</a:t>
+            </a:r>
+            <a:r>
+              <a:rPr lang="en-US" dirty="0" smtClean="0"/>
+              <a:t> </a:t>
+            </a:r>
+            <a:r>
+              <a:rPr lang="en-US" dirty="0" err="1" smtClean="0"/>
+              <a:t>keputusan</a:t>
+            </a:r>
+            <a:r>
+              <a:rPr lang="en-US" dirty="0" smtClean="0"/>
+              <a:t> yang </a:t>
+            </a:r>
+            <a:r>
+              <a:rPr lang="en-US" dirty="0" err="1" smtClean="0"/>
+              <a:t>sudah</a:t>
+            </a:r>
+            <a:r>
+              <a:rPr lang="en-US" dirty="0" smtClean="0"/>
+              <a:t> </a:t>
+            </a:r>
+            <a:r>
+              <a:rPr lang="en-US" dirty="0" err="1" smtClean="0"/>
+              <a:t>dapat</a:t>
+            </a:r>
+            <a:r>
+              <a:rPr lang="en-US" dirty="0" smtClean="0"/>
+              <a:t> </a:t>
+            </a:r>
+            <a:r>
+              <a:rPr lang="en-US" dirty="0" err="1" smtClean="0"/>
+              <a:t>digunakan</a:t>
+            </a:r>
+            <a:r>
+              <a:rPr lang="en-US" dirty="0" smtClean="0"/>
+              <a:t> bias </a:t>
+            </a:r>
+            <a:r>
+              <a:rPr lang="en-US" dirty="0" err="1" smtClean="0"/>
+              <a:t>dilakukan</a:t>
+            </a:r>
+            <a:r>
+              <a:rPr lang="en-US" dirty="0" smtClean="0"/>
+              <a:t> </a:t>
+            </a:r>
+            <a:r>
+              <a:rPr lang="en-US" dirty="0" err="1" smtClean="0"/>
+              <a:t>pengembangan</a:t>
+            </a:r>
+            <a:r>
+              <a:rPr lang="en-US" dirty="0" smtClean="0"/>
+              <a:t> </a:t>
+            </a:r>
+            <a:r>
+              <a:rPr lang="en-US" dirty="0" err="1" smtClean="0"/>
+              <a:t>kembali</a:t>
+            </a:r>
+            <a:r>
+              <a:rPr lang="en-US" dirty="0" smtClean="0"/>
+              <a:t> </a:t>
+            </a:r>
+          </a:p>
+          <a:p>
+            <a:r>
+              <a:rPr lang="en-US" dirty="0" err="1" smtClean="0"/>
+              <a:t>Penelitian</a:t>
+            </a:r>
+            <a:r>
+              <a:rPr lang="en-US" dirty="0" smtClean="0"/>
+              <a:t> </a:t>
+            </a:r>
+            <a:r>
+              <a:rPr lang="en-US" dirty="0" err="1" smtClean="0"/>
+              <a:t>ini</a:t>
+            </a:r>
+            <a:r>
+              <a:rPr lang="en-US" dirty="0" smtClean="0"/>
+              <a:t> </a:t>
+            </a:r>
+            <a:r>
+              <a:rPr lang="en-US" dirty="0" err="1" smtClean="0"/>
+              <a:t>dapat</a:t>
+            </a:r>
+            <a:r>
+              <a:rPr lang="en-US" dirty="0" smtClean="0"/>
+              <a:t> </a:t>
+            </a:r>
+            <a:r>
+              <a:rPr lang="en-US" dirty="0" err="1" smtClean="0"/>
+              <a:t>dijadikan</a:t>
+            </a:r>
+            <a:r>
+              <a:rPr lang="en-US" dirty="0" smtClean="0"/>
+              <a:t> </a:t>
+            </a:r>
+            <a:r>
+              <a:rPr lang="en-US" dirty="0" err="1" smtClean="0"/>
+              <a:t>referensi</a:t>
+            </a:r>
+            <a:r>
+              <a:rPr lang="en-US" dirty="0" smtClean="0"/>
+              <a:t> </a:t>
+            </a:r>
+            <a:r>
+              <a:rPr lang="en-US" dirty="0" err="1" smtClean="0"/>
+              <a:t>untuk</a:t>
+            </a:r>
+            <a:r>
+              <a:rPr lang="en-US" dirty="0" smtClean="0"/>
+              <a:t> </a:t>
+            </a:r>
+            <a:r>
+              <a:rPr lang="en-US" dirty="0" err="1" smtClean="0"/>
+              <a:t>penelitian</a:t>
+            </a:r>
+            <a:r>
+              <a:rPr lang="en-US" dirty="0" smtClean="0"/>
+              <a:t> </a:t>
+            </a:r>
+            <a:r>
+              <a:rPr lang="en-US" dirty="0" err="1" smtClean="0"/>
+              <a:t>selanjutnya</a:t>
+            </a:r>
+            <a:r>
+              <a:rPr lang="en-US" dirty="0" smtClean="0"/>
+              <a:t> </a:t>
+            </a:r>
+            <a:r>
+              <a:rPr lang="en-US" dirty="0" err="1" smtClean="0"/>
+              <a:t>sebagai</a:t>
+            </a:r>
+            <a:r>
+              <a:rPr lang="en-US" dirty="0" smtClean="0"/>
+              <a:t> </a:t>
+            </a:r>
+            <a:r>
+              <a:rPr lang="en-US" dirty="0" err="1" smtClean="0"/>
+              <a:t>kontribusi</a:t>
+            </a:r>
+            <a:r>
+              <a:rPr lang="en-US" dirty="0" smtClean="0"/>
+              <a:t> ide di </a:t>
+            </a:r>
+            <a:r>
+              <a:rPr lang="en-US" dirty="0" err="1" smtClean="0"/>
+              <a:t>bidang</a:t>
+            </a:r>
+            <a:r>
+              <a:rPr lang="en-US" dirty="0" smtClean="0"/>
+              <a:t> </a:t>
+            </a:r>
+            <a:r>
+              <a:rPr lang="en-US" dirty="0" err="1" smtClean="0"/>
+              <a:t>keilmuan</a:t>
+            </a:r>
+            <a:r>
+              <a:rPr lang="en-US" dirty="0"/>
+              <a:t>.</a:t>
+            </a:r>
+          </a:p>
+        </p:txBody>
+      </p:sp>
+    </p:spTree>
+    <p:extLst>
+      <p:ext uri="{BB962C8B-B14F-4D97-AF65-F5344CB8AC3E}">
+        <p14:creationId xmlns:p14="http://schemas.microsoft.com/office/powerpoint/2010/main" val="3361914021"/>
+      </p:ext>
+    </p:extLst>
+  </p:cSld>
+  <p:clrMapOvr>
+    <a:masterClrMapping/>
+  </p:clrMapOvr>
+</p:sld>
+</file>
+
+<file path=ppt/slides/slide13.xml><?xml version="1.0" encoding="utf-8"?>
+<p:sld xmlns:a="http://schemas.openxmlformats.org/drawingml/2006/main" xmlns:r="http://schemas.openxmlformats.org/officeDocument/2006/relationships" xmlns:p="http://schemas.openxmlformats.org/presentationml/2006/main">
+  <p:cSld>
+    <p:bg>
+      <p:bgPr>
+        <a:solidFill>
+          <a:srgbClr val="00B0F0"/>
         </a:solidFill>
         <a:effectLst/>
       </p:bgPr>
@@ -13103,7 +14484,7 @@
     <p:bg>
       <p:bgPr>
         <a:solidFill>
-          <a:schemeClr val="accent1"/>
+          <a:srgbClr val="00B0F0"/>
         </a:solidFill>
         <a:effectLst/>
       </p:bgPr>
@@ -13185,7 +14566,7 @@
                 <a:latin typeface="Times New Roman" panose="02020603050405020304" pitchFamily="18" charset="0"/>
                 <a:cs typeface="Times New Roman" panose="02020603050405020304" pitchFamily="18" charset="0"/>
               </a:rPr>
-              <a:t>Penghitunga</a:t>
+              <a:t>Penghitungan</a:t>
             </a:r>
             <a:r>
               <a:rPr lang="en-US" sz="3500" dirty="0" smtClean="0">
@@ -13862,12 +15243,27 @@
   <p:clrMapOvr>
     <a:masterClrMapping/>
   </p:clrMapOvr>
+  <p:timing>
+    <p:tnLst>
+      <p:par>
+        <p:cTn id="1" dur="indefinite" restart="never" nodeType="tmRoot"/>
+      </p:par>
+    </p:tnLst>
+  </p:timing>
 </p:sld>
 </file>
 
 <file path=ppt/slides/slide3.xml><?xml version="1.0" encoding="utf-8"?>
 <p:sld xmlns:a="http://schemas.openxmlformats.org/drawingml/2006/main" xmlns:r="http://schemas.openxmlformats.org/officeDocument/2006/relationships" xmlns:p="http://schemas.openxmlformats.org/presentationml/2006/main">
   <p:cSld>
+    <p:bg>
+      <p:bgPr>
+        <a:solidFill>
+          <a:srgbClr val="00B0F0"/>
+        </a:solidFill>
+        <a:effectLst/>
+      </p:bgPr>
+    </p:bg>
     <p:spTree>
       <p:nvGrpSpPr>
         <p:cNvPr id="1" name=""/>
@@ -14473,12 +15869,27 @@
   <p:clrMapOvr>
     <a:masterClrMapping/>
   </p:clrMapOvr>
+  <p:timing>
+    <p:tnLst>
+      <p:par>
+        <p:cTn id="1" dur="indefinite" restart="never" nodeType="tmRoot"/>
+      </p:par>
+    </p:tnLst>
+  </p:timing>
 </p:sld>
 </file>
 
 <file path=ppt/slides/slide4.xml><?xml version="1.0" encoding="utf-8"?>
 <p:sld xmlns:a="http://schemas.openxmlformats.org/drawingml/2006/main" xmlns:r="http://schemas.openxmlformats.org/officeDocument/2006/relationships" xmlns:p="http://schemas.openxmlformats.org/presentationml/2006/main">
   <p:cSld>
+    <p:bg>
+      <p:bgPr>
+        <a:solidFill>
+          <a:srgbClr val="00B0F0"/>
+        </a:solidFill>
+        <a:effectLst/>
+      </p:bgPr>
+    </p:bg>
     <p:spTree>
       <p:nvGrpSpPr>
         <p:cNvPr id="1" name=""/>
@@ -14674,14 +16085,21 @@
                 <a:latin typeface="Times New Roman" panose="02020603050405020304" pitchFamily="18" charset="0"/>
                 <a:cs typeface="Times New Roman" panose="02020603050405020304" pitchFamily="18" charset="0"/>
               </a:rPr>
-              <a:t>mengimplenetasikan</a:t>
-            </a:r>
-            <a:r>
-              <a:rPr lang="en-US" sz="3500" dirty="0" smtClean="0">
-                <a:latin typeface="Times New Roman" panose="02020603050405020304" pitchFamily="18" charset="0"/>
-                <a:cs typeface="Times New Roman" panose="02020603050405020304" pitchFamily="18" charset="0"/>
-              </a:rPr>
-              <a:t> system </a:t>
+              <a:t>mengimplemetasikan</a:t>
+            </a:r>
+            <a:r>
+              <a:rPr lang="en-US" sz="3500" dirty="0" smtClean="0">
+                <a:latin typeface="Times New Roman" panose="02020603050405020304" pitchFamily="18" charset="0"/>
+                <a:cs typeface="Times New Roman" panose="02020603050405020304" pitchFamily="18" charset="0"/>
+              </a:rPr>
+              <a:t> </a:t>
+            </a:r>
+            <a:r>
+              <a:rPr lang="en-US" sz="3500" dirty="0" smtClean="0">
+                <a:latin typeface="Times New Roman" panose="02020603050405020304" pitchFamily="18" charset="0"/>
+                <a:cs typeface="Times New Roman" panose="02020603050405020304" pitchFamily="18" charset="0"/>
+              </a:rPr>
+              <a:t>system </a:t>
             </a:r>
             <a:r>
               <a:rPr lang="en-US" sz="3500" dirty="0" err="1" smtClean="0">
@@ -15189,20 +16607,6 @@
                 <a:latin typeface="Times New Roman" panose="02020603050405020304" pitchFamily="18" charset="0"/>
                 <a:cs typeface="Times New Roman" panose="02020603050405020304" pitchFamily="18" charset="0"/>
               </a:rPr>
-              <a:t>dan</a:t>
-            </a:r>
-            <a:r>
-              <a:rPr lang="en-US" sz="3500" dirty="0" smtClean="0">
-                <a:latin typeface="Times New Roman" panose="02020603050405020304" pitchFamily="18" charset="0"/>
-                <a:cs typeface="Times New Roman" panose="02020603050405020304" pitchFamily="18" charset="0"/>
-              </a:rPr>
-              <a:t> experience </a:t>
-            </a:r>
-            <a:r>
-              <a:rPr lang="en-US" sz="3500" dirty="0" err="1" smtClean="0">
-                <a:latin typeface="Times New Roman" panose="02020603050405020304" pitchFamily="18" charset="0"/>
-                <a:cs typeface="Times New Roman" panose="02020603050405020304" pitchFamily="18" charset="0"/>
-              </a:rPr>
               <a:t>bagi</a:t>
             </a:r>
             <a:r>
@@ -15218,6 +16622,34 @@
                 <a:cs typeface="Times New Roman" panose="02020603050405020304" pitchFamily="18" charset="0"/>
               </a:rPr>
               <a:t>peneliti</a:t>
+            </a:r>
+            <a:r>
+              <a:rPr lang="en-US" sz="3500" dirty="0" smtClean="0">
+                <a:latin typeface="Times New Roman" panose="02020603050405020304" pitchFamily="18" charset="0"/>
+                <a:cs typeface="Times New Roman" panose="02020603050405020304" pitchFamily="18" charset="0"/>
+              </a:rPr>
+              <a:t> </a:t>
+            </a:r>
+            <a:r>
+              <a:rPr lang="en-US" sz="3500" dirty="0" err="1" smtClean="0">
+                <a:latin typeface="Times New Roman" panose="02020603050405020304" pitchFamily="18" charset="0"/>
+                <a:cs typeface="Times New Roman" panose="02020603050405020304" pitchFamily="18" charset="0"/>
+              </a:rPr>
+              <a:t>serta</a:t>
+            </a:r>
+            <a:r>
+              <a:rPr lang="en-US" sz="3500" dirty="0" smtClean="0">
+                <a:latin typeface="Times New Roman" panose="02020603050405020304" pitchFamily="18" charset="0"/>
+                <a:cs typeface="Times New Roman" panose="02020603050405020304" pitchFamily="18" charset="0"/>
+              </a:rPr>
+              <a:t> </a:t>
+            </a:r>
+            <a:r>
+              <a:rPr lang="en-US" sz="3500" dirty="0" err="1" smtClean="0">
+                <a:latin typeface="Times New Roman" panose="02020603050405020304" pitchFamily="18" charset="0"/>
+                <a:cs typeface="Times New Roman" panose="02020603050405020304" pitchFamily="18" charset="0"/>
+              </a:rPr>
+              <a:t>objek</a:t>
             </a:r>
             <a:r>
               <a:rPr lang="en-US" sz="3500" dirty="0" smtClean="0">
@@ -15363,7 +16795,21 @@
                 <a:latin typeface="Times New Roman" panose="02020603050405020304" pitchFamily="18" charset="0"/>
                 <a:cs typeface="Times New Roman" panose="02020603050405020304" pitchFamily="18" charset="0"/>
               </a:rPr>
-              <a:t> bias di </a:t>
+              <a:t> </a:t>
+            </a:r>
+            <a:r>
+              <a:rPr lang="en-US" sz="3500" dirty="0" smtClean="0">
+                <a:latin typeface="Times New Roman" panose="02020603050405020304" pitchFamily="18" charset="0"/>
+                <a:cs typeface="Times New Roman" panose="02020603050405020304" pitchFamily="18" charset="0"/>
+              </a:rPr>
+              <a:t>bias </a:t>
+            </a:r>
+            <a:r>
+              <a:rPr lang="en-US" sz="3500" dirty="0" smtClean="0">
+                <a:latin typeface="Times New Roman" panose="02020603050405020304" pitchFamily="18" charset="0"/>
+                <a:cs typeface="Times New Roman" panose="02020603050405020304" pitchFamily="18" charset="0"/>
+              </a:rPr>
+              <a:t>di </a:t>
             </a:r>
             <a:r>
               <a:rPr lang="en-US" sz="3500" dirty="0" err="1" smtClean="0">
@@ -15488,8 +16934,19 @@
                 <a:latin typeface="Times New Roman" panose="02020603050405020304" pitchFamily="18" charset="0"/>
                 <a:cs typeface="Times New Roman" panose="02020603050405020304" pitchFamily="18" charset="0"/>
               </a:rPr>
-              <a:t> lain</a:t>
-            </a:r>
+              <a:t> </a:t>
+            </a:r>
+            <a:r>
+              <a:rPr lang="en-US" sz="3500" dirty="0" smtClean="0">
+                <a:latin typeface="Times New Roman" panose="02020603050405020304" pitchFamily="18" charset="0"/>
+                <a:cs typeface="Times New Roman" panose="02020603050405020304" pitchFamily="18" charset="0"/>
+              </a:rPr>
+              <a:t>lain</a:t>
+            </a:r>
+            <a:endParaRPr lang="en-US" sz="3500" dirty="0" smtClean="0">
+              <a:latin typeface="Times New Roman" panose="02020603050405020304" pitchFamily="18" charset="0"/>
+              <a:cs typeface="Times New Roman" panose="02020603050405020304" pitchFamily="18" charset="0"/>
+            </a:endParaRPr>
           </a:p>
         </p:txBody>
       </p:sp>
@@ -15503,627 +16960,23 @@
   <p:clrMapOvr>
     <a:masterClrMapping/>
   </p:clrMapOvr>
+  <p:timing>
+    <p:tnLst>
+      <p:par>
+        <p:cTn id="1" dur="indefinite" restart="never" nodeType="tmRoot"/>
+      </p:par>
+    </p:tnLst>
+  </p:timing>
 </p:sld>
 </file>
 
 <file path=ppt/slides/slide5.xml><?xml version="1.0" encoding="utf-8"?>
 <p:sld xmlns:a="http://schemas.openxmlformats.org/drawingml/2006/main" xmlns:r="http://schemas.openxmlformats.org/officeDocument/2006/relationships" xmlns:p="http://schemas.openxmlformats.org/presentationml/2006/main">
   <p:cSld>
-    <p:spTree>
-      <p:nvGrpSpPr>
-        <p:cNvPr id="1" name=""/>
-        <p:cNvGrpSpPr/>
-        <p:nvPr/>
-      </p:nvGrpSpPr>
-      <p:grpSpPr>
-        <a:xfrm>
-          <a:off x="0" y="0"/>
-          <a:ext cx="0" cy="0"/>
-          <a:chOff x="0" y="0"/>
-          <a:chExt cx="0" cy="0"/>
-        </a:xfrm>
-      </p:grpSpPr>
-      <p:sp>
-        <p:nvSpPr>
-          <p:cNvPr id="2" name="Title 1"/>
-          <p:cNvSpPr>
-            <a:spLocks noGrp="1"/>
-          </p:cNvSpPr>
-          <p:nvPr>
-            <p:ph type="title"/>
-          </p:nvPr>
-        </p:nvSpPr>
-        <p:spPr>
-          <a:xfrm>
-            <a:off x="589615" y="114007"/>
-            <a:ext cx="9905998" cy="737329"/>
-          </a:xfrm>
-        </p:spPr>
-        <p:txBody>
-          <a:bodyPr>
-            <a:normAutofit/>
-          </a:bodyPr>
-          <a:lstStyle/>
-          <a:p>
-            <a:r>
-              <a:rPr lang="en-US" sz="4000" b="1" u="sng" dirty="0" smtClean="0">
-                <a:latin typeface="Times New Roman" panose="02020603050405020304" pitchFamily="18" charset="0"/>
-                <a:cs typeface="Times New Roman" panose="02020603050405020304" pitchFamily="18" charset="0"/>
-              </a:rPr>
-              <a:t>Why method weighted product</a:t>
-            </a:r>
-            <a:endParaRPr lang="en-US" sz="4000" b="1" u="sng" dirty="0">
-              <a:latin typeface="Times New Roman" panose="02020603050405020304" pitchFamily="18" charset="0"/>
-              <a:cs typeface="Times New Roman" panose="02020603050405020304" pitchFamily="18" charset="0"/>
-            </a:endParaRPr>
-          </a:p>
-        </p:txBody>
-      </p:sp>
-      <p:sp>
-        <p:nvSpPr>
-          <p:cNvPr id="3" name="Content Placeholder 2"/>
-          <p:cNvSpPr>
-            <a:spLocks noGrp="1"/>
-          </p:cNvSpPr>
-          <p:nvPr>
-            <p:ph idx="1"/>
-          </p:nvPr>
-        </p:nvSpPr>
-        <p:spPr>
-          <a:xfrm>
-            <a:off x="274297" y="783293"/>
-            <a:ext cx="11707495" cy="2290983"/>
-          </a:xfrm>
-        </p:spPr>
-        <p:txBody>
-          <a:bodyPr>
-            <a:normAutofit/>
-          </a:bodyPr>
-          <a:lstStyle/>
-          <a:p>
-            <a:r>
-              <a:rPr lang="en-US" sz="3500" dirty="0" err="1" smtClean="0">
-                <a:latin typeface="Times New Roman" panose="02020603050405020304" pitchFamily="18" charset="0"/>
-                <a:cs typeface="Times New Roman" panose="02020603050405020304" pitchFamily="18" charset="0"/>
-              </a:rPr>
-              <a:t>Penghitunga</a:t>
-            </a:r>
-            <a:r>
-              <a:rPr lang="en-US" sz="3500" dirty="0" smtClean="0">
-                <a:latin typeface="Times New Roman" panose="02020603050405020304" pitchFamily="18" charset="0"/>
-                <a:cs typeface="Times New Roman" panose="02020603050405020304" pitchFamily="18" charset="0"/>
-              </a:rPr>
-              <a:t> </a:t>
-            </a:r>
-            <a:r>
-              <a:rPr lang="en-US" sz="3500" dirty="0" err="1" smtClean="0">
-                <a:latin typeface="Times New Roman" panose="02020603050405020304" pitchFamily="18" charset="0"/>
-                <a:cs typeface="Times New Roman" panose="02020603050405020304" pitchFamily="18" charset="0"/>
-              </a:rPr>
-              <a:t>penentuan</a:t>
-            </a:r>
-            <a:r>
-              <a:rPr lang="en-US" sz="3500" dirty="0" smtClean="0">
-                <a:latin typeface="Times New Roman" panose="02020603050405020304" pitchFamily="18" charset="0"/>
-                <a:cs typeface="Times New Roman" panose="02020603050405020304" pitchFamily="18" charset="0"/>
-              </a:rPr>
-              <a:t> supplier </a:t>
-            </a:r>
-            <a:r>
-              <a:rPr lang="en-US" sz="3500" dirty="0" err="1" smtClean="0">
-                <a:latin typeface="Times New Roman" panose="02020603050405020304" pitchFamily="18" charset="0"/>
-                <a:cs typeface="Times New Roman" panose="02020603050405020304" pitchFamily="18" charset="0"/>
-              </a:rPr>
-              <a:t>baru</a:t>
-            </a:r>
-            <a:r>
-              <a:rPr lang="en-US" sz="3500" dirty="0" smtClean="0">
-                <a:latin typeface="Times New Roman" panose="02020603050405020304" pitchFamily="18" charset="0"/>
-                <a:cs typeface="Times New Roman" panose="02020603050405020304" pitchFamily="18" charset="0"/>
-              </a:rPr>
-              <a:t> yang </a:t>
-            </a:r>
-            <a:r>
-              <a:rPr lang="en-US" sz="3500" dirty="0" err="1" smtClean="0">
-                <a:latin typeface="Times New Roman" panose="02020603050405020304" pitchFamily="18" charset="0"/>
-                <a:cs typeface="Times New Roman" panose="02020603050405020304" pitchFamily="18" charset="0"/>
-              </a:rPr>
-              <a:t>masih</a:t>
-            </a:r>
-            <a:r>
-              <a:rPr lang="en-US" sz="3500" dirty="0" smtClean="0">
-                <a:latin typeface="Times New Roman" panose="02020603050405020304" pitchFamily="18" charset="0"/>
-                <a:cs typeface="Times New Roman" panose="02020603050405020304" pitchFamily="18" charset="0"/>
-              </a:rPr>
-              <a:t> </a:t>
-            </a:r>
-            <a:r>
-              <a:rPr lang="en-US" sz="3500" dirty="0" err="1" smtClean="0">
-                <a:latin typeface="Times New Roman" panose="02020603050405020304" pitchFamily="18" charset="0"/>
-                <a:cs typeface="Times New Roman" panose="02020603050405020304" pitchFamily="18" charset="0"/>
-              </a:rPr>
-              <a:t>manul</a:t>
-            </a:r>
-            <a:endParaRPr lang="en-US" sz="3500" dirty="0">
-              <a:latin typeface="Times New Roman" panose="02020603050405020304" pitchFamily="18" charset="0"/>
-              <a:cs typeface="Times New Roman" panose="02020603050405020304" pitchFamily="18" charset="0"/>
-            </a:endParaRPr>
-          </a:p>
-          <a:p>
-            <a:r>
-              <a:rPr lang="en-US" sz="3500" dirty="0" smtClean="0">
-                <a:latin typeface="Times New Roman" panose="02020603050405020304" pitchFamily="18" charset="0"/>
-                <a:cs typeface="Times New Roman" panose="02020603050405020304" pitchFamily="18" charset="0"/>
-              </a:rPr>
-              <a:t>Proses manual yang </a:t>
-            </a:r>
-            <a:r>
-              <a:rPr lang="en-US" sz="3500" dirty="0" err="1" smtClean="0">
-                <a:latin typeface="Times New Roman" panose="02020603050405020304" pitchFamily="18" charset="0"/>
-                <a:cs typeface="Times New Roman" panose="02020603050405020304" pitchFamily="18" charset="0"/>
-              </a:rPr>
-              <a:t>memakan</a:t>
-            </a:r>
-            <a:r>
-              <a:rPr lang="en-US" sz="3500" dirty="0" smtClean="0">
-                <a:latin typeface="Times New Roman" panose="02020603050405020304" pitchFamily="18" charset="0"/>
-                <a:cs typeface="Times New Roman" panose="02020603050405020304" pitchFamily="18" charset="0"/>
-              </a:rPr>
-              <a:t> </a:t>
-            </a:r>
-            <a:r>
-              <a:rPr lang="en-US" sz="3500" dirty="0" err="1" smtClean="0">
-                <a:latin typeface="Times New Roman" panose="02020603050405020304" pitchFamily="18" charset="0"/>
-                <a:cs typeface="Times New Roman" panose="02020603050405020304" pitchFamily="18" charset="0"/>
-              </a:rPr>
-              <a:t>waktu</a:t>
-            </a:r>
-            <a:endParaRPr lang="en-US" sz="3500" dirty="0" smtClean="0">
-              <a:latin typeface="Times New Roman" panose="02020603050405020304" pitchFamily="18" charset="0"/>
-              <a:cs typeface="Times New Roman" panose="02020603050405020304" pitchFamily="18" charset="0"/>
-            </a:endParaRPr>
-          </a:p>
-          <a:p>
-            <a:r>
-              <a:rPr lang="en-US" sz="3500" dirty="0" smtClean="0">
-                <a:latin typeface="Times New Roman" panose="02020603050405020304" pitchFamily="18" charset="0"/>
-                <a:cs typeface="Times New Roman" panose="02020603050405020304" pitchFamily="18" charset="0"/>
-              </a:rPr>
-              <a:t>Proses </a:t>
-            </a:r>
-            <a:r>
-              <a:rPr lang="en-US" sz="3500" dirty="0" err="1" smtClean="0">
-                <a:latin typeface="Times New Roman" panose="02020603050405020304" pitchFamily="18" charset="0"/>
-                <a:cs typeface="Times New Roman" panose="02020603050405020304" pitchFamily="18" charset="0"/>
-              </a:rPr>
-              <a:t>penentuan</a:t>
-            </a:r>
-            <a:r>
-              <a:rPr lang="en-US" sz="3500" dirty="0" smtClean="0">
-                <a:latin typeface="Times New Roman" panose="02020603050405020304" pitchFamily="18" charset="0"/>
-                <a:cs typeface="Times New Roman" panose="02020603050405020304" pitchFamily="18" charset="0"/>
-              </a:rPr>
-              <a:t> </a:t>
-            </a:r>
-            <a:r>
-              <a:rPr lang="en-US" sz="3500" dirty="0" err="1" smtClean="0">
-                <a:latin typeface="Times New Roman" panose="02020603050405020304" pitchFamily="18" charset="0"/>
-                <a:cs typeface="Times New Roman" panose="02020603050405020304" pitchFamily="18" charset="0"/>
-              </a:rPr>
-              <a:t>keputusan</a:t>
-            </a:r>
-            <a:r>
-              <a:rPr lang="en-US" sz="3500" dirty="0" smtClean="0">
-                <a:latin typeface="Times New Roman" panose="02020603050405020304" pitchFamily="18" charset="0"/>
-                <a:cs typeface="Times New Roman" panose="02020603050405020304" pitchFamily="18" charset="0"/>
-              </a:rPr>
-              <a:t> </a:t>
-            </a:r>
-            <a:r>
-              <a:rPr lang="en-US" sz="3500" dirty="0" err="1" smtClean="0">
-                <a:latin typeface="Times New Roman" panose="02020603050405020304" pitchFamily="18" charset="0"/>
-                <a:cs typeface="Times New Roman" panose="02020603050405020304" pitchFamily="18" charset="0"/>
-              </a:rPr>
-              <a:t>tidak</a:t>
-            </a:r>
-            <a:r>
-              <a:rPr lang="en-US" sz="3500" dirty="0" smtClean="0">
-                <a:latin typeface="Times New Roman" panose="02020603050405020304" pitchFamily="18" charset="0"/>
-                <a:cs typeface="Times New Roman" panose="02020603050405020304" pitchFamily="18" charset="0"/>
-              </a:rPr>
-              <a:t> </a:t>
-            </a:r>
-            <a:r>
-              <a:rPr lang="en-US" sz="3500" dirty="0" err="1" smtClean="0">
-                <a:latin typeface="Times New Roman" panose="02020603050405020304" pitchFamily="18" charset="0"/>
-                <a:cs typeface="Times New Roman" panose="02020603050405020304" pitchFamily="18" charset="0"/>
-              </a:rPr>
-              <a:t>didukung</a:t>
-            </a:r>
-            <a:r>
-              <a:rPr lang="en-US" sz="3500" dirty="0" smtClean="0">
-                <a:latin typeface="Times New Roman" panose="02020603050405020304" pitchFamily="18" charset="0"/>
-                <a:cs typeface="Times New Roman" panose="02020603050405020304" pitchFamily="18" charset="0"/>
-              </a:rPr>
-              <a:t> </a:t>
-            </a:r>
-            <a:r>
-              <a:rPr lang="en-US" sz="3500" dirty="0" err="1" smtClean="0">
-                <a:latin typeface="Times New Roman" panose="02020603050405020304" pitchFamily="18" charset="0"/>
-                <a:cs typeface="Times New Roman" panose="02020603050405020304" pitchFamily="18" charset="0"/>
-              </a:rPr>
-              <a:t>sebuah</a:t>
-            </a:r>
-            <a:r>
-              <a:rPr lang="en-US" sz="3500" dirty="0" smtClean="0">
-                <a:latin typeface="Times New Roman" panose="02020603050405020304" pitchFamily="18" charset="0"/>
-                <a:cs typeface="Times New Roman" panose="02020603050405020304" pitchFamily="18" charset="0"/>
-              </a:rPr>
-              <a:t> </a:t>
-            </a:r>
-            <a:r>
-              <a:rPr lang="en-US" sz="3500" dirty="0" err="1" smtClean="0">
-                <a:latin typeface="Times New Roman" panose="02020603050405020304" pitchFamily="18" charset="0"/>
-                <a:cs typeface="Times New Roman" panose="02020603050405020304" pitchFamily="18" charset="0"/>
-              </a:rPr>
-              <a:t>metode</a:t>
-            </a:r>
-            <a:endParaRPr lang="en-US" sz="3500" dirty="0" smtClean="0">
-              <a:latin typeface="Times New Roman" panose="02020603050405020304" pitchFamily="18" charset="0"/>
-              <a:cs typeface="Times New Roman" panose="02020603050405020304" pitchFamily="18" charset="0"/>
-            </a:endParaRPr>
-          </a:p>
-          <a:p>
-            <a:endParaRPr lang="en-US" sz="3500" dirty="0">
-              <a:latin typeface="Times New Roman" panose="02020603050405020304" pitchFamily="18" charset="0"/>
-              <a:cs typeface="Times New Roman" panose="02020603050405020304" pitchFamily="18" charset="0"/>
-            </a:endParaRPr>
-          </a:p>
-        </p:txBody>
-      </p:sp>
-    </p:spTree>
-    <p:extLst>
-      <p:ext uri="{BB962C8B-B14F-4D97-AF65-F5344CB8AC3E}">
-        <p14:creationId xmlns:p14="http://schemas.microsoft.com/office/powerpoint/2010/main" val="1057337921"/>
-      </p:ext>
-    </p:extLst>
-  </p:cSld>
-  <p:clrMapOvr>
-    <a:masterClrMapping/>
-  </p:clrMapOvr>
-</p:sld>
-</file>
-
-<file path=ppt/slides/slide6.xml><?xml version="1.0" encoding="utf-8"?>
-<p:sld xmlns:a="http://schemas.openxmlformats.org/drawingml/2006/main" xmlns:r="http://schemas.openxmlformats.org/officeDocument/2006/relationships" xmlns:p="http://schemas.openxmlformats.org/presentationml/2006/main">
-  <p:cSld>
-    <p:spTree>
-      <p:nvGrpSpPr>
-        <p:cNvPr id="1" name=""/>
-        <p:cNvGrpSpPr/>
-        <p:nvPr/>
-      </p:nvGrpSpPr>
-      <p:grpSpPr>
-        <a:xfrm>
-          <a:off x="0" y="0"/>
-          <a:ext cx="0" cy="0"/>
-          <a:chOff x="0" y="0"/>
-          <a:chExt cx="0" cy="0"/>
-        </a:xfrm>
-      </p:grpSpPr>
-      <p:sp>
-        <p:nvSpPr>
-          <p:cNvPr id="2" name="Title 1"/>
-          <p:cNvSpPr>
-            <a:spLocks noGrp="1"/>
-          </p:cNvSpPr>
-          <p:nvPr>
-            <p:ph type="title"/>
-          </p:nvPr>
-        </p:nvSpPr>
-        <p:spPr>
-          <a:xfrm>
-            <a:off x="589615" y="114007"/>
-            <a:ext cx="9905998" cy="737329"/>
-          </a:xfrm>
-        </p:spPr>
-        <p:txBody>
-          <a:bodyPr>
-            <a:normAutofit fontScale="90000"/>
-          </a:bodyPr>
-          <a:lstStyle/>
-          <a:p>
-            <a:r>
-              <a:rPr lang="en-US" sz="4000" b="1" u="sng" dirty="0" smtClean="0">
-                <a:latin typeface="Times New Roman" panose="02020603050405020304" pitchFamily="18" charset="0"/>
-                <a:cs typeface="Times New Roman" panose="02020603050405020304" pitchFamily="18" charset="0"/>
-              </a:rPr>
-              <a:t>Why </a:t>
-            </a:r>
-            <a:r>
-              <a:rPr lang="en-US" sz="4000" b="1" u="sng" dirty="0" err="1" smtClean="0">
-                <a:latin typeface="Times New Roman" panose="02020603050405020304" pitchFamily="18" charset="0"/>
-                <a:cs typeface="Times New Roman" panose="02020603050405020304" pitchFamily="18" charset="0"/>
-              </a:rPr>
-              <a:t>matahari</a:t>
-            </a:r>
-            <a:r>
-              <a:rPr lang="en-US" sz="4000" b="1" u="sng" dirty="0" smtClean="0">
-                <a:latin typeface="Times New Roman" panose="02020603050405020304" pitchFamily="18" charset="0"/>
-                <a:cs typeface="Times New Roman" panose="02020603050405020304" pitchFamily="18" charset="0"/>
-              </a:rPr>
-              <a:t> </a:t>
-            </a:r>
-            <a:r>
-              <a:rPr lang="en-US" sz="4000" b="1" u="sng" dirty="0" err="1" smtClean="0">
-                <a:latin typeface="Times New Roman" panose="02020603050405020304" pitchFamily="18" charset="0"/>
-                <a:cs typeface="Times New Roman" panose="02020603050405020304" pitchFamily="18" charset="0"/>
-              </a:rPr>
-              <a:t>nusantara</a:t>
-            </a:r>
-            <a:r>
-              <a:rPr lang="en-US" sz="4000" b="1" u="sng" dirty="0" smtClean="0">
-                <a:latin typeface="Times New Roman" panose="02020603050405020304" pitchFamily="18" charset="0"/>
-                <a:cs typeface="Times New Roman" panose="02020603050405020304" pitchFamily="18" charset="0"/>
-              </a:rPr>
-              <a:t> </a:t>
-            </a:r>
-            <a:r>
-              <a:rPr lang="en-US" sz="4000" b="1" u="sng" dirty="0" err="1" smtClean="0">
-                <a:latin typeface="Times New Roman" panose="02020603050405020304" pitchFamily="18" charset="0"/>
-                <a:cs typeface="Times New Roman" panose="02020603050405020304" pitchFamily="18" charset="0"/>
-              </a:rPr>
-              <a:t>logistik</a:t>
-            </a:r>
-            <a:endParaRPr lang="en-US" sz="4000" b="1" u="sng" dirty="0">
-              <a:latin typeface="Times New Roman" panose="02020603050405020304" pitchFamily="18" charset="0"/>
-              <a:cs typeface="Times New Roman" panose="02020603050405020304" pitchFamily="18" charset="0"/>
-            </a:endParaRPr>
-          </a:p>
-        </p:txBody>
-      </p:sp>
-      <p:sp>
-        <p:nvSpPr>
-          <p:cNvPr id="3" name="Content Placeholder 2"/>
-          <p:cNvSpPr>
-            <a:spLocks noGrp="1"/>
-          </p:cNvSpPr>
-          <p:nvPr>
-            <p:ph idx="1"/>
-          </p:nvPr>
-        </p:nvSpPr>
-        <p:spPr>
-          <a:xfrm>
-            <a:off x="274297" y="783293"/>
-            <a:ext cx="11707495" cy="2290983"/>
-          </a:xfrm>
-        </p:spPr>
-        <p:txBody>
-          <a:bodyPr>
-            <a:normAutofit/>
-          </a:bodyPr>
-          <a:lstStyle/>
-          <a:p>
-            <a:r>
-              <a:rPr lang="en-US" sz="3500" dirty="0" err="1" smtClean="0">
-                <a:latin typeface="Times New Roman" panose="02020603050405020304" pitchFamily="18" charset="0"/>
-                <a:cs typeface="Times New Roman" panose="02020603050405020304" pitchFamily="18" charset="0"/>
-              </a:rPr>
-              <a:t>Penghitunga</a:t>
-            </a:r>
-            <a:r>
-              <a:rPr lang="en-US" sz="3500" dirty="0" smtClean="0">
-                <a:latin typeface="Times New Roman" panose="02020603050405020304" pitchFamily="18" charset="0"/>
-                <a:cs typeface="Times New Roman" panose="02020603050405020304" pitchFamily="18" charset="0"/>
-              </a:rPr>
-              <a:t> </a:t>
-            </a:r>
-            <a:r>
-              <a:rPr lang="en-US" sz="3500" dirty="0" err="1" smtClean="0">
-                <a:latin typeface="Times New Roman" panose="02020603050405020304" pitchFamily="18" charset="0"/>
-                <a:cs typeface="Times New Roman" panose="02020603050405020304" pitchFamily="18" charset="0"/>
-              </a:rPr>
-              <a:t>penentuan</a:t>
-            </a:r>
-            <a:r>
-              <a:rPr lang="en-US" sz="3500" dirty="0" smtClean="0">
-                <a:latin typeface="Times New Roman" panose="02020603050405020304" pitchFamily="18" charset="0"/>
-                <a:cs typeface="Times New Roman" panose="02020603050405020304" pitchFamily="18" charset="0"/>
-              </a:rPr>
-              <a:t> supplier </a:t>
-            </a:r>
-            <a:r>
-              <a:rPr lang="en-US" sz="3500" dirty="0" err="1" smtClean="0">
-                <a:latin typeface="Times New Roman" panose="02020603050405020304" pitchFamily="18" charset="0"/>
-                <a:cs typeface="Times New Roman" panose="02020603050405020304" pitchFamily="18" charset="0"/>
-              </a:rPr>
-              <a:t>baru</a:t>
-            </a:r>
-            <a:r>
-              <a:rPr lang="en-US" sz="3500" dirty="0" smtClean="0">
-                <a:latin typeface="Times New Roman" panose="02020603050405020304" pitchFamily="18" charset="0"/>
-                <a:cs typeface="Times New Roman" panose="02020603050405020304" pitchFamily="18" charset="0"/>
-              </a:rPr>
-              <a:t> yang </a:t>
-            </a:r>
-            <a:r>
-              <a:rPr lang="en-US" sz="3500" dirty="0" err="1" smtClean="0">
-                <a:latin typeface="Times New Roman" panose="02020603050405020304" pitchFamily="18" charset="0"/>
-                <a:cs typeface="Times New Roman" panose="02020603050405020304" pitchFamily="18" charset="0"/>
-              </a:rPr>
-              <a:t>masih</a:t>
-            </a:r>
-            <a:r>
-              <a:rPr lang="en-US" sz="3500" dirty="0" smtClean="0">
-                <a:latin typeface="Times New Roman" panose="02020603050405020304" pitchFamily="18" charset="0"/>
-                <a:cs typeface="Times New Roman" panose="02020603050405020304" pitchFamily="18" charset="0"/>
-              </a:rPr>
-              <a:t> </a:t>
-            </a:r>
-            <a:r>
-              <a:rPr lang="en-US" sz="3500" dirty="0" err="1" smtClean="0">
-                <a:latin typeface="Times New Roman" panose="02020603050405020304" pitchFamily="18" charset="0"/>
-                <a:cs typeface="Times New Roman" panose="02020603050405020304" pitchFamily="18" charset="0"/>
-              </a:rPr>
-              <a:t>manul</a:t>
-            </a:r>
-            <a:endParaRPr lang="en-US" sz="3500" dirty="0">
-              <a:latin typeface="Times New Roman" panose="02020603050405020304" pitchFamily="18" charset="0"/>
-              <a:cs typeface="Times New Roman" panose="02020603050405020304" pitchFamily="18" charset="0"/>
-            </a:endParaRPr>
-          </a:p>
-          <a:p>
-            <a:r>
-              <a:rPr lang="en-US" sz="3500" dirty="0" smtClean="0">
-                <a:latin typeface="Times New Roman" panose="02020603050405020304" pitchFamily="18" charset="0"/>
-                <a:cs typeface="Times New Roman" panose="02020603050405020304" pitchFamily="18" charset="0"/>
-              </a:rPr>
-              <a:t>Proses manual yang </a:t>
-            </a:r>
-            <a:r>
-              <a:rPr lang="en-US" sz="3500" dirty="0" err="1" smtClean="0">
-                <a:latin typeface="Times New Roman" panose="02020603050405020304" pitchFamily="18" charset="0"/>
-                <a:cs typeface="Times New Roman" panose="02020603050405020304" pitchFamily="18" charset="0"/>
-              </a:rPr>
-              <a:t>memakan</a:t>
-            </a:r>
-            <a:r>
-              <a:rPr lang="en-US" sz="3500" dirty="0" smtClean="0">
-                <a:latin typeface="Times New Roman" panose="02020603050405020304" pitchFamily="18" charset="0"/>
-                <a:cs typeface="Times New Roman" panose="02020603050405020304" pitchFamily="18" charset="0"/>
-              </a:rPr>
-              <a:t> </a:t>
-            </a:r>
-            <a:r>
-              <a:rPr lang="en-US" sz="3500" dirty="0" err="1" smtClean="0">
-                <a:latin typeface="Times New Roman" panose="02020603050405020304" pitchFamily="18" charset="0"/>
-                <a:cs typeface="Times New Roman" panose="02020603050405020304" pitchFamily="18" charset="0"/>
-              </a:rPr>
-              <a:t>waktu</a:t>
-            </a:r>
-            <a:endParaRPr lang="en-US" sz="3500" dirty="0" smtClean="0">
-              <a:latin typeface="Times New Roman" panose="02020603050405020304" pitchFamily="18" charset="0"/>
-              <a:cs typeface="Times New Roman" panose="02020603050405020304" pitchFamily="18" charset="0"/>
-            </a:endParaRPr>
-          </a:p>
-          <a:p>
-            <a:r>
-              <a:rPr lang="en-US" sz="3500" dirty="0" smtClean="0">
-                <a:latin typeface="Times New Roman" panose="02020603050405020304" pitchFamily="18" charset="0"/>
-                <a:cs typeface="Times New Roman" panose="02020603050405020304" pitchFamily="18" charset="0"/>
-              </a:rPr>
-              <a:t>Proses </a:t>
-            </a:r>
-            <a:r>
-              <a:rPr lang="en-US" sz="3500" dirty="0" err="1" smtClean="0">
-                <a:latin typeface="Times New Roman" panose="02020603050405020304" pitchFamily="18" charset="0"/>
-                <a:cs typeface="Times New Roman" panose="02020603050405020304" pitchFamily="18" charset="0"/>
-              </a:rPr>
-              <a:t>penentuan</a:t>
-            </a:r>
-            <a:r>
-              <a:rPr lang="en-US" sz="3500" dirty="0" smtClean="0">
-                <a:latin typeface="Times New Roman" panose="02020603050405020304" pitchFamily="18" charset="0"/>
-                <a:cs typeface="Times New Roman" panose="02020603050405020304" pitchFamily="18" charset="0"/>
-              </a:rPr>
-              <a:t> </a:t>
-            </a:r>
-            <a:r>
-              <a:rPr lang="en-US" sz="3500" dirty="0" err="1" smtClean="0">
-                <a:latin typeface="Times New Roman" panose="02020603050405020304" pitchFamily="18" charset="0"/>
-                <a:cs typeface="Times New Roman" panose="02020603050405020304" pitchFamily="18" charset="0"/>
-              </a:rPr>
-              <a:t>keputusan</a:t>
-            </a:r>
-            <a:r>
-              <a:rPr lang="en-US" sz="3500" dirty="0" smtClean="0">
-                <a:latin typeface="Times New Roman" panose="02020603050405020304" pitchFamily="18" charset="0"/>
-                <a:cs typeface="Times New Roman" panose="02020603050405020304" pitchFamily="18" charset="0"/>
-              </a:rPr>
-              <a:t> </a:t>
-            </a:r>
-            <a:r>
-              <a:rPr lang="en-US" sz="3500" dirty="0" err="1" smtClean="0">
-                <a:latin typeface="Times New Roman" panose="02020603050405020304" pitchFamily="18" charset="0"/>
-                <a:cs typeface="Times New Roman" panose="02020603050405020304" pitchFamily="18" charset="0"/>
-              </a:rPr>
-              <a:t>tidak</a:t>
-            </a:r>
-            <a:r>
-              <a:rPr lang="en-US" sz="3500" dirty="0" smtClean="0">
-                <a:latin typeface="Times New Roman" panose="02020603050405020304" pitchFamily="18" charset="0"/>
-                <a:cs typeface="Times New Roman" panose="02020603050405020304" pitchFamily="18" charset="0"/>
-              </a:rPr>
-              <a:t> </a:t>
-            </a:r>
-            <a:r>
-              <a:rPr lang="en-US" sz="3500" dirty="0" err="1" smtClean="0">
-                <a:latin typeface="Times New Roman" panose="02020603050405020304" pitchFamily="18" charset="0"/>
-                <a:cs typeface="Times New Roman" panose="02020603050405020304" pitchFamily="18" charset="0"/>
-              </a:rPr>
-              <a:t>didukung</a:t>
-            </a:r>
-            <a:r>
-              <a:rPr lang="en-US" sz="3500" dirty="0" smtClean="0">
-                <a:latin typeface="Times New Roman" panose="02020603050405020304" pitchFamily="18" charset="0"/>
-                <a:cs typeface="Times New Roman" panose="02020603050405020304" pitchFamily="18" charset="0"/>
-              </a:rPr>
-              <a:t> </a:t>
-            </a:r>
-            <a:r>
-              <a:rPr lang="en-US" sz="3500" dirty="0" err="1" smtClean="0">
-                <a:latin typeface="Times New Roman" panose="02020603050405020304" pitchFamily="18" charset="0"/>
-                <a:cs typeface="Times New Roman" panose="02020603050405020304" pitchFamily="18" charset="0"/>
-              </a:rPr>
-              <a:t>sebuah</a:t>
-            </a:r>
-            <a:r>
-              <a:rPr lang="en-US" sz="3500" dirty="0" smtClean="0">
-                <a:latin typeface="Times New Roman" panose="02020603050405020304" pitchFamily="18" charset="0"/>
-                <a:cs typeface="Times New Roman" panose="02020603050405020304" pitchFamily="18" charset="0"/>
-              </a:rPr>
-              <a:t> </a:t>
-            </a:r>
-            <a:r>
-              <a:rPr lang="en-US" sz="3500" dirty="0" err="1" smtClean="0">
-                <a:latin typeface="Times New Roman" panose="02020603050405020304" pitchFamily="18" charset="0"/>
-                <a:cs typeface="Times New Roman" panose="02020603050405020304" pitchFamily="18" charset="0"/>
-              </a:rPr>
-              <a:t>metode</a:t>
-            </a:r>
-            <a:endParaRPr lang="en-US" sz="3500" dirty="0" smtClean="0">
-              <a:latin typeface="Times New Roman" panose="02020603050405020304" pitchFamily="18" charset="0"/>
-              <a:cs typeface="Times New Roman" panose="02020603050405020304" pitchFamily="18" charset="0"/>
-            </a:endParaRPr>
-          </a:p>
-          <a:p>
-            <a:endParaRPr lang="en-US" sz="3500" dirty="0">
-              <a:latin typeface="Times New Roman" panose="02020603050405020304" pitchFamily="18" charset="0"/>
-              <a:cs typeface="Times New Roman" panose="02020603050405020304" pitchFamily="18" charset="0"/>
-            </a:endParaRPr>
-          </a:p>
-        </p:txBody>
-      </p:sp>
-    </p:spTree>
-    <p:extLst>
-      <p:ext uri="{BB962C8B-B14F-4D97-AF65-F5344CB8AC3E}">
-        <p14:creationId xmlns:p14="http://schemas.microsoft.com/office/powerpoint/2010/main" val="3367455415"/>
-      </p:ext>
-    </p:extLst>
-  </p:cSld>
-  <p:clrMapOvr>
-    <a:masterClrMapping/>
-  </p:clrMapOvr>
-</p:sld>
-</file>
-
-<file path=ppt/slides/slide7.xml><?xml version="1.0" encoding="utf-8"?>
-<p:sld xmlns:a="http://schemas.openxmlformats.org/drawingml/2006/main" xmlns:r="http://schemas.openxmlformats.org/officeDocument/2006/relationships" xmlns:p="http://schemas.openxmlformats.org/presentationml/2006/main">
-  <p:cSld>
     <p:bg>
       <p:bgPr>
         <a:solidFill>
-          <a:schemeClr val="accent1"/>
+          <a:srgbClr val="00B0F0"/>
         </a:solidFill>
         <a:effectLst/>
       </p:bgPr>
@@ -16212,14 +17065,7 @@
                 <a:latin typeface="Times New Roman" panose="02020603050405020304" pitchFamily="18" charset="0"/>
                 <a:cs typeface="Times New Roman" panose="02020603050405020304" pitchFamily="18" charset="0"/>
               </a:rPr>
-              <a:t> Weighted </a:t>
-            </a:r>
-            <a:r>
-              <a:rPr lang="en-US" sz="3500" dirty="0" smtClean="0">
-                <a:latin typeface="Times New Roman" panose="02020603050405020304" pitchFamily="18" charset="0"/>
-                <a:cs typeface="Times New Roman" panose="02020603050405020304" pitchFamily="18" charset="0"/>
-              </a:rPr>
-              <a:t>Product </a:t>
+              <a:t> Weighted Product </a:t>
             </a:r>
             <a:r>
               <a:rPr lang="en-US" sz="3500" dirty="0" err="1" smtClean="0">
@@ -16411,7 +17257,7 @@
         </p:nvSpPr>
         <p:spPr>
           <a:xfrm>
-            <a:off x="647419" y="3608700"/>
+            <a:off x="465682" y="3434909"/>
             <a:ext cx="9905998" cy="737329"/>
           </a:xfrm>
           <a:prstGeom prst="rect">
@@ -16447,7 +17293,7 @@
                 <a:latin typeface="Times New Roman" panose="02020603050405020304" pitchFamily="18" charset="0"/>
                 <a:cs typeface="Times New Roman" panose="02020603050405020304" pitchFamily="18" charset="0"/>
               </a:rPr>
-              <a:t>Software development</a:t>
+              <a:t>hypothesis</a:t>
             </a:r>
             <a:endParaRPr lang="en-US" sz="4000" b="1" u="sng" dirty="0">
               <a:latin typeface="Times New Roman" panose="02020603050405020304" pitchFamily="18" charset="0"/>
@@ -16458,7 +17304,7 @@
       </p:sp>
       <p:sp>
         <p:nvSpPr>
-          <p:cNvPr id="7" name="Content Placeholder 2"/>
+          <p:cNvPr id="9" name="Content Placeholder 2"/>
           <p:cNvSpPr txBox="1">
             <a:spLocks/>
           </p:cNvSpPr>
@@ -16466,8 +17312,8 @@
         </p:nvSpPr>
         <p:spPr>
           <a:xfrm>
-            <a:off x="332101" y="4277986"/>
-            <a:ext cx="11707495" cy="2290983"/>
+            <a:off x="426697" y="4082932"/>
+            <a:ext cx="11707495" cy="2775068"/>
           </a:xfrm>
           <a:prstGeom prst="rect">
             <a:avLst/>
@@ -16652,79 +17498,228 @@
           </a:lstStyle>
           <a:p>
             <a:r>
-              <a:rPr lang="en-US" sz="3500" dirty="0" smtClean="0">
-                <a:latin typeface="Times New Roman" panose="02020603050405020304" pitchFamily="18" charset="0"/>
-                <a:cs typeface="Times New Roman" panose="02020603050405020304" pitchFamily="18" charset="0"/>
-              </a:rPr>
-              <a:t>SDLC </a:t>
-            </a:r>
-            <a:r>
-              <a:rPr lang="en-US" sz="3500" dirty="0" err="1" smtClean="0">
-                <a:latin typeface="Times New Roman" panose="02020603050405020304" pitchFamily="18" charset="0"/>
-                <a:cs typeface="Times New Roman" panose="02020603050405020304" pitchFamily="18" charset="0"/>
-              </a:rPr>
-              <a:t>Methode</a:t>
-            </a:r>
-            <a:endParaRPr lang="en-US" sz="3500" dirty="0" smtClean="0">
-              <a:latin typeface="Times New Roman" panose="02020603050405020304" pitchFamily="18" charset="0"/>
-              <a:cs typeface="Times New Roman" panose="02020603050405020304" pitchFamily="18" charset="0"/>
-            </a:endParaRPr>
-          </a:p>
-          <a:p>
-            <a:r>
-              <a:rPr lang="en-US" sz="3500" dirty="0" smtClean="0">
-                <a:latin typeface="Times New Roman" panose="02020603050405020304" pitchFamily="18" charset="0"/>
-                <a:cs typeface="Times New Roman" panose="02020603050405020304" pitchFamily="18" charset="0"/>
-              </a:rPr>
-              <a:t>PHP 7.3 Framework </a:t>
-            </a:r>
-            <a:r>
-              <a:rPr lang="en-US" sz="3500" dirty="0" err="1" smtClean="0">
-                <a:latin typeface="Times New Roman" panose="02020603050405020304" pitchFamily="18" charset="0"/>
-                <a:cs typeface="Times New Roman" panose="02020603050405020304" pitchFamily="18" charset="0"/>
-              </a:rPr>
-              <a:t>CodeIginter</a:t>
-            </a:r>
-            <a:r>
-              <a:rPr lang="en-US" sz="3500" dirty="0" smtClean="0">
-                <a:latin typeface="Times New Roman" panose="02020603050405020304" pitchFamily="18" charset="0"/>
-                <a:cs typeface="Times New Roman" panose="02020603050405020304" pitchFamily="18" charset="0"/>
-              </a:rPr>
-              <a:t> v3 </a:t>
-            </a:r>
-            <a:r>
-              <a:rPr lang="en-US" sz="3500" dirty="0" err="1" smtClean="0">
-                <a:latin typeface="Times New Roman" panose="02020603050405020304" pitchFamily="18" charset="0"/>
-                <a:cs typeface="Times New Roman" panose="02020603050405020304" pitchFamily="18" charset="0"/>
-              </a:rPr>
-              <a:t>dan</a:t>
-            </a:r>
-            <a:r>
-              <a:rPr lang="en-US" sz="3500" dirty="0" smtClean="0">
-                <a:latin typeface="Times New Roman" panose="02020603050405020304" pitchFamily="18" charset="0"/>
-                <a:cs typeface="Times New Roman" panose="02020603050405020304" pitchFamily="18" charset="0"/>
-              </a:rPr>
-              <a:t> </a:t>
-            </a:r>
-            <a:r>
-              <a:rPr lang="en-US" sz="3500" dirty="0" err="1" smtClean="0">
-                <a:latin typeface="Times New Roman" panose="02020603050405020304" pitchFamily="18" charset="0"/>
-                <a:cs typeface="Times New Roman" panose="02020603050405020304" pitchFamily="18" charset="0"/>
-              </a:rPr>
-              <a:t>MySql</a:t>
-            </a:r>
-            <a:endParaRPr lang="en-US" sz="3500" dirty="0" smtClean="0">
-              <a:latin typeface="Times New Roman" panose="02020603050405020304" pitchFamily="18" charset="0"/>
-              <a:cs typeface="Times New Roman" panose="02020603050405020304" pitchFamily="18" charset="0"/>
-            </a:endParaRPr>
-          </a:p>
-          <a:p>
-            <a:r>
-              <a:rPr lang="en-US" sz="3500" dirty="0" smtClean="0">
-                <a:latin typeface="Times New Roman" panose="02020603050405020304" pitchFamily="18" charset="0"/>
-                <a:cs typeface="Times New Roman" panose="02020603050405020304" pitchFamily="18" charset="0"/>
-              </a:rPr>
-              <a:t>Software development (IDE &amp; third party)</a:t>
+              <a:rPr lang="en-US" sz="3500" dirty="0" err="1" smtClean="0">
+                <a:latin typeface="Times New Roman" panose="02020603050405020304" pitchFamily="18" charset="0"/>
+                <a:cs typeface="Times New Roman" panose="02020603050405020304" pitchFamily="18" charset="0"/>
+              </a:rPr>
+              <a:t>Melihat</a:t>
+            </a:r>
+            <a:r>
+              <a:rPr lang="en-US" sz="3500" dirty="0" smtClean="0">
+                <a:latin typeface="Times New Roman" panose="02020603050405020304" pitchFamily="18" charset="0"/>
+                <a:cs typeface="Times New Roman" panose="02020603050405020304" pitchFamily="18" charset="0"/>
+              </a:rPr>
+              <a:t> </a:t>
+            </a:r>
+            <a:r>
+              <a:rPr lang="en-US" sz="3500" dirty="0" err="1" smtClean="0">
+                <a:latin typeface="Times New Roman" panose="02020603050405020304" pitchFamily="18" charset="0"/>
+                <a:cs typeface="Times New Roman" panose="02020603050405020304" pitchFamily="18" charset="0"/>
+              </a:rPr>
+              <a:t>fenomena</a:t>
+            </a:r>
+            <a:r>
+              <a:rPr lang="en-US" sz="3500" dirty="0" smtClean="0">
+                <a:latin typeface="Times New Roman" panose="02020603050405020304" pitchFamily="18" charset="0"/>
+                <a:cs typeface="Times New Roman" panose="02020603050405020304" pitchFamily="18" charset="0"/>
+              </a:rPr>
+              <a:t> yang </a:t>
+            </a:r>
+            <a:r>
+              <a:rPr lang="en-US" sz="3500" dirty="0" err="1" smtClean="0">
+                <a:latin typeface="Times New Roman" panose="02020603050405020304" pitchFamily="18" charset="0"/>
+                <a:cs typeface="Times New Roman" panose="02020603050405020304" pitchFamily="18" charset="0"/>
+              </a:rPr>
+              <a:t>terjadi</a:t>
+            </a:r>
+            <a:r>
+              <a:rPr lang="en-US" sz="3500" dirty="0" smtClean="0">
+                <a:latin typeface="Times New Roman" panose="02020603050405020304" pitchFamily="18" charset="0"/>
+                <a:cs typeface="Times New Roman" panose="02020603050405020304" pitchFamily="18" charset="0"/>
+              </a:rPr>
+              <a:t> </a:t>
+            </a:r>
+            <a:r>
+              <a:rPr lang="en-US" sz="3500" dirty="0" err="1" smtClean="0">
+                <a:latin typeface="Times New Roman" panose="02020603050405020304" pitchFamily="18" charset="0"/>
+                <a:cs typeface="Times New Roman" panose="02020603050405020304" pitchFamily="18" charset="0"/>
+              </a:rPr>
+              <a:t>serta</a:t>
+            </a:r>
+            <a:r>
+              <a:rPr lang="en-US" sz="3500" dirty="0" smtClean="0">
+                <a:latin typeface="Times New Roman" panose="02020603050405020304" pitchFamily="18" charset="0"/>
+                <a:cs typeface="Times New Roman" panose="02020603050405020304" pitchFamily="18" charset="0"/>
+              </a:rPr>
+              <a:t> </a:t>
+            </a:r>
+            <a:r>
+              <a:rPr lang="en-US" sz="3500" dirty="0" err="1" smtClean="0">
+                <a:latin typeface="Times New Roman" panose="02020603050405020304" pitchFamily="18" charset="0"/>
+                <a:cs typeface="Times New Roman" panose="02020603050405020304" pitchFamily="18" charset="0"/>
+              </a:rPr>
+              <a:t>merunut</a:t>
+            </a:r>
+            <a:r>
+              <a:rPr lang="en-US" sz="3500" dirty="0" smtClean="0">
+                <a:latin typeface="Times New Roman" panose="02020603050405020304" pitchFamily="18" charset="0"/>
+                <a:cs typeface="Times New Roman" panose="02020603050405020304" pitchFamily="18" charset="0"/>
+              </a:rPr>
+              <a:t> </a:t>
+            </a:r>
+            <a:r>
+              <a:rPr lang="en-US" sz="3500" dirty="0" err="1" smtClean="0">
+                <a:latin typeface="Times New Roman" panose="02020603050405020304" pitchFamily="18" charset="0"/>
+                <a:cs typeface="Times New Roman" panose="02020603050405020304" pitchFamily="18" charset="0"/>
+              </a:rPr>
+              <a:t>dari</a:t>
+            </a:r>
+            <a:r>
+              <a:rPr lang="en-US" sz="3500" dirty="0" smtClean="0">
+                <a:latin typeface="Times New Roman" panose="02020603050405020304" pitchFamily="18" charset="0"/>
+                <a:cs typeface="Times New Roman" panose="02020603050405020304" pitchFamily="18" charset="0"/>
+              </a:rPr>
+              <a:t> </a:t>
+            </a:r>
+            <a:r>
+              <a:rPr lang="en-US" sz="3500" dirty="0" err="1" smtClean="0">
+                <a:latin typeface="Times New Roman" panose="02020603050405020304" pitchFamily="18" charset="0"/>
+                <a:cs typeface="Times New Roman" panose="02020603050405020304" pitchFamily="18" charset="0"/>
+              </a:rPr>
+              <a:t>pendekatan</a:t>
+            </a:r>
+            <a:r>
+              <a:rPr lang="en-US" sz="3500" dirty="0" smtClean="0">
+                <a:latin typeface="Times New Roman" panose="02020603050405020304" pitchFamily="18" charset="0"/>
+                <a:cs typeface="Times New Roman" panose="02020603050405020304" pitchFamily="18" charset="0"/>
+              </a:rPr>
+              <a:t> yang </a:t>
+            </a:r>
+            <a:r>
+              <a:rPr lang="en-US" sz="3500" dirty="0" err="1" smtClean="0">
+                <a:latin typeface="Times New Roman" panose="02020603050405020304" pitchFamily="18" charset="0"/>
+                <a:cs typeface="Times New Roman" panose="02020603050405020304" pitchFamily="18" charset="0"/>
+              </a:rPr>
+              <a:t>dilakukan</a:t>
+            </a:r>
+            <a:r>
+              <a:rPr lang="en-US" sz="3500" dirty="0" smtClean="0">
+                <a:latin typeface="Times New Roman" panose="02020603050405020304" pitchFamily="18" charset="0"/>
+                <a:cs typeface="Times New Roman" panose="02020603050405020304" pitchFamily="18" charset="0"/>
+              </a:rPr>
+              <a:t>, </a:t>
+            </a:r>
+            <a:r>
+              <a:rPr lang="en-US" sz="3500" dirty="0" err="1" smtClean="0">
+                <a:latin typeface="Times New Roman" panose="02020603050405020304" pitchFamily="18" charset="0"/>
+                <a:cs typeface="Times New Roman" panose="02020603050405020304" pitchFamily="18" charset="0"/>
+              </a:rPr>
+              <a:t>akan</a:t>
+            </a:r>
+            <a:r>
+              <a:rPr lang="en-US" sz="3500" dirty="0" smtClean="0">
+                <a:latin typeface="Times New Roman" panose="02020603050405020304" pitchFamily="18" charset="0"/>
+                <a:cs typeface="Times New Roman" panose="02020603050405020304" pitchFamily="18" charset="0"/>
+              </a:rPr>
+              <a:t> </a:t>
+            </a:r>
+            <a:r>
+              <a:rPr lang="en-US" sz="3500" dirty="0" err="1" smtClean="0">
+                <a:latin typeface="Times New Roman" panose="02020603050405020304" pitchFamily="18" charset="0"/>
+                <a:cs typeface="Times New Roman" panose="02020603050405020304" pitchFamily="18" charset="0"/>
+              </a:rPr>
+              <a:t>dikembangkan</a:t>
+            </a:r>
+            <a:r>
+              <a:rPr lang="en-US" sz="3500" dirty="0" smtClean="0">
+                <a:latin typeface="Times New Roman" panose="02020603050405020304" pitchFamily="18" charset="0"/>
+                <a:cs typeface="Times New Roman" panose="02020603050405020304" pitchFamily="18" charset="0"/>
+              </a:rPr>
+              <a:t> </a:t>
+            </a:r>
+            <a:r>
+              <a:rPr lang="en-US" sz="3500" dirty="0" err="1" smtClean="0">
+                <a:latin typeface="Times New Roman" panose="02020603050405020304" pitchFamily="18" charset="0"/>
+                <a:cs typeface="Times New Roman" panose="02020603050405020304" pitchFamily="18" charset="0"/>
+              </a:rPr>
+              <a:t>Sistem</a:t>
+            </a:r>
+            <a:r>
+              <a:rPr lang="en-US" sz="3500" dirty="0" smtClean="0">
+                <a:latin typeface="Times New Roman" panose="02020603050405020304" pitchFamily="18" charset="0"/>
+                <a:cs typeface="Times New Roman" panose="02020603050405020304" pitchFamily="18" charset="0"/>
+              </a:rPr>
+              <a:t> </a:t>
+            </a:r>
+            <a:r>
+              <a:rPr lang="en-US" sz="3500" dirty="0" err="1" smtClean="0">
+                <a:latin typeface="Times New Roman" panose="02020603050405020304" pitchFamily="18" charset="0"/>
+                <a:cs typeface="Times New Roman" panose="02020603050405020304" pitchFamily="18" charset="0"/>
+              </a:rPr>
+              <a:t>Pendukung</a:t>
+            </a:r>
+            <a:r>
+              <a:rPr lang="en-US" sz="3500" dirty="0" smtClean="0">
+                <a:latin typeface="Times New Roman" panose="02020603050405020304" pitchFamily="18" charset="0"/>
+                <a:cs typeface="Times New Roman" panose="02020603050405020304" pitchFamily="18" charset="0"/>
+              </a:rPr>
+              <a:t> </a:t>
+            </a:r>
+            <a:r>
+              <a:rPr lang="en-US" sz="3500" dirty="0" err="1" smtClean="0">
+                <a:latin typeface="Times New Roman" panose="02020603050405020304" pitchFamily="18" charset="0"/>
+                <a:cs typeface="Times New Roman" panose="02020603050405020304" pitchFamily="18" charset="0"/>
+              </a:rPr>
+              <a:t>Keputusan</a:t>
+            </a:r>
+            <a:r>
+              <a:rPr lang="en-US" sz="3500" dirty="0" smtClean="0">
+                <a:latin typeface="Times New Roman" panose="02020603050405020304" pitchFamily="18" charset="0"/>
+                <a:cs typeface="Times New Roman" panose="02020603050405020304" pitchFamily="18" charset="0"/>
+              </a:rPr>
+              <a:t> </a:t>
+            </a:r>
+            <a:r>
+              <a:rPr lang="en-US" sz="3500" dirty="0" err="1" smtClean="0">
+                <a:latin typeface="Times New Roman" panose="02020603050405020304" pitchFamily="18" charset="0"/>
+                <a:cs typeface="Times New Roman" panose="02020603050405020304" pitchFamily="18" charset="0"/>
+              </a:rPr>
+              <a:t>menggunakan</a:t>
+            </a:r>
+            <a:r>
+              <a:rPr lang="en-US" sz="3500" dirty="0" smtClean="0">
+                <a:latin typeface="Times New Roman" panose="02020603050405020304" pitchFamily="18" charset="0"/>
+                <a:cs typeface="Times New Roman" panose="02020603050405020304" pitchFamily="18" charset="0"/>
+              </a:rPr>
+              <a:t> </a:t>
+            </a:r>
+            <a:r>
+              <a:rPr lang="en-US" sz="3500" dirty="0" err="1" smtClean="0">
+                <a:latin typeface="Times New Roman" panose="02020603050405020304" pitchFamily="18" charset="0"/>
+                <a:cs typeface="Times New Roman" panose="02020603050405020304" pitchFamily="18" charset="0"/>
+              </a:rPr>
+              <a:t>Metode</a:t>
+            </a:r>
+            <a:r>
+              <a:rPr lang="en-US" sz="3500" dirty="0" smtClean="0">
+                <a:latin typeface="Times New Roman" panose="02020603050405020304" pitchFamily="18" charset="0"/>
+                <a:cs typeface="Times New Roman" panose="02020603050405020304" pitchFamily="18" charset="0"/>
+              </a:rPr>
+              <a:t> Weighted Product </a:t>
+            </a:r>
+            <a:r>
+              <a:rPr lang="en-US" sz="3500" dirty="0" err="1" smtClean="0">
+                <a:latin typeface="Times New Roman" panose="02020603050405020304" pitchFamily="18" charset="0"/>
+                <a:cs typeface="Times New Roman" panose="02020603050405020304" pitchFamily="18" charset="0"/>
+              </a:rPr>
+              <a:t>berbasis</a:t>
+            </a:r>
+            <a:r>
+              <a:rPr lang="en-US" sz="3500" dirty="0" smtClean="0">
+                <a:latin typeface="Times New Roman" panose="02020603050405020304" pitchFamily="18" charset="0"/>
+                <a:cs typeface="Times New Roman" panose="02020603050405020304" pitchFamily="18" charset="0"/>
+              </a:rPr>
+              <a:t> website.</a:t>
             </a:r>
             <a:endParaRPr lang="en-US" sz="3500" dirty="0">
               <a:latin typeface="Times New Roman" panose="02020603050405020304" pitchFamily="18" charset="0"/>
@@ -16736,13 +17731,2207 @@
     </p:spTree>
     <p:extLst>
       <p:ext uri="{BB962C8B-B14F-4D97-AF65-F5344CB8AC3E}">
-        <p14:creationId xmlns:p14="http://schemas.microsoft.com/office/powerpoint/2010/main" val="412812755"/>
+        <p14:creationId xmlns:p14="http://schemas.microsoft.com/office/powerpoint/2010/main" val="1411285568"/>
       </p:ext>
     </p:extLst>
   </p:cSld>
   <p:clrMapOvr>
     <a:masterClrMapping/>
   </p:clrMapOvr>
+  <p:timing>
+    <p:tnLst>
+      <p:par>
+        <p:cTn id="1" dur="indefinite" restart="never" nodeType="tmRoot"/>
+      </p:par>
+    </p:tnLst>
+  </p:timing>
+</p:sld>
+</file>
+
+<file path=ppt/slides/slide6.xml><?xml version="1.0" encoding="utf-8"?>
+<p:sld xmlns:a="http://schemas.openxmlformats.org/drawingml/2006/main" xmlns:r="http://schemas.openxmlformats.org/officeDocument/2006/relationships" xmlns:p="http://schemas.openxmlformats.org/presentationml/2006/main">
+  <p:cSld>
+    <p:bg>
+      <p:bgPr>
+        <a:solidFill>
+          <a:srgbClr val="00B0F0"/>
+        </a:solidFill>
+        <a:effectLst/>
+      </p:bgPr>
+    </p:bg>
+    <p:spTree>
+      <p:nvGrpSpPr>
+        <p:cNvPr id="1" name=""/>
+        <p:cNvGrpSpPr/>
+        <p:nvPr/>
+      </p:nvGrpSpPr>
+      <p:grpSpPr>
+        <a:xfrm>
+          <a:off x="0" y="0"/>
+          <a:ext cx="0" cy="0"/>
+          <a:chOff x="0" y="0"/>
+          <a:chExt cx="0" cy="0"/>
+        </a:xfrm>
+      </p:grpSpPr>
+      <p:sp>
+        <p:nvSpPr>
+          <p:cNvPr id="4" name="Content Placeholder 2"/>
+          <p:cNvSpPr>
+            <a:spLocks noGrp="1"/>
+          </p:cNvSpPr>
+          <p:nvPr>
+            <p:ph idx="1"/>
+          </p:nvPr>
+        </p:nvSpPr>
+        <p:spPr>
+          <a:xfrm>
+            <a:off x="274297" y="215721"/>
+            <a:ext cx="11707495" cy="6421562"/>
+          </a:xfrm>
+        </p:spPr>
+        <p:txBody>
+          <a:bodyPr>
+            <a:normAutofit fontScale="70000" lnSpcReduction="20000"/>
+          </a:bodyPr>
+          <a:lstStyle/>
+          <a:p>
+            <a:r>
+              <a:rPr lang="en-US" sz="6900" dirty="0" err="1" smtClean="0">
+                <a:latin typeface="Times New Roman" panose="02020603050405020304" pitchFamily="18" charset="0"/>
+                <a:cs typeface="Times New Roman" panose="02020603050405020304" pitchFamily="18" charset="0"/>
+              </a:rPr>
+              <a:t>Rangkaian</a:t>
+            </a:r>
+            <a:r>
+              <a:rPr lang="en-US" sz="6900" dirty="0">
+                <a:latin typeface="Times New Roman" panose="02020603050405020304" pitchFamily="18" charset="0"/>
+                <a:cs typeface="Times New Roman" panose="02020603050405020304" pitchFamily="18" charset="0"/>
+              </a:rPr>
+              <a:t> </a:t>
+            </a:r>
+            <a:r>
+              <a:rPr lang="en-US" sz="6900" dirty="0" err="1" smtClean="0">
+                <a:latin typeface="Times New Roman" panose="02020603050405020304" pitchFamily="18" charset="0"/>
+                <a:cs typeface="Times New Roman" panose="02020603050405020304" pitchFamily="18" charset="0"/>
+              </a:rPr>
+              <a:t>konsep</a:t>
+            </a:r>
+            <a:r>
+              <a:rPr lang="en-US" sz="6900" dirty="0" smtClean="0">
+                <a:latin typeface="Times New Roman" panose="02020603050405020304" pitchFamily="18" charset="0"/>
+                <a:cs typeface="Times New Roman" panose="02020603050405020304" pitchFamily="18" charset="0"/>
+              </a:rPr>
+              <a:t> </a:t>
+            </a:r>
+            <a:r>
+              <a:rPr lang="en-US" sz="6900" dirty="0" err="1" smtClean="0">
+                <a:latin typeface="Times New Roman" panose="02020603050405020304" pitchFamily="18" charset="0"/>
+                <a:cs typeface="Times New Roman" panose="02020603050405020304" pitchFamily="18" charset="0"/>
+              </a:rPr>
+              <a:t>pada</a:t>
+            </a:r>
+            <a:r>
+              <a:rPr lang="en-US" sz="6900" dirty="0" smtClean="0">
+                <a:latin typeface="Times New Roman" panose="02020603050405020304" pitchFamily="18" charset="0"/>
+                <a:cs typeface="Times New Roman" panose="02020603050405020304" pitchFamily="18" charset="0"/>
+              </a:rPr>
+              <a:t> </a:t>
+            </a:r>
+            <a:r>
+              <a:rPr lang="en-US" sz="6900" dirty="0" err="1" smtClean="0">
+                <a:latin typeface="Times New Roman" panose="02020603050405020304" pitchFamily="18" charset="0"/>
+                <a:cs typeface="Times New Roman" panose="02020603050405020304" pitchFamily="18" charset="0"/>
+              </a:rPr>
+              <a:t>judul</a:t>
+            </a:r>
+            <a:endParaRPr lang="en-US" sz="6900" dirty="0" smtClean="0">
+              <a:latin typeface="Times New Roman" panose="02020603050405020304" pitchFamily="18" charset="0"/>
+              <a:cs typeface="Times New Roman" panose="02020603050405020304" pitchFamily="18" charset="0"/>
+            </a:endParaRPr>
+          </a:p>
+          <a:p>
+            <a:r>
+              <a:rPr lang="en-US" sz="3500" dirty="0" err="1" smtClean="0">
+                <a:latin typeface="Times New Roman" panose="02020603050405020304" pitchFamily="18" charset="0"/>
+                <a:cs typeface="Times New Roman" panose="02020603050405020304" pitchFamily="18" charset="0"/>
+              </a:rPr>
+              <a:t>Sistem</a:t>
+            </a:r>
+            <a:r>
+              <a:rPr lang="en-US" sz="3500" dirty="0" smtClean="0">
+                <a:latin typeface="Times New Roman" panose="02020603050405020304" pitchFamily="18" charset="0"/>
+                <a:cs typeface="Times New Roman" panose="02020603050405020304" pitchFamily="18" charset="0"/>
+              </a:rPr>
+              <a:t> </a:t>
+            </a:r>
+            <a:r>
+              <a:rPr lang="en-US" sz="3500" dirty="0" err="1" smtClean="0">
+                <a:latin typeface="Times New Roman" panose="02020603050405020304" pitchFamily="18" charset="0"/>
+                <a:cs typeface="Times New Roman" panose="02020603050405020304" pitchFamily="18" charset="0"/>
+              </a:rPr>
+              <a:t>Pendukung</a:t>
+            </a:r>
+            <a:r>
+              <a:rPr lang="en-US" sz="3500" dirty="0" smtClean="0">
+                <a:latin typeface="Times New Roman" panose="02020603050405020304" pitchFamily="18" charset="0"/>
+                <a:cs typeface="Times New Roman" panose="02020603050405020304" pitchFamily="18" charset="0"/>
+              </a:rPr>
+              <a:t> </a:t>
+            </a:r>
+            <a:r>
+              <a:rPr lang="en-US" sz="3500" dirty="0" err="1" smtClean="0">
+                <a:latin typeface="Times New Roman" panose="02020603050405020304" pitchFamily="18" charset="0"/>
+                <a:cs typeface="Times New Roman" panose="02020603050405020304" pitchFamily="18" charset="0"/>
+              </a:rPr>
+              <a:t>Keputusan</a:t>
+            </a:r>
+            <a:r>
+              <a:rPr lang="en-US" sz="3500" dirty="0" smtClean="0">
+                <a:latin typeface="Times New Roman" panose="02020603050405020304" pitchFamily="18" charset="0"/>
+                <a:cs typeface="Times New Roman" panose="02020603050405020304" pitchFamily="18" charset="0"/>
+              </a:rPr>
+              <a:t> </a:t>
+            </a:r>
+            <a:r>
+              <a:rPr lang="en-US" sz="3500" dirty="0" err="1" smtClean="0">
+                <a:latin typeface="Times New Roman" panose="02020603050405020304" pitchFamily="18" charset="0"/>
+                <a:cs typeface="Times New Roman" panose="02020603050405020304" pitchFamily="18" charset="0"/>
+              </a:rPr>
+              <a:t>merupakan</a:t>
+            </a:r>
+            <a:r>
+              <a:rPr lang="en-US" sz="3500" dirty="0" smtClean="0">
+                <a:latin typeface="Times New Roman" panose="02020603050405020304" pitchFamily="18" charset="0"/>
+                <a:cs typeface="Times New Roman" panose="02020603050405020304" pitchFamily="18" charset="0"/>
+              </a:rPr>
+              <a:t> </a:t>
+            </a:r>
+            <a:r>
+              <a:rPr lang="en-US" sz="3500" dirty="0" err="1" smtClean="0">
+                <a:latin typeface="Times New Roman" panose="02020603050405020304" pitchFamily="18" charset="0"/>
+                <a:cs typeface="Times New Roman" panose="02020603050405020304" pitchFamily="18" charset="0"/>
+              </a:rPr>
+              <a:t>sistem</a:t>
+            </a:r>
+            <a:r>
+              <a:rPr lang="en-US" sz="3500" dirty="0" smtClean="0">
+                <a:latin typeface="Times New Roman" panose="02020603050405020304" pitchFamily="18" charset="0"/>
+                <a:cs typeface="Times New Roman" panose="02020603050405020304" pitchFamily="18" charset="0"/>
+              </a:rPr>
+              <a:t> </a:t>
+            </a:r>
+            <a:r>
+              <a:rPr lang="en-US" sz="3500" dirty="0" err="1" smtClean="0">
+                <a:latin typeface="Times New Roman" panose="02020603050405020304" pitchFamily="18" charset="0"/>
+                <a:cs typeface="Times New Roman" panose="02020603050405020304" pitchFamily="18" charset="0"/>
+              </a:rPr>
+              <a:t>informasi</a:t>
+            </a:r>
+            <a:r>
+              <a:rPr lang="en-US" sz="3500" dirty="0" smtClean="0">
+                <a:latin typeface="Times New Roman" panose="02020603050405020304" pitchFamily="18" charset="0"/>
+                <a:cs typeface="Times New Roman" panose="02020603050405020304" pitchFamily="18" charset="0"/>
+              </a:rPr>
+              <a:t> yang </a:t>
+            </a:r>
+            <a:r>
+              <a:rPr lang="en-US" sz="3500" dirty="0" err="1" smtClean="0">
+                <a:latin typeface="Times New Roman" panose="02020603050405020304" pitchFamily="18" charset="0"/>
+                <a:cs typeface="Times New Roman" panose="02020603050405020304" pitchFamily="18" charset="0"/>
+              </a:rPr>
+              <a:t>spesifik</a:t>
+            </a:r>
+            <a:r>
+              <a:rPr lang="en-US" sz="3500" dirty="0" smtClean="0">
+                <a:latin typeface="Times New Roman" panose="02020603050405020304" pitchFamily="18" charset="0"/>
+                <a:cs typeface="Times New Roman" panose="02020603050405020304" pitchFamily="18" charset="0"/>
+              </a:rPr>
+              <a:t> </a:t>
+            </a:r>
+            <a:r>
+              <a:rPr lang="en-US" sz="3500" dirty="0" err="1" smtClean="0">
+                <a:latin typeface="Times New Roman" panose="02020603050405020304" pitchFamily="18" charset="0"/>
+                <a:cs typeface="Times New Roman" panose="02020603050405020304" pitchFamily="18" charset="0"/>
+              </a:rPr>
+              <a:t>membantu</a:t>
+            </a:r>
+            <a:r>
+              <a:rPr lang="en-US" sz="3500" dirty="0" smtClean="0">
+                <a:latin typeface="Times New Roman" panose="02020603050405020304" pitchFamily="18" charset="0"/>
+                <a:cs typeface="Times New Roman" panose="02020603050405020304" pitchFamily="18" charset="0"/>
+              </a:rPr>
+              <a:t> </a:t>
+            </a:r>
+            <a:r>
+              <a:rPr lang="en-US" sz="3500" dirty="0" err="1" smtClean="0">
+                <a:latin typeface="Times New Roman" panose="02020603050405020304" pitchFamily="18" charset="0"/>
+                <a:cs typeface="Times New Roman" panose="02020603050405020304" pitchFamily="18" charset="0"/>
+              </a:rPr>
+              <a:t>manajemen</a:t>
+            </a:r>
+            <a:r>
+              <a:rPr lang="en-US" sz="3500" dirty="0" smtClean="0">
+                <a:latin typeface="Times New Roman" panose="02020603050405020304" pitchFamily="18" charset="0"/>
+                <a:cs typeface="Times New Roman" panose="02020603050405020304" pitchFamily="18" charset="0"/>
+              </a:rPr>
+              <a:t> </a:t>
+            </a:r>
+            <a:r>
+              <a:rPr lang="en-US" sz="3500" dirty="0" err="1" smtClean="0">
+                <a:latin typeface="Times New Roman" panose="02020603050405020304" pitchFamily="18" charset="0"/>
+                <a:cs typeface="Times New Roman" panose="02020603050405020304" pitchFamily="18" charset="0"/>
+              </a:rPr>
+              <a:t>mengambil</a:t>
+            </a:r>
+            <a:r>
+              <a:rPr lang="en-US" sz="3500" dirty="0" smtClean="0">
+                <a:latin typeface="Times New Roman" panose="02020603050405020304" pitchFamily="18" charset="0"/>
+                <a:cs typeface="Times New Roman" panose="02020603050405020304" pitchFamily="18" charset="0"/>
+              </a:rPr>
+              <a:t> </a:t>
+            </a:r>
+            <a:r>
+              <a:rPr lang="en-US" sz="3500" dirty="0" err="1" smtClean="0">
+                <a:latin typeface="Times New Roman" panose="02020603050405020304" pitchFamily="18" charset="0"/>
+                <a:cs typeface="Times New Roman" panose="02020603050405020304" pitchFamily="18" charset="0"/>
+              </a:rPr>
+              <a:t>keputusan</a:t>
+            </a:r>
+            <a:r>
+              <a:rPr lang="en-US" sz="3500" dirty="0" smtClean="0">
+                <a:latin typeface="Times New Roman" panose="02020603050405020304" pitchFamily="18" charset="0"/>
+                <a:cs typeface="Times New Roman" panose="02020603050405020304" pitchFamily="18" charset="0"/>
+              </a:rPr>
+              <a:t> yang </a:t>
+            </a:r>
+            <a:r>
+              <a:rPr lang="en-US" sz="3500" dirty="0" err="1" smtClean="0">
+                <a:latin typeface="Times New Roman" panose="02020603050405020304" pitchFamily="18" charset="0"/>
+                <a:cs typeface="Times New Roman" panose="02020603050405020304" pitchFamily="18" charset="0"/>
+              </a:rPr>
+              <a:t>berkaitan</a:t>
+            </a:r>
+            <a:r>
+              <a:rPr lang="en-US" sz="3500" dirty="0" smtClean="0">
+                <a:latin typeface="Times New Roman" panose="02020603050405020304" pitchFamily="18" charset="0"/>
+                <a:cs typeface="Times New Roman" panose="02020603050405020304" pitchFamily="18" charset="0"/>
+              </a:rPr>
+              <a:t> </a:t>
+            </a:r>
+            <a:r>
+              <a:rPr lang="en-US" sz="3500" dirty="0" err="1" smtClean="0">
+                <a:latin typeface="Times New Roman" panose="02020603050405020304" pitchFamily="18" charset="0"/>
+                <a:cs typeface="Times New Roman" panose="02020603050405020304" pitchFamily="18" charset="0"/>
+              </a:rPr>
+              <a:t>dengan</a:t>
+            </a:r>
+            <a:r>
+              <a:rPr lang="en-US" sz="3500" dirty="0" smtClean="0">
+                <a:latin typeface="Times New Roman" panose="02020603050405020304" pitchFamily="18" charset="0"/>
+                <a:cs typeface="Times New Roman" panose="02020603050405020304" pitchFamily="18" charset="0"/>
+              </a:rPr>
+              <a:t> </a:t>
+            </a:r>
+            <a:r>
+              <a:rPr lang="en-US" sz="3500" dirty="0" err="1" smtClean="0">
+                <a:latin typeface="Times New Roman" panose="02020603050405020304" pitchFamily="18" charset="0"/>
+                <a:cs typeface="Times New Roman" panose="02020603050405020304" pitchFamily="18" charset="0"/>
+              </a:rPr>
+              <a:t>persoalan</a:t>
+            </a:r>
+            <a:r>
+              <a:rPr lang="en-US" sz="3500" dirty="0" smtClean="0">
+                <a:latin typeface="Times New Roman" panose="02020603050405020304" pitchFamily="18" charset="0"/>
+                <a:cs typeface="Times New Roman" panose="02020603050405020304" pitchFamily="18" charset="0"/>
+              </a:rPr>
+              <a:t> </a:t>
+            </a:r>
+            <a:r>
+              <a:rPr lang="en-US" sz="3500" dirty="0" err="1" smtClean="0">
+                <a:latin typeface="Times New Roman" panose="02020603050405020304" pitchFamily="18" charset="0"/>
+                <a:cs typeface="Times New Roman" panose="02020603050405020304" pitchFamily="18" charset="0"/>
+              </a:rPr>
+              <a:t>bersifat</a:t>
+            </a:r>
+            <a:r>
+              <a:rPr lang="en-US" sz="3500" dirty="0" smtClean="0">
+                <a:latin typeface="Times New Roman" panose="02020603050405020304" pitchFamily="18" charset="0"/>
+                <a:cs typeface="Times New Roman" panose="02020603050405020304" pitchFamily="18" charset="0"/>
+              </a:rPr>
+              <a:t> </a:t>
+            </a:r>
+            <a:r>
+              <a:rPr lang="en-US" sz="3500" dirty="0" err="1" smtClean="0">
+                <a:latin typeface="Times New Roman" panose="02020603050405020304" pitchFamily="18" charset="0"/>
+                <a:cs typeface="Times New Roman" panose="02020603050405020304" pitchFamily="18" charset="0"/>
+              </a:rPr>
+              <a:t>terstruktur</a:t>
+            </a:r>
+            <a:r>
+              <a:rPr lang="en-US" sz="3500" dirty="0" smtClean="0">
+                <a:latin typeface="Times New Roman" panose="02020603050405020304" pitchFamily="18" charset="0"/>
+                <a:cs typeface="Times New Roman" panose="02020603050405020304" pitchFamily="18" charset="0"/>
+              </a:rPr>
+              <a:t> </a:t>
+            </a:r>
+            <a:r>
+              <a:rPr lang="en-US" sz="3500" dirty="0" err="1" smtClean="0">
+                <a:latin typeface="Times New Roman" panose="02020603050405020304" pitchFamily="18" charset="0"/>
+                <a:cs typeface="Times New Roman" panose="02020603050405020304" pitchFamily="18" charset="0"/>
+              </a:rPr>
+              <a:t>dan</a:t>
+            </a:r>
+            <a:r>
+              <a:rPr lang="en-US" sz="3500" dirty="0" smtClean="0">
+                <a:latin typeface="Times New Roman" panose="02020603050405020304" pitchFamily="18" charset="0"/>
+                <a:cs typeface="Times New Roman" panose="02020603050405020304" pitchFamily="18" charset="0"/>
+              </a:rPr>
+              <a:t> </a:t>
+            </a:r>
+            <a:r>
+              <a:rPr lang="en-US" sz="3500" dirty="0" err="1" smtClean="0">
+                <a:latin typeface="Times New Roman" panose="02020603050405020304" pitchFamily="18" charset="0"/>
+                <a:cs typeface="Times New Roman" panose="02020603050405020304" pitchFamily="18" charset="0"/>
+              </a:rPr>
+              <a:t>efektif</a:t>
+            </a:r>
+            <a:r>
+              <a:rPr lang="en-US" sz="3500" dirty="0" smtClean="0">
+                <a:latin typeface="Times New Roman" panose="02020603050405020304" pitchFamily="18" charset="0"/>
+                <a:cs typeface="Times New Roman" panose="02020603050405020304" pitchFamily="18" charset="0"/>
+              </a:rPr>
+              <a:t> </a:t>
+            </a:r>
+            <a:r>
+              <a:rPr lang="en-US" sz="3500" dirty="0" err="1" smtClean="0">
+                <a:latin typeface="Times New Roman" panose="02020603050405020304" pitchFamily="18" charset="0"/>
+                <a:cs typeface="Times New Roman" panose="02020603050405020304" pitchFamily="18" charset="0"/>
+              </a:rPr>
+              <a:t>namun</a:t>
+            </a:r>
+            <a:r>
+              <a:rPr lang="en-US" sz="3500" dirty="0" smtClean="0">
+                <a:latin typeface="Times New Roman" panose="02020603050405020304" pitchFamily="18" charset="0"/>
+                <a:cs typeface="Times New Roman" panose="02020603050405020304" pitchFamily="18" charset="0"/>
+              </a:rPr>
+              <a:t> </a:t>
+            </a:r>
+            <a:r>
+              <a:rPr lang="en-US" sz="3500" dirty="0" err="1" smtClean="0">
+                <a:latin typeface="Times New Roman" panose="02020603050405020304" pitchFamily="18" charset="0"/>
+                <a:cs typeface="Times New Roman" panose="02020603050405020304" pitchFamily="18" charset="0"/>
+              </a:rPr>
+              <a:t>tidak</a:t>
+            </a:r>
+            <a:r>
+              <a:rPr lang="en-US" sz="3500" dirty="0" smtClean="0">
+                <a:latin typeface="Times New Roman" panose="02020603050405020304" pitchFamily="18" charset="0"/>
+                <a:cs typeface="Times New Roman" panose="02020603050405020304" pitchFamily="18" charset="0"/>
+              </a:rPr>
+              <a:t> </a:t>
+            </a:r>
+            <a:r>
+              <a:rPr lang="en-US" sz="3500" dirty="0" err="1" smtClean="0">
+                <a:latin typeface="Times New Roman" panose="02020603050405020304" pitchFamily="18" charset="0"/>
+                <a:cs typeface="Times New Roman" panose="02020603050405020304" pitchFamily="18" charset="0"/>
+              </a:rPr>
+              <a:t>mengganti</a:t>
+            </a:r>
+            <a:r>
+              <a:rPr lang="en-US" sz="3500" dirty="0" smtClean="0">
+                <a:latin typeface="Times New Roman" panose="02020603050405020304" pitchFamily="18" charset="0"/>
+                <a:cs typeface="Times New Roman" panose="02020603050405020304" pitchFamily="18" charset="0"/>
+              </a:rPr>
+              <a:t> </a:t>
+            </a:r>
+            <a:r>
+              <a:rPr lang="en-US" sz="3500" dirty="0" err="1" smtClean="0">
+                <a:latin typeface="Times New Roman" panose="02020603050405020304" pitchFamily="18" charset="0"/>
+                <a:cs typeface="Times New Roman" panose="02020603050405020304" pitchFamily="18" charset="0"/>
+              </a:rPr>
+              <a:t>fungsi</a:t>
+            </a:r>
+            <a:r>
+              <a:rPr lang="en-US" sz="3500" dirty="0" smtClean="0">
+                <a:latin typeface="Times New Roman" panose="02020603050405020304" pitchFamily="18" charset="0"/>
+                <a:cs typeface="Times New Roman" panose="02020603050405020304" pitchFamily="18" charset="0"/>
+              </a:rPr>
+              <a:t> </a:t>
+            </a:r>
+            <a:r>
+              <a:rPr lang="en-US" sz="3500" dirty="0" err="1" smtClean="0">
+                <a:latin typeface="Times New Roman" panose="02020603050405020304" pitchFamily="18" charset="0"/>
+                <a:cs typeface="Times New Roman" panose="02020603050405020304" pitchFamily="18" charset="0"/>
+              </a:rPr>
+              <a:t>pengambil</a:t>
+            </a:r>
+            <a:r>
+              <a:rPr lang="en-US" sz="3500" dirty="0" smtClean="0">
+                <a:latin typeface="Times New Roman" panose="02020603050405020304" pitchFamily="18" charset="0"/>
+                <a:cs typeface="Times New Roman" panose="02020603050405020304" pitchFamily="18" charset="0"/>
+              </a:rPr>
+              <a:t> </a:t>
+            </a:r>
+            <a:r>
+              <a:rPr lang="en-US" sz="3500" dirty="0" err="1" smtClean="0">
+                <a:latin typeface="Times New Roman" panose="02020603050405020304" pitchFamily="18" charset="0"/>
+                <a:cs typeface="Times New Roman" panose="02020603050405020304" pitchFamily="18" charset="0"/>
+              </a:rPr>
+              <a:t>keputusan</a:t>
+            </a:r>
+            <a:r>
+              <a:rPr lang="en-US" sz="3500" dirty="0">
+                <a:latin typeface="Times New Roman" panose="02020603050405020304" pitchFamily="18" charset="0"/>
+                <a:cs typeface="Times New Roman" panose="02020603050405020304" pitchFamily="18" charset="0"/>
+              </a:rPr>
+              <a:t/>
+            </a:r>
+            <a:br>
+              <a:rPr lang="en-US" sz="3500" dirty="0">
+                <a:latin typeface="Times New Roman" panose="02020603050405020304" pitchFamily="18" charset="0"/>
+                <a:cs typeface="Times New Roman" panose="02020603050405020304" pitchFamily="18" charset="0"/>
+              </a:rPr>
+            </a:br>
+            <a:endParaRPr lang="en-US" sz="3500" dirty="0">
+              <a:latin typeface="Times New Roman" panose="02020603050405020304" pitchFamily="18" charset="0"/>
+              <a:cs typeface="Times New Roman" panose="02020603050405020304" pitchFamily="18" charset="0"/>
+            </a:endParaRPr>
+          </a:p>
+          <a:p>
+            <a:r>
+              <a:rPr lang="en-US" sz="3500" dirty="0" err="1" smtClean="0">
+                <a:latin typeface="Times New Roman" panose="02020603050405020304" pitchFamily="18" charset="0"/>
+                <a:cs typeface="Times New Roman" panose="02020603050405020304" pitchFamily="18" charset="0"/>
+              </a:rPr>
+              <a:t>Metode</a:t>
+            </a:r>
+            <a:r>
+              <a:rPr lang="en-US" sz="3500" dirty="0" smtClean="0">
+                <a:latin typeface="Times New Roman" panose="02020603050405020304" pitchFamily="18" charset="0"/>
+                <a:cs typeface="Times New Roman" panose="02020603050405020304" pitchFamily="18" charset="0"/>
+              </a:rPr>
+              <a:t> Weighted Product </a:t>
+            </a:r>
+            <a:r>
+              <a:rPr lang="en-US" sz="3500" dirty="0" err="1" smtClean="0">
+                <a:latin typeface="Times New Roman" panose="02020603050405020304" pitchFamily="18" charset="0"/>
+                <a:cs typeface="Times New Roman" panose="02020603050405020304" pitchFamily="18" charset="0"/>
+              </a:rPr>
+              <a:t>adalah</a:t>
+            </a:r>
+            <a:r>
+              <a:rPr lang="en-US" sz="3500" dirty="0" smtClean="0">
+                <a:latin typeface="Times New Roman" panose="02020603050405020304" pitchFamily="18" charset="0"/>
+                <a:cs typeface="Times New Roman" panose="02020603050405020304" pitchFamily="18" charset="0"/>
+              </a:rPr>
+              <a:t> </a:t>
+            </a:r>
+            <a:r>
+              <a:rPr lang="en-US" sz="3500" dirty="0" err="1" smtClean="0">
+                <a:latin typeface="Times New Roman" panose="02020603050405020304" pitchFamily="18" charset="0"/>
+                <a:cs typeface="Times New Roman" panose="02020603050405020304" pitchFamily="18" charset="0"/>
+              </a:rPr>
+              <a:t>metode</a:t>
+            </a:r>
+            <a:r>
+              <a:rPr lang="en-US" sz="3500" dirty="0" smtClean="0">
+                <a:latin typeface="Times New Roman" panose="02020603050405020304" pitchFamily="18" charset="0"/>
+                <a:cs typeface="Times New Roman" panose="02020603050405020304" pitchFamily="18" charset="0"/>
+              </a:rPr>
+              <a:t> </a:t>
+            </a:r>
+            <a:r>
+              <a:rPr lang="en-US" sz="3500" dirty="0" err="1" smtClean="0">
+                <a:latin typeface="Times New Roman" panose="02020603050405020304" pitchFamily="18" charset="0"/>
+                <a:cs typeface="Times New Roman" panose="02020603050405020304" pitchFamily="18" charset="0"/>
+              </a:rPr>
+              <a:t>dari</a:t>
+            </a:r>
+            <a:r>
+              <a:rPr lang="en-US" sz="3500" dirty="0" smtClean="0">
+                <a:latin typeface="Times New Roman" panose="02020603050405020304" pitchFamily="18" charset="0"/>
+                <a:cs typeface="Times New Roman" panose="02020603050405020304" pitchFamily="18" charset="0"/>
+              </a:rPr>
+              <a:t> </a:t>
+            </a:r>
+            <a:r>
+              <a:rPr lang="en-US" sz="3500" dirty="0" err="1" smtClean="0">
+                <a:latin typeface="Times New Roman" panose="02020603050405020304" pitchFamily="18" charset="0"/>
+                <a:cs typeface="Times New Roman" panose="02020603050405020304" pitchFamily="18" charset="0"/>
+              </a:rPr>
+              <a:t>spk</a:t>
+            </a:r>
+            <a:r>
+              <a:rPr lang="en-US" sz="3500" dirty="0" smtClean="0">
+                <a:latin typeface="Times New Roman" panose="02020603050405020304" pitchFamily="18" charset="0"/>
+                <a:cs typeface="Times New Roman" panose="02020603050405020304" pitchFamily="18" charset="0"/>
+              </a:rPr>
+              <a:t> yang </a:t>
+            </a:r>
+            <a:r>
+              <a:rPr lang="en-US" sz="3500" dirty="0" err="1" smtClean="0">
+                <a:latin typeface="Times New Roman" panose="02020603050405020304" pitchFamily="18" charset="0"/>
+                <a:cs typeface="Times New Roman" panose="02020603050405020304" pitchFamily="18" charset="0"/>
+              </a:rPr>
+              <a:t>penyelesaian</a:t>
+            </a:r>
+            <a:r>
+              <a:rPr lang="en-US" sz="3500" dirty="0" smtClean="0">
+                <a:latin typeface="Times New Roman" panose="02020603050405020304" pitchFamily="18" charset="0"/>
+                <a:cs typeface="Times New Roman" panose="02020603050405020304" pitchFamily="18" charset="0"/>
+              </a:rPr>
+              <a:t> </a:t>
+            </a:r>
+            <a:r>
+              <a:rPr lang="en-US" sz="3500" dirty="0" err="1" smtClean="0">
+                <a:latin typeface="Times New Roman" panose="02020603050405020304" pitchFamily="18" charset="0"/>
+                <a:cs typeface="Times New Roman" panose="02020603050405020304" pitchFamily="18" charset="0"/>
+              </a:rPr>
+              <a:t>keputusannya</a:t>
+            </a:r>
+            <a:r>
+              <a:rPr lang="en-US" sz="3500" dirty="0" smtClean="0">
+                <a:latin typeface="Times New Roman" panose="02020603050405020304" pitchFamily="18" charset="0"/>
+                <a:cs typeface="Times New Roman" panose="02020603050405020304" pitchFamily="18" charset="0"/>
+              </a:rPr>
+              <a:t> </a:t>
+            </a:r>
+            <a:r>
+              <a:rPr lang="en-US" sz="3500" dirty="0" err="1" smtClean="0">
+                <a:latin typeface="Times New Roman" panose="02020603050405020304" pitchFamily="18" charset="0"/>
+                <a:cs typeface="Times New Roman" panose="02020603050405020304" pitchFamily="18" charset="0"/>
+              </a:rPr>
+              <a:t>melakukan</a:t>
+            </a:r>
+            <a:r>
+              <a:rPr lang="en-US" sz="3500" dirty="0" smtClean="0">
+                <a:latin typeface="Times New Roman" panose="02020603050405020304" pitchFamily="18" charset="0"/>
+                <a:cs typeface="Times New Roman" panose="02020603050405020304" pitchFamily="18" charset="0"/>
+              </a:rPr>
+              <a:t> </a:t>
+            </a:r>
+            <a:r>
+              <a:rPr lang="en-US" sz="3500" dirty="0" err="1" smtClean="0">
+                <a:latin typeface="Times New Roman" panose="02020603050405020304" pitchFamily="18" charset="0"/>
+                <a:cs typeface="Times New Roman" panose="02020603050405020304" pitchFamily="18" charset="0"/>
+              </a:rPr>
+              <a:t>perkalian</a:t>
+            </a:r>
+            <a:r>
+              <a:rPr lang="en-US" sz="3500" dirty="0" smtClean="0">
+                <a:latin typeface="Times New Roman" panose="02020603050405020304" pitchFamily="18" charset="0"/>
+                <a:cs typeface="Times New Roman" panose="02020603050405020304" pitchFamily="18" charset="0"/>
+              </a:rPr>
+              <a:t> </a:t>
+            </a:r>
+            <a:r>
+              <a:rPr lang="en-US" sz="3500" dirty="0" err="1" smtClean="0">
+                <a:latin typeface="Times New Roman" panose="02020603050405020304" pitchFamily="18" charset="0"/>
+                <a:cs typeface="Times New Roman" panose="02020603050405020304" pitchFamily="18" charset="0"/>
+              </a:rPr>
+              <a:t>atribut</a:t>
+            </a:r>
+            <a:r>
+              <a:rPr lang="en-US" sz="3500" dirty="0" smtClean="0">
+                <a:latin typeface="Times New Roman" panose="02020603050405020304" pitchFamily="18" charset="0"/>
+                <a:cs typeface="Times New Roman" panose="02020603050405020304" pitchFamily="18" charset="0"/>
+              </a:rPr>
+              <a:t> </a:t>
+            </a:r>
+            <a:r>
+              <a:rPr lang="en-US" sz="3500" dirty="0" err="1" smtClean="0">
+                <a:latin typeface="Times New Roman" panose="02020603050405020304" pitchFamily="18" charset="0"/>
+                <a:cs typeface="Times New Roman" panose="02020603050405020304" pitchFamily="18" charset="0"/>
+              </a:rPr>
+              <a:t>lalu</a:t>
+            </a:r>
+            <a:r>
+              <a:rPr lang="en-US" sz="3500" dirty="0" smtClean="0">
+                <a:latin typeface="Times New Roman" panose="02020603050405020304" pitchFamily="18" charset="0"/>
+                <a:cs typeface="Times New Roman" panose="02020603050405020304" pitchFamily="18" charset="0"/>
+              </a:rPr>
+              <a:t> </a:t>
+            </a:r>
+            <a:r>
+              <a:rPr lang="en-US" sz="3500" dirty="0" err="1" smtClean="0">
+                <a:latin typeface="Times New Roman" panose="02020603050405020304" pitchFamily="18" charset="0"/>
+                <a:cs typeface="Times New Roman" panose="02020603050405020304" pitchFamily="18" charset="0"/>
+              </a:rPr>
+              <a:t>dilakukan</a:t>
+            </a:r>
+            <a:r>
+              <a:rPr lang="en-US" sz="3500" dirty="0" smtClean="0">
+                <a:latin typeface="Times New Roman" panose="02020603050405020304" pitchFamily="18" charset="0"/>
+                <a:cs typeface="Times New Roman" panose="02020603050405020304" pitchFamily="18" charset="0"/>
+              </a:rPr>
+              <a:t> </a:t>
+            </a:r>
+            <a:r>
+              <a:rPr lang="en-US" sz="3500" dirty="0" err="1" smtClean="0">
+                <a:latin typeface="Times New Roman" panose="02020603050405020304" pitchFamily="18" charset="0"/>
+                <a:cs typeface="Times New Roman" panose="02020603050405020304" pitchFamily="18" charset="0"/>
+              </a:rPr>
+              <a:t>pemangkatan</a:t>
+            </a:r>
+            <a:r>
+              <a:rPr lang="en-US" sz="3500" dirty="0" smtClean="0">
+                <a:latin typeface="Times New Roman" panose="02020603050405020304" pitchFamily="18" charset="0"/>
+                <a:cs typeface="Times New Roman" panose="02020603050405020304" pitchFamily="18" charset="0"/>
+              </a:rPr>
+              <a:t> </a:t>
+            </a:r>
+            <a:r>
+              <a:rPr lang="en-US" sz="3500" dirty="0" err="1" smtClean="0">
+                <a:latin typeface="Times New Roman" panose="02020603050405020304" pitchFamily="18" charset="0"/>
+                <a:cs typeface="Times New Roman" panose="02020603050405020304" pitchFamily="18" charset="0"/>
+              </a:rPr>
+              <a:t>bobot</a:t>
+            </a:r>
+            <a:r>
+              <a:rPr lang="en-US" sz="3500" dirty="0" smtClean="0">
+                <a:latin typeface="Times New Roman" panose="02020603050405020304" pitchFamily="18" charset="0"/>
+                <a:cs typeface="Times New Roman" panose="02020603050405020304" pitchFamily="18" charset="0"/>
+              </a:rPr>
+              <a:t> </a:t>
+            </a:r>
+            <a:r>
+              <a:rPr lang="en-US" sz="3500" dirty="0" err="1" smtClean="0">
+                <a:latin typeface="Times New Roman" panose="02020603050405020304" pitchFamily="18" charset="0"/>
+                <a:cs typeface="Times New Roman" panose="02020603050405020304" pitchFamily="18" charset="0"/>
+              </a:rPr>
+              <a:t>dan</a:t>
+            </a:r>
+            <a:r>
+              <a:rPr lang="en-US" sz="3500" dirty="0" smtClean="0">
+                <a:latin typeface="Times New Roman" panose="02020603050405020304" pitchFamily="18" charset="0"/>
+                <a:cs typeface="Times New Roman" panose="02020603050405020304" pitchFamily="18" charset="0"/>
+              </a:rPr>
+              <a:t> </a:t>
+            </a:r>
+            <a:r>
+              <a:rPr lang="en-US" sz="3500" dirty="0" err="1" smtClean="0">
+                <a:latin typeface="Times New Roman" panose="02020603050405020304" pitchFamily="18" charset="0"/>
+                <a:cs typeface="Times New Roman" panose="02020603050405020304" pitchFamily="18" charset="0"/>
+              </a:rPr>
+              <a:t>kriteria</a:t>
+            </a:r>
+            <a:r>
+              <a:rPr lang="en-US" sz="3500" dirty="0" smtClean="0">
+                <a:latin typeface="Times New Roman" panose="02020603050405020304" pitchFamily="18" charset="0"/>
+                <a:cs typeface="Times New Roman" panose="02020603050405020304" pitchFamily="18" charset="0"/>
+              </a:rPr>
+              <a:t> </a:t>
+            </a:r>
+            <a:r>
+              <a:rPr lang="en-US" sz="3500" dirty="0" err="1" smtClean="0">
+                <a:latin typeface="Times New Roman" panose="02020603050405020304" pitchFamily="18" charset="0"/>
+                <a:cs typeface="Times New Roman" panose="02020603050405020304" pitchFamily="18" charset="0"/>
+              </a:rPr>
+              <a:t>serta</a:t>
+            </a:r>
+            <a:r>
+              <a:rPr lang="en-US" sz="3500" dirty="0" smtClean="0">
+                <a:latin typeface="Times New Roman" panose="02020603050405020304" pitchFamily="18" charset="0"/>
+                <a:cs typeface="Times New Roman" panose="02020603050405020304" pitchFamily="18" charset="0"/>
+              </a:rPr>
+              <a:t> </a:t>
+            </a:r>
+            <a:r>
+              <a:rPr lang="en-US" sz="3500" dirty="0" err="1" smtClean="0">
+                <a:latin typeface="Times New Roman" panose="02020603050405020304" pitchFamily="18" charset="0"/>
+                <a:cs typeface="Times New Roman" panose="02020603050405020304" pitchFamily="18" charset="0"/>
+              </a:rPr>
+              <a:t>dapat</a:t>
+            </a:r>
+            <a:r>
+              <a:rPr lang="en-US" sz="3500" dirty="0" smtClean="0">
+                <a:latin typeface="Times New Roman" panose="02020603050405020304" pitchFamily="18" charset="0"/>
+                <a:cs typeface="Times New Roman" panose="02020603050405020304" pitchFamily="18" charset="0"/>
+              </a:rPr>
+              <a:t> </a:t>
+            </a:r>
+            <a:r>
+              <a:rPr lang="en-US" sz="3500" dirty="0" err="1" smtClean="0">
+                <a:latin typeface="Times New Roman" panose="02020603050405020304" pitchFamily="18" charset="0"/>
+                <a:cs typeface="Times New Roman" panose="02020603050405020304" pitchFamily="18" charset="0"/>
+              </a:rPr>
+              <a:t>menghemat</a:t>
+            </a:r>
+            <a:r>
+              <a:rPr lang="en-US" sz="3500" dirty="0" smtClean="0">
+                <a:latin typeface="Times New Roman" panose="02020603050405020304" pitchFamily="18" charset="0"/>
+                <a:cs typeface="Times New Roman" panose="02020603050405020304" pitchFamily="18" charset="0"/>
+              </a:rPr>
+              <a:t> </a:t>
+            </a:r>
+            <a:r>
+              <a:rPr lang="en-US" sz="3500" dirty="0" err="1" smtClean="0">
+                <a:latin typeface="Times New Roman" panose="02020603050405020304" pitchFamily="18" charset="0"/>
+                <a:cs typeface="Times New Roman" panose="02020603050405020304" pitchFamily="18" charset="0"/>
+              </a:rPr>
+              <a:t>waktu</a:t>
+            </a:r>
+            <a:r>
+              <a:rPr lang="en-US" sz="3500" dirty="0" smtClean="0">
+                <a:latin typeface="Times New Roman" panose="02020603050405020304" pitchFamily="18" charset="0"/>
+                <a:cs typeface="Times New Roman" panose="02020603050405020304" pitchFamily="18" charset="0"/>
+              </a:rPr>
+              <a:t> </a:t>
+            </a:r>
+            <a:r>
+              <a:rPr lang="en-US" sz="3500" dirty="0" err="1" smtClean="0">
+                <a:latin typeface="Times New Roman" panose="02020603050405020304" pitchFamily="18" charset="0"/>
+                <a:cs typeface="Times New Roman" panose="02020603050405020304" pitchFamily="18" charset="0"/>
+              </a:rPr>
+              <a:t>karena</a:t>
+            </a:r>
+            <a:r>
+              <a:rPr lang="en-US" sz="3500" dirty="0" smtClean="0">
+                <a:latin typeface="Times New Roman" panose="02020603050405020304" pitchFamily="18" charset="0"/>
+                <a:cs typeface="Times New Roman" panose="02020603050405020304" pitchFamily="18" charset="0"/>
+              </a:rPr>
+              <a:t> </a:t>
+            </a:r>
+            <a:r>
+              <a:rPr lang="en-US" sz="3500" dirty="0" err="1" smtClean="0">
+                <a:latin typeface="Times New Roman" panose="02020603050405020304" pitchFamily="18" charset="0"/>
+                <a:cs typeface="Times New Roman" panose="02020603050405020304" pitchFamily="18" charset="0"/>
+              </a:rPr>
+              <a:t>penentuan</a:t>
+            </a:r>
+            <a:r>
+              <a:rPr lang="en-US" sz="3500" dirty="0" smtClean="0">
+                <a:latin typeface="Times New Roman" panose="02020603050405020304" pitchFamily="18" charset="0"/>
+                <a:cs typeface="Times New Roman" panose="02020603050405020304" pitchFamily="18" charset="0"/>
+              </a:rPr>
+              <a:t> </a:t>
+            </a:r>
+            <a:r>
+              <a:rPr lang="en-US" sz="3500" dirty="0" err="1" smtClean="0">
+                <a:latin typeface="Times New Roman" panose="02020603050405020304" pitchFamily="18" charset="0"/>
+                <a:cs typeface="Times New Roman" panose="02020603050405020304" pitchFamily="18" charset="0"/>
+              </a:rPr>
+              <a:t>kriteria</a:t>
+            </a:r>
+            <a:r>
+              <a:rPr lang="en-US" sz="3500" dirty="0" smtClean="0">
+                <a:latin typeface="Times New Roman" panose="02020603050405020304" pitchFamily="18" charset="0"/>
+                <a:cs typeface="Times New Roman" panose="02020603050405020304" pitchFamily="18" charset="0"/>
+              </a:rPr>
+              <a:t>, </a:t>
+            </a:r>
+            <a:r>
+              <a:rPr lang="en-US" sz="3500" dirty="0" err="1" smtClean="0">
+                <a:latin typeface="Times New Roman" panose="02020603050405020304" pitchFamily="18" charset="0"/>
+                <a:cs typeface="Times New Roman" panose="02020603050405020304" pitchFamily="18" charset="0"/>
+              </a:rPr>
+              <a:t>bobot</a:t>
+            </a:r>
+            <a:r>
+              <a:rPr lang="en-US" sz="3500" dirty="0" smtClean="0">
+                <a:latin typeface="Times New Roman" panose="02020603050405020304" pitchFamily="18" charset="0"/>
+                <a:cs typeface="Times New Roman" panose="02020603050405020304" pitchFamily="18" charset="0"/>
+              </a:rPr>
+              <a:t> </a:t>
+            </a:r>
+            <a:r>
+              <a:rPr lang="en-US" sz="3500" dirty="0" err="1" smtClean="0">
+                <a:latin typeface="Times New Roman" panose="02020603050405020304" pitchFamily="18" charset="0"/>
+                <a:cs typeface="Times New Roman" panose="02020603050405020304" pitchFamily="18" charset="0"/>
+              </a:rPr>
+              <a:t>serta</a:t>
+            </a:r>
+            <a:r>
+              <a:rPr lang="en-US" sz="3500" dirty="0" smtClean="0">
+                <a:latin typeface="Times New Roman" panose="02020603050405020304" pitchFamily="18" charset="0"/>
+                <a:cs typeface="Times New Roman" panose="02020603050405020304" pitchFamily="18" charset="0"/>
+              </a:rPr>
+              <a:t> </a:t>
+            </a:r>
+            <a:r>
+              <a:rPr lang="en-US" sz="3500" dirty="0" err="1" smtClean="0">
+                <a:latin typeface="Times New Roman" panose="02020603050405020304" pitchFamily="18" charset="0"/>
+                <a:cs typeface="Times New Roman" panose="02020603050405020304" pitchFamily="18" charset="0"/>
+              </a:rPr>
+              <a:t>alternatifnya</a:t>
+            </a:r>
+            <a:r>
+              <a:rPr lang="en-US" sz="3500" dirty="0" smtClean="0">
+                <a:latin typeface="Times New Roman" panose="02020603050405020304" pitchFamily="18" charset="0"/>
+                <a:cs typeface="Times New Roman" panose="02020603050405020304" pitchFamily="18" charset="0"/>
+              </a:rPr>
+              <a:t> </a:t>
+            </a:r>
+            <a:r>
+              <a:rPr lang="en-US" sz="3500" dirty="0" err="1" smtClean="0">
+                <a:latin typeface="Times New Roman" panose="02020603050405020304" pitchFamily="18" charset="0"/>
+                <a:cs typeface="Times New Roman" panose="02020603050405020304" pitchFamily="18" charset="0"/>
+              </a:rPr>
+              <a:t>ditentukan</a:t>
+            </a:r>
+            <a:r>
+              <a:rPr lang="en-US" sz="3500" dirty="0" smtClean="0">
+                <a:latin typeface="Times New Roman" panose="02020603050405020304" pitchFamily="18" charset="0"/>
+                <a:cs typeface="Times New Roman" panose="02020603050405020304" pitchFamily="18" charset="0"/>
+              </a:rPr>
+              <a:t> di </a:t>
+            </a:r>
+            <a:r>
+              <a:rPr lang="en-US" sz="3500" dirty="0" err="1" smtClean="0">
+                <a:latin typeface="Times New Roman" panose="02020603050405020304" pitchFamily="18" charset="0"/>
+                <a:cs typeface="Times New Roman" panose="02020603050405020304" pitchFamily="18" charset="0"/>
+              </a:rPr>
+              <a:t>awal</a:t>
+            </a:r>
+            <a:r>
+              <a:rPr lang="en-US" sz="3500" dirty="0" smtClean="0">
+                <a:latin typeface="Times New Roman" panose="02020603050405020304" pitchFamily="18" charset="0"/>
+                <a:cs typeface="Times New Roman" panose="02020603050405020304" pitchFamily="18" charset="0"/>
+              </a:rPr>
+              <a:t/>
+            </a:r>
+            <a:br>
+              <a:rPr lang="en-US" sz="3500" dirty="0" smtClean="0">
+                <a:latin typeface="Times New Roman" panose="02020603050405020304" pitchFamily="18" charset="0"/>
+                <a:cs typeface="Times New Roman" panose="02020603050405020304" pitchFamily="18" charset="0"/>
+              </a:rPr>
+            </a:br>
+            <a:endParaRPr lang="en-US" sz="3500" dirty="0" smtClean="0">
+              <a:latin typeface="Times New Roman" panose="02020603050405020304" pitchFamily="18" charset="0"/>
+              <a:cs typeface="Times New Roman" panose="02020603050405020304" pitchFamily="18" charset="0"/>
+            </a:endParaRPr>
+          </a:p>
+          <a:p>
+            <a:r>
+              <a:rPr lang="en-US" sz="3500" dirty="0" smtClean="0">
+                <a:latin typeface="Times New Roman" panose="02020603050405020304" pitchFamily="18" charset="0"/>
+                <a:cs typeface="Times New Roman" panose="02020603050405020304" pitchFamily="18" charset="0"/>
+              </a:rPr>
+              <a:t>Supplier </a:t>
+            </a:r>
+            <a:r>
+              <a:rPr lang="en-US" sz="3500" dirty="0" err="1" smtClean="0">
+                <a:latin typeface="Times New Roman" panose="02020603050405020304" pitchFamily="18" charset="0"/>
+                <a:cs typeface="Times New Roman" panose="02020603050405020304" pitchFamily="18" charset="0"/>
+              </a:rPr>
+              <a:t>Terbaik</a:t>
+            </a:r>
+            <a:r>
+              <a:rPr lang="en-US" sz="3500" dirty="0" smtClean="0">
+                <a:latin typeface="Times New Roman" panose="02020603050405020304" pitchFamily="18" charset="0"/>
+                <a:cs typeface="Times New Roman" panose="02020603050405020304" pitchFamily="18" charset="0"/>
+              </a:rPr>
+              <a:t> </a:t>
+            </a:r>
+            <a:r>
+              <a:rPr lang="en-US" sz="3500" dirty="0" err="1" smtClean="0">
+                <a:latin typeface="Times New Roman" panose="02020603050405020304" pitchFamily="18" charset="0"/>
+                <a:cs typeface="Times New Roman" panose="02020603050405020304" pitchFamily="18" charset="0"/>
+              </a:rPr>
+              <a:t>diartikan</a:t>
+            </a:r>
+            <a:r>
+              <a:rPr lang="en-US" sz="3500" dirty="0" smtClean="0">
+                <a:latin typeface="Times New Roman" panose="02020603050405020304" pitchFamily="18" charset="0"/>
+                <a:cs typeface="Times New Roman" panose="02020603050405020304" pitchFamily="18" charset="0"/>
+              </a:rPr>
+              <a:t> </a:t>
+            </a:r>
+            <a:r>
+              <a:rPr lang="en-US" sz="3500" dirty="0" err="1" smtClean="0">
+                <a:latin typeface="Times New Roman" panose="02020603050405020304" pitchFamily="18" charset="0"/>
+                <a:cs typeface="Times New Roman" panose="02020603050405020304" pitchFamily="18" charset="0"/>
+              </a:rPr>
+              <a:t>sebagai</a:t>
+            </a:r>
+            <a:r>
+              <a:rPr lang="en-US" sz="3500" dirty="0" smtClean="0">
+                <a:latin typeface="Times New Roman" panose="02020603050405020304" pitchFamily="18" charset="0"/>
+                <a:cs typeface="Times New Roman" panose="02020603050405020304" pitchFamily="18" charset="0"/>
+              </a:rPr>
+              <a:t> </a:t>
+            </a:r>
+            <a:r>
+              <a:rPr lang="en-US" sz="3500" dirty="0" err="1" smtClean="0">
+                <a:latin typeface="Times New Roman" panose="02020603050405020304" pitchFamily="18" charset="0"/>
+                <a:cs typeface="Times New Roman" panose="02020603050405020304" pitchFamily="18" charset="0"/>
+              </a:rPr>
+              <a:t>pihak</a:t>
+            </a:r>
+            <a:r>
+              <a:rPr lang="en-US" sz="3500" dirty="0" smtClean="0">
+                <a:latin typeface="Times New Roman" panose="02020603050405020304" pitchFamily="18" charset="0"/>
+                <a:cs typeface="Times New Roman" panose="02020603050405020304" pitchFamily="18" charset="0"/>
+              </a:rPr>
+              <a:t> yang </a:t>
+            </a:r>
+            <a:r>
+              <a:rPr lang="en-US" sz="3500" dirty="0" err="1" smtClean="0">
+                <a:latin typeface="Times New Roman" panose="02020603050405020304" pitchFamily="18" charset="0"/>
+                <a:cs typeface="Times New Roman" panose="02020603050405020304" pitchFamily="18" charset="0"/>
+              </a:rPr>
+              <a:t>bertugas</a:t>
+            </a:r>
+            <a:r>
+              <a:rPr lang="en-US" sz="3500" dirty="0" smtClean="0">
+                <a:latin typeface="Times New Roman" panose="02020603050405020304" pitchFamily="18" charset="0"/>
+                <a:cs typeface="Times New Roman" panose="02020603050405020304" pitchFamily="18" charset="0"/>
+              </a:rPr>
+              <a:t> </a:t>
+            </a:r>
+            <a:r>
+              <a:rPr lang="en-US" sz="3500" dirty="0" err="1" smtClean="0">
+                <a:latin typeface="Times New Roman" panose="02020603050405020304" pitchFamily="18" charset="0"/>
+                <a:cs typeface="Times New Roman" panose="02020603050405020304" pitchFamily="18" charset="0"/>
+              </a:rPr>
+              <a:t>menyuplai</a:t>
+            </a:r>
+            <a:r>
+              <a:rPr lang="en-US" sz="3500" dirty="0" smtClean="0">
+                <a:latin typeface="Times New Roman" panose="02020603050405020304" pitchFamily="18" charset="0"/>
+                <a:cs typeface="Times New Roman" panose="02020603050405020304" pitchFamily="18" charset="0"/>
+              </a:rPr>
+              <a:t> </a:t>
+            </a:r>
+            <a:r>
+              <a:rPr lang="en-US" sz="3500" dirty="0" err="1" smtClean="0">
+                <a:latin typeface="Times New Roman" panose="02020603050405020304" pitchFamily="18" charset="0"/>
+                <a:cs typeface="Times New Roman" panose="02020603050405020304" pitchFamily="18" charset="0"/>
+              </a:rPr>
+              <a:t>atau</a:t>
+            </a:r>
+            <a:r>
+              <a:rPr lang="en-US" sz="3500" dirty="0" smtClean="0">
+                <a:latin typeface="Times New Roman" panose="02020603050405020304" pitchFamily="18" charset="0"/>
+                <a:cs typeface="Times New Roman" panose="02020603050405020304" pitchFamily="18" charset="0"/>
+              </a:rPr>
+              <a:t> </a:t>
+            </a:r>
+            <a:r>
+              <a:rPr lang="en-US" sz="3500" dirty="0" err="1" smtClean="0">
+                <a:latin typeface="Times New Roman" panose="02020603050405020304" pitchFamily="18" charset="0"/>
+                <a:cs typeface="Times New Roman" panose="02020603050405020304" pitchFamily="18" charset="0"/>
+              </a:rPr>
+              <a:t>memberikan</a:t>
+            </a:r>
+            <a:r>
+              <a:rPr lang="en-US" sz="3500" dirty="0" smtClean="0">
+                <a:latin typeface="Times New Roman" panose="02020603050405020304" pitchFamily="18" charset="0"/>
+                <a:cs typeface="Times New Roman" panose="02020603050405020304" pitchFamily="18" charset="0"/>
+              </a:rPr>
+              <a:t> support </a:t>
+            </a:r>
+            <a:r>
+              <a:rPr lang="en-US" sz="3500" dirty="0" err="1" smtClean="0">
+                <a:latin typeface="Times New Roman" panose="02020603050405020304" pitchFamily="18" charset="0"/>
+                <a:cs typeface="Times New Roman" panose="02020603050405020304" pitchFamily="18" charset="0"/>
+              </a:rPr>
+              <a:t>bahan</a:t>
+            </a:r>
+            <a:r>
+              <a:rPr lang="en-US" sz="3500" dirty="0" smtClean="0">
+                <a:latin typeface="Times New Roman" panose="02020603050405020304" pitchFamily="18" charset="0"/>
+                <a:cs typeface="Times New Roman" panose="02020603050405020304" pitchFamily="18" charset="0"/>
+              </a:rPr>
+              <a:t> </a:t>
+            </a:r>
+            <a:r>
+              <a:rPr lang="en-US" sz="3500" dirty="0" err="1" smtClean="0">
+                <a:latin typeface="Times New Roman" panose="02020603050405020304" pitchFamily="18" charset="0"/>
+                <a:cs typeface="Times New Roman" panose="02020603050405020304" pitchFamily="18" charset="0"/>
+              </a:rPr>
+              <a:t>dasar</a:t>
+            </a:r>
+            <a:r>
+              <a:rPr lang="en-US" sz="3500" dirty="0" smtClean="0">
+                <a:latin typeface="Times New Roman" panose="02020603050405020304" pitchFamily="18" charset="0"/>
+                <a:cs typeface="Times New Roman" panose="02020603050405020304" pitchFamily="18" charset="0"/>
+              </a:rPr>
+              <a:t> </a:t>
+            </a:r>
+            <a:r>
+              <a:rPr lang="en-US" sz="3500" dirty="0" err="1" smtClean="0">
+                <a:latin typeface="Times New Roman" panose="02020603050405020304" pitchFamily="18" charset="0"/>
+                <a:cs typeface="Times New Roman" panose="02020603050405020304" pitchFamily="18" charset="0"/>
+              </a:rPr>
+              <a:t>atau</a:t>
+            </a:r>
+            <a:r>
+              <a:rPr lang="en-US" sz="3500" dirty="0" smtClean="0">
+                <a:latin typeface="Times New Roman" panose="02020603050405020304" pitchFamily="18" charset="0"/>
+                <a:cs typeface="Times New Roman" panose="02020603050405020304" pitchFamily="18" charset="0"/>
+              </a:rPr>
+              <a:t> </a:t>
+            </a:r>
+            <a:r>
+              <a:rPr lang="en-US" sz="3500" dirty="0" err="1" smtClean="0">
+                <a:latin typeface="Times New Roman" panose="02020603050405020304" pitchFamily="18" charset="0"/>
+                <a:cs typeface="Times New Roman" panose="02020603050405020304" pitchFamily="18" charset="0"/>
+              </a:rPr>
+              <a:t>komponen</a:t>
+            </a:r>
+            <a:r>
+              <a:rPr lang="en-US" sz="3500" dirty="0" smtClean="0">
+                <a:latin typeface="Times New Roman" panose="02020603050405020304" pitchFamily="18" charset="0"/>
+                <a:cs typeface="Times New Roman" panose="02020603050405020304" pitchFamily="18" charset="0"/>
+              </a:rPr>
+              <a:t> </a:t>
+            </a:r>
+            <a:r>
+              <a:rPr lang="en-US" sz="3500" dirty="0" err="1" smtClean="0">
+                <a:latin typeface="Times New Roman" panose="02020603050405020304" pitchFamily="18" charset="0"/>
+                <a:cs typeface="Times New Roman" panose="02020603050405020304" pitchFamily="18" charset="0"/>
+              </a:rPr>
+              <a:t>utama</a:t>
+            </a:r>
+            <a:r>
+              <a:rPr lang="en-US" sz="3500" dirty="0" smtClean="0">
+                <a:latin typeface="Times New Roman" panose="02020603050405020304" pitchFamily="18" charset="0"/>
+                <a:cs typeface="Times New Roman" panose="02020603050405020304" pitchFamily="18" charset="0"/>
+              </a:rPr>
+              <a:t> </a:t>
+            </a:r>
+            <a:r>
+              <a:rPr lang="en-US" sz="3500" dirty="0" err="1" smtClean="0">
+                <a:latin typeface="Times New Roman" panose="02020603050405020304" pitchFamily="18" charset="0"/>
+                <a:cs typeface="Times New Roman" panose="02020603050405020304" pitchFamily="18" charset="0"/>
+              </a:rPr>
+              <a:t>produksi</a:t>
+            </a:r>
+            <a:r>
+              <a:rPr lang="en-US" sz="3500" dirty="0" smtClean="0">
+                <a:latin typeface="Times New Roman" panose="02020603050405020304" pitchFamily="18" charset="0"/>
+                <a:cs typeface="Times New Roman" panose="02020603050405020304" pitchFamily="18" charset="0"/>
+              </a:rPr>
+              <a:t> </a:t>
+            </a:r>
+            <a:r>
+              <a:rPr lang="en-US" sz="3500" dirty="0" err="1" smtClean="0">
+                <a:latin typeface="Times New Roman" panose="02020603050405020304" pitchFamily="18" charset="0"/>
+                <a:cs typeface="Times New Roman" panose="02020603050405020304" pitchFamily="18" charset="0"/>
+              </a:rPr>
+              <a:t>pada</a:t>
+            </a:r>
+            <a:r>
+              <a:rPr lang="en-US" sz="3500" dirty="0" smtClean="0">
+                <a:latin typeface="Times New Roman" panose="02020603050405020304" pitchFamily="18" charset="0"/>
+                <a:cs typeface="Times New Roman" panose="02020603050405020304" pitchFamily="18" charset="0"/>
+              </a:rPr>
+              <a:t> </a:t>
+            </a:r>
+            <a:r>
+              <a:rPr lang="en-US" sz="3500" dirty="0" err="1" smtClean="0">
+                <a:latin typeface="Times New Roman" panose="02020603050405020304" pitchFamily="18" charset="0"/>
+                <a:cs typeface="Times New Roman" panose="02020603050405020304" pitchFamily="18" charset="0"/>
+              </a:rPr>
+              <a:t>sebuah</a:t>
+            </a:r>
+            <a:r>
+              <a:rPr lang="en-US" sz="3500" dirty="0" smtClean="0">
+                <a:latin typeface="Times New Roman" panose="02020603050405020304" pitchFamily="18" charset="0"/>
+                <a:cs typeface="Times New Roman" panose="02020603050405020304" pitchFamily="18" charset="0"/>
+              </a:rPr>
+              <a:t> </a:t>
+            </a:r>
+            <a:r>
+              <a:rPr lang="en-US" sz="3500" dirty="0" err="1" smtClean="0">
+                <a:latin typeface="Times New Roman" panose="02020603050405020304" pitchFamily="18" charset="0"/>
+                <a:cs typeface="Times New Roman" panose="02020603050405020304" pitchFamily="18" charset="0"/>
+              </a:rPr>
+              <a:t>perusahaan</a:t>
+            </a:r>
+            <a:r>
+              <a:rPr lang="en-US" sz="3500" dirty="0" smtClean="0">
+                <a:latin typeface="Times New Roman" panose="02020603050405020304" pitchFamily="18" charset="0"/>
+                <a:cs typeface="Times New Roman" panose="02020603050405020304" pitchFamily="18" charset="0"/>
+              </a:rPr>
+              <a:t>.</a:t>
+            </a:r>
+            <a:endParaRPr lang="en-US" sz="3500" dirty="0">
+              <a:latin typeface="Times New Roman" panose="02020603050405020304" pitchFamily="18" charset="0"/>
+              <a:cs typeface="Times New Roman" panose="02020603050405020304" pitchFamily="18" charset="0"/>
+            </a:endParaRPr>
+          </a:p>
+        </p:txBody>
+      </p:sp>
+    </p:spTree>
+    <p:extLst>
+      <p:ext uri="{BB962C8B-B14F-4D97-AF65-F5344CB8AC3E}">
+        <p14:creationId xmlns:p14="http://schemas.microsoft.com/office/powerpoint/2010/main" val="2685920130"/>
+      </p:ext>
+    </p:extLst>
+  </p:cSld>
+  <p:clrMapOvr>
+    <a:masterClrMapping/>
+  </p:clrMapOvr>
+  <p:timing>
+    <p:tnLst>
+      <p:par>
+        <p:cTn id="1" dur="indefinite" restart="never" nodeType="tmRoot"/>
+      </p:par>
+    </p:tnLst>
+  </p:timing>
+</p:sld>
+</file>
+
+<file path=ppt/slides/slide7.xml><?xml version="1.0" encoding="utf-8"?>
+<p:sld xmlns:a="http://schemas.openxmlformats.org/drawingml/2006/main" xmlns:r="http://schemas.openxmlformats.org/officeDocument/2006/relationships" xmlns:p="http://schemas.openxmlformats.org/presentationml/2006/main">
+  <p:cSld>
+    <p:bg>
+      <p:bgPr>
+        <a:solidFill>
+          <a:srgbClr val="00B0F0"/>
+        </a:solidFill>
+        <a:effectLst/>
+      </p:bgPr>
+    </p:bg>
+    <p:spTree>
+      <p:nvGrpSpPr>
+        <p:cNvPr id="1" name=""/>
+        <p:cNvGrpSpPr/>
+        <p:nvPr/>
+      </p:nvGrpSpPr>
+      <p:grpSpPr>
+        <a:xfrm>
+          <a:off x="0" y="0"/>
+          <a:ext cx="0" cy="0"/>
+          <a:chOff x="0" y="0"/>
+          <a:chExt cx="0" cy="0"/>
+        </a:xfrm>
+      </p:grpSpPr>
+      <p:sp>
+        <p:nvSpPr>
+          <p:cNvPr id="2" name="Title 1"/>
+          <p:cNvSpPr>
+            <a:spLocks noGrp="1"/>
+          </p:cNvSpPr>
+          <p:nvPr>
+            <p:ph type="title"/>
+          </p:nvPr>
+        </p:nvSpPr>
+        <p:spPr>
+          <a:xfrm>
+            <a:off x="589615" y="114007"/>
+            <a:ext cx="9905998" cy="737329"/>
+          </a:xfrm>
+        </p:spPr>
+        <p:txBody>
+          <a:bodyPr>
+            <a:normAutofit/>
+          </a:bodyPr>
+          <a:lstStyle/>
+          <a:p>
+            <a:r>
+              <a:rPr lang="en-US" sz="4000" b="1" u="sng" dirty="0" smtClean="0">
+                <a:latin typeface="Times New Roman" panose="02020603050405020304" pitchFamily="18" charset="0"/>
+                <a:cs typeface="Times New Roman" panose="02020603050405020304" pitchFamily="18" charset="0"/>
+              </a:rPr>
+              <a:t>Why method weighted product</a:t>
+            </a:r>
+            <a:endParaRPr lang="en-US" sz="4000" b="1" u="sng" dirty="0">
+              <a:latin typeface="Times New Roman" panose="02020603050405020304" pitchFamily="18" charset="0"/>
+              <a:cs typeface="Times New Roman" panose="02020603050405020304" pitchFamily="18" charset="0"/>
+            </a:endParaRPr>
+          </a:p>
+        </p:txBody>
+      </p:sp>
+      <p:sp>
+        <p:nvSpPr>
+          <p:cNvPr id="3" name="Content Placeholder 2"/>
+          <p:cNvSpPr>
+            <a:spLocks noGrp="1"/>
+          </p:cNvSpPr>
+          <p:nvPr>
+            <p:ph idx="1"/>
+          </p:nvPr>
+        </p:nvSpPr>
+        <p:spPr>
+          <a:xfrm>
+            <a:off x="274297" y="797582"/>
+            <a:ext cx="11707495" cy="2617132"/>
+          </a:xfrm>
+        </p:spPr>
+        <p:txBody>
+          <a:bodyPr>
+            <a:normAutofit fontScale="85000" lnSpcReduction="20000"/>
+          </a:bodyPr>
+          <a:lstStyle/>
+          <a:p>
+            <a:r>
+              <a:rPr lang="en-US" sz="3500" dirty="0" err="1" smtClean="0">
+                <a:latin typeface="Times New Roman" panose="02020603050405020304" pitchFamily="18" charset="0"/>
+                <a:cs typeface="Times New Roman" panose="02020603050405020304" pitchFamily="18" charset="0"/>
+              </a:rPr>
+              <a:t>Menghemat</a:t>
+            </a:r>
+            <a:r>
+              <a:rPr lang="en-US" sz="3500" dirty="0" smtClean="0">
+                <a:latin typeface="Times New Roman" panose="02020603050405020304" pitchFamily="18" charset="0"/>
+                <a:cs typeface="Times New Roman" panose="02020603050405020304" pitchFamily="18" charset="0"/>
+              </a:rPr>
+              <a:t> </a:t>
+            </a:r>
+            <a:r>
+              <a:rPr lang="en-US" sz="3500" dirty="0" err="1" smtClean="0">
+                <a:latin typeface="Times New Roman" panose="02020603050405020304" pitchFamily="18" charset="0"/>
+                <a:cs typeface="Times New Roman" panose="02020603050405020304" pitchFamily="18" charset="0"/>
+              </a:rPr>
+              <a:t>waktu</a:t>
+            </a:r>
+            <a:r>
+              <a:rPr lang="en-US" sz="3500" dirty="0" smtClean="0">
+                <a:latin typeface="Times New Roman" panose="02020603050405020304" pitchFamily="18" charset="0"/>
+                <a:cs typeface="Times New Roman" panose="02020603050405020304" pitchFamily="18" charset="0"/>
+              </a:rPr>
+              <a:t> </a:t>
+            </a:r>
+            <a:r>
+              <a:rPr lang="en-US" sz="3500" dirty="0" err="1" smtClean="0">
+                <a:latin typeface="Times New Roman" panose="02020603050405020304" pitchFamily="18" charset="0"/>
+                <a:cs typeface="Times New Roman" panose="02020603050405020304" pitchFamily="18" charset="0"/>
+              </a:rPr>
+              <a:t>pengambilan</a:t>
+            </a:r>
+            <a:r>
+              <a:rPr lang="en-US" sz="3500" dirty="0" smtClean="0">
+                <a:latin typeface="Times New Roman" panose="02020603050405020304" pitchFamily="18" charset="0"/>
+                <a:cs typeface="Times New Roman" panose="02020603050405020304" pitchFamily="18" charset="0"/>
+              </a:rPr>
+              <a:t> </a:t>
+            </a:r>
+            <a:r>
+              <a:rPr lang="en-US" sz="3500" dirty="0" err="1" smtClean="0">
+                <a:latin typeface="Times New Roman" panose="02020603050405020304" pitchFamily="18" charset="0"/>
+                <a:cs typeface="Times New Roman" panose="02020603050405020304" pitchFamily="18" charset="0"/>
+              </a:rPr>
+              <a:t>keputusan</a:t>
+            </a:r>
+            <a:r>
+              <a:rPr lang="en-US" sz="3500" dirty="0" smtClean="0">
+                <a:latin typeface="Times New Roman" panose="02020603050405020304" pitchFamily="18" charset="0"/>
+                <a:cs typeface="Times New Roman" panose="02020603050405020304" pitchFamily="18" charset="0"/>
+              </a:rPr>
+              <a:t> </a:t>
+            </a:r>
+            <a:r>
+              <a:rPr lang="en-US" sz="3500" dirty="0" err="1" smtClean="0">
+                <a:latin typeface="Times New Roman" panose="02020603050405020304" pitchFamily="18" charset="0"/>
+                <a:cs typeface="Times New Roman" panose="02020603050405020304" pitchFamily="18" charset="0"/>
+              </a:rPr>
+              <a:t>karena</a:t>
+            </a:r>
+            <a:r>
+              <a:rPr lang="en-US" sz="3500" dirty="0" smtClean="0">
+                <a:latin typeface="Times New Roman" panose="02020603050405020304" pitchFamily="18" charset="0"/>
+                <a:cs typeface="Times New Roman" panose="02020603050405020304" pitchFamily="18" charset="0"/>
+              </a:rPr>
+              <a:t> </a:t>
+            </a:r>
+            <a:r>
+              <a:rPr lang="en-US" sz="3500" dirty="0" err="1" smtClean="0">
+                <a:latin typeface="Times New Roman" panose="02020603050405020304" pitchFamily="18" charset="0"/>
+                <a:cs typeface="Times New Roman" panose="02020603050405020304" pitchFamily="18" charset="0"/>
+              </a:rPr>
+              <a:t>alternatif</a:t>
+            </a:r>
+            <a:r>
+              <a:rPr lang="en-US" sz="3500" dirty="0" smtClean="0">
+                <a:latin typeface="Times New Roman" panose="02020603050405020304" pitchFamily="18" charset="0"/>
+                <a:cs typeface="Times New Roman" panose="02020603050405020304" pitchFamily="18" charset="0"/>
+              </a:rPr>
+              <a:t>, </a:t>
+            </a:r>
+            <a:r>
+              <a:rPr lang="en-US" sz="3500" dirty="0" err="1" smtClean="0">
+                <a:latin typeface="Times New Roman" panose="02020603050405020304" pitchFamily="18" charset="0"/>
+                <a:cs typeface="Times New Roman" panose="02020603050405020304" pitchFamily="18" charset="0"/>
+              </a:rPr>
+              <a:t>bobot</a:t>
+            </a:r>
+            <a:r>
+              <a:rPr lang="en-US" sz="3500" dirty="0" smtClean="0">
+                <a:latin typeface="Times New Roman" panose="02020603050405020304" pitchFamily="18" charset="0"/>
+                <a:cs typeface="Times New Roman" panose="02020603050405020304" pitchFamily="18" charset="0"/>
+              </a:rPr>
+              <a:t> </a:t>
+            </a:r>
+            <a:r>
+              <a:rPr lang="en-US" sz="3500" dirty="0" err="1" smtClean="0">
+                <a:latin typeface="Times New Roman" panose="02020603050405020304" pitchFamily="18" charset="0"/>
+                <a:cs typeface="Times New Roman" panose="02020603050405020304" pitchFamily="18" charset="0"/>
+              </a:rPr>
+              <a:t>dan</a:t>
+            </a:r>
+            <a:r>
+              <a:rPr lang="en-US" sz="3500" dirty="0" smtClean="0">
+                <a:latin typeface="Times New Roman" panose="02020603050405020304" pitchFamily="18" charset="0"/>
+                <a:cs typeface="Times New Roman" panose="02020603050405020304" pitchFamily="18" charset="0"/>
+              </a:rPr>
+              <a:t> </a:t>
+            </a:r>
+            <a:r>
+              <a:rPr lang="en-US" sz="3500" dirty="0" err="1" smtClean="0">
+                <a:latin typeface="Times New Roman" panose="02020603050405020304" pitchFamily="18" charset="0"/>
+                <a:cs typeface="Times New Roman" panose="02020603050405020304" pitchFamily="18" charset="0"/>
+              </a:rPr>
+              <a:t>kriteria</a:t>
+            </a:r>
+            <a:r>
+              <a:rPr lang="en-US" sz="3500" dirty="0" smtClean="0">
+                <a:latin typeface="Times New Roman" panose="02020603050405020304" pitchFamily="18" charset="0"/>
+                <a:cs typeface="Times New Roman" panose="02020603050405020304" pitchFamily="18" charset="0"/>
+              </a:rPr>
+              <a:t> </a:t>
+            </a:r>
+            <a:r>
+              <a:rPr lang="en-US" sz="3500" dirty="0" err="1" smtClean="0">
+                <a:latin typeface="Times New Roman" panose="02020603050405020304" pitchFamily="18" charset="0"/>
+                <a:cs typeface="Times New Roman" panose="02020603050405020304" pitchFamily="18" charset="0"/>
+              </a:rPr>
+              <a:t>ditentukan</a:t>
+            </a:r>
+            <a:r>
+              <a:rPr lang="en-US" sz="3500" dirty="0" smtClean="0">
+                <a:latin typeface="Times New Roman" panose="02020603050405020304" pitchFamily="18" charset="0"/>
+                <a:cs typeface="Times New Roman" panose="02020603050405020304" pitchFamily="18" charset="0"/>
+              </a:rPr>
+              <a:t> di </a:t>
+            </a:r>
+            <a:r>
+              <a:rPr lang="en-US" sz="3500" dirty="0" err="1" smtClean="0">
+                <a:latin typeface="Times New Roman" panose="02020603050405020304" pitchFamily="18" charset="0"/>
+                <a:cs typeface="Times New Roman" panose="02020603050405020304" pitchFamily="18" charset="0"/>
+              </a:rPr>
+              <a:t>awal</a:t>
+            </a:r>
+            <a:endParaRPr lang="en-US" sz="3500" dirty="0" smtClean="0">
+              <a:latin typeface="Times New Roman" panose="02020603050405020304" pitchFamily="18" charset="0"/>
+              <a:cs typeface="Times New Roman" panose="02020603050405020304" pitchFamily="18" charset="0"/>
+            </a:endParaRPr>
+          </a:p>
+          <a:p>
+            <a:r>
+              <a:rPr lang="en-US" sz="3500" dirty="0" err="1" smtClean="0">
+                <a:latin typeface="Times New Roman" panose="02020603050405020304" pitchFamily="18" charset="0"/>
+                <a:cs typeface="Times New Roman" panose="02020603050405020304" pitchFamily="18" charset="0"/>
+              </a:rPr>
+              <a:t>Merupakan</a:t>
+            </a:r>
+            <a:r>
+              <a:rPr lang="en-US" sz="3500" dirty="0" smtClean="0">
+                <a:latin typeface="Times New Roman" panose="02020603050405020304" pitchFamily="18" charset="0"/>
+                <a:cs typeface="Times New Roman" panose="02020603050405020304" pitchFamily="18" charset="0"/>
+              </a:rPr>
+              <a:t> </a:t>
+            </a:r>
+            <a:r>
+              <a:rPr lang="en-US" sz="3500" dirty="0" err="1" smtClean="0">
+                <a:latin typeface="Times New Roman" panose="02020603050405020304" pitchFamily="18" charset="0"/>
+                <a:cs typeface="Times New Roman" panose="02020603050405020304" pitchFamily="18" charset="0"/>
+              </a:rPr>
+              <a:t>analisis</a:t>
+            </a:r>
+            <a:r>
+              <a:rPr lang="en-US" sz="3500" dirty="0" smtClean="0">
+                <a:latin typeface="Times New Roman" panose="02020603050405020304" pitchFamily="18" charset="0"/>
+                <a:cs typeface="Times New Roman" panose="02020603050405020304" pitchFamily="18" charset="0"/>
+              </a:rPr>
+              <a:t> </a:t>
+            </a:r>
+            <a:r>
+              <a:rPr lang="en-US" sz="3500" dirty="0" err="1" smtClean="0">
+                <a:latin typeface="Times New Roman" panose="02020603050405020304" pitchFamily="18" charset="0"/>
+                <a:cs typeface="Times New Roman" panose="02020603050405020304" pitchFamily="18" charset="0"/>
+              </a:rPr>
+              <a:t>pengambilan</a:t>
+            </a:r>
+            <a:r>
+              <a:rPr lang="en-US" sz="3500" dirty="0" smtClean="0">
+                <a:latin typeface="Times New Roman" panose="02020603050405020304" pitchFamily="18" charset="0"/>
+                <a:cs typeface="Times New Roman" panose="02020603050405020304" pitchFamily="18" charset="0"/>
+              </a:rPr>
+              <a:t> </a:t>
+            </a:r>
+            <a:r>
+              <a:rPr lang="en-US" sz="3500" dirty="0" err="1" smtClean="0">
+                <a:latin typeface="Times New Roman" panose="02020603050405020304" pitchFamily="18" charset="0"/>
+                <a:cs typeface="Times New Roman" panose="02020603050405020304" pitchFamily="18" charset="0"/>
+              </a:rPr>
+              <a:t>keputusan</a:t>
+            </a:r>
+            <a:r>
+              <a:rPr lang="en-US" sz="3500" dirty="0" smtClean="0">
+                <a:latin typeface="Times New Roman" panose="02020603050405020304" pitchFamily="18" charset="0"/>
+                <a:cs typeface="Times New Roman" panose="02020603050405020304" pitchFamily="18" charset="0"/>
+              </a:rPr>
+              <a:t> multi </a:t>
+            </a:r>
+            <a:r>
+              <a:rPr lang="en-US" sz="3500" dirty="0" err="1" smtClean="0">
+                <a:latin typeface="Times New Roman" panose="02020603050405020304" pitchFamily="18" charset="0"/>
+                <a:cs typeface="Times New Roman" panose="02020603050405020304" pitchFamily="18" charset="0"/>
+              </a:rPr>
+              <a:t>kriteria</a:t>
+            </a:r>
+            <a:r>
+              <a:rPr lang="en-US" sz="3500" dirty="0" smtClean="0">
+                <a:latin typeface="Times New Roman" panose="02020603050405020304" pitchFamily="18" charset="0"/>
+                <a:cs typeface="Times New Roman" panose="02020603050405020304" pitchFamily="18" charset="0"/>
+              </a:rPr>
+              <a:t> </a:t>
+            </a:r>
+            <a:r>
+              <a:rPr lang="en-US" sz="3500" dirty="0" smtClean="0">
+                <a:latin typeface="Times New Roman" panose="02020603050405020304" pitchFamily="18" charset="0"/>
+                <a:cs typeface="Times New Roman" panose="02020603050405020304" pitchFamily="18" charset="0"/>
+              </a:rPr>
+              <a:t>(MCDM) </a:t>
+            </a:r>
+            <a:r>
+              <a:rPr lang="en-US" sz="3500" dirty="0" err="1" smtClean="0">
+                <a:latin typeface="Times New Roman" panose="02020603050405020304" pitchFamily="18" charset="0"/>
+                <a:cs typeface="Times New Roman" panose="02020603050405020304" pitchFamily="18" charset="0"/>
+              </a:rPr>
+              <a:t>dengan</a:t>
+            </a:r>
+            <a:r>
+              <a:rPr lang="en-US" sz="3500" dirty="0" smtClean="0">
+                <a:latin typeface="Times New Roman" panose="02020603050405020304" pitchFamily="18" charset="0"/>
+                <a:cs typeface="Times New Roman" panose="02020603050405020304" pitchFamily="18" charset="0"/>
+              </a:rPr>
+              <a:t> </a:t>
+            </a:r>
+            <a:r>
+              <a:rPr lang="en-US" sz="3500" dirty="0" err="1" smtClean="0">
+                <a:latin typeface="Times New Roman" panose="02020603050405020304" pitchFamily="18" charset="0"/>
+                <a:cs typeface="Times New Roman" panose="02020603050405020304" pitchFamily="18" charset="0"/>
+              </a:rPr>
+              <a:t>menentukan</a:t>
+            </a:r>
+            <a:r>
+              <a:rPr lang="en-US" sz="3500" dirty="0" smtClean="0">
+                <a:latin typeface="Times New Roman" panose="02020603050405020304" pitchFamily="18" charset="0"/>
+                <a:cs typeface="Times New Roman" panose="02020603050405020304" pitchFamily="18" charset="0"/>
+              </a:rPr>
+              <a:t> factor </a:t>
+            </a:r>
+            <a:r>
+              <a:rPr lang="en-US" sz="3500" dirty="0" err="1" smtClean="0">
+                <a:latin typeface="Times New Roman" panose="02020603050405020304" pitchFamily="18" charset="0"/>
+                <a:cs typeface="Times New Roman" panose="02020603050405020304" pitchFamily="18" charset="0"/>
+              </a:rPr>
+              <a:t>kriteria</a:t>
+            </a:r>
+            <a:r>
+              <a:rPr lang="en-US" sz="3500" dirty="0" smtClean="0">
+                <a:latin typeface="Times New Roman" panose="02020603050405020304" pitchFamily="18" charset="0"/>
+                <a:cs typeface="Times New Roman" panose="02020603050405020304" pitchFamily="18" charset="0"/>
+              </a:rPr>
+              <a:t> </a:t>
+            </a:r>
+            <a:r>
+              <a:rPr lang="en-US" sz="3500" dirty="0" err="1" smtClean="0">
+                <a:latin typeface="Times New Roman" panose="02020603050405020304" pitchFamily="18" charset="0"/>
+                <a:cs typeface="Times New Roman" panose="02020603050405020304" pitchFamily="18" charset="0"/>
+              </a:rPr>
+              <a:t>sebagai</a:t>
+            </a:r>
+            <a:r>
+              <a:rPr lang="en-US" sz="3500" dirty="0" smtClean="0">
+                <a:latin typeface="Times New Roman" panose="02020603050405020304" pitchFamily="18" charset="0"/>
+                <a:cs typeface="Times New Roman" panose="02020603050405020304" pitchFamily="18" charset="0"/>
+              </a:rPr>
+              <a:t> </a:t>
+            </a:r>
+            <a:r>
+              <a:rPr lang="en-US" sz="3500" dirty="0" err="1" smtClean="0">
+                <a:latin typeface="Times New Roman" panose="02020603050405020304" pitchFamily="18" charset="0"/>
+                <a:cs typeface="Times New Roman" panose="02020603050405020304" pitchFamily="18" charset="0"/>
+              </a:rPr>
+              <a:t>manfaat</a:t>
+            </a:r>
+            <a:r>
+              <a:rPr lang="en-US" sz="3500" dirty="0" smtClean="0">
+                <a:latin typeface="Times New Roman" panose="02020603050405020304" pitchFamily="18" charset="0"/>
+                <a:cs typeface="Times New Roman" panose="02020603050405020304" pitchFamily="18" charset="0"/>
+              </a:rPr>
+              <a:t> </a:t>
+            </a:r>
+            <a:r>
+              <a:rPr lang="en-US" sz="3500" dirty="0" err="1" smtClean="0">
+                <a:latin typeface="Times New Roman" panose="02020603050405020304" pitchFamily="18" charset="0"/>
+                <a:cs typeface="Times New Roman" panose="02020603050405020304" pitchFamily="18" charset="0"/>
+              </a:rPr>
+              <a:t>dengan</a:t>
+            </a:r>
+            <a:r>
+              <a:rPr lang="en-US" sz="3500" dirty="0" smtClean="0">
+                <a:latin typeface="Times New Roman" panose="02020603050405020304" pitchFamily="18" charset="0"/>
+                <a:cs typeface="Times New Roman" panose="02020603050405020304" pitchFamily="18" charset="0"/>
+              </a:rPr>
+              <a:t> </a:t>
+            </a:r>
+            <a:r>
+              <a:rPr lang="en-US" sz="3500" dirty="0" err="1" smtClean="0">
+                <a:latin typeface="Times New Roman" panose="02020603050405020304" pitchFamily="18" charset="0"/>
+                <a:cs typeface="Times New Roman" panose="02020603050405020304" pitchFamily="18" charset="0"/>
+              </a:rPr>
+              <a:t>mencari</a:t>
+            </a:r>
+            <a:r>
+              <a:rPr lang="en-US" sz="3500" dirty="0" smtClean="0">
+                <a:latin typeface="Times New Roman" panose="02020603050405020304" pitchFamily="18" charset="0"/>
+                <a:cs typeface="Times New Roman" panose="02020603050405020304" pitchFamily="18" charset="0"/>
+              </a:rPr>
+              <a:t> </a:t>
+            </a:r>
+            <a:r>
+              <a:rPr lang="en-US" sz="3500" dirty="0" err="1" smtClean="0">
+                <a:latin typeface="Times New Roman" panose="02020603050405020304" pitchFamily="18" charset="0"/>
+                <a:cs typeface="Times New Roman" panose="02020603050405020304" pitchFamily="18" charset="0"/>
+              </a:rPr>
+              <a:t>hasil</a:t>
+            </a:r>
+            <a:r>
+              <a:rPr lang="en-US" sz="3500" dirty="0" smtClean="0">
+                <a:latin typeface="Times New Roman" panose="02020603050405020304" pitchFamily="18" charset="0"/>
+                <a:cs typeface="Times New Roman" panose="02020603050405020304" pitchFamily="18" charset="0"/>
+              </a:rPr>
+              <a:t> </a:t>
+            </a:r>
+            <a:r>
+              <a:rPr lang="en-US" sz="3500" dirty="0" err="1" smtClean="0">
+                <a:latin typeface="Times New Roman" panose="02020603050405020304" pitchFamily="18" charset="0"/>
+                <a:cs typeface="Times New Roman" panose="02020603050405020304" pitchFamily="18" charset="0"/>
+              </a:rPr>
+              <a:t>perkalian</a:t>
+            </a:r>
+            <a:r>
+              <a:rPr lang="en-US" sz="3500" dirty="0" smtClean="0">
+                <a:latin typeface="Times New Roman" panose="02020603050405020304" pitchFamily="18" charset="0"/>
+                <a:cs typeface="Times New Roman" panose="02020603050405020304" pitchFamily="18" charset="0"/>
+              </a:rPr>
+              <a:t> </a:t>
+            </a:r>
+            <a:r>
+              <a:rPr lang="en-US" sz="3500" dirty="0" err="1" smtClean="0">
+                <a:latin typeface="Times New Roman" panose="02020603050405020304" pitchFamily="18" charset="0"/>
+                <a:cs typeface="Times New Roman" panose="02020603050405020304" pitchFamily="18" charset="0"/>
+              </a:rPr>
+              <a:t>nilia</a:t>
+            </a:r>
+            <a:r>
+              <a:rPr lang="en-US" sz="3500" dirty="0" smtClean="0">
+                <a:latin typeface="Times New Roman" panose="02020603050405020304" pitchFamily="18" charset="0"/>
+                <a:cs typeface="Times New Roman" panose="02020603050405020304" pitchFamily="18" charset="0"/>
+              </a:rPr>
+              <a:t> </a:t>
+            </a:r>
+            <a:r>
+              <a:rPr lang="en-US" sz="3500" dirty="0" err="1" smtClean="0">
+                <a:latin typeface="Times New Roman" panose="02020603050405020304" pitchFamily="18" charset="0"/>
+                <a:cs typeface="Times New Roman" panose="02020603050405020304" pitchFamily="18" charset="0"/>
+              </a:rPr>
+              <a:t>kriteria</a:t>
+            </a:r>
+            <a:r>
+              <a:rPr lang="en-US" sz="3500" dirty="0" smtClean="0">
+                <a:latin typeface="Times New Roman" panose="02020603050405020304" pitchFamily="18" charset="0"/>
+                <a:cs typeface="Times New Roman" panose="02020603050405020304" pitchFamily="18" charset="0"/>
+              </a:rPr>
+              <a:t> </a:t>
+            </a:r>
+            <a:r>
+              <a:rPr lang="en-US" sz="3500" dirty="0" err="1" smtClean="0">
+                <a:latin typeface="Times New Roman" panose="02020603050405020304" pitchFamily="18" charset="0"/>
+                <a:cs typeface="Times New Roman" panose="02020603050405020304" pitchFamily="18" charset="0"/>
+              </a:rPr>
+              <a:t>alternatif</a:t>
+            </a:r>
+            <a:r>
+              <a:rPr lang="en-US" sz="3500" dirty="0" smtClean="0">
+                <a:latin typeface="Times New Roman" panose="02020603050405020304" pitchFamily="18" charset="0"/>
+                <a:cs typeface="Times New Roman" panose="02020603050405020304" pitchFamily="18" charset="0"/>
+              </a:rPr>
+              <a:t> </a:t>
+            </a:r>
+            <a:r>
+              <a:rPr lang="en-US" sz="3500" dirty="0" err="1" smtClean="0">
+                <a:latin typeface="Times New Roman" panose="02020603050405020304" pitchFamily="18" charset="0"/>
+                <a:cs typeface="Times New Roman" panose="02020603050405020304" pitchFamily="18" charset="0"/>
+              </a:rPr>
+              <a:t>terhadap</a:t>
+            </a:r>
+            <a:r>
+              <a:rPr lang="en-US" sz="3500" dirty="0" smtClean="0">
+                <a:latin typeface="Times New Roman" panose="02020603050405020304" pitchFamily="18" charset="0"/>
+                <a:cs typeface="Times New Roman" panose="02020603050405020304" pitchFamily="18" charset="0"/>
+              </a:rPr>
+              <a:t> </a:t>
+            </a:r>
+            <a:r>
+              <a:rPr lang="en-US" sz="3500" dirty="0" err="1" smtClean="0">
+                <a:latin typeface="Times New Roman" panose="02020603050405020304" pitchFamily="18" charset="0"/>
+                <a:cs typeface="Times New Roman" panose="02020603050405020304" pitchFamily="18" charset="0"/>
+              </a:rPr>
+              <a:t>bobot</a:t>
+            </a:r>
+            <a:r>
+              <a:rPr lang="en-US" sz="3500" dirty="0" smtClean="0">
+                <a:latin typeface="Times New Roman" panose="02020603050405020304" pitchFamily="18" charset="0"/>
+                <a:cs typeface="Times New Roman" panose="02020603050405020304" pitchFamily="18" charset="0"/>
+              </a:rPr>
+              <a:t> </a:t>
+            </a:r>
+            <a:r>
+              <a:rPr lang="en-US" sz="3500" dirty="0" err="1" smtClean="0">
+                <a:latin typeface="Times New Roman" panose="02020603050405020304" pitchFamily="18" charset="0"/>
+                <a:cs typeface="Times New Roman" panose="02020603050405020304" pitchFamily="18" charset="0"/>
+              </a:rPr>
+              <a:t>kriteria</a:t>
+            </a:r>
+            <a:endParaRPr lang="en-US" sz="3500" dirty="0" smtClean="0">
+              <a:latin typeface="Times New Roman" panose="02020603050405020304" pitchFamily="18" charset="0"/>
+              <a:cs typeface="Times New Roman" panose="02020603050405020304" pitchFamily="18" charset="0"/>
+            </a:endParaRPr>
+          </a:p>
+          <a:p>
+            <a:endParaRPr lang="en-US" sz="3500" dirty="0" smtClean="0">
+              <a:latin typeface="Times New Roman" panose="02020603050405020304" pitchFamily="18" charset="0"/>
+              <a:cs typeface="Times New Roman" panose="02020603050405020304" pitchFamily="18" charset="0"/>
+            </a:endParaRPr>
+          </a:p>
+          <a:p>
+            <a:endParaRPr lang="en-US" sz="3500" dirty="0">
+              <a:latin typeface="Times New Roman" panose="02020603050405020304" pitchFamily="18" charset="0"/>
+              <a:cs typeface="Times New Roman" panose="02020603050405020304" pitchFamily="18" charset="0"/>
+            </a:endParaRPr>
+          </a:p>
+        </p:txBody>
+      </p:sp>
+      <p:sp>
+        <p:nvSpPr>
+          <p:cNvPr id="4" name="Title 1"/>
+          <p:cNvSpPr txBox="1">
+            <a:spLocks/>
+          </p:cNvSpPr>
+          <p:nvPr/>
+        </p:nvSpPr>
+        <p:spPr>
+          <a:xfrm>
+            <a:off x="727727" y="3852587"/>
+            <a:ext cx="9905998" cy="737329"/>
+          </a:xfrm>
+          <a:prstGeom prst="rect">
+            <a:avLst/>
+          </a:prstGeom>
+        </p:spPr>
+        <p:txBody>
+          <a:bodyPr vert="horz" lIns="91440" tIns="45720" rIns="91440" bIns="45720" rtlCol="0" anchor="ctr">
+            <a:normAutofit fontScale="92500"/>
+          </a:bodyPr>
+          <a:lstStyle>
+            <a:lvl1pPr algn="l" defTabSz="914400" rtl="0" eaLnBrk="1" latinLnBrk="0" hangingPunct="1">
+              <a:lnSpc>
+                <a:spcPct val="90000"/>
+              </a:lnSpc>
+              <a:spcBef>
+                <a:spcPct val="0"/>
+              </a:spcBef>
+              <a:buNone/>
+              <a:defRPr sz="3600" kern="1200" cap="all" baseline="0">
+                <a:solidFill>
+                  <a:schemeClr val="tx1"/>
+                </a:solidFill>
+                <a:latin typeface="+mj-lt"/>
+                <a:ea typeface="+mj-ea"/>
+                <a:cs typeface="+mj-cs"/>
+              </a:defRPr>
+            </a:lvl1pPr>
+          </a:lstStyle>
+          <a:p>
+            <a:r>
+              <a:rPr lang="en-US" sz="4000" b="1" u="sng" dirty="0" smtClean="0">
+                <a:latin typeface="Times New Roman" panose="02020603050405020304" pitchFamily="18" charset="0"/>
+                <a:cs typeface="Times New Roman" panose="02020603050405020304" pitchFamily="18" charset="0"/>
+              </a:rPr>
+              <a:t>Why </a:t>
+            </a:r>
+            <a:r>
+              <a:rPr lang="en-US" sz="4000" b="1" u="sng" dirty="0" err="1" smtClean="0">
+                <a:latin typeface="Times New Roman" panose="02020603050405020304" pitchFamily="18" charset="0"/>
+                <a:cs typeface="Times New Roman" panose="02020603050405020304" pitchFamily="18" charset="0"/>
+              </a:rPr>
+              <a:t>Matahari</a:t>
+            </a:r>
+            <a:r>
+              <a:rPr lang="en-US" sz="4000" b="1" u="sng" dirty="0" smtClean="0">
+                <a:latin typeface="Times New Roman" panose="02020603050405020304" pitchFamily="18" charset="0"/>
+                <a:cs typeface="Times New Roman" panose="02020603050405020304" pitchFamily="18" charset="0"/>
+              </a:rPr>
+              <a:t> </a:t>
+            </a:r>
+            <a:r>
+              <a:rPr lang="en-US" sz="4000" b="1" u="sng" dirty="0" err="1" smtClean="0">
+                <a:latin typeface="Times New Roman" panose="02020603050405020304" pitchFamily="18" charset="0"/>
+                <a:cs typeface="Times New Roman" panose="02020603050405020304" pitchFamily="18" charset="0"/>
+              </a:rPr>
+              <a:t>nusantara</a:t>
+            </a:r>
+            <a:r>
+              <a:rPr lang="en-US" sz="4000" b="1" u="sng" dirty="0" smtClean="0">
+                <a:latin typeface="Times New Roman" panose="02020603050405020304" pitchFamily="18" charset="0"/>
+                <a:cs typeface="Times New Roman" panose="02020603050405020304" pitchFamily="18" charset="0"/>
+              </a:rPr>
+              <a:t> </a:t>
+            </a:r>
+            <a:r>
+              <a:rPr lang="en-US" sz="4000" b="1" u="sng" dirty="0" err="1" smtClean="0">
+                <a:latin typeface="Times New Roman" panose="02020603050405020304" pitchFamily="18" charset="0"/>
+                <a:cs typeface="Times New Roman" panose="02020603050405020304" pitchFamily="18" charset="0"/>
+              </a:rPr>
+              <a:t>logistik</a:t>
+            </a:r>
+            <a:endParaRPr lang="en-US" sz="4000" b="1" u="sng" dirty="0">
+              <a:latin typeface="Times New Roman" panose="02020603050405020304" pitchFamily="18" charset="0"/>
+              <a:cs typeface="Times New Roman" panose="02020603050405020304" pitchFamily="18" charset="0"/>
+            </a:endParaRPr>
+          </a:p>
+        </p:txBody>
+      </p:sp>
+      <p:sp>
+        <p:nvSpPr>
+          <p:cNvPr id="5" name="Content Placeholder 2"/>
+          <p:cNvSpPr txBox="1">
+            <a:spLocks/>
+          </p:cNvSpPr>
+          <p:nvPr/>
+        </p:nvSpPr>
+        <p:spPr>
+          <a:xfrm>
+            <a:off x="426697" y="4514850"/>
+            <a:ext cx="11707495" cy="2309821"/>
+          </a:xfrm>
+          <a:prstGeom prst="rect">
+            <a:avLst/>
+          </a:prstGeom>
+        </p:spPr>
+        <p:txBody>
+          <a:bodyPr vert="horz" lIns="91440" tIns="45720" rIns="91440" bIns="45720" rtlCol="0">
+            <a:normAutofit fontScale="92500" lnSpcReduction="20000"/>
+          </a:bodyPr>
+          <a:lstStyle>
+            <a:lvl1pPr marL="228600" indent="-228600" algn="l" defTabSz="914400" rtl="0" eaLnBrk="1" latinLnBrk="0" hangingPunct="1">
+              <a:lnSpc>
+                <a:spcPct val="120000"/>
+              </a:lnSpc>
+              <a:spcBef>
+                <a:spcPts val="1000"/>
+              </a:spcBef>
+              <a:buSzPct val="125000"/>
+              <a:buFont typeface="Arial" panose="020B0604020202020204" pitchFamily="34" charset="0"/>
+              <a:buChar char="•"/>
+              <a:defRPr sz="2400" kern="1200">
+                <a:solidFill>
+                  <a:schemeClr val="tx1"/>
+                </a:solidFill>
+                <a:latin typeface="+mn-lt"/>
+                <a:ea typeface="+mn-ea"/>
+                <a:cs typeface="+mn-cs"/>
+              </a:defRPr>
+            </a:lvl1pPr>
+            <a:lvl2pPr marL="685800" indent="-228600" algn="l" defTabSz="914400" rtl="0" eaLnBrk="1" latinLnBrk="0" hangingPunct="1">
+              <a:lnSpc>
+                <a:spcPct val="120000"/>
+              </a:lnSpc>
+              <a:spcBef>
+                <a:spcPts val="500"/>
+              </a:spcBef>
+              <a:buSzPct val="125000"/>
+              <a:buFont typeface="Arial" panose="020B0604020202020204" pitchFamily="34" charset="0"/>
+              <a:buChar char="•"/>
+              <a:defRPr sz="2000" kern="1200">
+                <a:solidFill>
+                  <a:schemeClr val="tx1"/>
+                </a:solidFill>
+                <a:latin typeface="+mn-lt"/>
+                <a:ea typeface="+mn-ea"/>
+                <a:cs typeface="+mn-cs"/>
+              </a:defRPr>
+            </a:lvl2pPr>
+            <a:lvl3pPr marL="1143000" indent="-228600" algn="l" defTabSz="914400" rtl="0" eaLnBrk="1" latinLnBrk="0" hangingPunct="1">
+              <a:lnSpc>
+                <a:spcPct val="120000"/>
+              </a:lnSpc>
+              <a:spcBef>
+                <a:spcPts val="500"/>
+              </a:spcBef>
+              <a:buSzPct val="125000"/>
+              <a:buFont typeface="Arial" panose="020B0604020202020204" pitchFamily="34" charset="0"/>
+              <a:buChar char="•"/>
+              <a:defRPr sz="1800" kern="1200">
+                <a:solidFill>
+                  <a:schemeClr val="tx1"/>
+                </a:solidFill>
+                <a:latin typeface="+mn-lt"/>
+                <a:ea typeface="+mn-ea"/>
+                <a:cs typeface="+mn-cs"/>
+              </a:defRPr>
+            </a:lvl3pPr>
+            <a:lvl4pPr marL="1600200" indent="-228600" algn="l" defTabSz="914400" rtl="0" eaLnBrk="1" latinLnBrk="0" hangingPunct="1">
+              <a:lnSpc>
+                <a:spcPct val="120000"/>
+              </a:lnSpc>
+              <a:spcBef>
+                <a:spcPts val="500"/>
+              </a:spcBef>
+              <a:buSzPct val="125000"/>
+              <a:buFont typeface="Arial" panose="020B0604020202020204" pitchFamily="34" charset="0"/>
+              <a:buChar char="•"/>
+              <a:defRPr sz="1600" kern="1200">
+                <a:solidFill>
+                  <a:schemeClr val="tx1"/>
+                </a:solidFill>
+                <a:latin typeface="+mn-lt"/>
+                <a:ea typeface="+mn-ea"/>
+                <a:cs typeface="+mn-cs"/>
+              </a:defRPr>
+            </a:lvl4pPr>
+            <a:lvl5pPr marL="2057400" indent="-228600" algn="l" defTabSz="914400" rtl="0" eaLnBrk="1" latinLnBrk="0" hangingPunct="1">
+              <a:lnSpc>
+                <a:spcPct val="120000"/>
+              </a:lnSpc>
+              <a:spcBef>
+                <a:spcPts val="500"/>
+              </a:spcBef>
+              <a:buSzPct val="125000"/>
+              <a:buFont typeface="Arial" panose="020B0604020202020204" pitchFamily="34" charset="0"/>
+              <a:buChar char="•"/>
+              <a:defRPr sz="1600" kern="1200">
+                <a:solidFill>
+                  <a:schemeClr val="tx1"/>
+                </a:solidFill>
+                <a:latin typeface="+mn-lt"/>
+                <a:ea typeface="+mn-ea"/>
+                <a:cs typeface="+mn-cs"/>
+              </a:defRPr>
+            </a:lvl5pPr>
+            <a:lvl6pPr marL="2514600" indent="-228600" algn="l" defTabSz="914400" rtl="0" eaLnBrk="1" latinLnBrk="0" hangingPunct="1">
+              <a:lnSpc>
+                <a:spcPct val="120000"/>
+              </a:lnSpc>
+              <a:spcBef>
+                <a:spcPts val="500"/>
+              </a:spcBef>
+              <a:buSzPct val="125000"/>
+              <a:buFont typeface="Arial" panose="020B0604020202020204" pitchFamily="34" charset="0"/>
+              <a:buChar char="•"/>
+              <a:defRPr sz="1400" kern="1200">
+                <a:solidFill>
+                  <a:schemeClr val="tx1"/>
+                </a:solidFill>
+                <a:latin typeface="+mn-lt"/>
+                <a:ea typeface="+mn-ea"/>
+                <a:cs typeface="+mn-cs"/>
+              </a:defRPr>
+            </a:lvl6pPr>
+            <a:lvl7pPr marL="2971800" indent="-228600" algn="l" defTabSz="914400" rtl="0" eaLnBrk="1" latinLnBrk="0" hangingPunct="1">
+              <a:lnSpc>
+                <a:spcPct val="120000"/>
+              </a:lnSpc>
+              <a:spcBef>
+                <a:spcPts val="500"/>
+              </a:spcBef>
+              <a:buSzPct val="125000"/>
+              <a:buFont typeface="Arial" panose="020B0604020202020204" pitchFamily="34" charset="0"/>
+              <a:buChar char="•"/>
+              <a:defRPr sz="1400" kern="1200">
+                <a:solidFill>
+                  <a:schemeClr val="tx1"/>
+                </a:solidFill>
+                <a:latin typeface="+mn-lt"/>
+                <a:ea typeface="+mn-ea"/>
+                <a:cs typeface="+mn-cs"/>
+              </a:defRPr>
+            </a:lvl7pPr>
+            <a:lvl8pPr marL="3429000" indent="-228600" algn="l" defTabSz="914400" rtl="0" eaLnBrk="1" latinLnBrk="0" hangingPunct="1">
+              <a:lnSpc>
+                <a:spcPct val="120000"/>
+              </a:lnSpc>
+              <a:spcBef>
+                <a:spcPts val="500"/>
+              </a:spcBef>
+              <a:buSzPct val="125000"/>
+              <a:buFont typeface="Arial" panose="020B0604020202020204" pitchFamily="34" charset="0"/>
+              <a:buChar char="•"/>
+              <a:defRPr sz="1400" kern="1200">
+                <a:solidFill>
+                  <a:schemeClr val="tx1"/>
+                </a:solidFill>
+                <a:latin typeface="+mn-lt"/>
+                <a:ea typeface="+mn-ea"/>
+                <a:cs typeface="+mn-cs"/>
+              </a:defRPr>
+            </a:lvl8pPr>
+            <a:lvl9pPr marL="3886200" indent="-228600" algn="l" defTabSz="914400" rtl="0" eaLnBrk="1" latinLnBrk="0" hangingPunct="1">
+              <a:lnSpc>
+                <a:spcPct val="120000"/>
+              </a:lnSpc>
+              <a:spcBef>
+                <a:spcPts val="500"/>
+              </a:spcBef>
+              <a:buSzPct val="125000"/>
+              <a:buFont typeface="Arial" panose="020B0604020202020204" pitchFamily="34" charset="0"/>
+              <a:buChar char="•"/>
+              <a:defRPr sz="1400" kern="1200">
+                <a:solidFill>
+                  <a:schemeClr val="tx1"/>
+                </a:solidFill>
+                <a:latin typeface="+mn-lt"/>
+                <a:ea typeface="+mn-ea"/>
+                <a:cs typeface="+mn-cs"/>
+              </a:defRPr>
+            </a:lvl9pPr>
+          </a:lstStyle>
+          <a:p>
+            <a:r>
+              <a:rPr lang="en-US" sz="3500" dirty="0" err="1" smtClean="0">
+                <a:latin typeface="Times New Roman" panose="02020603050405020304" pitchFamily="18" charset="0"/>
+                <a:cs typeface="Times New Roman" panose="02020603050405020304" pitchFamily="18" charset="0"/>
+              </a:rPr>
+              <a:t>Implementasi</a:t>
+            </a:r>
+            <a:r>
+              <a:rPr lang="en-US" sz="3500" dirty="0" smtClean="0">
+                <a:latin typeface="Times New Roman" panose="02020603050405020304" pitchFamily="18" charset="0"/>
+                <a:cs typeface="Times New Roman" panose="02020603050405020304" pitchFamily="18" charset="0"/>
+              </a:rPr>
+              <a:t> </a:t>
+            </a:r>
+            <a:r>
+              <a:rPr lang="en-US" sz="3500" dirty="0" err="1" smtClean="0">
+                <a:latin typeface="Times New Roman" panose="02020603050405020304" pitchFamily="18" charset="0"/>
+                <a:cs typeface="Times New Roman" panose="02020603050405020304" pitchFamily="18" charset="0"/>
+              </a:rPr>
+              <a:t>penghitungan</a:t>
+            </a:r>
+            <a:r>
+              <a:rPr lang="en-US" sz="3500" dirty="0" smtClean="0">
+                <a:latin typeface="Times New Roman" panose="02020603050405020304" pitchFamily="18" charset="0"/>
+                <a:cs typeface="Times New Roman" panose="02020603050405020304" pitchFamily="18" charset="0"/>
+              </a:rPr>
+              <a:t> WP di </a:t>
+            </a:r>
+            <a:r>
+              <a:rPr lang="en-US" sz="3500" dirty="0" err="1" smtClean="0">
+                <a:latin typeface="Times New Roman" panose="02020603050405020304" pitchFamily="18" charset="0"/>
+                <a:cs typeface="Times New Roman" panose="02020603050405020304" pitchFamily="18" charset="0"/>
+              </a:rPr>
+              <a:t>objek</a:t>
+            </a:r>
+            <a:r>
+              <a:rPr lang="en-US" sz="3500" dirty="0" smtClean="0">
+                <a:latin typeface="Times New Roman" panose="02020603050405020304" pitchFamily="18" charset="0"/>
+                <a:cs typeface="Times New Roman" panose="02020603050405020304" pitchFamily="18" charset="0"/>
+              </a:rPr>
+              <a:t> </a:t>
+            </a:r>
+            <a:r>
+              <a:rPr lang="en-US" sz="3500" dirty="0" err="1" smtClean="0">
+                <a:latin typeface="Times New Roman" panose="02020603050405020304" pitchFamily="18" charset="0"/>
+                <a:cs typeface="Times New Roman" panose="02020603050405020304" pitchFamily="18" charset="0"/>
+              </a:rPr>
+              <a:t>dengan</a:t>
+            </a:r>
+            <a:r>
+              <a:rPr lang="en-US" sz="3500" dirty="0" smtClean="0">
+                <a:latin typeface="Times New Roman" panose="02020603050405020304" pitchFamily="18" charset="0"/>
+                <a:cs typeface="Times New Roman" panose="02020603050405020304" pitchFamily="18" charset="0"/>
+              </a:rPr>
+              <a:t> case supplier </a:t>
+            </a:r>
+            <a:r>
+              <a:rPr lang="en-US" sz="3500" dirty="0" err="1" smtClean="0">
+                <a:latin typeface="Times New Roman" panose="02020603050405020304" pitchFamily="18" charset="0"/>
+                <a:cs typeface="Times New Roman" panose="02020603050405020304" pitchFamily="18" charset="0"/>
+              </a:rPr>
+              <a:t>terbaik</a:t>
+            </a:r>
+            <a:endParaRPr lang="en-US" sz="3500" dirty="0" smtClean="0">
+              <a:latin typeface="Times New Roman" panose="02020603050405020304" pitchFamily="18" charset="0"/>
+              <a:cs typeface="Times New Roman" panose="02020603050405020304" pitchFamily="18" charset="0"/>
+            </a:endParaRPr>
+          </a:p>
+          <a:p>
+            <a:r>
+              <a:rPr lang="en-US" sz="3500" dirty="0" err="1" smtClean="0">
+                <a:latin typeface="Times New Roman" panose="02020603050405020304" pitchFamily="18" charset="0"/>
+                <a:cs typeface="Times New Roman" panose="02020603050405020304" pitchFamily="18" charset="0"/>
+              </a:rPr>
+              <a:t>Langkah</a:t>
+            </a:r>
+            <a:r>
+              <a:rPr lang="en-US" sz="3500" dirty="0" smtClean="0">
+                <a:latin typeface="Times New Roman" panose="02020603050405020304" pitchFamily="18" charset="0"/>
+                <a:cs typeface="Times New Roman" panose="02020603050405020304" pitchFamily="18" charset="0"/>
+              </a:rPr>
+              <a:t> </a:t>
+            </a:r>
+            <a:r>
+              <a:rPr lang="en-US" sz="3500" dirty="0" err="1" smtClean="0">
+                <a:latin typeface="Times New Roman" panose="02020603050405020304" pitchFamily="18" charset="0"/>
+                <a:cs typeface="Times New Roman" panose="02020603050405020304" pitchFamily="18" charset="0"/>
+              </a:rPr>
+              <a:t>inisiasi</a:t>
+            </a:r>
+            <a:r>
+              <a:rPr lang="en-US" sz="3500" dirty="0" smtClean="0">
+                <a:latin typeface="Times New Roman" panose="02020603050405020304" pitchFamily="18" charset="0"/>
+                <a:cs typeface="Times New Roman" panose="02020603050405020304" pitchFamily="18" charset="0"/>
+              </a:rPr>
+              <a:t> </a:t>
+            </a:r>
+            <a:r>
+              <a:rPr lang="en-US" sz="3500" dirty="0" err="1" smtClean="0">
+                <a:latin typeface="Times New Roman" panose="02020603050405020304" pitchFamily="18" charset="0"/>
+                <a:cs typeface="Times New Roman" panose="02020603050405020304" pitchFamily="18" charset="0"/>
+              </a:rPr>
+              <a:t>pemilihan</a:t>
+            </a:r>
+            <a:r>
+              <a:rPr lang="en-US" sz="3500" dirty="0" smtClean="0">
+                <a:latin typeface="Times New Roman" panose="02020603050405020304" pitchFamily="18" charset="0"/>
+                <a:cs typeface="Times New Roman" panose="02020603050405020304" pitchFamily="18" charset="0"/>
+              </a:rPr>
+              <a:t> supplier </a:t>
+            </a:r>
+            <a:r>
+              <a:rPr lang="en-US" sz="3500" dirty="0" err="1" smtClean="0">
+                <a:latin typeface="Times New Roman" panose="02020603050405020304" pitchFamily="18" charset="0"/>
+                <a:cs typeface="Times New Roman" panose="02020603050405020304" pitchFamily="18" charset="0"/>
+              </a:rPr>
+              <a:t>terbaik</a:t>
+            </a:r>
+            <a:r>
+              <a:rPr lang="en-US" sz="3500" dirty="0" smtClean="0">
+                <a:latin typeface="Times New Roman" panose="02020603050405020304" pitchFamily="18" charset="0"/>
+                <a:cs typeface="Times New Roman" panose="02020603050405020304" pitchFamily="18" charset="0"/>
+              </a:rPr>
+              <a:t> </a:t>
+            </a:r>
+            <a:r>
+              <a:rPr lang="en-US" sz="3500" dirty="0" err="1" smtClean="0">
+                <a:latin typeface="Times New Roman" panose="02020603050405020304" pitchFamily="18" charset="0"/>
+                <a:cs typeface="Times New Roman" panose="02020603050405020304" pitchFamily="18" charset="0"/>
+              </a:rPr>
+              <a:t>dari</a:t>
+            </a:r>
+            <a:r>
+              <a:rPr lang="en-US" sz="3500" dirty="0" smtClean="0">
+                <a:latin typeface="Times New Roman" panose="02020603050405020304" pitchFamily="18" charset="0"/>
+                <a:cs typeface="Times New Roman" panose="02020603050405020304" pitchFamily="18" charset="0"/>
+              </a:rPr>
+              <a:t> </a:t>
+            </a:r>
+            <a:r>
+              <a:rPr lang="en-US" sz="3500" dirty="0" err="1" smtClean="0">
+                <a:latin typeface="Times New Roman" panose="02020603050405020304" pitchFamily="18" charset="0"/>
+                <a:cs typeface="Times New Roman" panose="02020603050405020304" pitchFamily="18" charset="0"/>
+              </a:rPr>
+              <a:t>tiap</a:t>
+            </a:r>
+            <a:r>
+              <a:rPr lang="en-US" sz="3500" dirty="0" smtClean="0">
+                <a:latin typeface="Times New Roman" panose="02020603050405020304" pitchFamily="18" charset="0"/>
+                <a:cs typeface="Times New Roman" panose="02020603050405020304" pitchFamily="18" charset="0"/>
+              </a:rPr>
+              <a:t> </a:t>
+            </a:r>
+            <a:r>
+              <a:rPr lang="en-US" sz="3500" dirty="0" err="1" smtClean="0">
+                <a:latin typeface="Times New Roman" panose="02020603050405020304" pitchFamily="18" charset="0"/>
+                <a:cs typeface="Times New Roman" panose="02020603050405020304" pitchFamily="18" charset="0"/>
+              </a:rPr>
+              <a:t>periode</a:t>
+            </a:r>
+            <a:r>
+              <a:rPr lang="en-US" sz="3500" dirty="0" smtClean="0">
+                <a:latin typeface="Times New Roman" panose="02020603050405020304" pitchFamily="18" charset="0"/>
+                <a:cs typeface="Times New Roman" panose="02020603050405020304" pitchFamily="18" charset="0"/>
+              </a:rPr>
+              <a:t> </a:t>
+            </a:r>
+            <a:r>
+              <a:rPr lang="en-US" sz="3500" dirty="0" err="1" smtClean="0">
+                <a:latin typeface="Times New Roman" panose="02020603050405020304" pitchFamily="18" charset="0"/>
+                <a:cs typeface="Times New Roman" panose="02020603050405020304" pitchFamily="18" charset="0"/>
+              </a:rPr>
+              <a:t>mengharuskan</a:t>
+            </a:r>
+            <a:r>
+              <a:rPr lang="en-US" sz="3500" dirty="0" smtClean="0">
+                <a:latin typeface="Times New Roman" panose="02020603050405020304" pitchFamily="18" charset="0"/>
+                <a:cs typeface="Times New Roman" panose="02020603050405020304" pitchFamily="18" charset="0"/>
+              </a:rPr>
+              <a:t> </a:t>
+            </a:r>
+            <a:r>
+              <a:rPr lang="en-US" sz="3500" dirty="0" err="1" smtClean="0">
+                <a:latin typeface="Times New Roman" panose="02020603050405020304" pitchFamily="18" charset="0"/>
+                <a:cs typeface="Times New Roman" panose="02020603050405020304" pitchFamily="18" charset="0"/>
+              </a:rPr>
+              <a:t>hasil</a:t>
+            </a:r>
+            <a:r>
+              <a:rPr lang="en-US" sz="3500" dirty="0" smtClean="0">
+                <a:latin typeface="Times New Roman" panose="02020603050405020304" pitchFamily="18" charset="0"/>
+                <a:cs typeface="Times New Roman" panose="02020603050405020304" pitchFamily="18" charset="0"/>
+              </a:rPr>
+              <a:t> yang </a:t>
+            </a:r>
+            <a:r>
+              <a:rPr lang="en-US" sz="3500" dirty="0" err="1" smtClean="0">
+                <a:latin typeface="Times New Roman" panose="02020603050405020304" pitchFamily="18" charset="0"/>
+                <a:cs typeface="Times New Roman" panose="02020603050405020304" pitchFamily="18" charset="0"/>
+              </a:rPr>
+              <a:t>kompetitif</a:t>
+            </a:r>
+            <a:endParaRPr lang="en-US" sz="3500" dirty="0" smtClean="0">
+              <a:latin typeface="Times New Roman" panose="02020603050405020304" pitchFamily="18" charset="0"/>
+              <a:cs typeface="Times New Roman" panose="02020603050405020304" pitchFamily="18" charset="0"/>
+            </a:endParaRPr>
+          </a:p>
+          <a:p>
+            <a:endParaRPr lang="en-US" sz="3500" dirty="0" smtClean="0">
+              <a:latin typeface="Times New Roman" panose="02020603050405020304" pitchFamily="18" charset="0"/>
+              <a:cs typeface="Times New Roman" panose="02020603050405020304" pitchFamily="18" charset="0"/>
+            </a:endParaRPr>
+          </a:p>
+          <a:p>
+            <a:endParaRPr lang="en-US" sz="3500" dirty="0">
+              <a:latin typeface="Times New Roman" panose="02020603050405020304" pitchFamily="18" charset="0"/>
+              <a:cs typeface="Times New Roman" panose="02020603050405020304" pitchFamily="18" charset="0"/>
+            </a:endParaRPr>
+          </a:p>
+        </p:txBody>
+      </p:sp>
+    </p:spTree>
+    <p:extLst>
+      <p:ext uri="{BB962C8B-B14F-4D97-AF65-F5344CB8AC3E}">
+        <p14:creationId xmlns:p14="http://schemas.microsoft.com/office/powerpoint/2010/main" val="1057337921"/>
+      </p:ext>
+    </p:extLst>
+  </p:cSld>
+  <p:clrMapOvr>
+    <a:masterClrMapping/>
+  </p:clrMapOvr>
+  <p:timing>
+    <p:tnLst>
+      <p:par>
+        <p:cTn id="1" dur="indefinite" restart="never" nodeType="tmRoot"/>
+      </p:par>
+    </p:tnLst>
+  </p:timing>
 </p:sld>
 </file>
 
@@ -16752,7 +19941,7 @@
     <p:bg>
       <p:bgPr>
         <a:solidFill>
-          <a:schemeClr val="accent1"/>
+          <a:srgbClr val="00B0F0"/>
         </a:solidFill>
         <a:effectLst/>
       </p:bgPr>
@@ -16905,10 +20094,6 @@
               </a:rPr>
               <a:t>Top management</a:t>
             </a:r>
-            <a:endParaRPr lang="en-US" sz="3500" dirty="0" smtClean="0">
-              <a:latin typeface="Times New Roman" panose="02020603050405020304" pitchFamily="18" charset="0"/>
-              <a:cs typeface="Times New Roman" panose="02020603050405020304" pitchFamily="18" charset="0"/>
-            </a:endParaRPr>
           </a:p>
           <a:p>
             <a:r>
@@ -16932,10 +20117,6 @@
               </a:rPr>
               <a:t> vendor</a:t>
             </a:r>
-            <a:endParaRPr lang="en-US" sz="3500" dirty="0" smtClean="0">
-              <a:latin typeface="Times New Roman" panose="02020603050405020304" pitchFamily="18" charset="0"/>
-              <a:cs typeface="Times New Roman" panose="02020603050405020304" pitchFamily="18" charset="0"/>
-            </a:endParaRPr>
           </a:p>
         </p:txBody>
       </p:sp>
@@ -17217,14 +20398,7 @@
                 <a:latin typeface="Times New Roman" panose="02020603050405020304" pitchFamily="18" charset="0"/>
                 <a:cs typeface="Times New Roman" panose="02020603050405020304" pitchFamily="18" charset="0"/>
               </a:rPr>
-              <a:t> </a:t>
-            </a:r>
-            <a:r>
-              <a:rPr lang="en-US" sz="3500" dirty="0" smtClean="0">
-                <a:latin typeface="Times New Roman" panose="02020603050405020304" pitchFamily="18" charset="0"/>
-                <a:cs typeface="Times New Roman" panose="02020603050405020304" pitchFamily="18" charset="0"/>
-              </a:rPr>
-              <a:t>Pre-test &amp; Post-test</a:t>
+              <a:t> Pre-test &amp; Post-test</a:t>
             </a:r>
           </a:p>
           <a:p>
@@ -17268,7 +20442,7 @@
     <p:bg>
       <p:bgPr>
         <a:solidFill>
-          <a:schemeClr val="accent1"/>
+          <a:srgbClr val="00B0F0"/>
         </a:solidFill>
         <a:effectLst/>
       </p:bgPr>
@@ -17297,7 +20471,7 @@
         </p:nvSpPr>
         <p:spPr>
           <a:xfrm>
-            <a:off x="589615" y="1123004"/>
+            <a:off x="589615" y="3708561"/>
             <a:ext cx="9905998" cy="737329"/>
           </a:xfrm>
           <a:prstGeom prst="rect">
@@ -17333,7 +20507,7 @@
                 <a:latin typeface="Times New Roman" panose="02020603050405020304" pitchFamily="18" charset="0"/>
                 <a:cs typeface="Times New Roman" panose="02020603050405020304" pitchFamily="18" charset="0"/>
               </a:rPr>
-              <a:t>result</a:t>
+              <a:t>Result research </a:t>
             </a:r>
             <a:endParaRPr lang="en-US" sz="4000" b="1" u="sng" dirty="0">
               <a:latin typeface="Times New Roman" panose="02020603050405020304" pitchFamily="18" charset="0"/>
@@ -17352,7 +20526,7 @@
         </p:nvSpPr>
         <p:spPr>
           <a:xfrm>
-            <a:off x="274297" y="1792290"/>
+            <a:off x="274297" y="4377847"/>
             <a:ext cx="11707495" cy="2290983"/>
           </a:xfrm>
           <a:prstGeom prst="rect">
@@ -17543,6 +20717,338 @@
                 <a:cs typeface="Times New Roman" panose="02020603050405020304" pitchFamily="18" charset="0"/>
               </a:rPr>
               <a:t>SISTEM PENDUKUNG KEPUTUSAN MENGGUNAKAN METODE WEIGHTED PRODUK UNTUK MENENTUKAN SUPPLIER TERBAIK DI PT. MATAHARI NUSANTARA LOGISTIK</a:t>
+            </a:r>
+            <a:endParaRPr lang="en-US" sz="3500" dirty="0">
+              <a:latin typeface="Times New Roman" panose="02020603050405020304" pitchFamily="18" charset="0"/>
+              <a:cs typeface="Times New Roman" panose="02020603050405020304" pitchFamily="18" charset="0"/>
+            </a:endParaRPr>
+          </a:p>
+        </p:txBody>
+      </p:sp>
+      <p:sp>
+        <p:nvSpPr>
+          <p:cNvPr id="6" name="Title 1"/>
+          <p:cNvSpPr txBox="1">
+            <a:spLocks/>
+          </p:cNvSpPr>
+          <p:nvPr/>
+        </p:nvSpPr>
+        <p:spPr>
+          <a:xfrm>
+            <a:off x="831354" y="434709"/>
+            <a:ext cx="9905998" cy="737329"/>
+          </a:xfrm>
+          <a:prstGeom prst="rect">
+            <a:avLst/>
+          </a:prstGeom>
+        </p:spPr>
+        <p:txBody>
+          <a:bodyPr vert="horz" lIns="91440" tIns="45720" rIns="91440" bIns="45720" rtlCol="0" anchor="ctr">
+            <a:normAutofit/>
+          </a:bodyPr>
+          <a:lstStyle>
+            <a:lvl1pPr algn="l" defTabSz="914400" rtl="0" eaLnBrk="1" latinLnBrk="0" hangingPunct="1">
+              <a:lnSpc>
+                <a:spcPct val="90000"/>
+              </a:lnSpc>
+              <a:spcBef>
+                <a:spcPct val="0"/>
+              </a:spcBef>
+              <a:buNone/>
+              <a:defRPr sz="3600" kern="1200" cap="all" baseline="0">
+                <a:solidFill>
+                  <a:schemeClr val="tx1"/>
+                </a:solidFill>
+                <a:latin typeface="+mj-lt"/>
+                <a:ea typeface="+mj-ea"/>
+                <a:cs typeface="+mj-cs"/>
+              </a:defRPr>
+            </a:lvl1pPr>
+          </a:lstStyle>
+          <a:p>
+            <a:r>
+              <a:rPr lang="en-US" sz="4000" b="1" u="sng" dirty="0" smtClean="0">
+                <a:latin typeface="Times New Roman" panose="02020603050405020304" pitchFamily="18" charset="0"/>
+                <a:cs typeface="Times New Roman" panose="02020603050405020304" pitchFamily="18" charset="0"/>
+              </a:rPr>
+              <a:t>Software development</a:t>
+            </a:r>
+            <a:endParaRPr lang="en-US" sz="4000" b="1" u="sng" dirty="0">
+              <a:latin typeface="Times New Roman" panose="02020603050405020304" pitchFamily="18" charset="0"/>
+              <a:cs typeface="Times New Roman" panose="02020603050405020304" pitchFamily="18" charset="0"/>
+            </a:endParaRPr>
+          </a:p>
+        </p:txBody>
+      </p:sp>
+      <p:sp>
+        <p:nvSpPr>
+          <p:cNvPr id="7" name="Content Placeholder 2"/>
+          <p:cNvSpPr txBox="1">
+            <a:spLocks/>
+          </p:cNvSpPr>
+          <p:nvPr/>
+        </p:nvSpPr>
+        <p:spPr>
+          <a:xfrm>
+            <a:off x="516036" y="1103995"/>
+            <a:ext cx="11707495" cy="2290983"/>
+          </a:xfrm>
+          <a:prstGeom prst="rect">
+            <a:avLst/>
+          </a:prstGeom>
+        </p:spPr>
+        <p:txBody>
+          <a:bodyPr vert="horz" lIns="91440" tIns="45720" rIns="91440" bIns="45720" rtlCol="0">
+            <a:normAutofit/>
+          </a:bodyPr>
+          <a:lstStyle>
+            <a:lvl1pPr marL="228600" indent="-228600" algn="l" defTabSz="914400" rtl="0" eaLnBrk="1" latinLnBrk="0" hangingPunct="1">
+              <a:lnSpc>
+                <a:spcPct val="120000"/>
+              </a:lnSpc>
+              <a:spcBef>
+                <a:spcPts val="1000"/>
+              </a:spcBef>
+              <a:buSzPct val="125000"/>
+              <a:buFont typeface="Arial" panose="020B0604020202020204" pitchFamily="34" charset="0"/>
+              <a:buChar char="•"/>
+              <a:defRPr sz="2400" kern="1200">
+                <a:solidFill>
+                  <a:schemeClr val="tx1"/>
+                </a:solidFill>
+                <a:latin typeface="+mn-lt"/>
+                <a:ea typeface="+mn-ea"/>
+                <a:cs typeface="+mn-cs"/>
+              </a:defRPr>
+            </a:lvl1pPr>
+            <a:lvl2pPr marL="685800" indent="-228600" algn="l" defTabSz="914400" rtl="0" eaLnBrk="1" latinLnBrk="0" hangingPunct="1">
+              <a:lnSpc>
+                <a:spcPct val="120000"/>
+              </a:lnSpc>
+              <a:spcBef>
+                <a:spcPts val="500"/>
+              </a:spcBef>
+              <a:buSzPct val="125000"/>
+              <a:buFont typeface="Arial" panose="020B0604020202020204" pitchFamily="34" charset="0"/>
+              <a:buChar char="•"/>
+              <a:defRPr sz="2000" kern="1200">
+                <a:solidFill>
+                  <a:schemeClr val="tx1"/>
+                </a:solidFill>
+                <a:latin typeface="+mn-lt"/>
+                <a:ea typeface="+mn-ea"/>
+                <a:cs typeface="+mn-cs"/>
+              </a:defRPr>
+            </a:lvl2pPr>
+            <a:lvl3pPr marL="1143000" indent="-228600" algn="l" defTabSz="914400" rtl="0" eaLnBrk="1" latinLnBrk="0" hangingPunct="1">
+              <a:lnSpc>
+                <a:spcPct val="120000"/>
+              </a:lnSpc>
+              <a:spcBef>
+                <a:spcPts val="500"/>
+              </a:spcBef>
+              <a:buSzPct val="125000"/>
+              <a:buFont typeface="Arial" panose="020B0604020202020204" pitchFamily="34" charset="0"/>
+              <a:buChar char="•"/>
+              <a:defRPr sz="1800" kern="1200">
+                <a:solidFill>
+                  <a:schemeClr val="tx1"/>
+                </a:solidFill>
+                <a:latin typeface="+mn-lt"/>
+                <a:ea typeface="+mn-ea"/>
+                <a:cs typeface="+mn-cs"/>
+              </a:defRPr>
+            </a:lvl3pPr>
+            <a:lvl4pPr marL="1600200" indent="-228600" algn="l" defTabSz="914400" rtl="0" eaLnBrk="1" latinLnBrk="0" hangingPunct="1">
+              <a:lnSpc>
+                <a:spcPct val="120000"/>
+              </a:lnSpc>
+              <a:spcBef>
+                <a:spcPts val="500"/>
+              </a:spcBef>
+              <a:buSzPct val="125000"/>
+              <a:buFont typeface="Arial" panose="020B0604020202020204" pitchFamily="34" charset="0"/>
+              <a:buChar char="•"/>
+              <a:defRPr sz="1600" kern="1200">
+                <a:solidFill>
+                  <a:schemeClr val="tx1"/>
+                </a:solidFill>
+                <a:latin typeface="+mn-lt"/>
+                <a:ea typeface="+mn-ea"/>
+                <a:cs typeface="+mn-cs"/>
+              </a:defRPr>
+            </a:lvl4pPr>
+            <a:lvl5pPr marL="2057400" indent="-228600" algn="l" defTabSz="914400" rtl="0" eaLnBrk="1" latinLnBrk="0" hangingPunct="1">
+              <a:lnSpc>
+                <a:spcPct val="120000"/>
+              </a:lnSpc>
+              <a:spcBef>
+                <a:spcPts val="500"/>
+              </a:spcBef>
+              <a:buSzPct val="125000"/>
+              <a:buFont typeface="Arial" panose="020B0604020202020204" pitchFamily="34" charset="0"/>
+              <a:buChar char="•"/>
+              <a:defRPr sz="1600" kern="1200">
+                <a:solidFill>
+                  <a:schemeClr val="tx1"/>
+                </a:solidFill>
+                <a:latin typeface="+mn-lt"/>
+                <a:ea typeface="+mn-ea"/>
+                <a:cs typeface="+mn-cs"/>
+              </a:defRPr>
+            </a:lvl5pPr>
+            <a:lvl6pPr marL="2514600" indent="-228600" algn="l" defTabSz="914400" rtl="0" eaLnBrk="1" latinLnBrk="0" hangingPunct="1">
+              <a:lnSpc>
+                <a:spcPct val="120000"/>
+              </a:lnSpc>
+              <a:spcBef>
+                <a:spcPts val="500"/>
+              </a:spcBef>
+              <a:buSzPct val="125000"/>
+              <a:buFont typeface="Arial" panose="020B0604020202020204" pitchFamily="34" charset="0"/>
+              <a:buChar char="•"/>
+              <a:defRPr sz="1400" kern="1200">
+                <a:solidFill>
+                  <a:schemeClr val="tx1"/>
+                </a:solidFill>
+                <a:latin typeface="+mn-lt"/>
+                <a:ea typeface="+mn-ea"/>
+                <a:cs typeface="+mn-cs"/>
+              </a:defRPr>
+            </a:lvl6pPr>
+            <a:lvl7pPr marL="2971800" indent="-228600" algn="l" defTabSz="914400" rtl="0" eaLnBrk="1" latinLnBrk="0" hangingPunct="1">
+              <a:lnSpc>
+                <a:spcPct val="120000"/>
+              </a:lnSpc>
+              <a:spcBef>
+                <a:spcPts val="500"/>
+              </a:spcBef>
+              <a:buSzPct val="125000"/>
+              <a:buFont typeface="Arial" panose="020B0604020202020204" pitchFamily="34" charset="0"/>
+              <a:buChar char="•"/>
+              <a:defRPr sz="1400" kern="1200">
+                <a:solidFill>
+                  <a:schemeClr val="tx1"/>
+                </a:solidFill>
+                <a:latin typeface="+mn-lt"/>
+                <a:ea typeface="+mn-ea"/>
+                <a:cs typeface="+mn-cs"/>
+              </a:defRPr>
+            </a:lvl7pPr>
+            <a:lvl8pPr marL="3429000" indent="-228600" algn="l" defTabSz="914400" rtl="0" eaLnBrk="1" latinLnBrk="0" hangingPunct="1">
+              <a:lnSpc>
+                <a:spcPct val="120000"/>
+              </a:lnSpc>
+              <a:spcBef>
+                <a:spcPts val="500"/>
+              </a:spcBef>
+              <a:buSzPct val="125000"/>
+              <a:buFont typeface="Arial" panose="020B0604020202020204" pitchFamily="34" charset="0"/>
+              <a:buChar char="•"/>
+              <a:defRPr sz="1400" kern="1200">
+                <a:solidFill>
+                  <a:schemeClr val="tx1"/>
+                </a:solidFill>
+                <a:latin typeface="+mn-lt"/>
+                <a:ea typeface="+mn-ea"/>
+                <a:cs typeface="+mn-cs"/>
+              </a:defRPr>
+            </a:lvl8pPr>
+            <a:lvl9pPr marL="3886200" indent="-228600" algn="l" defTabSz="914400" rtl="0" eaLnBrk="1" latinLnBrk="0" hangingPunct="1">
+              <a:lnSpc>
+                <a:spcPct val="120000"/>
+              </a:lnSpc>
+              <a:spcBef>
+                <a:spcPts val="500"/>
+              </a:spcBef>
+              <a:buSzPct val="125000"/>
+              <a:buFont typeface="Arial" panose="020B0604020202020204" pitchFamily="34" charset="0"/>
+              <a:buChar char="•"/>
+              <a:defRPr sz="1400" kern="1200">
+                <a:solidFill>
+                  <a:schemeClr val="tx1"/>
+                </a:solidFill>
+                <a:latin typeface="+mn-lt"/>
+                <a:ea typeface="+mn-ea"/>
+                <a:cs typeface="+mn-cs"/>
+              </a:defRPr>
+            </a:lvl9pPr>
+          </a:lstStyle>
+          <a:p>
+            <a:r>
+              <a:rPr lang="en-US" sz="3500" dirty="0" smtClean="0">
+                <a:latin typeface="Times New Roman" panose="02020603050405020304" pitchFamily="18" charset="0"/>
+                <a:cs typeface="Times New Roman" panose="02020603050405020304" pitchFamily="18" charset="0"/>
+              </a:rPr>
+              <a:t>SDLC </a:t>
+            </a:r>
+            <a:r>
+              <a:rPr lang="en-US" sz="3500" dirty="0" err="1" smtClean="0">
+                <a:latin typeface="Times New Roman" panose="02020603050405020304" pitchFamily="18" charset="0"/>
+                <a:cs typeface="Times New Roman" panose="02020603050405020304" pitchFamily="18" charset="0"/>
+              </a:rPr>
+              <a:t>Methode</a:t>
+            </a:r>
+            <a:endParaRPr lang="en-US" sz="3500" dirty="0" smtClean="0">
+              <a:latin typeface="Times New Roman" panose="02020603050405020304" pitchFamily="18" charset="0"/>
+              <a:cs typeface="Times New Roman" panose="02020603050405020304" pitchFamily="18" charset="0"/>
+            </a:endParaRPr>
+          </a:p>
+          <a:p>
+            <a:r>
+              <a:rPr lang="en-US" sz="3500" dirty="0" smtClean="0">
+                <a:latin typeface="Times New Roman" panose="02020603050405020304" pitchFamily="18" charset="0"/>
+                <a:cs typeface="Times New Roman" panose="02020603050405020304" pitchFamily="18" charset="0"/>
+              </a:rPr>
+              <a:t>PHP 7.3 Framework </a:t>
+            </a:r>
+            <a:r>
+              <a:rPr lang="en-US" sz="3500" dirty="0" err="1" smtClean="0">
+                <a:latin typeface="Times New Roman" panose="02020603050405020304" pitchFamily="18" charset="0"/>
+                <a:cs typeface="Times New Roman" panose="02020603050405020304" pitchFamily="18" charset="0"/>
+              </a:rPr>
+              <a:t>CodeIginter</a:t>
+            </a:r>
+            <a:r>
+              <a:rPr lang="en-US" sz="3500" dirty="0" smtClean="0">
+                <a:latin typeface="Times New Roman" panose="02020603050405020304" pitchFamily="18" charset="0"/>
+                <a:cs typeface="Times New Roman" panose="02020603050405020304" pitchFamily="18" charset="0"/>
+              </a:rPr>
+              <a:t> v3 </a:t>
+            </a:r>
+            <a:r>
+              <a:rPr lang="en-US" sz="3500" dirty="0" err="1" smtClean="0">
+                <a:latin typeface="Times New Roman" panose="02020603050405020304" pitchFamily="18" charset="0"/>
+                <a:cs typeface="Times New Roman" panose="02020603050405020304" pitchFamily="18" charset="0"/>
+              </a:rPr>
+              <a:t>dan</a:t>
+            </a:r>
+            <a:r>
+              <a:rPr lang="en-US" sz="3500" dirty="0" smtClean="0">
+                <a:latin typeface="Times New Roman" panose="02020603050405020304" pitchFamily="18" charset="0"/>
+                <a:cs typeface="Times New Roman" panose="02020603050405020304" pitchFamily="18" charset="0"/>
+              </a:rPr>
+              <a:t> </a:t>
+            </a:r>
+            <a:r>
+              <a:rPr lang="en-US" sz="3500" dirty="0" err="1" smtClean="0">
+                <a:latin typeface="Times New Roman" panose="02020603050405020304" pitchFamily="18" charset="0"/>
+                <a:cs typeface="Times New Roman" panose="02020603050405020304" pitchFamily="18" charset="0"/>
+              </a:rPr>
+              <a:t>MySql</a:t>
+            </a:r>
+            <a:endParaRPr lang="en-US" sz="3500" dirty="0" smtClean="0">
+              <a:latin typeface="Times New Roman" panose="02020603050405020304" pitchFamily="18" charset="0"/>
+              <a:cs typeface="Times New Roman" panose="02020603050405020304" pitchFamily="18" charset="0"/>
+            </a:endParaRPr>
+          </a:p>
+          <a:p>
+            <a:r>
+              <a:rPr lang="en-US" sz="3500" dirty="0" smtClean="0">
+                <a:latin typeface="Times New Roman" panose="02020603050405020304" pitchFamily="18" charset="0"/>
+                <a:cs typeface="Times New Roman" panose="02020603050405020304" pitchFamily="18" charset="0"/>
+              </a:rPr>
+              <a:t>Software development (IDE &amp; third party)</a:t>
             </a:r>
             <a:endParaRPr lang="en-US" sz="3500" dirty="0">
               <a:latin typeface="Times New Roman" panose="02020603050405020304" pitchFamily="18" charset="0"/>
